--- a/Y10/L2/L2.pptx
+++ b/Y10/L2/L2.pptx
@@ -5,7 +5,7 @@
     <p:sldMasterId id="2147483648" r:id="rId1"/>
   </p:sldMasterIdLst>
   <p:notesMasterIdLst>
-    <p:notesMasterId r:id="rId12"/>
+    <p:notesMasterId r:id="rId14"/>
   </p:notesMasterIdLst>
   <p:sldIdLst>
     <p:sldId id="256" r:id="rId2"/>
@@ -18,6 +18,8 @@
     <p:sldId id="280" r:id="rId9"/>
     <p:sldId id="281" r:id="rId10"/>
     <p:sldId id="282" r:id="rId11"/>
+    <p:sldId id="283" r:id="rId12"/>
+    <p:sldId id="284" r:id="rId13"/>
   </p:sldIdLst>
   <p:sldSz cx="24384000" cy="13716000"/>
   <p:notesSz cx="9144000" cy="6858000"/>
@@ -633,6 +635,138 @@
     <p:extLst>
       <p:ext uri="{BB962C8B-B14F-4D97-AF65-F5344CB8AC3E}">
         <p14:creationId xmlns:p14="http://schemas.microsoft.com/office/powerpoint/2010/main" val="3262775589"/>
+      </p:ext>
+    </p:extLst>
+  </p:cSld>
+  <p:clrMapOvr>
+    <a:masterClrMapping/>
+  </p:clrMapOvr>
+</p:notes>
+</file>
+
+<file path=ppt/notesSlides/notesSlide11.xml><?xml version="1.0" encoding="utf-8"?>
+<p:notes xmlns:a="http://schemas.openxmlformats.org/drawingml/2006/main" xmlns:r="http://schemas.openxmlformats.org/officeDocument/2006/relationships" xmlns:p="http://schemas.openxmlformats.org/presentationml/2006/main">
+  <p:cSld>
+    <p:spTree>
+      <p:nvGrpSpPr>
+        <p:cNvPr id="1" name=""/>
+        <p:cNvGrpSpPr/>
+        <p:nvPr/>
+      </p:nvGrpSpPr>
+      <p:grpSpPr>
+        <a:xfrm>
+          <a:off x="0" y="0"/>
+          <a:ext cx="0" cy="0"/>
+          <a:chOff x="0" y="0"/>
+          <a:chExt cx="0" cy="0"/>
+        </a:xfrm>
+      </p:grpSpPr>
+      <p:sp>
+        <p:nvSpPr>
+          <p:cNvPr id="2" name="Slide Image Placeholder 1"/>
+          <p:cNvSpPr>
+            <a:spLocks noGrp="1" noRot="1" noChangeAspect="1"/>
+          </p:cNvSpPr>
+          <p:nvPr>
+            <p:ph type="sldImg"/>
+          </p:nvPr>
+        </p:nvSpPr>
+        <p:spPr>
+          <a:xfrm>
+            <a:off x="2286000" y="514350"/>
+            <a:ext cx="4572000" cy="2571750"/>
+          </a:xfrm>
+        </p:spPr>
+      </p:sp>
+      <p:sp>
+        <p:nvSpPr>
+          <p:cNvPr id="3" name="Notes Placeholder 2"/>
+          <p:cNvSpPr>
+            <a:spLocks noGrp="1"/>
+          </p:cNvSpPr>
+          <p:nvPr>
+            <p:ph type="body" idx="1"/>
+          </p:nvPr>
+        </p:nvSpPr>
+        <p:spPr/>
+        <p:txBody>
+          <a:bodyPr/>
+          <a:lstStyle/>
+          <a:p>
+            <a:endParaRPr lang="en-US"/>
+          </a:p>
+        </p:txBody>
+      </p:sp>
+    </p:spTree>
+    <p:extLst>
+      <p:ext uri="{BB962C8B-B14F-4D97-AF65-F5344CB8AC3E}">
+        <p14:creationId xmlns:p14="http://schemas.microsoft.com/office/powerpoint/2010/main" val="3239623835"/>
+      </p:ext>
+    </p:extLst>
+  </p:cSld>
+  <p:clrMapOvr>
+    <a:masterClrMapping/>
+  </p:clrMapOvr>
+</p:notes>
+</file>
+
+<file path=ppt/notesSlides/notesSlide12.xml><?xml version="1.0" encoding="utf-8"?>
+<p:notes xmlns:a="http://schemas.openxmlformats.org/drawingml/2006/main" xmlns:r="http://schemas.openxmlformats.org/officeDocument/2006/relationships" xmlns:p="http://schemas.openxmlformats.org/presentationml/2006/main">
+  <p:cSld>
+    <p:spTree>
+      <p:nvGrpSpPr>
+        <p:cNvPr id="1" name=""/>
+        <p:cNvGrpSpPr/>
+        <p:nvPr/>
+      </p:nvGrpSpPr>
+      <p:grpSpPr>
+        <a:xfrm>
+          <a:off x="0" y="0"/>
+          <a:ext cx="0" cy="0"/>
+          <a:chOff x="0" y="0"/>
+          <a:chExt cx="0" cy="0"/>
+        </a:xfrm>
+      </p:grpSpPr>
+      <p:sp>
+        <p:nvSpPr>
+          <p:cNvPr id="2" name="Slide Image Placeholder 1"/>
+          <p:cNvSpPr>
+            <a:spLocks noGrp="1" noRot="1" noChangeAspect="1"/>
+          </p:cNvSpPr>
+          <p:nvPr>
+            <p:ph type="sldImg"/>
+          </p:nvPr>
+        </p:nvSpPr>
+        <p:spPr>
+          <a:xfrm>
+            <a:off x="2286000" y="514350"/>
+            <a:ext cx="4572000" cy="2571750"/>
+          </a:xfrm>
+        </p:spPr>
+      </p:sp>
+      <p:sp>
+        <p:nvSpPr>
+          <p:cNvPr id="3" name="Notes Placeholder 2"/>
+          <p:cNvSpPr>
+            <a:spLocks noGrp="1"/>
+          </p:cNvSpPr>
+          <p:nvPr>
+            <p:ph type="body" idx="1"/>
+          </p:nvPr>
+        </p:nvSpPr>
+        <p:spPr/>
+        <p:txBody>
+          <a:bodyPr/>
+          <a:lstStyle/>
+          <a:p>
+            <a:endParaRPr lang="en-US"/>
+          </a:p>
+        </p:txBody>
+      </p:sp>
+    </p:spTree>
+    <p:extLst>
+      <p:ext uri="{BB962C8B-B14F-4D97-AF65-F5344CB8AC3E}">
+        <p14:creationId xmlns:p14="http://schemas.microsoft.com/office/powerpoint/2010/main" val="3191326208"/>
       </p:ext>
     </p:extLst>
   </p:cSld>
@@ -4567,6 +4701,1372 @@
     <a:masterClrMapping/>
   </p:clrMapOvr>
   <p:transition spd="med"/>
+</p:sld>
+</file>
+
+<file path=ppt/slides/slide11.xml><?xml version="1.0" encoding="utf-8"?>
+<p:sld xmlns:a="http://schemas.openxmlformats.org/drawingml/2006/main" xmlns:r="http://schemas.openxmlformats.org/officeDocument/2006/relationships" xmlns:p="http://schemas.openxmlformats.org/presentationml/2006/main">
+  <p:cSld>
+    <p:spTree>
+      <p:nvGrpSpPr>
+        <p:cNvPr id="1" name=""/>
+        <p:cNvGrpSpPr/>
+        <p:nvPr/>
+      </p:nvGrpSpPr>
+      <p:grpSpPr>
+        <a:xfrm>
+          <a:off x="0" y="0"/>
+          <a:ext cx="0" cy="0"/>
+          <a:chOff x="0" y="0"/>
+          <a:chExt cx="0" cy="0"/>
+        </a:xfrm>
+      </p:grpSpPr>
+      <p:sp>
+        <p:nvSpPr>
+          <p:cNvPr id="213" name="Your exam"/>
+          <p:cNvSpPr txBox="1">
+            <a:spLocks noGrp="1"/>
+          </p:cNvSpPr>
+          <p:nvPr>
+            <p:ph type="title"/>
+          </p:nvPr>
+        </p:nvSpPr>
+        <p:spPr>
+          <a:prstGeom prst="rect">
+            <a:avLst/>
+          </a:prstGeom>
+        </p:spPr>
+        <p:txBody>
+          <a:bodyPr/>
+          <a:lstStyle/>
+          <a:p>
+            <a:r>
+              <a:rPr lang="en-GB" b="1" dirty="0"/>
+              <a:t>Data interception</a:t>
+            </a:r>
+            <a:endParaRPr b="1" dirty="0"/>
+          </a:p>
+        </p:txBody>
+      </p:sp>
+      <p:sp>
+        <p:nvSpPr>
+          <p:cNvPr id="3" name="Text Placeholder 2">
+            <a:extLst>
+              <a:ext uri="{FF2B5EF4-FFF2-40B4-BE49-F238E27FC236}">
+                <a16:creationId xmlns:a16="http://schemas.microsoft.com/office/drawing/2014/main" id="{2CBA9DE5-9EAE-A36C-8AE7-50D4845B518B}"/>
+              </a:ext>
+            </a:extLst>
+          </p:cNvPr>
+          <p:cNvSpPr>
+            <a:spLocks noGrp="1"/>
+          </p:cNvSpPr>
+          <p:nvPr>
+            <p:ph type="body" idx="1"/>
+          </p:nvPr>
+        </p:nvSpPr>
+        <p:spPr>
+          <a:xfrm>
+            <a:off x="1219200" y="8096086"/>
+            <a:ext cx="21945600" cy="4400713"/>
+          </a:xfrm>
+        </p:spPr>
+        <p:txBody>
+          <a:bodyPr>
+            <a:normAutofit lnSpcReduction="10000"/>
+          </a:bodyPr>
+          <a:lstStyle/>
+          <a:p>
+            <a:pPr marL="685800" indent="-685800">
+              <a:buFont typeface="Arial" panose="020B0604020202020204" pitchFamily="34" charset="0"/>
+              <a:buChar char="•"/>
+            </a:pPr>
+            <a:r>
+              <a:rPr lang="en-US" b="0" dirty="0">
+                <a:latin typeface="Avenir Next" panose="020B0503020202020204" pitchFamily="34" charset="0"/>
+              </a:rPr>
+              <a:t>Data travels across a network in packets.</a:t>
+            </a:r>
+          </a:p>
+          <a:p>
+            <a:pPr marL="685800" indent="-685800">
+              <a:buFont typeface="Arial" panose="020B0604020202020204" pitchFamily="34" charset="0"/>
+              <a:buChar char="•"/>
+            </a:pPr>
+            <a:r>
+              <a:rPr lang="en-US" b="0" dirty="0">
+                <a:latin typeface="Avenir Next" panose="020B0503020202020204" pitchFamily="34" charset="0"/>
+              </a:rPr>
+              <a:t>These packets can be </a:t>
+            </a:r>
+            <a:r>
+              <a:rPr lang="en-US" dirty="0">
+                <a:latin typeface="Avenir Next" panose="020B0503020202020204" pitchFamily="34" charset="0"/>
+              </a:rPr>
+              <a:t>intercepted</a:t>
+            </a:r>
+            <a:r>
+              <a:rPr lang="en-US" b="0" dirty="0">
+                <a:latin typeface="Avenir Next" panose="020B0503020202020204" pitchFamily="34" charset="0"/>
+              </a:rPr>
+              <a:t>.</a:t>
+            </a:r>
+          </a:p>
+          <a:p>
+            <a:pPr marL="685800" indent="-685800">
+              <a:buFont typeface="Arial" panose="020B0604020202020204" pitchFamily="34" charset="0"/>
+              <a:buChar char="•"/>
+            </a:pPr>
+            <a:r>
+              <a:rPr lang="en-US" b="0" dirty="0">
+                <a:latin typeface="Avenir Next" panose="020B0503020202020204" pitchFamily="34" charset="0"/>
+              </a:rPr>
+              <a:t>Even more susceptible in Wireless Networks.</a:t>
+            </a:r>
+          </a:p>
+          <a:p>
+            <a:pPr marL="685800" indent="-685800">
+              <a:buFont typeface="Arial" panose="020B0604020202020204" pitchFamily="34" charset="0"/>
+              <a:buChar char="•"/>
+            </a:pPr>
+            <a:r>
+              <a:rPr lang="en-US" dirty="0">
+                <a:latin typeface="Avenir Next" panose="020B0503020202020204" pitchFamily="34" charset="0"/>
+              </a:rPr>
+              <a:t>How can we protect our packets of data?</a:t>
+            </a:r>
+          </a:p>
+        </p:txBody>
+      </p:sp>
+      <p:pic>
+        <p:nvPicPr>
+          <p:cNvPr id="2" name="Graphic 1" descr="Laptop with solid fill">
+            <a:extLst>
+              <a:ext uri="{FF2B5EF4-FFF2-40B4-BE49-F238E27FC236}">
+                <a16:creationId xmlns:a16="http://schemas.microsoft.com/office/drawing/2014/main" id="{38175EE8-EA33-898F-8AF5-BEA0F1444A5B}"/>
+              </a:ext>
+            </a:extLst>
+          </p:cNvPr>
+          <p:cNvPicPr>
+            <a:picLocks noChangeAspect="1"/>
+          </p:cNvPicPr>
+          <p:nvPr/>
+        </p:nvPicPr>
+        <p:blipFill>
+          <a:blip r:embed="rId3">
+            <a:extLst>
+              <a:ext uri="{28A0092B-C50C-407E-A947-70E740481C1C}">
+                <a14:useLocalDpi xmlns:a14="http://schemas.microsoft.com/office/drawing/2010/main" val="0"/>
+              </a:ext>
+              <a:ext uri="{96DAC541-7B7A-43D3-8B79-37D633B846F1}">
+                <asvg:svgBlip xmlns:asvg="http://schemas.microsoft.com/office/drawing/2016/SVG/main" r:embed="rId4"/>
+              </a:ext>
+            </a:extLst>
+          </a:blip>
+          <a:stretch>
+            <a:fillRect/>
+          </a:stretch>
+        </p:blipFill>
+        <p:spPr>
+          <a:xfrm>
+            <a:off x="17199737" y="2919915"/>
+            <a:ext cx="2880000" cy="2880000"/>
+          </a:xfrm>
+          <a:prstGeom prst="rect">
+            <a:avLst/>
+          </a:prstGeom>
+        </p:spPr>
+      </p:pic>
+      <p:pic>
+        <p:nvPicPr>
+          <p:cNvPr id="5" name="Graphic 4" descr="Monitor with solid fill">
+            <a:extLst>
+              <a:ext uri="{FF2B5EF4-FFF2-40B4-BE49-F238E27FC236}">
+                <a16:creationId xmlns:a16="http://schemas.microsoft.com/office/drawing/2014/main" id="{58E02C81-AB09-2527-9B84-7237D40A365F}"/>
+              </a:ext>
+            </a:extLst>
+          </p:cNvPr>
+          <p:cNvPicPr>
+            <a:picLocks noChangeAspect="1"/>
+          </p:cNvPicPr>
+          <p:nvPr/>
+        </p:nvPicPr>
+        <p:blipFill>
+          <a:blip r:embed="rId5">
+            <a:extLst>
+              <a:ext uri="{28A0092B-C50C-407E-A947-70E740481C1C}">
+                <a14:useLocalDpi xmlns:a14="http://schemas.microsoft.com/office/drawing/2010/main" val="0"/>
+              </a:ext>
+              <a:ext uri="{96DAC541-7B7A-43D3-8B79-37D633B846F1}">
+                <asvg:svgBlip xmlns:asvg="http://schemas.microsoft.com/office/drawing/2016/SVG/main" r:embed="rId6"/>
+              </a:ext>
+            </a:extLst>
+          </a:blip>
+          <a:stretch>
+            <a:fillRect/>
+          </a:stretch>
+        </p:blipFill>
+        <p:spPr>
+          <a:xfrm>
+            <a:off x="2779246" y="2919915"/>
+            <a:ext cx="2880000" cy="2880000"/>
+          </a:xfrm>
+          <a:prstGeom prst="rect">
+            <a:avLst/>
+          </a:prstGeom>
+        </p:spPr>
+      </p:pic>
+      <p:cxnSp>
+        <p:nvCxnSpPr>
+          <p:cNvPr id="7" name="Straight Connector 6">
+            <a:extLst>
+              <a:ext uri="{FF2B5EF4-FFF2-40B4-BE49-F238E27FC236}">
+                <a16:creationId xmlns:a16="http://schemas.microsoft.com/office/drawing/2014/main" id="{B5C00738-471B-EF4F-EDCE-534B481F7FEC}"/>
+              </a:ext>
+            </a:extLst>
+          </p:cNvPr>
+          <p:cNvCxnSpPr>
+            <a:stCxn id="5" idx="3"/>
+          </p:cNvCxnSpPr>
+          <p:nvPr/>
+        </p:nvCxnSpPr>
+        <p:spPr>
+          <a:xfrm>
+            <a:off x="5659246" y="4359915"/>
+            <a:ext cx="11540491" cy="0"/>
+          </a:xfrm>
+          <a:prstGeom prst="line">
+            <a:avLst/>
+          </a:prstGeom>
+          <a:noFill/>
+          <a:ln w="57150" cap="flat">
+            <a:solidFill>
+              <a:srgbClr val="000000"/>
+            </a:solidFill>
+            <a:prstDash val="solid"/>
+            <a:miter lim="400000"/>
+          </a:ln>
+          <a:effectLst/>
+          <a:sp3d/>
+        </p:spPr>
+        <p:style>
+          <a:lnRef idx="0">
+            <a:scrgbClr r="0" g="0" b="0"/>
+          </a:lnRef>
+          <a:fillRef idx="0">
+            <a:scrgbClr r="0" g="0" b="0"/>
+          </a:fillRef>
+          <a:effectRef idx="0">
+            <a:scrgbClr r="0" g="0" b="0"/>
+          </a:effectRef>
+          <a:fontRef idx="none"/>
+        </p:style>
+      </p:cxnSp>
+      <p:grpSp>
+        <p:nvGrpSpPr>
+          <p:cNvPr id="11" name="Group 10">
+            <a:extLst>
+              <a:ext uri="{FF2B5EF4-FFF2-40B4-BE49-F238E27FC236}">
+                <a16:creationId xmlns:a16="http://schemas.microsoft.com/office/drawing/2014/main" id="{42CC88F2-D49F-6BCE-C485-52F2F30C5AC7}"/>
+              </a:ext>
+            </a:extLst>
+          </p:cNvPr>
+          <p:cNvGrpSpPr/>
+          <p:nvPr/>
+        </p:nvGrpSpPr>
+        <p:grpSpPr>
+          <a:xfrm>
+            <a:off x="10169491" y="3099915"/>
+            <a:ext cx="2520000" cy="2520000"/>
+            <a:chOff x="9499682" y="2919915"/>
+            <a:chExt cx="2520000" cy="2520000"/>
+          </a:xfrm>
+        </p:grpSpPr>
+        <p:sp>
+          <p:nvSpPr>
+            <p:cNvPr id="10" name="Rounded Rectangle 9">
+              <a:extLst>
+                <a:ext uri="{FF2B5EF4-FFF2-40B4-BE49-F238E27FC236}">
+                  <a16:creationId xmlns:a16="http://schemas.microsoft.com/office/drawing/2014/main" id="{4EC50F61-8B3A-76B9-BFB3-1CFD74B2F240}"/>
+                </a:ext>
+              </a:extLst>
+            </p:cNvPr>
+            <p:cNvSpPr/>
+            <p:nvPr/>
+          </p:nvSpPr>
+          <p:spPr>
+            <a:xfrm>
+              <a:off x="9499682" y="2919915"/>
+              <a:ext cx="2520000" cy="2520000"/>
+            </a:xfrm>
+            <a:prstGeom prst="roundRect">
+              <a:avLst/>
+            </a:prstGeom>
+            <a:ln w="127000">
+              <a:noFill/>
+            </a:ln>
+          </p:spPr>
+          <p:style>
+            <a:lnRef idx="2">
+              <a:schemeClr val="accent1"/>
+            </a:lnRef>
+            <a:fillRef idx="1">
+              <a:schemeClr val="lt1"/>
+            </a:fillRef>
+            <a:effectRef idx="0">
+              <a:schemeClr val="accent1"/>
+            </a:effectRef>
+            <a:fontRef idx="minor">
+              <a:schemeClr val="dk1"/>
+            </a:fontRef>
+          </p:style>
+          <p:txBody>
+            <a:bodyPr rot="0" spcFirstLastPara="1" vertOverflow="overflow" horzOverflow="overflow" vert="horz" wrap="square" lIns="50800" tIns="50800" rIns="50800" bIns="50800" numCol="1" spcCol="38100" rtlCol="0" anchor="ctr">
+              <a:spAutoFit/>
+            </a:bodyPr>
+            <a:lstStyle/>
+            <a:p>
+              <a:pPr marL="0" marR="0" indent="0" algn="ctr" defTabSz="825500" rtl="0" fontAlgn="auto" latinLnBrk="0" hangingPunct="0">
+                <a:lnSpc>
+                  <a:spcPct val="120000"/>
+                </a:lnSpc>
+                <a:spcBef>
+                  <a:spcPts val="0"/>
+                </a:spcBef>
+                <a:spcAft>
+                  <a:spcPts val="0"/>
+                </a:spcAft>
+                <a:buClrTx/>
+                <a:buSzTx/>
+                <a:buFontTx/>
+                <a:buNone/>
+                <a:tabLst/>
+              </a:pPr>
+              <a:endParaRPr kumimoji="0" lang="en-US" sz="3000" b="0" i="0" u="none" strike="noStrike" cap="all" spc="0" normalizeH="0" baseline="0" dirty="0">
+                <a:ln>
+                  <a:noFill/>
+                </a:ln>
+                <a:solidFill>
+                  <a:srgbClr val="FFFFFF"/>
+                </a:solidFill>
+                <a:effectLst/>
+                <a:uFillTx/>
+                <a:latin typeface="Proxima Nova Extrabold"/>
+                <a:ea typeface="Proxima Nova Extrabold"/>
+                <a:cs typeface="Proxima Nova Extrabold"/>
+                <a:sym typeface="Proxima Nova Extrabold"/>
+              </a:endParaRPr>
+            </a:p>
+          </p:txBody>
+        </p:sp>
+        <p:pic>
+          <p:nvPicPr>
+            <p:cNvPr id="9" name="Graphic 8" descr="Document with solid fill">
+              <a:extLst>
+                <a:ext uri="{FF2B5EF4-FFF2-40B4-BE49-F238E27FC236}">
+                  <a16:creationId xmlns:a16="http://schemas.microsoft.com/office/drawing/2014/main" id="{DCC57F45-E92D-BF0B-7630-36394CE751EC}"/>
+                </a:ext>
+              </a:extLst>
+            </p:cNvPr>
+            <p:cNvPicPr>
+              <a:picLocks noChangeAspect="1"/>
+            </p:cNvPicPr>
+            <p:nvPr/>
+          </p:nvPicPr>
+          <p:blipFill>
+            <a:blip r:embed="rId7">
+              <a:extLst>
+                <a:ext uri="{28A0092B-C50C-407E-A947-70E740481C1C}">
+                  <a14:useLocalDpi xmlns:a14="http://schemas.microsoft.com/office/drawing/2010/main" val="0"/>
+                </a:ext>
+                <a:ext uri="{96DAC541-7B7A-43D3-8B79-37D633B846F1}">
+                  <asvg:svgBlip xmlns:asvg="http://schemas.microsoft.com/office/drawing/2016/SVG/main" r:embed="rId8"/>
+                </a:ext>
+              </a:extLst>
+            </a:blip>
+            <a:stretch>
+              <a:fillRect/>
+            </a:stretch>
+          </p:blipFill>
+          <p:spPr>
+            <a:xfrm>
+              <a:off x="9658245" y="3078478"/>
+              <a:ext cx="2202873" cy="2202873"/>
+            </a:xfrm>
+            <a:prstGeom prst="rect">
+              <a:avLst/>
+            </a:prstGeom>
+          </p:spPr>
+        </p:pic>
+      </p:grpSp>
+      <p:pic>
+        <p:nvPicPr>
+          <p:cNvPr id="13" name="Graphic 12" descr="Internet with solid fill">
+            <a:extLst>
+              <a:ext uri="{FF2B5EF4-FFF2-40B4-BE49-F238E27FC236}">
+                <a16:creationId xmlns:a16="http://schemas.microsoft.com/office/drawing/2014/main" id="{4B396E59-FF6D-F529-4606-C075286C1C10}"/>
+              </a:ext>
+            </a:extLst>
+          </p:cNvPr>
+          <p:cNvPicPr>
+            <a:picLocks noChangeAspect="1"/>
+          </p:cNvPicPr>
+          <p:nvPr/>
+        </p:nvPicPr>
+        <p:blipFill>
+          <a:blip r:embed="rId9">
+            <a:extLst>
+              <a:ext uri="{28A0092B-C50C-407E-A947-70E740481C1C}">
+                <a14:useLocalDpi xmlns:a14="http://schemas.microsoft.com/office/drawing/2010/main" val="0"/>
+              </a:ext>
+              <a:ext uri="{96DAC541-7B7A-43D3-8B79-37D633B846F1}">
+                <asvg:svgBlip xmlns:asvg="http://schemas.microsoft.com/office/drawing/2016/SVG/main" r:embed="rId10"/>
+              </a:ext>
+            </a:extLst>
+          </a:blip>
+          <a:stretch>
+            <a:fillRect/>
+          </a:stretch>
+        </p:blipFill>
+        <p:spPr>
+          <a:xfrm>
+            <a:off x="9760019" y="5311322"/>
+            <a:ext cx="3338945" cy="3338945"/>
+          </a:xfrm>
+          <a:prstGeom prst="rect">
+            <a:avLst/>
+          </a:prstGeom>
+        </p:spPr>
+      </p:pic>
+    </p:spTree>
+    <p:extLst>
+      <p:ext uri="{BB962C8B-B14F-4D97-AF65-F5344CB8AC3E}">
+        <p14:creationId xmlns:p14="http://schemas.microsoft.com/office/powerpoint/2010/main" val="1359075214"/>
+      </p:ext>
+    </p:extLst>
+  </p:cSld>
+  <p:clrMapOvr>
+    <a:masterClrMapping/>
+  </p:clrMapOvr>
+  <p:transition spd="med"/>
+  <p:timing>
+    <p:tnLst>
+      <p:par>
+        <p:cTn id="1" dur="indefinite" restart="never" nodeType="tmRoot">
+          <p:childTnLst>
+            <p:seq concurrent="1" nextAc="seek">
+              <p:cTn id="2" dur="indefinite" nodeType="mainSeq">
+                <p:childTnLst>
+                  <p:par>
+                    <p:cTn id="3" fill="hold">
+                      <p:stCondLst>
+                        <p:cond delay="indefinite"/>
+                      </p:stCondLst>
+                      <p:childTnLst>
+                        <p:par>
+                          <p:cTn id="4" fill="hold">
+                            <p:stCondLst>
+                              <p:cond delay="0"/>
+                            </p:stCondLst>
+                            <p:childTnLst>
+                              <p:par>
+                                <p:cTn id="5" presetID="1" presetClass="entr" presetSubtype="0" fill="hold" grpId="0" nodeType="clickEffect">
+                                  <p:stCondLst>
+                                    <p:cond delay="0"/>
+                                  </p:stCondLst>
+                                  <p:childTnLst>
+                                    <p:set>
+                                      <p:cBhvr>
+                                        <p:cTn id="6" dur="1" fill="hold">
+                                          <p:stCondLst>
+                                            <p:cond delay="0"/>
+                                          </p:stCondLst>
+                                        </p:cTn>
+                                        <p:tgtEl>
+                                          <p:spTgt spid="3">
+                                            <p:txEl>
+                                              <p:pRg st="0" end="0"/>
+                                            </p:txEl>
+                                          </p:spTgt>
+                                        </p:tgtEl>
+                                        <p:attrNameLst>
+                                          <p:attrName>style.visibility</p:attrName>
+                                        </p:attrNameLst>
+                                      </p:cBhvr>
+                                      <p:to>
+                                        <p:strVal val="visible"/>
+                                      </p:to>
+                                    </p:set>
+                                  </p:childTnLst>
+                                </p:cTn>
+                              </p:par>
+                            </p:childTnLst>
+                          </p:cTn>
+                        </p:par>
+                      </p:childTnLst>
+                    </p:cTn>
+                  </p:par>
+                  <p:par>
+                    <p:cTn id="7" fill="hold">
+                      <p:stCondLst>
+                        <p:cond delay="indefinite"/>
+                      </p:stCondLst>
+                      <p:childTnLst>
+                        <p:par>
+                          <p:cTn id="8" fill="hold">
+                            <p:stCondLst>
+                              <p:cond delay="0"/>
+                            </p:stCondLst>
+                            <p:childTnLst>
+                              <p:par>
+                                <p:cTn id="9" presetID="1" presetClass="entr" presetSubtype="0" fill="hold" grpId="0" nodeType="clickEffect">
+                                  <p:stCondLst>
+                                    <p:cond delay="0"/>
+                                  </p:stCondLst>
+                                  <p:childTnLst>
+                                    <p:set>
+                                      <p:cBhvr>
+                                        <p:cTn id="10" dur="1" fill="hold">
+                                          <p:stCondLst>
+                                            <p:cond delay="0"/>
+                                          </p:stCondLst>
+                                        </p:cTn>
+                                        <p:tgtEl>
+                                          <p:spTgt spid="3">
+                                            <p:txEl>
+                                              <p:pRg st="1" end="1"/>
+                                            </p:txEl>
+                                          </p:spTgt>
+                                        </p:tgtEl>
+                                        <p:attrNameLst>
+                                          <p:attrName>style.visibility</p:attrName>
+                                        </p:attrNameLst>
+                                      </p:cBhvr>
+                                      <p:to>
+                                        <p:strVal val="visible"/>
+                                      </p:to>
+                                    </p:set>
+                                  </p:childTnLst>
+                                </p:cTn>
+                              </p:par>
+                            </p:childTnLst>
+                          </p:cTn>
+                        </p:par>
+                      </p:childTnLst>
+                    </p:cTn>
+                  </p:par>
+                  <p:par>
+                    <p:cTn id="11" fill="hold">
+                      <p:stCondLst>
+                        <p:cond delay="indefinite"/>
+                      </p:stCondLst>
+                      <p:childTnLst>
+                        <p:par>
+                          <p:cTn id="12" fill="hold">
+                            <p:stCondLst>
+                              <p:cond delay="0"/>
+                            </p:stCondLst>
+                            <p:childTnLst>
+                              <p:par>
+                                <p:cTn id="13" presetID="1" presetClass="entr" presetSubtype="0" fill="hold" grpId="0" nodeType="clickEffect">
+                                  <p:stCondLst>
+                                    <p:cond delay="0"/>
+                                  </p:stCondLst>
+                                  <p:childTnLst>
+                                    <p:set>
+                                      <p:cBhvr>
+                                        <p:cTn id="14" dur="1" fill="hold">
+                                          <p:stCondLst>
+                                            <p:cond delay="0"/>
+                                          </p:stCondLst>
+                                        </p:cTn>
+                                        <p:tgtEl>
+                                          <p:spTgt spid="3">
+                                            <p:txEl>
+                                              <p:pRg st="2" end="2"/>
+                                            </p:txEl>
+                                          </p:spTgt>
+                                        </p:tgtEl>
+                                        <p:attrNameLst>
+                                          <p:attrName>style.visibility</p:attrName>
+                                        </p:attrNameLst>
+                                      </p:cBhvr>
+                                      <p:to>
+                                        <p:strVal val="visible"/>
+                                      </p:to>
+                                    </p:set>
+                                  </p:childTnLst>
+                                </p:cTn>
+                              </p:par>
+                            </p:childTnLst>
+                          </p:cTn>
+                        </p:par>
+                      </p:childTnLst>
+                    </p:cTn>
+                  </p:par>
+                  <p:par>
+                    <p:cTn id="15" fill="hold">
+                      <p:stCondLst>
+                        <p:cond delay="indefinite"/>
+                      </p:stCondLst>
+                      <p:childTnLst>
+                        <p:par>
+                          <p:cTn id="16" fill="hold">
+                            <p:stCondLst>
+                              <p:cond delay="0"/>
+                            </p:stCondLst>
+                            <p:childTnLst>
+                              <p:par>
+                                <p:cTn id="17" presetID="1" presetClass="entr" presetSubtype="0" fill="hold" grpId="0" nodeType="clickEffect">
+                                  <p:stCondLst>
+                                    <p:cond delay="0"/>
+                                  </p:stCondLst>
+                                  <p:childTnLst>
+                                    <p:set>
+                                      <p:cBhvr>
+                                        <p:cTn id="18" dur="1" fill="hold">
+                                          <p:stCondLst>
+                                            <p:cond delay="0"/>
+                                          </p:stCondLst>
+                                        </p:cTn>
+                                        <p:tgtEl>
+                                          <p:spTgt spid="3">
+                                            <p:txEl>
+                                              <p:pRg st="3" end="3"/>
+                                            </p:txEl>
+                                          </p:spTgt>
+                                        </p:tgtEl>
+                                        <p:attrNameLst>
+                                          <p:attrName>style.visibility</p:attrName>
+                                        </p:attrNameLst>
+                                      </p:cBhvr>
+                                      <p:to>
+                                        <p:strVal val="visible"/>
+                                      </p:to>
+                                    </p:set>
+                                  </p:childTnLst>
+                                </p:cTn>
+                              </p:par>
+                            </p:childTnLst>
+                          </p:cTn>
+                        </p:par>
+                      </p:childTnLst>
+                    </p:cTn>
+                  </p:par>
+                </p:childTnLst>
+              </p:cTn>
+              <p:prevCondLst>
+                <p:cond evt="onPrev" delay="0">
+                  <p:tgtEl>
+                    <p:sldTgt/>
+                  </p:tgtEl>
+                </p:cond>
+              </p:prevCondLst>
+              <p:nextCondLst>
+                <p:cond evt="onNext" delay="0">
+                  <p:tgtEl>
+                    <p:sldTgt/>
+                  </p:tgtEl>
+                </p:cond>
+              </p:nextCondLst>
+            </p:seq>
+          </p:childTnLst>
+        </p:cTn>
+      </p:par>
+    </p:tnLst>
+    <p:bldLst>
+      <p:bldP spid="3" grpId="0" uiExpand="1" build="p"/>
+    </p:bldLst>
+  </p:timing>
+</p:sld>
+</file>
+
+<file path=ppt/slides/slide12.xml><?xml version="1.0" encoding="utf-8"?>
+<p:sld xmlns:a="http://schemas.openxmlformats.org/drawingml/2006/main" xmlns:r="http://schemas.openxmlformats.org/officeDocument/2006/relationships" xmlns:p="http://schemas.openxmlformats.org/presentationml/2006/main">
+  <p:cSld>
+    <p:spTree>
+      <p:nvGrpSpPr>
+        <p:cNvPr id="1" name=""/>
+        <p:cNvGrpSpPr/>
+        <p:nvPr/>
+      </p:nvGrpSpPr>
+      <p:grpSpPr>
+        <a:xfrm>
+          <a:off x="0" y="0"/>
+          <a:ext cx="0" cy="0"/>
+          <a:chOff x="0" y="0"/>
+          <a:chExt cx="0" cy="0"/>
+        </a:xfrm>
+      </p:grpSpPr>
+      <p:sp>
+        <p:nvSpPr>
+          <p:cNvPr id="213" name="Your exam"/>
+          <p:cNvSpPr txBox="1">
+            <a:spLocks noGrp="1"/>
+          </p:cNvSpPr>
+          <p:nvPr>
+            <p:ph type="title"/>
+          </p:nvPr>
+        </p:nvSpPr>
+        <p:spPr>
+          <a:prstGeom prst="rect">
+            <a:avLst/>
+          </a:prstGeom>
+        </p:spPr>
+        <p:txBody>
+          <a:bodyPr/>
+          <a:lstStyle/>
+          <a:p>
+            <a:r>
+              <a:rPr lang="en-GB" b="1" dirty="0"/>
+              <a:t>encryption</a:t>
+            </a:r>
+            <a:endParaRPr b="1" dirty="0"/>
+          </a:p>
+        </p:txBody>
+      </p:sp>
+      <p:sp>
+        <p:nvSpPr>
+          <p:cNvPr id="3" name="Text Placeholder 2">
+            <a:extLst>
+              <a:ext uri="{FF2B5EF4-FFF2-40B4-BE49-F238E27FC236}">
+                <a16:creationId xmlns:a16="http://schemas.microsoft.com/office/drawing/2014/main" id="{2CBA9DE5-9EAE-A36C-8AE7-50D4845B518B}"/>
+              </a:ext>
+            </a:extLst>
+          </p:cNvPr>
+          <p:cNvSpPr>
+            <a:spLocks noGrp="1"/>
+          </p:cNvSpPr>
+          <p:nvPr>
+            <p:ph type="body" idx="1"/>
+          </p:nvPr>
+        </p:nvSpPr>
+        <p:spPr>
+          <a:xfrm>
+            <a:off x="1219200" y="3594100"/>
+            <a:ext cx="21945600" cy="3582555"/>
+          </a:xfrm>
+        </p:spPr>
+        <p:txBody>
+          <a:bodyPr>
+            <a:normAutofit/>
+          </a:bodyPr>
+          <a:lstStyle/>
+          <a:p>
+            <a:pPr marL="685800" indent="-685800">
+              <a:buFont typeface="Arial" panose="020B0604020202020204" pitchFamily="34" charset="0"/>
+              <a:buChar char="•"/>
+            </a:pPr>
+            <a:r>
+              <a:rPr lang="en-US" b="0" dirty="0">
+                <a:latin typeface="Avenir Next" panose="020B0503020202020204" pitchFamily="34" charset="0"/>
+              </a:rPr>
+              <a:t>Data is translated into code.</a:t>
+            </a:r>
+          </a:p>
+          <a:p>
+            <a:pPr marL="685800" indent="-685800">
+              <a:buFont typeface="Arial" panose="020B0604020202020204" pitchFamily="34" charset="0"/>
+              <a:buChar char="•"/>
+            </a:pPr>
+            <a:r>
+              <a:rPr lang="en-US" b="0" dirty="0">
+                <a:latin typeface="Avenir Next" panose="020B0503020202020204" pitchFamily="34" charset="0"/>
+              </a:rPr>
+              <a:t>Users need the key in order to decrypt the coded data.</a:t>
+            </a:r>
+          </a:p>
+          <a:p>
+            <a:pPr marL="685800" indent="-685800">
+              <a:buFont typeface="Arial" panose="020B0604020202020204" pitchFamily="34" charset="0"/>
+              <a:buChar char="•"/>
+            </a:pPr>
+            <a:endParaRPr lang="en-US" b="0" dirty="0">
+              <a:latin typeface="Avenir Next" panose="020B0503020202020204" pitchFamily="34" charset="0"/>
+            </a:endParaRPr>
+          </a:p>
+        </p:txBody>
+      </p:sp>
+      <p:pic>
+        <p:nvPicPr>
+          <p:cNvPr id="9" name="Graphic 8" descr="Laptop with solid fill">
+            <a:extLst>
+              <a:ext uri="{FF2B5EF4-FFF2-40B4-BE49-F238E27FC236}">
+                <a16:creationId xmlns:a16="http://schemas.microsoft.com/office/drawing/2014/main" id="{EAFC126A-0DDB-48E6-2BBA-11BD2B6F9F07}"/>
+              </a:ext>
+            </a:extLst>
+          </p:cNvPr>
+          <p:cNvPicPr>
+            <a:picLocks noChangeAspect="1"/>
+          </p:cNvPicPr>
+          <p:nvPr/>
+        </p:nvPicPr>
+        <p:blipFill>
+          <a:blip r:embed="rId3">
+            <a:extLst>
+              <a:ext uri="{28A0092B-C50C-407E-A947-70E740481C1C}">
+                <a14:useLocalDpi xmlns:a14="http://schemas.microsoft.com/office/drawing/2010/main" val="0"/>
+              </a:ext>
+              <a:ext uri="{96DAC541-7B7A-43D3-8B79-37D633B846F1}">
+                <asvg:svgBlip xmlns:asvg="http://schemas.microsoft.com/office/drawing/2016/SVG/main" r:embed="rId4"/>
+              </a:ext>
+            </a:extLst>
+          </a:blip>
+          <a:stretch>
+            <a:fillRect/>
+          </a:stretch>
+        </p:blipFill>
+        <p:spPr>
+          <a:xfrm>
+            <a:off x="16601306" y="6857999"/>
+            <a:ext cx="2880000" cy="2880000"/>
+          </a:xfrm>
+          <a:prstGeom prst="rect">
+            <a:avLst/>
+          </a:prstGeom>
+        </p:spPr>
+      </p:pic>
+      <p:pic>
+        <p:nvPicPr>
+          <p:cNvPr id="10" name="Graphic 9" descr="Monitor with solid fill">
+            <a:extLst>
+              <a:ext uri="{FF2B5EF4-FFF2-40B4-BE49-F238E27FC236}">
+                <a16:creationId xmlns:a16="http://schemas.microsoft.com/office/drawing/2014/main" id="{AF20094E-1EC3-3E4F-CAC4-4CEAC73E1EE1}"/>
+              </a:ext>
+            </a:extLst>
+          </p:cNvPr>
+          <p:cNvPicPr>
+            <a:picLocks noChangeAspect="1"/>
+          </p:cNvPicPr>
+          <p:nvPr/>
+        </p:nvPicPr>
+        <p:blipFill>
+          <a:blip r:embed="rId5">
+            <a:extLst>
+              <a:ext uri="{28A0092B-C50C-407E-A947-70E740481C1C}">
+                <a14:useLocalDpi xmlns:a14="http://schemas.microsoft.com/office/drawing/2010/main" val="0"/>
+              </a:ext>
+              <a:ext uri="{96DAC541-7B7A-43D3-8B79-37D633B846F1}">
+                <asvg:svgBlip xmlns:asvg="http://schemas.microsoft.com/office/drawing/2016/SVG/main" r:embed="rId6"/>
+              </a:ext>
+            </a:extLst>
+          </a:blip>
+          <a:stretch>
+            <a:fillRect/>
+          </a:stretch>
+        </p:blipFill>
+        <p:spPr>
+          <a:xfrm>
+            <a:off x="3683960" y="6857999"/>
+            <a:ext cx="2880000" cy="2880000"/>
+          </a:xfrm>
+          <a:prstGeom prst="rect">
+            <a:avLst/>
+          </a:prstGeom>
+        </p:spPr>
+      </p:pic>
+      <p:cxnSp>
+        <p:nvCxnSpPr>
+          <p:cNvPr id="11" name="Straight Connector 10">
+            <a:extLst>
+              <a:ext uri="{FF2B5EF4-FFF2-40B4-BE49-F238E27FC236}">
+                <a16:creationId xmlns:a16="http://schemas.microsoft.com/office/drawing/2014/main" id="{138D9A42-A225-8492-3F88-918E782B4F26}"/>
+              </a:ext>
+            </a:extLst>
+          </p:cNvPr>
+          <p:cNvCxnSpPr>
+            <a:cxnSpLocks/>
+            <a:stCxn id="10" idx="3"/>
+            <a:endCxn id="9" idx="1"/>
+          </p:cNvCxnSpPr>
+          <p:nvPr/>
+        </p:nvCxnSpPr>
+        <p:spPr>
+          <a:xfrm>
+            <a:off x="6563960" y="8297999"/>
+            <a:ext cx="10037346" cy="0"/>
+          </a:xfrm>
+          <a:prstGeom prst="line">
+            <a:avLst/>
+          </a:prstGeom>
+          <a:noFill/>
+          <a:ln w="57150" cap="flat">
+            <a:solidFill>
+              <a:srgbClr val="000000"/>
+            </a:solidFill>
+            <a:prstDash val="solid"/>
+            <a:miter lim="400000"/>
+          </a:ln>
+          <a:effectLst/>
+          <a:sp3d/>
+        </p:spPr>
+        <p:style>
+          <a:lnRef idx="0">
+            <a:scrgbClr r="0" g="0" b="0"/>
+          </a:lnRef>
+          <a:fillRef idx="0">
+            <a:scrgbClr r="0" g="0" b="0"/>
+          </a:fillRef>
+          <a:effectRef idx="0">
+            <a:scrgbClr r="0" g="0" b="0"/>
+          </a:effectRef>
+          <a:fontRef idx="none"/>
+        </p:style>
+      </p:cxnSp>
+      <p:grpSp>
+        <p:nvGrpSpPr>
+          <p:cNvPr id="12" name="Group 11">
+            <a:extLst>
+              <a:ext uri="{FF2B5EF4-FFF2-40B4-BE49-F238E27FC236}">
+                <a16:creationId xmlns:a16="http://schemas.microsoft.com/office/drawing/2014/main" id="{E7C26862-8D0B-A184-0ED3-E9C2CEB6AFC6}"/>
+              </a:ext>
+            </a:extLst>
+          </p:cNvPr>
+          <p:cNvGrpSpPr/>
+          <p:nvPr/>
+        </p:nvGrpSpPr>
+        <p:grpSpPr>
+          <a:xfrm>
+            <a:off x="803960" y="7038000"/>
+            <a:ext cx="2520000" cy="2520000"/>
+            <a:chOff x="9499682" y="2919915"/>
+            <a:chExt cx="2520000" cy="2520000"/>
+          </a:xfrm>
+        </p:grpSpPr>
+        <p:sp>
+          <p:nvSpPr>
+            <p:cNvPr id="13" name="Rounded Rectangle 12">
+              <a:extLst>
+                <a:ext uri="{FF2B5EF4-FFF2-40B4-BE49-F238E27FC236}">
+                  <a16:creationId xmlns:a16="http://schemas.microsoft.com/office/drawing/2014/main" id="{72FE6ADA-42B5-B0FA-6B94-D3A367812560}"/>
+                </a:ext>
+              </a:extLst>
+            </p:cNvPr>
+            <p:cNvSpPr/>
+            <p:nvPr/>
+          </p:nvSpPr>
+          <p:spPr>
+            <a:xfrm>
+              <a:off x="9499682" y="2919915"/>
+              <a:ext cx="2520000" cy="2520000"/>
+            </a:xfrm>
+            <a:prstGeom prst="roundRect">
+              <a:avLst/>
+            </a:prstGeom>
+            <a:ln w="127000">
+              <a:noFill/>
+            </a:ln>
+          </p:spPr>
+          <p:style>
+            <a:lnRef idx="2">
+              <a:schemeClr val="accent1"/>
+            </a:lnRef>
+            <a:fillRef idx="1">
+              <a:schemeClr val="lt1"/>
+            </a:fillRef>
+            <a:effectRef idx="0">
+              <a:schemeClr val="accent1"/>
+            </a:effectRef>
+            <a:fontRef idx="minor">
+              <a:schemeClr val="dk1"/>
+            </a:fontRef>
+          </p:style>
+          <p:txBody>
+            <a:bodyPr rot="0" spcFirstLastPara="1" vertOverflow="overflow" horzOverflow="overflow" vert="horz" wrap="square" lIns="50800" tIns="50800" rIns="50800" bIns="50800" numCol="1" spcCol="38100" rtlCol="0" anchor="ctr">
+              <a:spAutoFit/>
+            </a:bodyPr>
+            <a:lstStyle/>
+            <a:p>
+              <a:pPr marL="0" marR="0" indent="0" algn="ctr" defTabSz="825500" rtl="0" fontAlgn="auto" latinLnBrk="0" hangingPunct="0">
+                <a:lnSpc>
+                  <a:spcPct val="120000"/>
+                </a:lnSpc>
+                <a:spcBef>
+                  <a:spcPts val="0"/>
+                </a:spcBef>
+                <a:spcAft>
+                  <a:spcPts val="0"/>
+                </a:spcAft>
+                <a:buClrTx/>
+                <a:buSzTx/>
+                <a:buFontTx/>
+                <a:buNone/>
+                <a:tabLst/>
+              </a:pPr>
+              <a:endParaRPr kumimoji="0" lang="en-US" sz="3000" b="0" i="0" u="none" strike="noStrike" cap="all" spc="0" normalizeH="0" baseline="0" dirty="0">
+                <a:ln>
+                  <a:noFill/>
+                </a:ln>
+                <a:solidFill>
+                  <a:srgbClr val="FFFFFF"/>
+                </a:solidFill>
+                <a:effectLst/>
+                <a:uFillTx/>
+                <a:latin typeface="Proxima Nova Extrabold"/>
+                <a:ea typeface="Proxima Nova Extrabold"/>
+                <a:cs typeface="Proxima Nova Extrabold"/>
+                <a:sym typeface="Proxima Nova Extrabold"/>
+              </a:endParaRPr>
+            </a:p>
+          </p:txBody>
+        </p:sp>
+        <p:pic>
+          <p:nvPicPr>
+            <p:cNvPr id="14" name="Graphic 13" descr="Document with solid fill">
+              <a:extLst>
+                <a:ext uri="{FF2B5EF4-FFF2-40B4-BE49-F238E27FC236}">
+                  <a16:creationId xmlns:a16="http://schemas.microsoft.com/office/drawing/2014/main" id="{7327CD7B-7238-682D-98C1-FC38E2CB2CE9}"/>
+                </a:ext>
+              </a:extLst>
+            </p:cNvPr>
+            <p:cNvPicPr>
+              <a:picLocks noChangeAspect="1"/>
+            </p:cNvPicPr>
+            <p:nvPr/>
+          </p:nvPicPr>
+          <p:blipFill>
+            <a:blip r:embed="rId7">
+              <a:extLst>
+                <a:ext uri="{28A0092B-C50C-407E-A947-70E740481C1C}">
+                  <a14:useLocalDpi xmlns:a14="http://schemas.microsoft.com/office/drawing/2010/main" val="0"/>
+                </a:ext>
+                <a:ext uri="{96DAC541-7B7A-43D3-8B79-37D633B846F1}">
+                  <asvg:svgBlip xmlns:asvg="http://schemas.microsoft.com/office/drawing/2016/SVG/main" r:embed="rId8"/>
+                </a:ext>
+              </a:extLst>
+            </a:blip>
+            <a:stretch>
+              <a:fillRect/>
+            </a:stretch>
+          </p:blipFill>
+          <p:spPr>
+            <a:xfrm>
+              <a:off x="9658245" y="3078478"/>
+              <a:ext cx="2202873" cy="2202873"/>
+            </a:xfrm>
+            <a:prstGeom prst="rect">
+              <a:avLst/>
+            </a:prstGeom>
+          </p:spPr>
+        </p:pic>
+      </p:grpSp>
+      <p:pic>
+        <p:nvPicPr>
+          <p:cNvPr id="15" name="Graphic 14" descr="Internet with solid fill">
+            <a:extLst>
+              <a:ext uri="{FF2B5EF4-FFF2-40B4-BE49-F238E27FC236}">
+                <a16:creationId xmlns:a16="http://schemas.microsoft.com/office/drawing/2014/main" id="{EA00C1BD-554E-0041-8532-70F0ED6F07B5}"/>
+              </a:ext>
+            </a:extLst>
+          </p:cNvPr>
+          <p:cNvPicPr>
+            <a:picLocks noChangeAspect="1"/>
+          </p:cNvPicPr>
+          <p:nvPr/>
+        </p:nvPicPr>
+        <p:blipFill>
+          <a:blip r:embed="rId9">
+            <a:extLst>
+              <a:ext uri="{28A0092B-C50C-407E-A947-70E740481C1C}">
+                <a14:useLocalDpi xmlns:a14="http://schemas.microsoft.com/office/drawing/2010/main" val="0"/>
+              </a:ext>
+              <a:ext uri="{96DAC541-7B7A-43D3-8B79-37D633B846F1}">
+                <asvg:svgBlip xmlns:asvg="http://schemas.microsoft.com/office/drawing/2016/SVG/main" r:embed="rId10"/>
+              </a:ext>
+            </a:extLst>
+          </a:blip>
+          <a:stretch>
+            <a:fillRect/>
+          </a:stretch>
+        </p:blipFill>
+        <p:spPr>
+          <a:xfrm>
+            <a:off x="9787728" y="9249407"/>
+            <a:ext cx="3338945" cy="3338945"/>
+          </a:xfrm>
+          <a:prstGeom prst="rect">
+            <a:avLst/>
+          </a:prstGeom>
+        </p:spPr>
+      </p:pic>
+      <p:grpSp>
+        <p:nvGrpSpPr>
+          <p:cNvPr id="21" name="Group 20">
+            <a:extLst>
+              <a:ext uri="{FF2B5EF4-FFF2-40B4-BE49-F238E27FC236}">
+                <a16:creationId xmlns:a16="http://schemas.microsoft.com/office/drawing/2014/main" id="{962BB5EB-531D-DF6A-F127-97ECB281A24F}"/>
+              </a:ext>
+            </a:extLst>
+          </p:cNvPr>
+          <p:cNvGrpSpPr/>
+          <p:nvPr/>
+        </p:nvGrpSpPr>
+        <p:grpSpPr>
+          <a:xfrm>
+            <a:off x="754487" y="7038000"/>
+            <a:ext cx="2520000" cy="2520000"/>
+            <a:chOff x="389032" y="10134133"/>
+            <a:chExt cx="2520000" cy="2520000"/>
+          </a:xfrm>
+        </p:grpSpPr>
+        <p:sp>
+          <p:nvSpPr>
+            <p:cNvPr id="19" name="Rounded Rectangle 18">
+              <a:extLst>
+                <a:ext uri="{FF2B5EF4-FFF2-40B4-BE49-F238E27FC236}">
+                  <a16:creationId xmlns:a16="http://schemas.microsoft.com/office/drawing/2014/main" id="{E9F9B1B5-474B-F938-1813-4295D3632B62}"/>
+                </a:ext>
+              </a:extLst>
+            </p:cNvPr>
+            <p:cNvSpPr/>
+            <p:nvPr/>
+          </p:nvSpPr>
+          <p:spPr>
+            <a:xfrm>
+              <a:off x="389032" y="10134133"/>
+              <a:ext cx="2520000" cy="2520000"/>
+            </a:xfrm>
+            <a:prstGeom prst="roundRect">
+              <a:avLst/>
+            </a:prstGeom>
+            <a:ln w="127000">
+              <a:noFill/>
+            </a:ln>
+          </p:spPr>
+          <p:style>
+            <a:lnRef idx="2">
+              <a:schemeClr val="accent1"/>
+            </a:lnRef>
+            <a:fillRef idx="1">
+              <a:schemeClr val="lt1"/>
+            </a:fillRef>
+            <a:effectRef idx="0">
+              <a:schemeClr val="accent1"/>
+            </a:effectRef>
+            <a:fontRef idx="minor">
+              <a:schemeClr val="dk1"/>
+            </a:fontRef>
+          </p:style>
+          <p:txBody>
+            <a:bodyPr rot="0" spcFirstLastPara="1" vertOverflow="overflow" horzOverflow="overflow" vert="horz" wrap="square" lIns="50800" tIns="50800" rIns="50800" bIns="50800" numCol="1" spcCol="38100" rtlCol="0" anchor="ctr">
+              <a:spAutoFit/>
+            </a:bodyPr>
+            <a:lstStyle/>
+            <a:p>
+              <a:pPr marL="0" marR="0" indent="0" algn="ctr" defTabSz="825500" rtl="0" fontAlgn="auto" latinLnBrk="0" hangingPunct="0">
+                <a:lnSpc>
+                  <a:spcPct val="120000"/>
+                </a:lnSpc>
+                <a:spcBef>
+                  <a:spcPts val="0"/>
+                </a:spcBef>
+                <a:spcAft>
+                  <a:spcPts val="0"/>
+                </a:spcAft>
+                <a:buClrTx/>
+                <a:buSzTx/>
+                <a:buFontTx/>
+                <a:buNone/>
+                <a:tabLst/>
+              </a:pPr>
+              <a:endParaRPr kumimoji="0" lang="en-US" sz="3000" b="0" i="0" u="none" strike="noStrike" cap="all" spc="0" normalizeH="0" baseline="0" dirty="0">
+                <a:ln>
+                  <a:noFill/>
+                </a:ln>
+                <a:solidFill>
+                  <a:srgbClr val="FFFFFF"/>
+                </a:solidFill>
+                <a:effectLst/>
+                <a:uFillTx/>
+                <a:latin typeface="Proxima Nova Extrabold"/>
+                <a:ea typeface="Proxima Nova Extrabold"/>
+                <a:cs typeface="Proxima Nova Extrabold"/>
+                <a:sym typeface="Proxima Nova Extrabold"/>
+              </a:endParaRPr>
+            </a:p>
+          </p:txBody>
+        </p:sp>
+        <p:pic>
+          <p:nvPicPr>
+            <p:cNvPr id="17" name="Graphic 16" descr="Help with solid fill">
+              <a:extLst>
+                <a:ext uri="{FF2B5EF4-FFF2-40B4-BE49-F238E27FC236}">
+                  <a16:creationId xmlns:a16="http://schemas.microsoft.com/office/drawing/2014/main" id="{029A00F9-2B07-0EDD-4368-80B52E5AFEBC}"/>
+                </a:ext>
+              </a:extLst>
+            </p:cNvPr>
+            <p:cNvPicPr>
+              <a:picLocks noChangeAspect="1"/>
+            </p:cNvPicPr>
+            <p:nvPr/>
+          </p:nvPicPr>
+          <p:blipFill>
+            <a:blip r:embed="rId11">
+              <a:extLst>
+                <a:ext uri="{28A0092B-C50C-407E-A947-70E740481C1C}">
+                  <a14:useLocalDpi xmlns:a14="http://schemas.microsoft.com/office/drawing/2010/main" val="0"/>
+                </a:ext>
+                <a:ext uri="{96DAC541-7B7A-43D3-8B79-37D633B846F1}">
+                  <asvg:svgBlip xmlns:asvg="http://schemas.microsoft.com/office/drawing/2016/SVG/main" r:embed="rId12"/>
+                </a:ext>
+              </a:extLst>
+            </a:blip>
+            <a:stretch>
+              <a:fillRect/>
+            </a:stretch>
+          </p:blipFill>
+          <p:spPr>
+            <a:xfrm>
+              <a:off x="563828" y="10298886"/>
+              <a:ext cx="2160000" cy="2160000"/>
+            </a:xfrm>
+            <a:prstGeom prst="rect">
+              <a:avLst/>
+            </a:prstGeom>
+          </p:spPr>
+        </p:pic>
+      </p:grpSp>
+    </p:spTree>
+    <p:extLst>
+      <p:ext uri="{BB962C8B-B14F-4D97-AF65-F5344CB8AC3E}">
+        <p14:creationId xmlns:p14="http://schemas.microsoft.com/office/powerpoint/2010/main" val="3047206048"/>
+      </p:ext>
+    </p:extLst>
+  </p:cSld>
+  <p:clrMapOvr>
+    <a:masterClrMapping/>
+  </p:clrMapOvr>
+  <p:transition spd="med"/>
+  <p:timing>
+    <p:tnLst>
+      <p:par>
+        <p:cTn id="1" dur="indefinite" restart="never" nodeType="tmRoot">
+          <p:childTnLst>
+            <p:seq concurrent="1" nextAc="seek">
+              <p:cTn id="2" dur="indefinite" nodeType="mainSeq">
+                <p:childTnLst>
+                  <p:par>
+                    <p:cTn id="3" fill="hold">
+                      <p:stCondLst>
+                        <p:cond delay="indefinite"/>
+                      </p:stCondLst>
+                      <p:childTnLst>
+                        <p:par>
+                          <p:cTn id="4" fill="hold">
+                            <p:stCondLst>
+                              <p:cond delay="0"/>
+                            </p:stCondLst>
+                            <p:childTnLst>
+                              <p:par>
+                                <p:cTn id="5" presetID="1" presetClass="entr" presetSubtype="0" fill="hold" grpId="0" nodeType="clickEffect">
+                                  <p:stCondLst>
+                                    <p:cond delay="0"/>
+                                  </p:stCondLst>
+                                  <p:childTnLst>
+                                    <p:set>
+                                      <p:cBhvr>
+                                        <p:cTn id="6" dur="1" fill="hold">
+                                          <p:stCondLst>
+                                            <p:cond delay="0"/>
+                                          </p:stCondLst>
+                                        </p:cTn>
+                                        <p:tgtEl>
+                                          <p:spTgt spid="3">
+                                            <p:txEl>
+                                              <p:pRg st="0" end="0"/>
+                                            </p:txEl>
+                                          </p:spTgt>
+                                        </p:tgtEl>
+                                        <p:attrNameLst>
+                                          <p:attrName>style.visibility</p:attrName>
+                                        </p:attrNameLst>
+                                      </p:cBhvr>
+                                      <p:to>
+                                        <p:strVal val="visible"/>
+                                      </p:to>
+                                    </p:set>
+                                  </p:childTnLst>
+                                </p:cTn>
+                              </p:par>
+                            </p:childTnLst>
+                          </p:cTn>
+                        </p:par>
+                      </p:childTnLst>
+                    </p:cTn>
+                  </p:par>
+                  <p:par>
+                    <p:cTn id="7" fill="hold">
+                      <p:stCondLst>
+                        <p:cond delay="indefinite"/>
+                      </p:stCondLst>
+                      <p:childTnLst>
+                        <p:par>
+                          <p:cTn id="8" fill="hold">
+                            <p:stCondLst>
+                              <p:cond delay="0"/>
+                            </p:stCondLst>
+                            <p:childTnLst>
+                              <p:par>
+                                <p:cTn id="9" presetID="1" presetClass="entr" presetSubtype="0" fill="hold" grpId="0" nodeType="clickEffect">
+                                  <p:stCondLst>
+                                    <p:cond delay="0"/>
+                                  </p:stCondLst>
+                                  <p:childTnLst>
+                                    <p:set>
+                                      <p:cBhvr>
+                                        <p:cTn id="10" dur="1" fill="hold">
+                                          <p:stCondLst>
+                                            <p:cond delay="0"/>
+                                          </p:stCondLst>
+                                        </p:cTn>
+                                        <p:tgtEl>
+                                          <p:spTgt spid="3">
+                                            <p:txEl>
+                                              <p:pRg st="1" end="1"/>
+                                            </p:txEl>
+                                          </p:spTgt>
+                                        </p:tgtEl>
+                                        <p:attrNameLst>
+                                          <p:attrName>style.visibility</p:attrName>
+                                        </p:attrNameLst>
+                                      </p:cBhvr>
+                                      <p:to>
+                                        <p:strVal val="visible"/>
+                                      </p:to>
+                                    </p:set>
+                                  </p:childTnLst>
+                                </p:cTn>
+                              </p:par>
+                            </p:childTnLst>
+                          </p:cTn>
+                        </p:par>
+                      </p:childTnLst>
+                    </p:cTn>
+                  </p:par>
+                </p:childTnLst>
+              </p:cTn>
+              <p:prevCondLst>
+                <p:cond evt="onPrev" delay="0">
+                  <p:tgtEl>
+                    <p:sldTgt/>
+                  </p:tgtEl>
+                </p:cond>
+              </p:prevCondLst>
+              <p:nextCondLst>
+                <p:cond evt="onNext" delay="0">
+                  <p:tgtEl>
+                    <p:sldTgt/>
+                  </p:tgtEl>
+                </p:cond>
+              </p:nextCondLst>
+            </p:seq>
+          </p:childTnLst>
+        </p:cTn>
+      </p:par>
+    </p:tnLst>
+    <p:bldLst>
+      <p:bldP spid="3" grpId="0" uiExpand="1" build="p"/>
+    </p:bldLst>
+  </p:timing>
 </p:sld>
 </file>
 

--- a/Y10/L2/L2.pptx
+++ b/Y10/L2/L2.pptx
@@ -5,7 +5,7 @@
     <p:sldMasterId id="2147483648" r:id="rId1"/>
   </p:sldMasterIdLst>
   <p:notesMasterIdLst>
-    <p:notesMasterId r:id="rId14"/>
+    <p:notesMasterId r:id="rId15"/>
   </p:notesMasterIdLst>
   <p:sldIdLst>
     <p:sldId id="256" r:id="rId2"/>
@@ -20,6 +20,7 @@
     <p:sldId id="282" r:id="rId11"/>
     <p:sldId id="283" r:id="rId12"/>
     <p:sldId id="284" r:id="rId13"/>
+    <p:sldId id="285" r:id="rId14"/>
   </p:sldIdLst>
   <p:sldSz cx="24384000" cy="13716000"/>
   <p:notesSz cx="9144000" cy="6858000"/>
@@ -767,6 +768,72 @@
     <p:extLst>
       <p:ext uri="{BB962C8B-B14F-4D97-AF65-F5344CB8AC3E}">
         <p14:creationId xmlns:p14="http://schemas.microsoft.com/office/powerpoint/2010/main" val="3191326208"/>
+      </p:ext>
+    </p:extLst>
+  </p:cSld>
+  <p:clrMapOvr>
+    <a:masterClrMapping/>
+  </p:clrMapOvr>
+</p:notes>
+</file>
+
+<file path=ppt/notesSlides/notesSlide13.xml><?xml version="1.0" encoding="utf-8"?>
+<p:notes xmlns:a="http://schemas.openxmlformats.org/drawingml/2006/main" xmlns:r="http://schemas.openxmlformats.org/officeDocument/2006/relationships" xmlns:p="http://schemas.openxmlformats.org/presentationml/2006/main">
+  <p:cSld>
+    <p:spTree>
+      <p:nvGrpSpPr>
+        <p:cNvPr id="1" name=""/>
+        <p:cNvGrpSpPr/>
+        <p:nvPr/>
+      </p:nvGrpSpPr>
+      <p:grpSpPr>
+        <a:xfrm>
+          <a:off x="0" y="0"/>
+          <a:ext cx="0" cy="0"/>
+          <a:chOff x="0" y="0"/>
+          <a:chExt cx="0" cy="0"/>
+        </a:xfrm>
+      </p:grpSpPr>
+      <p:sp>
+        <p:nvSpPr>
+          <p:cNvPr id="2" name="Slide Image Placeholder 1"/>
+          <p:cNvSpPr>
+            <a:spLocks noGrp="1" noRot="1" noChangeAspect="1"/>
+          </p:cNvSpPr>
+          <p:nvPr>
+            <p:ph type="sldImg"/>
+          </p:nvPr>
+        </p:nvSpPr>
+        <p:spPr>
+          <a:xfrm>
+            <a:off x="2286000" y="514350"/>
+            <a:ext cx="4572000" cy="2571750"/>
+          </a:xfrm>
+        </p:spPr>
+      </p:sp>
+      <p:sp>
+        <p:nvSpPr>
+          <p:cNvPr id="3" name="Notes Placeholder 2"/>
+          <p:cNvSpPr>
+            <a:spLocks noGrp="1"/>
+          </p:cNvSpPr>
+          <p:nvPr>
+            <p:ph type="body" idx="1"/>
+          </p:nvPr>
+        </p:nvSpPr>
+        <p:spPr/>
+        <p:txBody>
+          <a:bodyPr/>
+          <a:lstStyle/>
+          <a:p>
+            <a:endParaRPr lang="en-US"/>
+          </a:p>
+        </p:txBody>
+      </p:sp>
+    </p:spTree>
+    <p:extLst>
+      <p:ext uri="{BB962C8B-B14F-4D97-AF65-F5344CB8AC3E}">
+        <p14:creationId xmlns:p14="http://schemas.microsoft.com/office/powerpoint/2010/main" val="2678632184"/>
       </p:ext>
     </p:extLst>
   </p:cSld>
@@ -5929,6 +5996,6436 @@
     <p:extLst>
       <p:ext uri="{BB962C8B-B14F-4D97-AF65-F5344CB8AC3E}">
         <p14:creationId xmlns:p14="http://schemas.microsoft.com/office/powerpoint/2010/main" val="3047206048"/>
+      </p:ext>
+    </p:extLst>
+  </p:cSld>
+  <p:clrMapOvr>
+    <a:masterClrMapping/>
+  </p:clrMapOvr>
+  <p:transition spd="med"/>
+  <p:timing>
+    <p:tnLst>
+      <p:par>
+        <p:cTn id="1" dur="indefinite" restart="never" nodeType="tmRoot">
+          <p:childTnLst>
+            <p:seq concurrent="1" nextAc="seek">
+              <p:cTn id="2" dur="indefinite" nodeType="mainSeq">
+                <p:childTnLst>
+                  <p:par>
+                    <p:cTn id="3" fill="hold">
+                      <p:stCondLst>
+                        <p:cond delay="indefinite"/>
+                      </p:stCondLst>
+                      <p:childTnLst>
+                        <p:par>
+                          <p:cTn id="4" fill="hold">
+                            <p:stCondLst>
+                              <p:cond delay="0"/>
+                            </p:stCondLst>
+                            <p:childTnLst>
+                              <p:par>
+                                <p:cTn id="5" presetID="1" presetClass="entr" presetSubtype="0" fill="hold" grpId="0" nodeType="clickEffect">
+                                  <p:stCondLst>
+                                    <p:cond delay="0"/>
+                                  </p:stCondLst>
+                                  <p:childTnLst>
+                                    <p:set>
+                                      <p:cBhvr>
+                                        <p:cTn id="6" dur="1" fill="hold">
+                                          <p:stCondLst>
+                                            <p:cond delay="0"/>
+                                          </p:stCondLst>
+                                        </p:cTn>
+                                        <p:tgtEl>
+                                          <p:spTgt spid="3">
+                                            <p:txEl>
+                                              <p:pRg st="0" end="0"/>
+                                            </p:txEl>
+                                          </p:spTgt>
+                                        </p:tgtEl>
+                                        <p:attrNameLst>
+                                          <p:attrName>style.visibility</p:attrName>
+                                        </p:attrNameLst>
+                                      </p:cBhvr>
+                                      <p:to>
+                                        <p:strVal val="visible"/>
+                                      </p:to>
+                                    </p:set>
+                                  </p:childTnLst>
+                                </p:cTn>
+                              </p:par>
+                            </p:childTnLst>
+                          </p:cTn>
+                        </p:par>
+                      </p:childTnLst>
+                    </p:cTn>
+                  </p:par>
+                  <p:par>
+                    <p:cTn id="7" fill="hold">
+                      <p:stCondLst>
+                        <p:cond delay="indefinite"/>
+                      </p:stCondLst>
+                      <p:childTnLst>
+                        <p:par>
+                          <p:cTn id="8" fill="hold">
+                            <p:stCondLst>
+                              <p:cond delay="0"/>
+                            </p:stCondLst>
+                            <p:childTnLst>
+                              <p:par>
+                                <p:cTn id="9" presetID="1" presetClass="entr" presetSubtype="0" fill="hold" grpId="0" nodeType="clickEffect">
+                                  <p:stCondLst>
+                                    <p:cond delay="0"/>
+                                  </p:stCondLst>
+                                  <p:childTnLst>
+                                    <p:set>
+                                      <p:cBhvr>
+                                        <p:cTn id="10" dur="1" fill="hold">
+                                          <p:stCondLst>
+                                            <p:cond delay="0"/>
+                                          </p:stCondLst>
+                                        </p:cTn>
+                                        <p:tgtEl>
+                                          <p:spTgt spid="3">
+                                            <p:txEl>
+                                              <p:pRg st="1" end="1"/>
+                                            </p:txEl>
+                                          </p:spTgt>
+                                        </p:tgtEl>
+                                        <p:attrNameLst>
+                                          <p:attrName>style.visibility</p:attrName>
+                                        </p:attrNameLst>
+                                      </p:cBhvr>
+                                      <p:to>
+                                        <p:strVal val="visible"/>
+                                      </p:to>
+                                    </p:set>
+                                  </p:childTnLst>
+                                </p:cTn>
+                              </p:par>
+                            </p:childTnLst>
+                          </p:cTn>
+                        </p:par>
+                      </p:childTnLst>
+                    </p:cTn>
+                  </p:par>
+                </p:childTnLst>
+              </p:cTn>
+              <p:prevCondLst>
+                <p:cond evt="onPrev" delay="0">
+                  <p:tgtEl>
+                    <p:sldTgt/>
+                  </p:tgtEl>
+                </p:cond>
+              </p:prevCondLst>
+              <p:nextCondLst>
+                <p:cond evt="onNext" delay="0">
+                  <p:tgtEl>
+                    <p:sldTgt/>
+                  </p:tgtEl>
+                </p:cond>
+              </p:nextCondLst>
+            </p:seq>
+          </p:childTnLst>
+        </p:cTn>
+      </p:par>
+    </p:tnLst>
+    <p:bldLst>
+      <p:bldP spid="3" grpId="0" uiExpand="1" build="p"/>
+    </p:bldLst>
+  </p:timing>
+</p:sld>
+</file>
+
+<file path=ppt/slides/slide13.xml><?xml version="1.0" encoding="utf-8"?>
+<p:sld xmlns:a="http://schemas.openxmlformats.org/drawingml/2006/main" xmlns:r="http://schemas.openxmlformats.org/officeDocument/2006/relationships" xmlns:p="http://schemas.openxmlformats.org/presentationml/2006/main">
+  <p:cSld>
+    <p:spTree>
+      <p:nvGrpSpPr>
+        <p:cNvPr id="1" name=""/>
+        <p:cNvGrpSpPr/>
+        <p:nvPr/>
+      </p:nvGrpSpPr>
+      <p:grpSpPr>
+        <a:xfrm>
+          <a:off x="0" y="0"/>
+          <a:ext cx="0" cy="0"/>
+          <a:chOff x="0" y="0"/>
+          <a:chExt cx="0" cy="0"/>
+        </a:xfrm>
+      </p:grpSpPr>
+      <p:sp>
+        <p:nvSpPr>
+          <p:cNvPr id="213" name="Your exam"/>
+          <p:cNvSpPr txBox="1">
+            <a:spLocks noGrp="1"/>
+          </p:cNvSpPr>
+          <p:nvPr>
+            <p:ph type="title"/>
+          </p:nvPr>
+        </p:nvSpPr>
+        <p:spPr>
+          <a:prstGeom prst="rect">
+            <a:avLst/>
+          </a:prstGeom>
+        </p:spPr>
+        <p:txBody>
+          <a:bodyPr/>
+          <a:lstStyle/>
+          <a:p>
+            <a:r>
+              <a:rPr lang="en-GB" b="1" dirty="0"/>
+              <a:t>Caesar cipher</a:t>
+            </a:r>
+            <a:endParaRPr b="1" dirty="0"/>
+          </a:p>
+        </p:txBody>
+      </p:sp>
+      <p:sp>
+        <p:nvSpPr>
+          <p:cNvPr id="3" name="Text Placeholder 2">
+            <a:extLst>
+              <a:ext uri="{FF2B5EF4-FFF2-40B4-BE49-F238E27FC236}">
+                <a16:creationId xmlns:a16="http://schemas.microsoft.com/office/drawing/2014/main" id="{2CBA9DE5-9EAE-A36C-8AE7-50D4845B518B}"/>
+              </a:ext>
+            </a:extLst>
+          </p:cNvPr>
+          <p:cNvSpPr>
+            <a:spLocks noGrp="1"/>
+          </p:cNvSpPr>
+          <p:nvPr>
+            <p:ph type="body" idx="1"/>
+          </p:nvPr>
+        </p:nvSpPr>
+        <p:spPr>
+          <a:xfrm>
+            <a:off x="1219200" y="3594100"/>
+            <a:ext cx="21945600" cy="4940300"/>
+          </a:xfrm>
+        </p:spPr>
+        <p:txBody>
+          <a:bodyPr>
+            <a:normAutofit/>
+          </a:bodyPr>
+          <a:lstStyle/>
+          <a:p>
+            <a:pPr marL="685800" indent="-685800">
+              <a:buFont typeface="Arial" panose="020B0604020202020204" pitchFamily="34" charset="0"/>
+              <a:buChar char="•"/>
+            </a:pPr>
+            <a:r>
+              <a:rPr lang="en-US" b="0" dirty="0">
+                <a:latin typeface="Avenir Next" panose="020B0503020202020204" pitchFamily="34" charset="0"/>
+              </a:rPr>
+              <a:t>Simple encryption invented by Julius Caesar to keep messages secret.</a:t>
+            </a:r>
+          </a:p>
+          <a:p>
+            <a:pPr marL="685800" indent="-685800">
+              <a:buFont typeface="Arial" panose="020B0604020202020204" pitchFamily="34" charset="0"/>
+              <a:buChar char="•"/>
+            </a:pPr>
+            <a:r>
+              <a:rPr lang="en-US" b="0" dirty="0">
+                <a:latin typeface="Avenir Next" panose="020B0503020202020204" pitchFamily="34" charset="0"/>
+              </a:rPr>
+              <a:t>Works by shifting the alphabet along by a certain number of characters.</a:t>
+            </a:r>
+          </a:p>
+        </p:txBody>
+      </p:sp>
+      <p:grpSp>
+        <p:nvGrpSpPr>
+          <p:cNvPr id="29" name="Group 28">
+            <a:extLst>
+              <a:ext uri="{FF2B5EF4-FFF2-40B4-BE49-F238E27FC236}">
+                <a16:creationId xmlns:a16="http://schemas.microsoft.com/office/drawing/2014/main" id="{60606E58-3473-4899-1FB8-94C01CBD7F75}"/>
+              </a:ext>
+            </a:extLst>
+          </p:cNvPr>
+          <p:cNvGrpSpPr/>
+          <p:nvPr/>
+        </p:nvGrpSpPr>
+        <p:grpSpPr>
+          <a:xfrm>
+            <a:off x="2299200" y="8459333"/>
+            <a:ext cx="19785600" cy="2235067"/>
+            <a:chOff x="2299200" y="8459333"/>
+            <a:chExt cx="19785600" cy="2235067"/>
+          </a:xfrm>
+        </p:grpSpPr>
+        <p:sp>
+          <p:nvSpPr>
+            <p:cNvPr id="4" name="Rounded Rectangle 3">
+              <a:extLst>
+                <a:ext uri="{FF2B5EF4-FFF2-40B4-BE49-F238E27FC236}">
+                  <a16:creationId xmlns:a16="http://schemas.microsoft.com/office/drawing/2014/main" id="{E88641C0-0E60-246B-CCF9-AA07B899C2EE}"/>
+                </a:ext>
+              </a:extLst>
+            </p:cNvPr>
+            <p:cNvSpPr/>
+            <p:nvPr/>
+          </p:nvSpPr>
+          <p:spPr>
+            <a:xfrm>
+              <a:off x="11112000" y="8534400"/>
+              <a:ext cx="2160000" cy="2160000"/>
+            </a:xfrm>
+            <a:prstGeom prst="roundRect">
+              <a:avLst/>
+            </a:prstGeom>
+            <a:ln w="127000">
+              <a:solidFill>
+                <a:srgbClr val="FFFFFF"/>
+              </a:solidFill>
+            </a:ln>
+          </p:spPr>
+          <p:style>
+            <a:lnRef idx="2">
+              <a:schemeClr val="accent1"/>
+            </a:lnRef>
+            <a:fillRef idx="1">
+              <a:schemeClr val="lt1"/>
+            </a:fillRef>
+            <a:effectRef idx="0">
+              <a:schemeClr val="accent1"/>
+            </a:effectRef>
+            <a:fontRef idx="minor">
+              <a:schemeClr val="dk1"/>
+            </a:fontRef>
+          </p:style>
+          <p:txBody>
+            <a:bodyPr rot="0" spcFirstLastPara="1" vertOverflow="overflow" horzOverflow="overflow" vert="horz" wrap="square" lIns="50800" tIns="50800" rIns="50800" bIns="50800" numCol="1" spcCol="38100" rtlCol="0" anchor="ctr">
+              <a:spAutoFit/>
+            </a:bodyPr>
+            <a:lstStyle/>
+            <a:p>
+              <a:pPr marL="0" marR="0" indent="0" algn="ctr" defTabSz="825500" rtl="0" fontAlgn="auto" latinLnBrk="0" hangingPunct="0">
+                <a:lnSpc>
+                  <a:spcPct val="120000"/>
+                </a:lnSpc>
+                <a:spcBef>
+                  <a:spcPts val="0"/>
+                </a:spcBef>
+                <a:spcAft>
+                  <a:spcPts val="0"/>
+                </a:spcAft>
+                <a:buClrTx/>
+                <a:buSzTx/>
+                <a:buFontTx/>
+                <a:buNone/>
+                <a:tabLst/>
+              </a:pPr>
+              <a:endParaRPr kumimoji="0" lang="en-US" sz="3000" b="0" i="0" u="none" strike="noStrike" cap="all" spc="0" normalizeH="0" baseline="0">
+                <a:ln>
+                  <a:noFill/>
+                </a:ln>
+                <a:solidFill>
+                  <a:srgbClr val="FFFFFF"/>
+                </a:solidFill>
+                <a:effectLst/>
+                <a:uFillTx/>
+                <a:latin typeface="Proxima Nova Extrabold"/>
+                <a:ea typeface="Proxima Nova Extrabold"/>
+                <a:cs typeface="Proxima Nova Extrabold"/>
+                <a:sym typeface="Proxima Nova Extrabold"/>
+              </a:endParaRPr>
+            </a:p>
+          </p:txBody>
+        </p:sp>
+        <p:sp>
+          <p:nvSpPr>
+            <p:cNvPr id="6" name="Rounded Rectangle 5">
+              <a:extLst>
+                <a:ext uri="{FF2B5EF4-FFF2-40B4-BE49-F238E27FC236}">
+                  <a16:creationId xmlns:a16="http://schemas.microsoft.com/office/drawing/2014/main" id="{19D46EC5-9748-42A2-F5E5-22B017468EA6}"/>
+                </a:ext>
+              </a:extLst>
+            </p:cNvPr>
+            <p:cNvSpPr/>
+            <p:nvPr/>
+          </p:nvSpPr>
+          <p:spPr>
+            <a:xfrm>
+              <a:off x="13272000" y="8533745"/>
+              <a:ext cx="2160000" cy="2160000"/>
+            </a:xfrm>
+            <a:prstGeom prst="roundRect">
+              <a:avLst/>
+            </a:prstGeom>
+            <a:ln w="127000">
+              <a:solidFill>
+                <a:srgbClr val="FFFFFF"/>
+              </a:solidFill>
+            </a:ln>
+          </p:spPr>
+          <p:style>
+            <a:lnRef idx="2">
+              <a:schemeClr val="accent1"/>
+            </a:lnRef>
+            <a:fillRef idx="1">
+              <a:schemeClr val="lt1"/>
+            </a:fillRef>
+            <a:effectRef idx="0">
+              <a:schemeClr val="accent1"/>
+            </a:effectRef>
+            <a:fontRef idx="minor">
+              <a:schemeClr val="dk1"/>
+            </a:fontRef>
+          </p:style>
+          <p:txBody>
+            <a:bodyPr rot="0" spcFirstLastPara="1" vertOverflow="overflow" horzOverflow="overflow" vert="horz" wrap="square" lIns="50800" tIns="50800" rIns="50800" bIns="50800" numCol="1" spcCol="38100" rtlCol="0" anchor="ctr">
+              <a:spAutoFit/>
+            </a:bodyPr>
+            <a:lstStyle/>
+            <a:p>
+              <a:pPr marL="0" marR="0" indent="0" algn="ctr" defTabSz="825500" rtl="0" fontAlgn="auto" latinLnBrk="0" hangingPunct="0">
+                <a:lnSpc>
+                  <a:spcPct val="120000"/>
+                </a:lnSpc>
+                <a:spcBef>
+                  <a:spcPts val="0"/>
+                </a:spcBef>
+                <a:spcAft>
+                  <a:spcPts val="0"/>
+                </a:spcAft>
+                <a:buClrTx/>
+                <a:buSzTx/>
+                <a:buFontTx/>
+                <a:buNone/>
+                <a:tabLst/>
+              </a:pPr>
+              <a:endParaRPr kumimoji="0" lang="en-US" sz="3000" b="0" i="0" u="none" strike="noStrike" cap="all" spc="0" normalizeH="0" baseline="0">
+                <a:ln>
+                  <a:noFill/>
+                </a:ln>
+                <a:solidFill>
+                  <a:srgbClr val="FFFFFF"/>
+                </a:solidFill>
+                <a:effectLst/>
+                <a:uFillTx/>
+                <a:latin typeface="Proxima Nova Extrabold"/>
+                <a:ea typeface="Proxima Nova Extrabold"/>
+                <a:cs typeface="Proxima Nova Extrabold"/>
+                <a:sym typeface="Proxima Nova Extrabold"/>
+              </a:endParaRPr>
+            </a:p>
+          </p:txBody>
+        </p:sp>
+        <p:sp>
+          <p:nvSpPr>
+            <p:cNvPr id="8" name="Rounded Rectangle 7">
+              <a:extLst>
+                <a:ext uri="{FF2B5EF4-FFF2-40B4-BE49-F238E27FC236}">
+                  <a16:creationId xmlns:a16="http://schemas.microsoft.com/office/drawing/2014/main" id="{B6F91FF8-5847-FA60-E51C-683F9D5852AE}"/>
+                </a:ext>
+              </a:extLst>
+            </p:cNvPr>
+            <p:cNvSpPr/>
+            <p:nvPr/>
+          </p:nvSpPr>
+          <p:spPr>
+            <a:xfrm>
+              <a:off x="15432000" y="8532435"/>
+              <a:ext cx="2160000" cy="2160000"/>
+            </a:xfrm>
+            <a:prstGeom prst="roundRect">
+              <a:avLst/>
+            </a:prstGeom>
+            <a:ln w="127000">
+              <a:solidFill>
+                <a:srgbClr val="FFFFFF"/>
+              </a:solidFill>
+            </a:ln>
+          </p:spPr>
+          <p:style>
+            <a:lnRef idx="2">
+              <a:schemeClr val="accent1"/>
+            </a:lnRef>
+            <a:fillRef idx="1">
+              <a:schemeClr val="lt1"/>
+            </a:fillRef>
+            <a:effectRef idx="0">
+              <a:schemeClr val="accent1"/>
+            </a:effectRef>
+            <a:fontRef idx="minor">
+              <a:schemeClr val="dk1"/>
+            </a:fontRef>
+          </p:style>
+          <p:txBody>
+            <a:bodyPr rot="0" spcFirstLastPara="1" vertOverflow="overflow" horzOverflow="overflow" vert="horz" wrap="square" lIns="50800" tIns="50800" rIns="50800" bIns="50800" numCol="1" spcCol="38100" rtlCol="0" anchor="ctr">
+              <a:spAutoFit/>
+            </a:bodyPr>
+            <a:lstStyle/>
+            <a:p>
+              <a:pPr marL="0" marR="0" indent="0" algn="ctr" defTabSz="825500" rtl="0" fontAlgn="auto" latinLnBrk="0" hangingPunct="0">
+                <a:lnSpc>
+                  <a:spcPct val="120000"/>
+                </a:lnSpc>
+                <a:spcBef>
+                  <a:spcPts val="0"/>
+                </a:spcBef>
+                <a:spcAft>
+                  <a:spcPts val="0"/>
+                </a:spcAft>
+                <a:buClrTx/>
+                <a:buSzTx/>
+                <a:buFontTx/>
+                <a:buNone/>
+                <a:tabLst/>
+              </a:pPr>
+              <a:endParaRPr kumimoji="0" lang="en-US" sz="3000" b="0" i="0" u="none" strike="noStrike" cap="all" spc="0" normalizeH="0" baseline="0">
+                <a:ln>
+                  <a:noFill/>
+                </a:ln>
+                <a:solidFill>
+                  <a:srgbClr val="FFFFFF"/>
+                </a:solidFill>
+                <a:effectLst/>
+                <a:uFillTx/>
+                <a:latin typeface="Proxima Nova Extrabold"/>
+                <a:ea typeface="Proxima Nova Extrabold"/>
+                <a:cs typeface="Proxima Nova Extrabold"/>
+                <a:sym typeface="Proxima Nova Extrabold"/>
+              </a:endParaRPr>
+            </a:p>
+          </p:txBody>
+        </p:sp>
+        <p:sp>
+          <p:nvSpPr>
+            <p:cNvPr id="10" name="Rounded Rectangle 9">
+              <a:extLst>
+                <a:ext uri="{FF2B5EF4-FFF2-40B4-BE49-F238E27FC236}">
+                  <a16:creationId xmlns:a16="http://schemas.microsoft.com/office/drawing/2014/main" id="{D94C246B-3B7B-33AF-ABA0-DC7F3EBAA061}"/>
+                </a:ext>
+              </a:extLst>
+            </p:cNvPr>
+            <p:cNvSpPr/>
+            <p:nvPr/>
+          </p:nvSpPr>
+          <p:spPr>
+            <a:xfrm>
+              <a:off x="17592000" y="8530470"/>
+              <a:ext cx="2160000" cy="2160000"/>
+            </a:xfrm>
+            <a:prstGeom prst="roundRect">
+              <a:avLst/>
+            </a:prstGeom>
+            <a:ln w="127000">
+              <a:solidFill>
+                <a:srgbClr val="FFFFFF"/>
+              </a:solidFill>
+            </a:ln>
+          </p:spPr>
+          <p:style>
+            <a:lnRef idx="2">
+              <a:schemeClr val="accent1"/>
+            </a:lnRef>
+            <a:fillRef idx="1">
+              <a:schemeClr val="lt1"/>
+            </a:fillRef>
+            <a:effectRef idx="0">
+              <a:schemeClr val="accent1"/>
+            </a:effectRef>
+            <a:fontRef idx="minor">
+              <a:schemeClr val="dk1"/>
+            </a:fontRef>
+          </p:style>
+          <p:txBody>
+            <a:bodyPr rot="0" spcFirstLastPara="1" vertOverflow="overflow" horzOverflow="overflow" vert="horz" wrap="square" lIns="50800" tIns="50800" rIns="50800" bIns="50800" numCol="1" spcCol="38100" rtlCol="0" anchor="ctr">
+              <a:spAutoFit/>
+            </a:bodyPr>
+            <a:lstStyle/>
+            <a:p>
+              <a:pPr marL="0" marR="0" indent="0" algn="ctr" defTabSz="825500" rtl="0" fontAlgn="auto" latinLnBrk="0" hangingPunct="0">
+                <a:lnSpc>
+                  <a:spcPct val="120000"/>
+                </a:lnSpc>
+                <a:spcBef>
+                  <a:spcPts val="0"/>
+                </a:spcBef>
+                <a:spcAft>
+                  <a:spcPts val="0"/>
+                </a:spcAft>
+                <a:buClrTx/>
+                <a:buSzTx/>
+                <a:buFontTx/>
+                <a:buNone/>
+                <a:tabLst/>
+              </a:pPr>
+              <a:endParaRPr kumimoji="0" lang="en-US" sz="3000" b="0" i="0" u="none" strike="noStrike" cap="all" spc="0" normalizeH="0" baseline="0">
+                <a:ln>
+                  <a:noFill/>
+                </a:ln>
+                <a:solidFill>
+                  <a:srgbClr val="FFFFFF"/>
+                </a:solidFill>
+                <a:effectLst/>
+                <a:uFillTx/>
+                <a:latin typeface="Proxima Nova Extrabold"/>
+                <a:ea typeface="Proxima Nova Extrabold"/>
+                <a:cs typeface="Proxima Nova Extrabold"/>
+                <a:sym typeface="Proxima Nova Extrabold"/>
+              </a:endParaRPr>
+            </a:p>
+          </p:txBody>
+        </p:sp>
+        <p:sp>
+          <p:nvSpPr>
+            <p:cNvPr id="12" name="Rounded Rectangle 11">
+              <a:extLst>
+                <a:ext uri="{FF2B5EF4-FFF2-40B4-BE49-F238E27FC236}">
+                  <a16:creationId xmlns:a16="http://schemas.microsoft.com/office/drawing/2014/main" id="{2A766471-C1F3-A912-3FAF-DEAB24CA9F2A}"/>
+                </a:ext>
+              </a:extLst>
+            </p:cNvPr>
+            <p:cNvSpPr/>
+            <p:nvPr/>
+          </p:nvSpPr>
+          <p:spPr>
+            <a:xfrm>
+              <a:off x="8952000" y="8529815"/>
+              <a:ext cx="2160000" cy="2160000"/>
+            </a:xfrm>
+            <a:prstGeom prst="roundRect">
+              <a:avLst/>
+            </a:prstGeom>
+            <a:ln w="127000">
+              <a:solidFill>
+                <a:srgbClr val="FFFFFF"/>
+              </a:solidFill>
+            </a:ln>
+          </p:spPr>
+          <p:style>
+            <a:lnRef idx="2">
+              <a:schemeClr val="accent1"/>
+            </a:lnRef>
+            <a:fillRef idx="1">
+              <a:schemeClr val="lt1"/>
+            </a:fillRef>
+            <a:effectRef idx="0">
+              <a:schemeClr val="accent1"/>
+            </a:effectRef>
+            <a:fontRef idx="minor">
+              <a:schemeClr val="dk1"/>
+            </a:fontRef>
+          </p:style>
+          <p:txBody>
+            <a:bodyPr rot="0" spcFirstLastPara="1" vertOverflow="overflow" horzOverflow="overflow" vert="horz" wrap="square" lIns="50800" tIns="50800" rIns="50800" bIns="50800" numCol="1" spcCol="38100" rtlCol="0" anchor="ctr">
+              <a:spAutoFit/>
+            </a:bodyPr>
+            <a:lstStyle/>
+            <a:p>
+              <a:pPr marL="0" marR="0" indent="0" algn="ctr" defTabSz="825500" rtl="0" fontAlgn="auto" latinLnBrk="0" hangingPunct="0">
+                <a:lnSpc>
+                  <a:spcPct val="120000"/>
+                </a:lnSpc>
+                <a:spcBef>
+                  <a:spcPts val="0"/>
+                </a:spcBef>
+                <a:spcAft>
+                  <a:spcPts val="0"/>
+                </a:spcAft>
+                <a:buClrTx/>
+                <a:buSzTx/>
+                <a:buFontTx/>
+                <a:buNone/>
+                <a:tabLst/>
+              </a:pPr>
+              <a:endParaRPr kumimoji="0" lang="en-US" sz="3000" b="0" i="0" u="none" strike="noStrike" cap="all" spc="0" normalizeH="0" baseline="0">
+                <a:ln>
+                  <a:noFill/>
+                </a:ln>
+                <a:solidFill>
+                  <a:srgbClr val="FFFFFF"/>
+                </a:solidFill>
+                <a:effectLst/>
+                <a:uFillTx/>
+                <a:latin typeface="Proxima Nova Extrabold"/>
+                <a:ea typeface="Proxima Nova Extrabold"/>
+                <a:cs typeface="Proxima Nova Extrabold"/>
+                <a:sym typeface="Proxima Nova Extrabold"/>
+              </a:endParaRPr>
+            </a:p>
+          </p:txBody>
+        </p:sp>
+        <p:sp>
+          <p:nvSpPr>
+            <p:cNvPr id="14" name="Rounded Rectangle 13">
+              <a:extLst>
+                <a:ext uri="{FF2B5EF4-FFF2-40B4-BE49-F238E27FC236}">
+                  <a16:creationId xmlns:a16="http://schemas.microsoft.com/office/drawing/2014/main" id="{0D5804E1-E684-B504-6672-A11AB1862F67}"/>
+                </a:ext>
+              </a:extLst>
+            </p:cNvPr>
+            <p:cNvSpPr/>
+            <p:nvPr/>
+          </p:nvSpPr>
+          <p:spPr>
+            <a:xfrm>
+              <a:off x="6792000" y="8524575"/>
+              <a:ext cx="2160000" cy="2160000"/>
+            </a:xfrm>
+            <a:prstGeom prst="roundRect">
+              <a:avLst/>
+            </a:prstGeom>
+            <a:ln w="127000">
+              <a:solidFill>
+                <a:srgbClr val="FFFFFF"/>
+              </a:solidFill>
+            </a:ln>
+          </p:spPr>
+          <p:style>
+            <a:lnRef idx="2">
+              <a:schemeClr val="accent1"/>
+            </a:lnRef>
+            <a:fillRef idx="1">
+              <a:schemeClr val="lt1"/>
+            </a:fillRef>
+            <a:effectRef idx="0">
+              <a:schemeClr val="accent1"/>
+            </a:effectRef>
+            <a:fontRef idx="minor">
+              <a:schemeClr val="dk1"/>
+            </a:fontRef>
+          </p:style>
+          <p:txBody>
+            <a:bodyPr rot="0" spcFirstLastPara="1" vertOverflow="overflow" horzOverflow="overflow" vert="horz" wrap="square" lIns="50800" tIns="50800" rIns="50800" bIns="50800" numCol="1" spcCol="38100" rtlCol="0" anchor="ctr">
+              <a:spAutoFit/>
+            </a:bodyPr>
+            <a:lstStyle/>
+            <a:p>
+              <a:pPr marL="0" marR="0" indent="0" algn="ctr" defTabSz="825500" rtl="0" fontAlgn="auto" latinLnBrk="0" hangingPunct="0">
+                <a:lnSpc>
+                  <a:spcPct val="120000"/>
+                </a:lnSpc>
+                <a:spcBef>
+                  <a:spcPts val="0"/>
+                </a:spcBef>
+                <a:spcAft>
+                  <a:spcPts val="0"/>
+                </a:spcAft>
+                <a:buClrTx/>
+                <a:buSzTx/>
+                <a:buFontTx/>
+                <a:buNone/>
+                <a:tabLst/>
+              </a:pPr>
+              <a:endParaRPr kumimoji="0" lang="en-US" sz="3000" b="0" i="0" u="none" strike="noStrike" cap="all" spc="0" normalizeH="0" baseline="0">
+                <a:ln>
+                  <a:noFill/>
+                </a:ln>
+                <a:solidFill>
+                  <a:srgbClr val="FFFFFF"/>
+                </a:solidFill>
+                <a:effectLst/>
+                <a:uFillTx/>
+                <a:latin typeface="Proxima Nova Extrabold"/>
+                <a:ea typeface="Proxima Nova Extrabold"/>
+                <a:cs typeface="Proxima Nova Extrabold"/>
+                <a:sym typeface="Proxima Nova Extrabold"/>
+              </a:endParaRPr>
+            </a:p>
+          </p:txBody>
+        </p:sp>
+        <p:sp>
+          <p:nvSpPr>
+            <p:cNvPr id="16" name="Rounded Rectangle 15">
+              <a:extLst>
+                <a:ext uri="{FF2B5EF4-FFF2-40B4-BE49-F238E27FC236}">
+                  <a16:creationId xmlns:a16="http://schemas.microsoft.com/office/drawing/2014/main" id="{EDE0F155-E858-DE4A-EC06-E7E1151C924F}"/>
+                </a:ext>
+              </a:extLst>
+            </p:cNvPr>
+            <p:cNvSpPr/>
+            <p:nvPr/>
+          </p:nvSpPr>
+          <p:spPr>
+            <a:xfrm>
+              <a:off x="4632000" y="8518680"/>
+              <a:ext cx="2160000" cy="2160000"/>
+            </a:xfrm>
+            <a:prstGeom prst="roundRect">
+              <a:avLst/>
+            </a:prstGeom>
+            <a:ln w="127000">
+              <a:solidFill>
+                <a:srgbClr val="FFFFFF"/>
+              </a:solidFill>
+            </a:ln>
+          </p:spPr>
+          <p:style>
+            <a:lnRef idx="2">
+              <a:schemeClr val="accent1"/>
+            </a:lnRef>
+            <a:fillRef idx="1">
+              <a:schemeClr val="lt1"/>
+            </a:fillRef>
+            <a:effectRef idx="0">
+              <a:schemeClr val="accent1"/>
+            </a:effectRef>
+            <a:fontRef idx="minor">
+              <a:schemeClr val="dk1"/>
+            </a:fontRef>
+          </p:style>
+          <p:txBody>
+            <a:bodyPr rot="0" spcFirstLastPara="1" vertOverflow="overflow" horzOverflow="overflow" vert="horz" wrap="square" lIns="50800" tIns="50800" rIns="50800" bIns="50800" numCol="1" spcCol="38100" rtlCol="0" anchor="ctr">
+              <a:spAutoFit/>
+            </a:bodyPr>
+            <a:lstStyle/>
+            <a:p>
+              <a:pPr marL="0" marR="0" indent="0" algn="ctr" defTabSz="825500" rtl="0" fontAlgn="auto" latinLnBrk="0" hangingPunct="0">
+                <a:lnSpc>
+                  <a:spcPct val="120000"/>
+                </a:lnSpc>
+                <a:spcBef>
+                  <a:spcPts val="0"/>
+                </a:spcBef>
+                <a:spcAft>
+                  <a:spcPts val="0"/>
+                </a:spcAft>
+                <a:buClrTx/>
+                <a:buSzTx/>
+                <a:buFontTx/>
+                <a:buNone/>
+                <a:tabLst/>
+              </a:pPr>
+              <a:endParaRPr kumimoji="0" lang="en-US" sz="3000" b="0" i="0" u="none" strike="noStrike" cap="all" spc="0" normalizeH="0" baseline="0">
+                <a:ln>
+                  <a:noFill/>
+                </a:ln>
+                <a:solidFill>
+                  <a:srgbClr val="FFFFFF"/>
+                </a:solidFill>
+                <a:effectLst/>
+                <a:uFillTx/>
+                <a:latin typeface="Proxima Nova Extrabold"/>
+                <a:ea typeface="Proxima Nova Extrabold"/>
+                <a:cs typeface="Proxima Nova Extrabold"/>
+                <a:sym typeface="Proxima Nova Extrabold"/>
+              </a:endParaRPr>
+            </a:p>
+          </p:txBody>
+        </p:sp>
+        <p:sp>
+          <p:nvSpPr>
+            <p:cNvPr id="20" name="Your exam">
+              <a:extLst>
+                <a:ext uri="{FF2B5EF4-FFF2-40B4-BE49-F238E27FC236}">
+                  <a16:creationId xmlns:a16="http://schemas.microsoft.com/office/drawing/2014/main" id="{BBBD0E6B-E821-B56E-5B3A-3E939F15FEE4}"/>
+                </a:ext>
+              </a:extLst>
+            </p:cNvPr>
+            <p:cNvSpPr txBox="1">
+              <a:spLocks/>
+            </p:cNvSpPr>
+            <p:nvPr/>
+          </p:nvSpPr>
+          <p:spPr>
+            <a:xfrm>
+              <a:off x="11112000" y="8863054"/>
+              <a:ext cx="2160000" cy="1666326"/>
+            </a:xfrm>
+            <a:prstGeom prst="rect">
+              <a:avLst/>
+            </a:prstGeom>
+            <a:ln w="12700">
+              <a:miter lim="400000"/>
+            </a:ln>
+            <a:extLst>
+              <a:ext uri="{C572A759-6A51-4108-AA02-DFA0A04FC94B}">
+                <ma14:wrappingTextBoxFlag xmlns="" xmlns:m="http://schemas.openxmlformats.org/officeDocument/2006/math" xmlns:a14="http://schemas.microsoft.com/office/drawing/2010/main" xmlns:ma14="http://schemas.microsoft.com/office/mac/drawingml/2011/main" val="1"/>
+              </a:ext>
+            </a:extLst>
+          </p:spPr>
+          <p:txBody>
+            <a:bodyPr lIns="50800" tIns="50800" rIns="50800" bIns="50800" anchor="ctr">
+              <a:normAutofit/>
+            </a:bodyPr>
+            <a:lstStyle>
+              <a:lvl1pPr marL="0" marR="0" indent="0" algn="l" defTabSz="825500" rtl="0" latinLnBrk="0">
+                <a:lnSpc>
+                  <a:spcPct val="80000"/>
+                </a:lnSpc>
+                <a:spcBef>
+                  <a:spcPts val="0"/>
+                </a:spcBef>
+                <a:spcAft>
+                  <a:spcPts val="0"/>
+                </a:spcAft>
+                <a:buClrTx/>
+                <a:buSzTx/>
+                <a:buFontTx/>
+                <a:buNone/>
+                <a:tabLst/>
+                <a:defRPr sz="14000" b="0" i="0" u="none" strike="noStrike" cap="all" spc="-140" baseline="0">
+                  <a:solidFill>
+                    <a:srgbClr val="FFFFFF"/>
+                  </a:solidFill>
+                  <a:uFillTx/>
+                  <a:latin typeface="+mn-lt"/>
+                  <a:ea typeface="+mn-ea"/>
+                  <a:cs typeface="+mn-cs"/>
+                  <a:sym typeface="Druk Medium"/>
+                </a:defRPr>
+              </a:lvl1pPr>
+              <a:lvl2pPr marL="0" marR="0" indent="457200" algn="l" defTabSz="825500" rtl="0" latinLnBrk="0">
+                <a:lnSpc>
+                  <a:spcPct val="80000"/>
+                </a:lnSpc>
+                <a:spcBef>
+                  <a:spcPts val="0"/>
+                </a:spcBef>
+                <a:spcAft>
+                  <a:spcPts val="0"/>
+                </a:spcAft>
+                <a:buClrTx/>
+                <a:buSzTx/>
+                <a:buFontTx/>
+                <a:buNone/>
+                <a:tabLst/>
+                <a:defRPr sz="11600" b="0" i="0" u="none" strike="noStrike" cap="all" spc="-116" baseline="0">
+                  <a:solidFill>
+                    <a:srgbClr val="00BFF3"/>
+                  </a:solidFill>
+                  <a:uFillTx/>
+                  <a:latin typeface="+mn-lt"/>
+                  <a:ea typeface="+mn-ea"/>
+                  <a:cs typeface="+mn-cs"/>
+                  <a:sym typeface="Druk Medium"/>
+                </a:defRPr>
+              </a:lvl2pPr>
+              <a:lvl3pPr marL="0" marR="0" indent="914400" algn="l" defTabSz="825500" rtl="0" latinLnBrk="0">
+                <a:lnSpc>
+                  <a:spcPct val="80000"/>
+                </a:lnSpc>
+                <a:spcBef>
+                  <a:spcPts val="0"/>
+                </a:spcBef>
+                <a:spcAft>
+                  <a:spcPts val="0"/>
+                </a:spcAft>
+                <a:buClrTx/>
+                <a:buSzTx/>
+                <a:buFontTx/>
+                <a:buNone/>
+                <a:tabLst/>
+                <a:defRPr sz="11600" b="0" i="0" u="none" strike="noStrike" cap="all" spc="-116" baseline="0">
+                  <a:solidFill>
+                    <a:srgbClr val="00BFF3"/>
+                  </a:solidFill>
+                  <a:uFillTx/>
+                  <a:latin typeface="+mn-lt"/>
+                  <a:ea typeface="+mn-ea"/>
+                  <a:cs typeface="+mn-cs"/>
+                  <a:sym typeface="Druk Medium"/>
+                </a:defRPr>
+              </a:lvl3pPr>
+              <a:lvl4pPr marL="0" marR="0" indent="1371600" algn="l" defTabSz="825500" rtl="0" latinLnBrk="0">
+                <a:lnSpc>
+                  <a:spcPct val="80000"/>
+                </a:lnSpc>
+                <a:spcBef>
+                  <a:spcPts val="0"/>
+                </a:spcBef>
+                <a:spcAft>
+                  <a:spcPts val="0"/>
+                </a:spcAft>
+                <a:buClrTx/>
+                <a:buSzTx/>
+                <a:buFontTx/>
+                <a:buNone/>
+                <a:tabLst/>
+                <a:defRPr sz="11600" b="0" i="0" u="none" strike="noStrike" cap="all" spc="-116" baseline="0">
+                  <a:solidFill>
+                    <a:srgbClr val="00BFF3"/>
+                  </a:solidFill>
+                  <a:uFillTx/>
+                  <a:latin typeface="+mn-lt"/>
+                  <a:ea typeface="+mn-ea"/>
+                  <a:cs typeface="+mn-cs"/>
+                  <a:sym typeface="Druk Medium"/>
+                </a:defRPr>
+              </a:lvl4pPr>
+              <a:lvl5pPr marL="0" marR="0" indent="1828800" algn="l" defTabSz="825500" rtl="0" latinLnBrk="0">
+                <a:lnSpc>
+                  <a:spcPct val="80000"/>
+                </a:lnSpc>
+                <a:spcBef>
+                  <a:spcPts val="0"/>
+                </a:spcBef>
+                <a:spcAft>
+                  <a:spcPts val="0"/>
+                </a:spcAft>
+                <a:buClrTx/>
+                <a:buSzTx/>
+                <a:buFontTx/>
+                <a:buNone/>
+                <a:tabLst/>
+                <a:defRPr sz="11600" b="0" i="0" u="none" strike="noStrike" cap="all" spc="-116" baseline="0">
+                  <a:solidFill>
+                    <a:srgbClr val="00BFF3"/>
+                  </a:solidFill>
+                  <a:uFillTx/>
+                  <a:latin typeface="+mn-lt"/>
+                  <a:ea typeface="+mn-ea"/>
+                  <a:cs typeface="+mn-cs"/>
+                  <a:sym typeface="Druk Medium"/>
+                </a:defRPr>
+              </a:lvl5pPr>
+              <a:lvl6pPr marL="0" marR="0" indent="2286000" algn="l" defTabSz="825500" rtl="0" latinLnBrk="0">
+                <a:lnSpc>
+                  <a:spcPct val="80000"/>
+                </a:lnSpc>
+                <a:spcBef>
+                  <a:spcPts val="0"/>
+                </a:spcBef>
+                <a:spcAft>
+                  <a:spcPts val="0"/>
+                </a:spcAft>
+                <a:buClrTx/>
+                <a:buSzTx/>
+                <a:buFontTx/>
+                <a:buNone/>
+                <a:tabLst/>
+                <a:defRPr sz="11600" b="0" i="0" u="none" strike="noStrike" cap="all" spc="-116" baseline="0">
+                  <a:solidFill>
+                    <a:srgbClr val="00BFF3"/>
+                  </a:solidFill>
+                  <a:uFillTx/>
+                  <a:latin typeface="+mn-lt"/>
+                  <a:ea typeface="+mn-ea"/>
+                  <a:cs typeface="+mn-cs"/>
+                  <a:sym typeface="Druk Medium"/>
+                </a:defRPr>
+              </a:lvl6pPr>
+              <a:lvl7pPr marL="0" marR="0" indent="2743200" algn="l" defTabSz="825500" rtl="0" latinLnBrk="0">
+                <a:lnSpc>
+                  <a:spcPct val="80000"/>
+                </a:lnSpc>
+                <a:spcBef>
+                  <a:spcPts val="0"/>
+                </a:spcBef>
+                <a:spcAft>
+                  <a:spcPts val="0"/>
+                </a:spcAft>
+                <a:buClrTx/>
+                <a:buSzTx/>
+                <a:buFontTx/>
+                <a:buNone/>
+                <a:tabLst/>
+                <a:defRPr sz="11600" b="0" i="0" u="none" strike="noStrike" cap="all" spc="-116" baseline="0">
+                  <a:solidFill>
+                    <a:srgbClr val="00BFF3"/>
+                  </a:solidFill>
+                  <a:uFillTx/>
+                  <a:latin typeface="+mn-lt"/>
+                  <a:ea typeface="+mn-ea"/>
+                  <a:cs typeface="+mn-cs"/>
+                  <a:sym typeface="Druk Medium"/>
+                </a:defRPr>
+              </a:lvl7pPr>
+              <a:lvl8pPr marL="0" marR="0" indent="3200400" algn="l" defTabSz="825500" rtl="0" latinLnBrk="0">
+                <a:lnSpc>
+                  <a:spcPct val="80000"/>
+                </a:lnSpc>
+                <a:spcBef>
+                  <a:spcPts val="0"/>
+                </a:spcBef>
+                <a:spcAft>
+                  <a:spcPts val="0"/>
+                </a:spcAft>
+                <a:buClrTx/>
+                <a:buSzTx/>
+                <a:buFontTx/>
+                <a:buNone/>
+                <a:tabLst/>
+                <a:defRPr sz="11600" b="0" i="0" u="none" strike="noStrike" cap="all" spc="-116" baseline="0">
+                  <a:solidFill>
+                    <a:srgbClr val="00BFF3"/>
+                  </a:solidFill>
+                  <a:uFillTx/>
+                  <a:latin typeface="+mn-lt"/>
+                  <a:ea typeface="+mn-ea"/>
+                  <a:cs typeface="+mn-cs"/>
+                  <a:sym typeface="Druk Medium"/>
+                </a:defRPr>
+              </a:lvl8pPr>
+              <a:lvl9pPr marL="0" marR="0" indent="3657600" algn="l" defTabSz="825500" rtl="0" latinLnBrk="0">
+                <a:lnSpc>
+                  <a:spcPct val="80000"/>
+                </a:lnSpc>
+                <a:spcBef>
+                  <a:spcPts val="0"/>
+                </a:spcBef>
+                <a:spcAft>
+                  <a:spcPts val="0"/>
+                </a:spcAft>
+                <a:buClrTx/>
+                <a:buSzTx/>
+                <a:buFontTx/>
+                <a:buNone/>
+                <a:tabLst/>
+                <a:defRPr sz="11600" b="0" i="0" u="none" strike="noStrike" cap="all" spc="-116" baseline="0">
+                  <a:solidFill>
+                    <a:srgbClr val="00BFF3"/>
+                  </a:solidFill>
+                  <a:uFillTx/>
+                  <a:latin typeface="+mn-lt"/>
+                  <a:ea typeface="+mn-ea"/>
+                  <a:cs typeface="+mn-cs"/>
+                  <a:sym typeface="Druk Medium"/>
+                </a:defRPr>
+              </a:lvl9pPr>
+            </a:lstStyle>
+            <a:p>
+              <a:pPr algn="ctr" hangingPunct="1"/>
+              <a:r>
+                <a:rPr lang="en-GB" sz="11800" b="1" dirty="0"/>
+                <a:t>A</a:t>
+              </a:r>
+            </a:p>
+          </p:txBody>
+        </p:sp>
+        <p:sp>
+          <p:nvSpPr>
+            <p:cNvPr id="21" name="Your exam">
+              <a:extLst>
+                <a:ext uri="{FF2B5EF4-FFF2-40B4-BE49-F238E27FC236}">
+                  <a16:creationId xmlns:a16="http://schemas.microsoft.com/office/drawing/2014/main" id="{260E61AD-CFF6-35FC-5B55-1F24A14F83B4}"/>
+                </a:ext>
+              </a:extLst>
+            </p:cNvPr>
+            <p:cNvSpPr txBox="1">
+              <a:spLocks/>
+            </p:cNvSpPr>
+            <p:nvPr/>
+          </p:nvSpPr>
+          <p:spPr>
+            <a:xfrm>
+              <a:off x="13272000" y="8863054"/>
+              <a:ext cx="2160000" cy="1666326"/>
+            </a:xfrm>
+            <a:prstGeom prst="rect">
+              <a:avLst/>
+            </a:prstGeom>
+            <a:ln w="12700">
+              <a:miter lim="400000"/>
+            </a:ln>
+            <a:extLst>
+              <a:ext uri="{C572A759-6A51-4108-AA02-DFA0A04FC94B}">
+                <ma14:wrappingTextBoxFlag xmlns="" xmlns:m="http://schemas.openxmlformats.org/officeDocument/2006/math" xmlns:a14="http://schemas.microsoft.com/office/drawing/2010/main" xmlns:ma14="http://schemas.microsoft.com/office/mac/drawingml/2011/main" val="1"/>
+              </a:ext>
+            </a:extLst>
+          </p:spPr>
+          <p:txBody>
+            <a:bodyPr lIns="50800" tIns="50800" rIns="50800" bIns="50800" anchor="ctr">
+              <a:normAutofit/>
+            </a:bodyPr>
+            <a:lstStyle>
+              <a:lvl1pPr marL="0" marR="0" indent="0" algn="l" defTabSz="825500" rtl="0" latinLnBrk="0">
+                <a:lnSpc>
+                  <a:spcPct val="80000"/>
+                </a:lnSpc>
+                <a:spcBef>
+                  <a:spcPts val="0"/>
+                </a:spcBef>
+                <a:spcAft>
+                  <a:spcPts val="0"/>
+                </a:spcAft>
+                <a:buClrTx/>
+                <a:buSzTx/>
+                <a:buFontTx/>
+                <a:buNone/>
+                <a:tabLst/>
+                <a:defRPr sz="14000" b="0" i="0" u="none" strike="noStrike" cap="all" spc="-140" baseline="0">
+                  <a:solidFill>
+                    <a:srgbClr val="FFFFFF"/>
+                  </a:solidFill>
+                  <a:uFillTx/>
+                  <a:latin typeface="+mn-lt"/>
+                  <a:ea typeface="+mn-ea"/>
+                  <a:cs typeface="+mn-cs"/>
+                  <a:sym typeface="Druk Medium"/>
+                </a:defRPr>
+              </a:lvl1pPr>
+              <a:lvl2pPr marL="0" marR="0" indent="457200" algn="l" defTabSz="825500" rtl="0" latinLnBrk="0">
+                <a:lnSpc>
+                  <a:spcPct val="80000"/>
+                </a:lnSpc>
+                <a:spcBef>
+                  <a:spcPts val="0"/>
+                </a:spcBef>
+                <a:spcAft>
+                  <a:spcPts val="0"/>
+                </a:spcAft>
+                <a:buClrTx/>
+                <a:buSzTx/>
+                <a:buFontTx/>
+                <a:buNone/>
+                <a:tabLst/>
+                <a:defRPr sz="11600" b="0" i="0" u="none" strike="noStrike" cap="all" spc="-116" baseline="0">
+                  <a:solidFill>
+                    <a:srgbClr val="00BFF3"/>
+                  </a:solidFill>
+                  <a:uFillTx/>
+                  <a:latin typeface="+mn-lt"/>
+                  <a:ea typeface="+mn-ea"/>
+                  <a:cs typeface="+mn-cs"/>
+                  <a:sym typeface="Druk Medium"/>
+                </a:defRPr>
+              </a:lvl2pPr>
+              <a:lvl3pPr marL="0" marR="0" indent="914400" algn="l" defTabSz="825500" rtl="0" latinLnBrk="0">
+                <a:lnSpc>
+                  <a:spcPct val="80000"/>
+                </a:lnSpc>
+                <a:spcBef>
+                  <a:spcPts val="0"/>
+                </a:spcBef>
+                <a:spcAft>
+                  <a:spcPts val="0"/>
+                </a:spcAft>
+                <a:buClrTx/>
+                <a:buSzTx/>
+                <a:buFontTx/>
+                <a:buNone/>
+                <a:tabLst/>
+                <a:defRPr sz="11600" b="0" i="0" u="none" strike="noStrike" cap="all" spc="-116" baseline="0">
+                  <a:solidFill>
+                    <a:srgbClr val="00BFF3"/>
+                  </a:solidFill>
+                  <a:uFillTx/>
+                  <a:latin typeface="+mn-lt"/>
+                  <a:ea typeface="+mn-ea"/>
+                  <a:cs typeface="+mn-cs"/>
+                  <a:sym typeface="Druk Medium"/>
+                </a:defRPr>
+              </a:lvl3pPr>
+              <a:lvl4pPr marL="0" marR="0" indent="1371600" algn="l" defTabSz="825500" rtl="0" latinLnBrk="0">
+                <a:lnSpc>
+                  <a:spcPct val="80000"/>
+                </a:lnSpc>
+                <a:spcBef>
+                  <a:spcPts val="0"/>
+                </a:spcBef>
+                <a:spcAft>
+                  <a:spcPts val="0"/>
+                </a:spcAft>
+                <a:buClrTx/>
+                <a:buSzTx/>
+                <a:buFontTx/>
+                <a:buNone/>
+                <a:tabLst/>
+                <a:defRPr sz="11600" b="0" i="0" u="none" strike="noStrike" cap="all" spc="-116" baseline="0">
+                  <a:solidFill>
+                    <a:srgbClr val="00BFF3"/>
+                  </a:solidFill>
+                  <a:uFillTx/>
+                  <a:latin typeface="+mn-lt"/>
+                  <a:ea typeface="+mn-ea"/>
+                  <a:cs typeface="+mn-cs"/>
+                  <a:sym typeface="Druk Medium"/>
+                </a:defRPr>
+              </a:lvl4pPr>
+              <a:lvl5pPr marL="0" marR="0" indent="1828800" algn="l" defTabSz="825500" rtl="0" latinLnBrk="0">
+                <a:lnSpc>
+                  <a:spcPct val="80000"/>
+                </a:lnSpc>
+                <a:spcBef>
+                  <a:spcPts val="0"/>
+                </a:spcBef>
+                <a:spcAft>
+                  <a:spcPts val="0"/>
+                </a:spcAft>
+                <a:buClrTx/>
+                <a:buSzTx/>
+                <a:buFontTx/>
+                <a:buNone/>
+                <a:tabLst/>
+                <a:defRPr sz="11600" b="0" i="0" u="none" strike="noStrike" cap="all" spc="-116" baseline="0">
+                  <a:solidFill>
+                    <a:srgbClr val="00BFF3"/>
+                  </a:solidFill>
+                  <a:uFillTx/>
+                  <a:latin typeface="+mn-lt"/>
+                  <a:ea typeface="+mn-ea"/>
+                  <a:cs typeface="+mn-cs"/>
+                  <a:sym typeface="Druk Medium"/>
+                </a:defRPr>
+              </a:lvl5pPr>
+              <a:lvl6pPr marL="0" marR="0" indent="2286000" algn="l" defTabSz="825500" rtl="0" latinLnBrk="0">
+                <a:lnSpc>
+                  <a:spcPct val="80000"/>
+                </a:lnSpc>
+                <a:spcBef>
+                  <a:spcPts val="0"/>
+                </a:spcBef>
+                <a:spcAft>
+                  <a:spcPts val="0"/>
+                </a:spcAft>
+                <a:buClrTx/>
+                <a:buSzTx/>
+                <a:buFontTx/>
+                <a:buNone/>
+                <a:tabLst/>
+                <a:defRPr sz="11600" b="0" i="0" u="none" strike="noStrike" cap="all" spc="-116" baseline="0">
+                  <a:solidFill>
+                    <a:srgbClr val="00BFF3"/>
+                  </a:solidFill>
+                  <a:uFillTx/>
+                  <a:latin typeface="+mn-lt"/>
+                  <a:ea typeface="+mn-ea"/>
+                  <a:cs typeface="+mn-cs"/>
+                  <a:sym typeface="Druk Medium"/>
+                </a:defRPr>
+              </a:lvl6pPr>
+              <a:lvl7pPr marL="0" marR="0" indent="2743200" algn="l" defTabSz="825500" rtl="0" latinLnBrk="0">
+                <a:lnSpc>
+                  <a:spcPct val="80000"/>
+                </a:lnSpc>
+                <a:spcBef>
+                  <a:spcPts val="0"/>
+                </a:spcBef>
+                <a:spcAft>
+                  <a:spcPts val="0"/>
+                </a:spcAft>
+                <a:buClrTx/>
+                <a:buSzTx/>
+                <a:buFontTx/>
+                <a:buNone/>
+                <a:tabLst/>
+                <a:defRPr sz="11600" b="0" i="0" u="none" strike="noStrike" cap="all" spc="-116" baseline="0">
+                  <a:solidFill>
+                    <a:srgbClr val="00BFF3"/>
+                  </a:solidFill>
+                  <a:uFillTx/>
+                  <a:latin typeface="+mn-lt"/>
+                  <a:ea typeface="+mn-ea"/>
+                  <a:cs typeface="+mn-cs"/>
+                  <a:sym typeface="Druk Medium"/>
+                </a:defRPr>
+              </a:lvl7pPr>
+              <a:lvl8pPr marL="0" marR="0" indent="3200400" algn="l" defTabSz="825500" rtl="0" latinLnBrk="0">
+                <a:lnSpc>
+                  <a:spcPct val="80000"/>
+                </a:lnSpc>
+                <a:spcBef>
+                  <a:spcPts val="0"/>
+                </a:spcBef>
+                <a:spcAft>
+                  <a:spcPts val="0"/>
+                </a:spcAft>
+                <a:buClrTx/>
+                <a:buSzTx/>
+                <a:buFontTx/>
+                <a:buNone/>
+                <a:tabLst/>
+                <a:defRPr sz="11600" b="0" i="0" u="none" strike="noStrike" cap="all" spc="-116" baseline="0">
+                  <a:solidFill>
+                    <a:srgbClr val="00BFF3"/>
+                  </a:solidFill>
+                  <a:uFillTx/>
+                  <a:latin typeface="+mn-lt"/>
+                  <a:ea typeface="+mn-ea"/>
+                  <a:cs typeface="+mn-cs"/>
+                  <a:sym typeface="Druk Medium"/>
+                </a:defRPr>
+              </a:lvl8pPr>
+              <a:lvl9pPr marL="0" marR="0" indent="3657600" algn="l" defTabSz="825500" rtl="0" latinLnBrk="0">
+                <a:lnSpc>
+                  <a:spcPct val="80000"/>
+                </a:lnSpc>
+                <a:spcBef>
+                  <a:spcPts val="0"/>
+                </a:spcBef>
+                <a:spcAft>
+                  <a:spcPts val="0"/>
+                </a:spcAft>
+                <a:buClrTx/>
+                <a:buSzTx/>
+                <a:buFontTx/>
+                <a:buNone/>
+                <a:tabLst/>
+                <a:defRPr sz="11600" b="0" i="0" u="none" strike="noStrike" cap="all" spc="-116" baseline="0">
+                  <a:solidFill>
+                    <a:srgbClr val="00BFF3"/>
+                  </a:solidFill>
+                  <a:uFillTx/>
+                  <a:latin typeface="+mn-lt"/>
+                  <a:ea typeface="+mn-ea"/>
+                  <a:cs typeface="+mn-cs"/>
+                  <a:sym typeface="Druk Medium"/>
+                </a:defRPr>
+              </a:lvl9pPr>
+            </a:lstStyle>
+            <a:p>
+              <a:pPr algn="ctr" hangingPunct="1"/>
+              <a:r>
+                <a:rPr lang="en-GB" sz="11800" b="1" dirty="0"/>
+                <a:t>B</a:t>
+              </a:r>
+            </a:p>
+          </p:txBody>
+        </p:sp>
+        <p:sp>
+          <p:nvSpPr>
+            <p:cNvPr id="22" name="Your exam">
+              <a:extLst>
+                <a:ext uri="{FF2B5EF4-FFF2-40B4-BE49-F238E27FC236}">
+                  <a16:creationId xmlns:a16="http://schemas.microsoft.com/office/drawing/2014/main" id="{31F69334-138D-1A8A-E8BB-39408963EE82}"/>
+                </a:ext>
+              </a:extLst>
+            </p:cNvPr>
+            <p:cNvSpPr txBox="1">
+              <a:spLocks/>
+            </p:cNvSpPr>
+            <p:nvPr/>
+          </p:nvSpPr>
+          <p:spPr>
+            <a:xfrm>
+              <a:off x="15432000" y="8848644"/>
+              <a:ext cx="2160000" cy="1666326"/>
+            </a:xfrm>
+            <a:prstGeom prst="rect">
+              <a:avLst/>
+            </a:prstGeom>
+            <a:ln w="12700">
+              <a:miter lim="400000"/>
+            </a:ln>
+            <a:extLst>
+              <a:ext uri="{C572A759-6A51-4108-AA02-DFA0A04FC94B}">
+                <ma14:wrappingTextBoxFlag xmlns="" xmlns:m="http://schemas.openxmlformats.org/officeDocument/2006/math" xmlns:a14="http://schemas.microsoft.com/office/drawing/2010/main" xmlns:ma14="http://schemas.microsoft.com/office/mac/drawingml/2011/main" val="1"/>
+              </a:ext>
+            </a:extLst>
+          </p:spPr>
+          <p:txBody>
+            <a:bodyPr lIns="50800" tIns="50800" rIns="50800" bIns="50800" anchor="ctr">
+              <a:normAutofit/>
+            </a:bodyPr>
+            <a:lstStyle>
+              <a:lvl1pPr marL="0" marR="0" indent="0" algn="l" defTabSz="825500" rtl="0" latinLnBrk="0">
+                <a:lnSpc>
+                  <a:spcPct val="80000"/>
+                </a:lnSpc>
+                <a:spcBef>
+                  <a:spcPts val="0"/>
+                </a:spcBef>
+                <a:spcAft>
+                  <a:spcPts val="0"/>
+                </a:spcAft>
+                <a:buClrTx/>
+                <a:buSzTx/>
+                <a:buFontTx/>
+                <a:buNone/>
+                <a:tabLst/>
+                <a:defRPr sz="14000" b="0" i="0" u="none" strike="noStrike" cap="all" spc="-140" baseline="0">
+                  <a:solidFill>
+                    <a:srgbClr val="FFFFFF"/>
+                  </a:solidFill>
+                  <a:uFillTx/>
+                  <a:latin typeface="+mn-lt"/>
+                  <a:ea typeface="+mn-ea"/>
+                  <a:cs typeface="+mn-cs"/>
+                  <a:sym typeface="Druk Medium"/>
+                </a:defRPr>
+              </a:lvl1pPr>
+              <a:lvl2pPr marL="0" marR="0" indent="457200" algn="l" defTabSz="825500" rtl="0" latinLnBrk="0">
+                <a:lnSpc>
+                  <a:spcPct val="80000"/>
+                </a:lnSpc>
+                <a:spcBef>
+                  <a:spcPts val="0"/>
+                </a:spcBef>
+                <a:spcAft>
+                  <a:spcPts val="0"/>
+                </a:spcAft>
+                <a:buClrTx/>
+                <a:buSzTx/>
+                <a:buFontTx/>
+                <a:buNone/>
+                <a:tabLst/>
+                <a:defRPr sz="11600" b="0" i="0" u="none" strike="noStrike" cap="all" spc="-116" baseline="0">
+                  <a:solidFill>
+                    <a:srgbClr val="00BFF3"/>
+                  </a:solidFill>
+                  <a:uFillTx/>
+                  <a:latin typeface="+mn-lt"/>
+                  <a:ea typeface="+mn-ea"/>
+                  <a:cs typeface="+mn-cs"/>
+                  <a:sym typeface="Druk Medium"/>
+                </a:defRPr>
+              </a:lvl2pPr>
+              <a:lvl3pPr marL="0" marR="0" indent="914400" algn="l" defTabSz="825500" rtl="0" latinLnBrk="0">
+                <a:lnSpc>
+                  <a:spcPct val="80000"/>
+                </a:lnSpc>
+                <a:spcBef>
+                  <a:spcPts val="0"/>
+                </a:spcBef>
+                <a:spcAft>
+                  <a:spcPts val="0"/>
+                </a:spcAft>
+                <a:buClrTx/>
+                <a:buSzTx/>
+                <a:buFontTx/>
+                <a:buNone/>
+                <a:tabLst/>
+                <a:defRPr sz="11600" b="0" i="0" u="none" strike="noStrike" cap="all" spc="-116" baseline="0">
+                  <a:solidFill>
+                    <a:srgbClr val="00BFF3"/>
+                  </a:solidFill>
+                  <a:uFillTx/>
+                  <a:latin typeface="+mn-lt"/>
+                  <a:ea typeface="+mn-ea"/>
+                  <a:cs typeface="+mn-cs"/>
+                  <a:sym typeface="Druk Medium"/>
+                </a:defRPr>
+              </a:lvl3pPr>
+              <a:lvl4pPr marL="0" marR="0" indent="1371600" algn="l" defTabSz="825500" rtl="0" latinLnBrk="0">
+                <a:lnSpc>
+                  <a:spcPct val="80000"/>
+                </a:lnSpc>
+                <a:spcBef>
+                  <a:spcPts val="0"/>
+                </a:spcBef>
+                <a:spcAft>
+                  <a:spcPts val="0"/>
+                </a:spcAft>
+                <a:buClrTx/>
+                <a:buSzTx/>
+                <a:buFontTx/>
+                <a:buNone/>
+                <a:tabLst/>
+                <a:defRPr sz="11600" b="0" i="0" u="none" strike="noStrike" cap="all" spc="-116" baseline="0">
+                  <a:solidFill>
+                    <a:srgbClr val="00BFF3"/>
+                  </a:solidFill>
+                  <a:uFillTx/>
+                  <a:latin typeface="+mn-lt"/>
+                  <a:ea typeface="+mn-ea"/>
+                  <a:cs typeface="+mn-cs"/>
+                  <a:sym typeface="Druk Medium"/>
+                </a:defRPr>
+              </a:lvl4pPr>
+              <a:lvl5pPr marL="0" marR="0" indent="1828800" algn="l" defTabSz="825500" rtl="0" latinLnBrk="0">
+                <a:lnSpc>
+                  <a:spcPct val="80000"/>
+                </a:lnSpc>
+                <a:spcBef>
+                  <a:spcPts val="0"/>
+                </a:spcBef>
+                <a:spcAft>
+                  <a:spcPts val="0"/>
+                </a:spcAft>
+                <a:buClrTx/>
+                <a:buSzTx/>
+                <a:buFontTx/>
+                <a:buNone/>
+                <a:tabLst/>
+                <a:defRPr sz="11600" b="0" i="0" u="none" strike="noStrike" cap="all" spc="-116" baseline="0">
+                  <a:solidFill>
+                    <a:srgbClr val="00BFF3"/>
+                  </a:solidFill>
+                  <a:uFillTx/>
+                  <a:latin typeface="+mn-lt"/>
+                  <a:ea typeface="+mn-ea"/>
+                  <a:cs typeface="+mn-cs"/>
+                  <a:sym typeface="Druk Medium"/>
+                </a:defRPr>
+              </a:lvl5pPr>
+              <a:lvl6pPr marL="0" marR="0" indent="2286000" algn="l" defTabSz="825500" rtl="0" latinLnBrk="0">
+                <a:lnSpc>
+                  <a:spcPct val="80000"/>
+                </a:lnSpc>
+                <a:spcBef>
+                  <a:spcPts val="0"/>
+                </a:spcBef>
+                <a:spcAft>
+                  <a:spcPts val="0"/>
+                </a:spcAft>
+                <a:buClrTx/>
+                <a:buSzTx/>
+                <a:buFontTx/>
+                <a:buNone/>
+                <a:tabLst/>
+                <a:defRPr sz="11600" b="0" i="0" u="none" strike="noStrike" cap="all" spc="-116" baseline="0">
+                  <a:solidFill>
+                    <a:srgbClr val="00BFF3"/>
+                  </a:solidFill>
+                  <a:uFillTx/>
+                  <a:latin typeface="+mn-lt"/>
+                  <a:ea typeface="+mn-ea"/>
+                  <a:cs typeface="+mn-cs"/>
+                  <a:sym typeface="Druk Medium"/>
+                </a:defRPr>
+              </a:lvl6pPr>
+              <a:lvl7pPr marL="0" marR="0" indent="2743200" algn="l" defTabSz="825500" rtl="0" latinLnBrk="0">
+                <a:lnSpc>
+                  <a:spcPct val="80000"/>
+                </a:lnSpc>
+                <a:spcBef>
+                  <a:spcPts val="0"/>
+                </a:spcBef>
+                <a:spcAft>
+                  <a:spcPts val="0"/>
+                </a:spcAft>
+                <a:buClrTx/>
+                <a:buSzTx/>
+                <a:buFontTx/>
+                <a:buNone/>
+                <a:tabLst/>
+                <a:defRPr sz="11600" b="0" i="0" u="none" strike="noStrike" cap="all" spc="-116" baseline="0">
+                  <a:solidFill>
+                    <a:srgbClr val="00BFF3"/>
+                  </a:solidFill>
+                  <a:uFillTx/>
+                  <a:latin typeface="+mn-lt"/>
+                  <a:ea typeface="+mn-ea"/>
+                  <a:cs typeface="+mn-cs"/>
+                  <a:sym typeface="Druk Medium"/>
+                </a:defRPr>
+              </a:lvl7pPr>
+              <a:lvl8pPr marL="0" marR="0" indent="3200400" algn="l" defTabSz="825500" rtl="0" latinLnBrk="0">
+                <a:lnSpc>
+                  <a:spcPct val="80000"/>
+                </a:lnSpc>
+                <a:spcBef>
+                  <a:spcPts val="0"/>
+                </a:spcBef>
+                <a:spcAft>
+                  <a:spcPts val="0"/>
+                </a:spcAft>
+                <a:buClrTx/>
+                <a:buSzTx/>
+                <a:buFontTx/>
+                <a:buNone/>
+                <a:tabLst/>
+                <a:defRPr sz="11600" b="0" i="0" u="none" strike="noStrike" cap="all" spc="-116" baseline="0">
+                  <a:solidFill>
+                    <a:srgbClr val="00BFF3"/>
+                  </a:solidFill>
+                  <a:uFillTx/>
+                  <a:latin typeface="+mn-lt"/>
+                  <a:ea typeface="+mn-ea"/>
+                  <a:cs typeface="+mn-cs"/>
+                  <a:sym typeface="Druk Medium"/>
+                </a:defRPr>
+              </a:lvl8pPr>
+              <a:lvl9pPr marL="0" marR="0" indent="3657600" algn="l" defTabSz="825500" rtl="0" latinLnBrk="0">
+                <a:lnSpc>
+                  <a:spcPct val="80000"/>
+                </a:lnSpc>
+                <a:spcBef>
+                  <a:spcPts val="0"/>
+                </a:spcBef>
+                <a:spcAft>
+                  <a:spcPts val="0"/>
+                </a:spcAft>
+                <a:buClrTx/>
+                <a:buSzTx/>
+                <a:buFontTx/>
+                <a:buNone/>
+                <a:tabLst/>
+                <a:defRPr sz="11600" b="0" i="0" u="none" strike="noStrike" cap="all" spc="-116" baseline="0">
+                  <a:solidFill>
+                    <a:srgbClr val="00BFF3"/>
+                  </a:solidFill>
+                  <a:uFillTx/>
+                  <a:latin typeface="+mn-lt"/>
+                  <a:ea typeface="+mn-ea"/>
+                  <a:cs typeface="+mn-cs"/>
+                  <a:sym typeface="Druk Medium"/>
+                </a:defRPr>
+              </a:lvl9pPr>
+            </a:lstStyle>
+            <a:p>
+              <a:pPr algn="ctr" hangingPunct="1"/>
+              <a:r>
+                <a:rPr lang="en-GB" sz="11800" b="1" dirty="0"/>
+                <a:t>C</a:t>
+              </a:r>
+            </a:p>
+          </p:txBody>
+        </p:sp>
+        <p:sp>
+          <p:nvSpPr>
+            <p:cNvPr id="23" name="Your exam">
+              <a:extLst>
+                <a:ext uri="{FF2B5EF4-FFF2-40B4-BE49-F238E27FC236}">
+                  <a16:creationId xmlns:a16="http://schemas.microsoft.com/office/drawing/2014/main" id="{0B131A8D-2DDF-D52A-EBC1-A047B113C68C}"/>
+                </a:ext>
+              </a:extLst>
+            </p:cNvPr>
+            <p:cNvSpPr txBox="1">
+              <a:spLocks/>
+            </p:cNvSpPr>
+            <p:nvPr/>
+          </p:nvSpPr>
+          <p:spPr>
+            <a:xfrm>
+              <a:off x="17592000" y="8848644"/>
+              <a:ext cx="2160000" cy="1666326"/>
+            </a:xfrm>
+            <a:prstGeom prst="rect">
+              <a:avLst/>
+            </a:prstGeom>
+            <a:ln w="12700">
+              <a:miter lim="400000"/>
+            </a:ln>
+            <a:extLst>
+              <a:ext uri="{C572A759-6A51-4108-AA02-DFA0A04FC94B}">
+                <ma14:wrappingTextBoxFlag xmlns="" xmlns:m="http://schemas.openxmlformats.org/officeDocument/2006/math" xmlns:a14="http://schemas.microsoft.com/office/drawing/2010/main" xmlns:ma14="http://schemas.microsoft.com/office/mac/drawingml/2011/main" val="1"/>
+              </a:ext>
+            </a:extLst>
+          </p:spPr>
+          <p:txBody>
+            <a:bodyPr lIns="50800" tIns="50800" rIns="50800" bIns="50800" anchor="ctr">
+              <a:normAutofit/>
+            </a:bodyPr>
+            <a:lstStyle>
+              <a:lvl1pPr marL="0" marR="0" indent="0" algn="l" defTabSz="825500" rtl="0" latinLnBrk="0">
+                <a:lnSpc>
+                  <a:spcPct val="80000"/>
+                </a:lnSpc>
+                <a:spcBef>
+                  <a:spcPts val="0"/>
+                </a:spcBef>
+                <a:spcAft>
+                  <a:spcPts val="0"/>
+                </a:spcAft>
+                <a:buClrTx/>
+                <a:buSzTx/>
+                <a:buFontTx/>
+                <a:buNone/>
+                <a:tabLst/>
+                <a:defRPr sz="14000" b="0" i="0" u="none" strike="noStrike" cap="all" spc="-140" baseline="0">
+                  <a:solidFill>
+                    <a:srgbClr val="FFFFFF"/>
+                  </a:solidFill>
+                  <a:uFillTx/>
+                  <a:latin typeface="+mn-lt"/>
+                  <a:ea typeface="+mn-ea"/>
+                  <a:cs typeface="+mn-cs"/>
+                  <a:sym typeface="Druk Medium"/>
+                </a:defRPr>
+              </a:lvl1pPr>
+              <a:lvl2pPr marL="0" marR="0" indent="457200" algn="l" defTabSz="825500" rtl="0" latinLnBrk="0">
+                <a:lnSpc>
+                  <a:spcPct val="80000"/>
+                </a:lnSpc>
+                <a:spcBef>
+                  <a:spcPts val="0"/>
+                </a:spcBef>
+                <a:spcAft>
+                  <a:spcPts val="0"/>
+                </a:spcAft>
+                <a:buClrTx/>
+                <a:buSzTx/>
+                <a:buFontTx/>
+                <a:buNone/>
+                <a:tabLst/>
+                <a:defRPr sz="11600" b="0" i="0" u="none" strike="noStrike" cap="all" spc="-116" baseline="0">
+                  <a:solidFill>
+                    <a:srgbClr val="00BFF3"/>
+                  </a:solidFill>
+                  <a:uFillTx/>
+                  <a:latin typeface="+mn-lt"/>
+                  <a:ea typeface="+mn-ea"/>
+                  <a:cs typeface="+mn-cs"/>
+                  <a:sym typeface="Druk Medium"/>
+                </a:defRPr>
+              </a:lvl2pPr>
+              <a:lvl3pPr marL="0" marR="0" indent="914400" algn="l" defTabSz="825500" rtl="0" latinLnBrk="0">
+                <a:lnSpc>
+                  <a:spcPct val="80000"/>
+                </a:lnSpc>
+                <a:spcBef>
+                  <a:spcPts val="0"/>
+                </a:spcBef>
+                <a:spcAft>
+                  <a:spcPts val="0"/>
+                </a:spcAft>
+                <a:buClrTx/>
+                <a:buSzTx/>
+                <a:buFontTx/>
+                <a:buNone/>
+                <a:tabLst/>
+                <a:defRPr sz="11600" b="0" i="0" u="none" strike="noStrike" cap="all" spc="-116" baseline="0">
+                  <a:solidFill>
+                    <a:srgbClr val="00BFF3"/>
+                  </a:solidFill>
+                  <a:uFillTx/>
+                  <a:latin typeface="+mn-lt"/>
+                  <a:ea typeface="+mn-ea"/>
+                  <a:cs typeface="+mn-cs"/>
+                  <a:sym typeface="Druk Medium"/>
+                </a:defRPr>
+              </a:lvl3pPr>
+              <a:lvl4pPr marL="0" marR="0" indent="1371600" algn="l" defTabSz="825500" rtl="0" latinLnBrk="0">
+                <a:lnSpc>
+                  <a:spcPct val="80000"/>
+                </a:lnSpc>
+                <a:spcBef>
+                  <a:spcPts val="0"/>
+                </a:spcBef>
+                <a:spcAft>
+                  <a:spcPts val="0"/>
+                </a:spcAft>
+                <a:buClrTx/>
+                <a:buSzTx/>
+                <a:buFontTx/>
+                <a:buNone/>
+                <a:tabLst/>
+                <a:defRPr sz="11600" b="0" i="0" u="none" strike="noStrike" cap="all" spc="-116" baseline="0">
+                  <a:solidFill>
+                    <a:srgbClr val="00BFF3"/>
+                  </a:solidFill>
+                  <a:uFillTx/>
+                  <a:latin typeface="+mn-lt"/>
+                  <a:ea typeface="+mn-ea"/>
+                  <a:cs typeface="+mn-cs"/>
+                  <a:sym typeface="Druk Medium"/>
+                </a:defRPr>
+              </a:lvl4pPr>
+              <a:lvl5pPr marL="0" marR="0" indent="1828800" algn="l" defTabSz="825500" rtl="0" latinLnBrk="0">
+                <a:lnSpc>
+                  <a:spcPct val="80000"/>
+                </a:lnSpc>
+                <a:spcBef>
+                  <a:spcPts val="0"/>
+                </a:spcBef>
+                <a:spcAft>
+                  <a:spcPts val="0"/>
+                </a:spcAft>
+                <a:buClrTx/>
+                <a:buSzTx/>
+                <a:buFontTx/>
+                <a:buNone/>
+                <a:tabLst/>
+                <a:defRPr sz="11600" b="0" i="0" u="none" strike="noStrike" cap="all" spc="-116" baseline="0">
+                  <a:solidFill>
+                    <a:srgbClr val="00BFF3"/>
+                  </a:solidFill>
+                  <a:uFillTx/>
+                  <a:latin typeface="+mn-lt"/>
+                  <a:ea typeface="+mn-ea"/>
+                  <a:cs typeface="+mn-cs"/>
+                  <a:sym typeface="Druk Medium"/>
+                </a:defRPr>
+              </a:lvl5pPr>
+              <a:lvl6pPr marL="0" marR="0" indent="2286000" algn="l" defTabSz="825500" rtl="0" latinLnBrk="0">
+                <a:lnSpc>
+                  <a:spcPct val="80000"/>
+                </a:lnSpc>
+                <a:spcBef>
+                  <a:spcPts val="0"/>
+                </a:spcBef>
+                <a:spcAft>
+                  <a:spcPts val="0"/>
+                </a:spcAft>
+                <a:buClrTx/>
+                <a:buSzTx/>
+                <a:buFontTx/>
+                <a:buNone/>
+                <a:tabLst/>
+                <a:defRPr sz="11600" b="0" i="0" u="none" strike="noStrike" cap="all" spc="-116" baseline="0">
+                  <a:solidFill>
+                    <a:srgbClr val="00BFF3"/>
+                  </a:solidFill>
+                  <a:uFillTx/>
+                  <a:latin typeface="+mn-lt"/>
+                  <a:ea typeface="+mn-ea"/>
+                  <a:cs typeface="+mn-cs"/>
+                  <a:sym typeface="Druk Medium"/>
+                </a:defRPr>
+              </a:lvl6pPr>
+              <a:lvl7pPr marL="0" marR="0" indent="2743200" algn="l" defTabSz="825500" rtl="0" latinLnBrk="0">
+                <a:lnSpc>
+                  <a:spcPct val="80000"/>
+                </a:lnSpc>
+                <a:spcBef>
+                  <a:spcPts val="0"/>
+                </a:spcBef>
+                <a:spcAft>
+                  <a:spcPts val="0"/>
+                </a:spcAft>
+                <a:buClrTx/>
+                <a:buSzTx/>
+                <a:buFontTx/>
+                <a:buNone/>
+                <a:tabLst/>
+                <a:defRPr sz="11600" b="0" i="0" u="none" strike="noStrike" cap="all" spc="-116" baseline="0">
+                  <a:solidFill>
+                    <a:srgbClr val="00BFF3"/>
+                  </a:solidFill>
+                  <a:uFillTx/>
+                  <a:latin typeface="+mn-lt"/>
+                  <a:ea typeface="+mn-ea"/>
+                  <a:cs typeface="+mn-cs"/>
+                  <a:sym typeface="Druk Medium"/>
+                </a:defRPr>
+              </a:lvl7pPr>
+              <a:lvl8pPr marL="0" marR="0" indent="3200400" algn="l" defTabSz="825500" rtl="0" latinLnBrk="0">
+                <a:lnSpc>
+                  <a:spcPct val="80000"/>
+                </a:lnSpc>
+                <a:spcBef>
+                  <a:spcPts val="0"/>
+                </a:spcBef>
+                <a:spcAft>
+                  <a:spcPts val="0"/>
+                </a:spcAft>
+                <a:buClrTx/>
+                <a:buSzTx/>
+                <a:buFontTx/>
+                <a:buNone/>
+                <a:tabLst/>
+                <a:defRPr sz="11600" b="0" i="0" u="none" strike="noStrike" cap="all" spc="-116" baseline="0">
+                  <a:solidFill>
+                    <a:srgbClr val="00BFF3"/>
+                  </a:solidFill>
+                  <a:uFillTx/>
+                  <a:latin typeface="+mn-lt"/>
+                  <a:ea typeface="+mn-ea"/>
+                  <a:cs typeface="+mn-cs"/>
+                  <a:sym typeface="Druk Medium"/>
+                </a:defRPr>
+              </a:lvl8pPr>
+              <a:lvl9pPr marL="0" marR="0" indent="3657600" algn="l" defTabSz="825500" rtl="0" latinLnBrk="0">
+                <a:lnSpc>
+                  <a:spcPct val="80000"/>
+                </a:lnSpc>
+                <a:spcBef>
+                  <a:spcPts val="0"/>
+                </a:spcBef>
+                <a:spcAft>
+                  <a:spcPts val="0"/>
+                </a:spcAft>
+                <a:buClrTx/>
+                <a:buSzTx/>
+                <a:buFontTx/>
+                <a:buNone/>
+                <a:tabLst/>
+                <a:defRPr sz="11600" b="0" i="0" u="none" strike="noStrike" cap="all" spc="-116" baseline="0">
+                  <a:solidFill>
+                    <a:srgbClr val="00BFF3"/>
+                  </a:solidFill>
+                  <a:uFillTx/>
+                  <a:latin typeface="+mn-lt"/>
+                  <a:ea typeface="+mn-ea"/>
+                  <a:cs typeface="+mn-cs"/>
+                  <a:sym typeface="Druk Medium"/>
+                </a:defRPr>
+              </a:lvl9pPr>
+            </a:lstStyle>
+            <a:p>
+              <a:pPr algn="ctr" hangingPunct="1"/>
+              <a:r>
+                <a:rPr lang="en-GB" sz="11800" b="1" dirty="0"/>
+                <a:t>D</a:t>
+              </a:r>
+            </a:p>
+          </p:txBody>
+        </p:sp>
+        <p:sp>
+          <p:nvSpPr>
+            <p:cNvPr id="24" name="Your exam">
+              <a:extLst>
+                <a:ext uri="{FF2B5EF4-FFF2-40B4-BE49-F238E27FC236}">
+                  <a16:creationId xmlns:a16="http://schemas.microsoft.com/office/drawing/2014/main" id="{4D65E6EE-092C-49FC-6A3D-C12EF9B035A4}"/>
+                </a:ext>
+              </a:extLst>
+            </p:cNvPr>
+            <p:cNvSpPr txBox="1">
+              <a:spLocks/>
+            </p:cNvSpPr>
+            <p:nvPr/>
+          </p:nvSpPr>
+          <p:spPr>
+            <a:xfrm>
+              <a:off x="4632000" y="8877464"/>
+              <a:ext cx="2160000" cy="1666326"/>
+            </a:xfrm>
+            <a:prstGeom prst="rect">
+              <a:avLst/>
+            </a:prstGeom>
+            <a:ln w="12700">
+              <a:miter lim="400000"/>
+            </a:ln>
+            <a:extLst>
+              <a:ext uri="{C572A759-6A51-4108-AA02-DFA0A04FC94B}">
+                <ma14:wrappingTextBoxFlag xmlns="" xmlns:m="http://schemas.openxmlformats.org/officeDocument/2006/math" xmlns:a14="http://schemas.microsoft.com/office/drawing/2010/main" xmlns:ma14="http://schemas.microsoft.com/office/mac/drawingml/2011/main" val="1"/>
+              </a:ext>
+            </a:extLst>
+          </p:spPr>
+          <p:txBody>
+            <a:bodyPr lIns="50800" tIns="50800" rIns="50800" bIns="50800" anchor="ctr">
+              <a:normAutofit/>
+            </a:bodyPr>
+            <a:lstStyle>
+              <a:lvl1pPr marL="0" marR="0" indent="0" algn="l" defTabSz="825500" rtl="0" latinLnBrk="0">
+                <a:lnSpc>
+                  <a:spcPct val="80000"/>
+                </a:lnSpc>
+                <a:spcBef>
+                  <a:spcPts val="0"/>
+                </a:spcBef>
+                <a:spcAft>
+                  <a:spcPts val="0"/>
+                </a:spcAft>
+                <a:buClrTx/>
+                <a:buSzTx/>
+                <a:buFontTx/>
+                <a:buNone/>
+                <a:tabLst/>
+                <a:defRPr sz="14000" b="0" i="0" u="none" strike="noStrike" cap="all" spc="-140" baseline="0">
+                  <a:solidFill>
+                    <a:srgbClr val="FFFFFF"/>
+                  </a:solidFill>
+                  <a:uFillTx/>
+                  <a:latin typeface="+mn-lt"/>
+                  <a:ea typeface="+mn-ea"/>
+                  <a:cs typeface="+mn-cs"/>
+                  <a:sym typeface="Druk Medium"/>
+                </a:defRPr>
+              </a:lvl1pPr>
+              <a:lvl2pPr marL="0" marR="0" indent="457200" algn="l" defTabSz="825500" rtl="0" latinLnBrk="0">
+                <a:lnSpc>
+                  <a:spcPct val="80000"/>
+                </a:lnSpc>
+                <a:spcBef>
+                  <a:spcPts val="0"/>
+                </a:spcBef>
+                <a:spcAft>
+                  <a:spcPts val="0"/>
+                </a:spcAft>
+                <a:buClrTx/>
+                <a:buSzTx/>
+                <a:buFontTx/>
+                <a:buNone/>
+                <a:tabLst/>
+                <a:defRPr sz="11600" b="0" i="0" u="none" strike="noStrike" cap="all" spc="-116" baseline="0">
+                  <a:solidFill>
+                    <a:srgbClr val="00BFF3"/>
+                  </a:solidFill>
+                  <a:uFillTx/>
+                  <a:latin typeface="+mn-lt"/>
+                  <a:ea typeface="+mn-ea"/>
+                  <a:cs typeface="+mn-cs"/>
+                  <a:sym typeface="Druk Medium"/>
+                </a:defRPr>
+              </a:lvl2pPr>
+              <a:lvl3pPr marL="0" marR="0" indent="914400" algn="l" defTabSz="825500" rtl="0" latinLnBrk="0">
+                <a:lnSpc>
+                  <a:spcPct val="80000"/>
+                </a:lnSpc>
+                <a:spcBef>
+                  <a:spcPts val="0"/>
+                </a:spcBef>
+                <a:spcAft>
+                  <a:spcPts val="0"/>
+                </a:spcAft>
+                <a:buClrTx/>
+                <a:buSzTx/>
+                <a:buFontTx/>
+                <a:buNone/>
+                <a:tabLst/>
+                <a:defRPr sz="11600" b="0" i="0" u="none" strike="noStrike" cap="all" spc="-116" baseline="0">
+                  <a:solidFill>
+                    <a:srgbClr val="00BFF3"/>
+                  </a:solidFill>
+                  <a:uFillTx/>
+                  <a:latin typeface="+mn-lt"/>
+                  <a:ea typeface="+mn-ea"/>
+                  <a:cs typeface="+mn-cs"/>
+                  <a:sym typeface="Druk Medium"/>
+                </a:defRPr>
+              </a:lvl3pPr>
+              <a:lvl4pPr marL="0" marR="0" indent="1371600" algn="l" defTabSz="825500" rtl="0" latinLnBrk="0">
+                <a:lnSpc>
+                  <a:spcPct val="80000"/>
+                </a:lnSpc>
+                <a:spcBef>
+                  <a:spcPts val="0"/>
+                </a:spcBef>
+                <a:spcAft>
+                  <a:spcPts val="0"/>
+                </a:spcAft>
+                <a:buClrTx/>
+                <a:buSzTx/>
+                <a:buFontTx/>
+                <a:buNone/>
+                <a:tabLst/>
+                <a:defRPr sz="11600" b="0" i="0" u="none" strike="noStrike" cap="all" spc="-116" baseline="0">
+                  <a:solidFill>
+                    <a:srgbClr val="00BFF3"/>
+                  </a:solidFill>
+                  <a:uFillTx/>
+                  <a:latin typeface="+mn-lt"/>
+                  <a:ea typeface="+mn-ea"/>
+                  <a:cs typeface="+mn-cs"/>
+                  <a:sym typeface="Druk Medium"/>
+                </a:defRPr>
+              </a:lvl4pPr>
+              <a:lvl5pPr marL="0" marR="0" indent="1828800" algn="l" defTabSz="825500" rtl="0" latinLnBrk="0">
+                <a:lnSpc>
+                  <a:spcPct val="80000"/>
+                </a:lnSpc>
+                <a:spcBef>
+                  <a:spcPts val="0"/>
+                </a:spcBef>
+                <a:spcAft>
+                  <a:spcPts val="0"/>
+                </a:spcAft>
+                <a:buClrTx/>
+                <a:buSzTx/>
+                <a:buFontTx/>
+                <a:buNone/>
+                <a:tabLst/>
+                <a:defRPr sz="11600" b="0" i="0" u="none" strike="noStrike" cap="all" spc="-116" baseline="0">
+                  <a:solidFill>
+                    <a:srgbClr val="00BFF3"/>
+                  </a:solidFill>
+                  <a:uFillTx/>
+                  <a:latin typeface="+mn-lt"/>
+                  <a:ea typeface="+mn-ea"/>
+                  <a:cs typeface="+mn-cs"/>
+                  <a:sym typeface="Druk Medium"/>
+                </a:defRPr>
+              </a:lvl5pPr>
+              <a:lvl6pPr marL="0" marR="0" indent="2286000" algn="l" defTabSz="825500" rtl="0" latinLnBrk="0">
+                <a:lnSpc>
+                  <a:spcPct val="80000"/>
+                </a:lnSpc>
+                <a:spcBef>
+                  <a:spcPts val="0"/>
+                </a:spcBef>
+                <a:spcAft>
+                  <a:spcPts val="0"/>
+                </a:spcAft>
+                <a:buClrTx/>
+                <a:buSzTx/>
+                <a:buFontTx/>
+                <a:buNone/>
+                <a:tabLst/>
+                <a:defRPr sz="11600" b="0" i="0" u="none" strike="noStrike" cap="all" spc="-116" baseline="0">
+                  <a:solidFill>
+                    <a:srgbClr val="00BFF3"/>
+                  </a:solidFill>
+                  <a:uFillTx/>
+                  <a:latin typeface="+mn-lt"/>
+                  <a:ea typeface="+mn-ea"/>
+                  <a:cs typeface="+mn-cs"/>
+                  <a:sym typeface="Druk Medium"/>
+                </a:defRPr>
+              </a:lvl6pPr>
+              <a:lvl7pPr marL="0" marR="0" indent="2743200" algn="l" defTabSz="825500" rtl="0" latinLnBrk="0">
+                <a:lnSpc>
+                  <a:spcPct val="80000"/>
+                </a:lnSpc>
+                <a:spcBef>
+                  <a:spcPts val="0"/>
+                </a:spcBef>
+                <a:spcAft>
+                  <a:spcPts val="0"/>
+                </a:spcAft>
+                <a:buClrTx/>
+                <a:buSzTx/>
+                <a:buFontTx/>
+                <a:buNone/>
+                <a:tabLst/>
+                <a:defRPr sz="11600" b="0" i="0" u="none" strike="noStrike" cap="all" spc="-116" baseline="0">
+                  <a:solidFill>
+                    <a:srgbClr val="00BFF3"/>
+                  </a:solidFill>
+                  <a:uFillTx/>
+                  <a:latin typeface="+mn-lt"/>
+                  <a:ea typeface="+mn-ea"/>
+                  <a:cs typeface="+mn-cs"/>
+                  <a:sym typeface="Druk Medium"/>
+                </a:defRPr>
+              </a:lvl7pPr>
+              <a:lvl8pPr marL="0" marR="0" indent="3200400" algn="l" defTabSz="825500" rtl="0" latinLnBrk="0">
+                <a:lnSpc>
+                  <a:spcPct val="80000"/>
+                </a:lnSpc>
+                <a:spcBef>
+                  <a:spcPts val="0"/>
+                </a:spcBef>
+                <a:spcAft>
+                  <a:spcPts val="0"/>
+                </a:spcAft>
+                <a:buClrTx/>
+                <a:buSzTx/>
+                <a:buFontTx/>
+                <a:buNone/>
+                <a:tabLst/>
+                <a:defRPr sz="11600" b="0" i="0" u="none" strike="noStrike" cap="all" spc="-116" baseline="0">
+                  <a:solidFill>
+                    <a:srgbClr val="00BFF3"/>
+                  </a:solidFill>
+                  <a:uFillTx/>
+                  <a:latin typeface="+mn-lt"/>
+                  <a:ea typeface="+mn-ea"/>
+                  <a:cs typeface="+mn-cs"/>
+                  <a:sym typeface="Druk Medium"/>
+                </a:defRPr>
+              </a:lvl8pPr>
+              <a:lvl9pPr marL="0" marR="0" indent="3657600" algn="l" defTabSz="825500" rtl="0" latinLnBrk="0">
+                <a:lnSpc>
+                  <a:spcPct val="80000"/>
+                </a:lnSpc>
+                <a:spcBef>
+                  <a:spcPts val="0"/>
+                </a:spcBef>
+                <a:spcAft>
+                  <a:spcPts val="0"/>
+                </a:spcAft>
+                <a:buClrTx/>
+                <a:buSzTx/>
+                <a:buFontTx/>
+                <a:buNone/>
+                <a:tabLst/>
+                <a:defRPr sz="11600" b="0" i="0" u="none" strike="noStrike" cap="all" spc="-116" baseline="0">
+                  <a:solidFill>
+                    <a:srgbClr val="00BFF3"/>
+                  </a:solidFill>
+                  <a:uFillTx/>
+                  <a:latin typeface="+mn-lt"/>
+                  <a:ea typeface="+mn-ea"/>
+                  <a:cs typeface="+mn-cs"/>
+                  <a:sym typeface="Druk Medium"/>
+                </a:defRPr>
+              </a:lvl9pPr>
+            </a:lstStyle>
+            <a:p>
+              <a:pPr algn="ctr" hangingPunct="1"/>
+              <a:r>
+                <a:rPr lang="en-GB" sz="11800" b="1" dirty="0"/>
+                <a:t>X</a:t>
+              </a:r>
+            </a:p>
+          </p:txBody>
+        </p:sp>
+        <p:sp>
+          <p:nvSpPr>
+            <p:cNvPr id="25" name="Your exam">
+              <a:extLst>
+                <a:ext uri="{FF2B5EF4-FFF2-40B4-BE49-F238E27FC236}">
+                  <a16:creationId xmlns:a16="http://schemas.microsoft.com/office/drawing/2014/main" id="{FA090E95-3540-4EAD-3BEE-C740A0358556}"/>
+                </a:ext>
+              </a:extLst>
+            </p:cNvPr>
+            <p:cNvSpPr txBox="1">
+              <a:spLocks/>
+            </p:cNvSpPr>
+            <p:nvPr/>
+          </p:nvSpPr>
+          <p:spPr>
+            <a:xfrm>
+              <a:off x="6792000" y="8863054"/>
+              <a:ext cx="2160000" cy="1666326"/>
+            </a:xfrm>
+            <a:prstGeom prst="rect">
+              <a:avLst/>
+            </a:prstGeom>
+            <a:ln w="12700">
+              <a:miter lim="400000"/>
+            </a:ln>
+            <a:extLst>
+              <a:ext uri="{C572A759-6A51-4108-AA02-DFA0A04FC94B}">
+                <ma14:wrappingTextBoxFlag xmlns="" xmlns:m="http://schemas.openxmlformats.org/officeDocument/2006/math" xmlns:a14="http://schemas.microsoft.com/office/drawing/2010/main" xmlns:ma14="http://schemas.microsoft.com/office/mac/drawingml/2011/main" val="1"/>
+              </a:ext>
+            </a:extLst>
+          </p:spPr>
+          <p:txBody>
+            <a:bodyPr lIns="50800" tIns="50800" rIns="50800" bIns="50800" anchor="ctr">
+              <a:normAutofit/>
+            </a:bodyPr>
+            <a:lstStyle>
+              <a:lvl1pPr marL="0" marR="0" indent="0" algn="l" defTabSz="825500" rtl="0" latinLnBrk="0">
+                <a:lnSpc>
+                  <a:spcPct val="80000"/>
+                </a:lnSpc>
+                <a:spcBef>
+                  <a:spcPts val="0"/>
+                </a:spcBef>
+                <a:spcAft>
+                  <a:spcPts val="0"/>
+                </a:spcAft>
+                <a:buClrTx/>
+                <a:buSzTx/>
+                <a:buFontTx/>
+                <a:buNone/>
+                <a:tabLst/>
+                <a:defRPr sz="14000" b="0" i="0" u="none" strike="noStrike" cap="all" spc="-140" baseline="0">
+                  <a:solidFill>
+                    <a:srgbClr val="FFFFFF"/>
+                  </a:solidFill>
+                  <a:uFillTx/>
+                  <a:latin typeface="+mn-lt"/>
+                  <a:ea typeface="+mn-ea"/>
+                  <a:cs typeface="+mn-cs"/>
+                  <a:sym typeface="Druk Medium"/>
+                </a:defRPr>
+              </a:lvl1pPr>
+              <a:lvl2pPr marL="0" marR="0" indent="457200" algn="l" defTabSz="825500" rtl="0" latinLnBrk="0">
+                <a:lnSpc>
+                  <a:spcPct val="80000"/>
+                </a:lnSpc>
+                <a:spcBef>
+                  <a:spcPts val="0"/>
+                </a:spcBef>
+                <a:spcAft>
+                  <a:spcPts val="0"/>
+                </a:spcAft>
+                <a:buClrTx/>
+                <a:buSzTx/>
+                <a:buFontTx/>
+                <a:buNone/>
+                <a:tabLst/>
+                <a:defRPr sz="11600" b="0" i="0" u="none" strike="noStrike" cap="all" spc="-116" baseline="0">
+                  <a:solidFill>
+                    <a:srgbClr val="00BFF3"/>
+                  </a:solidFill>
+                  <a:uFillTx/>
+                  <a:latin typeface="+mn-lt"/>
+                  <a:ea typeface="+mn-ea"/>
+                  <a:cs typeface="+mn-cs"/>
+                  <a:sym typeface="Druk Medium"/>
+                </a:defRPr>
+              </a:lvl2pPr>
+              <a:lvl3pPr marL="0" marR="0" indent="914400" algn="l" defTabSz="825500" rtl="0" latinLnBrk="0">
+                <a:lnSpc>
+                  <a:spcPct val="80000"/>
+                </a:lnSpc>
+                <a:spcBef>
+                  <a:spcPts val="0"/>
+                </a:spcBef>
+                <a:spcAft>
+                  <a:spcPts val="0"/>
+                </a:spcAft>
+                <a:buClrTx/>
+                <a:buSzTx/>
+                <a:buFontTx/>
+                <a:buNone/>
+                <a:tabLst/>
+                <a:defRPr sz="11600" b="0" i="0" u="none" strike="noStrike" cap="all" spc="-116" baseline="0">
+                  <a:solidFill>
+                    <a:srgbClr val="00BFF3"/>
+                  </a:solidFill>
+                  <a:uFillTx/>
+                  <a:latin typeface="+mn-lt"/>
+                  <a:ea typeface="+mn-ea"/>
+                  <a:cs typeface="+mn-cs"/>
+                  <a:sym typeface="Druk Medium"/>
+                </a:defRPr>
+              </a:lvl3pPr>
+              <a:lvl4pPr marL="0" marR="0" indent="1371600" algn="l" defTabSz="825500" rtl="0" latinLnBrk="0">
+                <a:lnSpc>
+                  <a:spcPct val="80000"/>
+                </a:lnSpc>
+                <a:spcBef>
+                  <a:spcPts val="0"/>
+                </a:spcBef>
+                <a:spcAft>
+                  <a:spcPts val="0"/>
+                </a:spcAft>
+                <a:buClrTx/>
+                <a:buSzTx/>
+                <a:buFontTx/>
+                <a:buNone/>
+                <a:tabLst/>
+                <a:defRPr sz="11600" b="0" i="0" u="none" strike="noStrike" cap="all" spc="-116" baseline="0">
+                  <a:solidFill>
+                    <a:srgbClr val="00BFF3"/>
+                  </a:solidFill>
+                  <a:uFillTx/>
+                  <a:latin typeface="+mn-lt"/>
+                  <a:ea typeface="+mn-ea"/>
+                  <a:cs typeface="+mn-cs"/>
+                  <a:sym typeface="Druk Medium"/>
+                </a:defRPr>
+              </a:lvl4pPr>
+              <a:lvl5pPr marL="0" marR="0" indent="1828800" algn="l" defTabSz="825500" rtl="0" latinLnBrk="0">
+                <a:lnSpc>
+                  <a:spcPct val="80000"/>
+                </a:lnSpc>
+                <a:spcBef>
+                  <a:spcPts val="0"/>
+                </a:spcBef>
+                <a:spcAft>
+                  <a:spcPts val="0"/>
+                </a:spcAft>
+                <a:buClrTx/>
+                <a:buSzTx/>
+                <a:buFontTx/>
+                <a:buNone/>
+                <a:tabLst/>
+                <a:defRPr sz="11600" b="0" i="0" u="none" strike="noStrike" cap="all" spc="-116" baseline="0">
+                  <a:solidFill>
+                    <a:srgbClr val="00BFF3"/>
+                  </a:solidFill>
+                  <a:uFillTx/>
+                  <a:latin typeface="+mn-lt"/>
+                  <a:ea typeface="+mn-ea"/>
+                  <a:cs typeface="+mn-cs"/>
+                  <a:sym typeface="Druk Medium"/>
+                </a:defRPr>
+              </a:lvl5pPr>
+              <a:lvl6pPr marL="0" marR="0" indent="2286000" algn="l" defTabSz="825500" rtl="0" latinLnBrk="0">
+                <a:lnSpc>
+                  <a:spcPct val="80000"/>
+                </a:lnSpc>
+                <a:spcBef>
+                  <a:spcPts val="0"/>
+                </a:spcBef>
+                <a:spcAft>
+                  <a:spcPts val="0"/>
+                </a:spcAft>
+                <a:buClrTx/>
+                <a:buSzTx/>
+                <a:buFontTx/>
+                <a:buNone/>
+                <a:tabLst/>
+                <a:defRPr sz="11600" b="0" i="0" u="none" strike="noStrike" cap="all" spc="-116" baseline="0">
+                  <a:solidFill>
+                    <a:srgbClr val="00BFF3"/>
+                  </a:solidFill>
+                  <a:uFillTx/>
+                  <a:latin typeface="+mn-lt"/>
+                  <a:ea typeface="+mn-ea"/>
+                  <a:cs typeface="+mn-cs"/>
+                  <a:sym typeface="Druk Medium"/>
+                </a:defRPr>
+              </a:lvl6pPr>
+              <a:lvl7pPr marL="0" marR="0" indent="2743200" algn="l" defTabSz="825500" rtl="0" latinLnBrk="0">
+                <a:lnSpc>
+                  <a:spcPct val="80000"/>
+                </a:lnSpc>
+                <a:spcBef>
+                  <a:spcPts val="0"/>
+                </a:spcBef>
+                <a:spcAft>
+                  <a:spcPts val="0"/>
+                </a:spcAft>
+                <a:buClrTx/>
+                <a:buSzTx/>
+                <a:buFontTx/>
+                <a:buNone/>
+                <a:tabLst/>
+                <a:defRPr sz="11600" b="0" i="0" u="none" strike="noStrike" cap="all" spc="-116" baseline="0">
+                  <a:solidFill>
+                    <a:srgbClr val="00BFF3"/>
+                  </a:solidFill>
+                  <a:uFillTx/>
+                  <a:latin typeface="+mn-lt"/>
+                  <a:ea typeface="+mn-ea"/>
+                  <a:cs typeface="+mn-cs"/>
+                  <a:sym typeface="Druk Medium"/>
+                </a:defRPr>
+              </a:lvl7pPr>
+              <a:lvl8pPr marL="0" marR="0" indent="3200400" algn="l" defTabSz="825500" rtl="0" latinLnBrk="0">
+                <a:lnSpc>
+                  <a:spcPct val="80000"/>
+                </a:lnSpc>
+                <a:spcBef>
+                  <a:spcPts val="0"/>
+                </a:spcBef>
+                <a:spcAft>
+                  <a:spcPts val="0"/>
+                </a:spcAft>
+                <a:buClrTx/>
+                <a:buSzTx/>
+                <a:buFontTx/>
+                <a:buNone/>
+                <a:tabLst/>
+                <a:defRPr sz="11600" b="0" i="0" u="none" strike="noStrike" cap="all" spc="-116" baseline="0">
+                  <a:solidFill>
+                    <a:srgbClr val="00BFF3"/>
+                  </a:solidFill>
+                  <a:uFillTx/>
+                  <a:latin typeface="+mn-lt"/>
+                  <a:ea typeface="+mn-ea"/>
+                  <a:cs typeface="+mn-cs"/>
+                  <a:sym typeface="Druk Medium"/>
+                </a:defRPr>
+              </a:lvl8pPr>
+              <a:lvl9pPr marL="0" marR="0" indent="3657600" algn="l" defTabSz="825500" rtl="0" latinLnBrk="0">
+                <a:lnSpc>
+                  <a:spcPct val="80000"/>
+                </a:lnSpc>
+                <a:spcBef>
+                  <a:spcPts val="0"/>
+                </a:spcBef>
+                <a:spcAft>
+                  <a:spcPts val="0"/>
+                </a:spcAft>
+                <a:buClrTx/>
+                <a:buSzTx/>
+                <a:buFontTx/>
+                <a:buNone/>
+                <a:tabLst/>
+                <a:defRPr sz="11600" b="0" i="0" u="none" strike="noStrike" cap="all" spc="-116" baseline="0">
+                  <a:solidFill>
+                    <a:srgbClr val="00BFF3"/>
+                  </a:solidFill>
+                  <a:uFillTx/>
+                  <a:latin typeface="+mn-lt"/>
+                  <a:ea typeface="+mn-ea"/>
+                  <a:cs typeface="+mn-cs"/>
+                  <a:sym typeface="Druk Medium"/>
+                </a:defRPr>
+              </a:lvl9pPr>
+            </a:lstStyle>
+            <a:p>
+              <a:pPr algn="ctr" hangingPunct="1"/>
+              <a:r>
+                <a:rPr lang="en-GB" sz="11800" b="1" dirty="0"/>
+                <a:t>Y</a:t>
+              </a:r>
+            </a:p>
+          </p:txBody>
+        </p:sp>
+        <p:sp>
+          <p:nvSpPr>
+            <p:cNvPr id="26" name="Your exam">
+              <a:extLst>
+                <a:ext uri="{FF2B5EF4-FFF2-40B4-BE49-F238E27FC236}">
+                  <a16:creationId xmlns:a16="http://schemas.microsoft.com/office/drawing/2014/main" id="{ED79B33A-0137-A98B-24AB-FE2C1F9D5F75}"/>
+                </a:ext>
+              </a:extLst>
+            </p:cNvPr>
+            <p:cNvSpPr txBox="1">
+              <a:spLocks/>
+            </p:cNvSpPr>
+            <p:nvPr/>
+          </p:nvSpPr>
+          <p:spPr>
+            <a:xfrm>
+              <a:off x="8952000" y="8863054"/>
+              <a:ext cx="2160000" cy="1666326"/>
+            </a:xfrm>
+            <a:prstGeom prst="rect">
+              <a:avLst/>
+            </a:prstGeom>
+            <a:ln w="12700">
+              <a:miter lim="400000"/>
+            </a:ln>
+            <a:extLst>
+              <a:ext uri="{C572A759-6A51-4108-AA02-DFA0A04FC94B}">
+                <ma14:wrappingTextBoxFlag xmlns="" xmlns:m="http://schemas.openxmlformats.org/officeDocument/2006/math" xmlns:a14="http://schemas.microsoft.com/office/drawing/2010/main" xmlns:ma14="http://schemas.microsoft.com/office/mac/drawingml/2011/main" val="1"/>
+              </a:ext>
+            </a:extLst>
+          </p:spPr>
+          <p:txBody>
+            <a:bodyPr lIns="50800" tIns="50800" rIns="50800" bIns="50800" anchor="ctr">
+              <a:normAutofit/>
+            </a:bodyPr>
+            <a:lstStyle>
+              <a:lvl1pPr marL="0" marR="0" indent="0" algn="l" defTabSz="825500" rtl="0" latinLnBrk="0">
+                <a:lnSpc>
+                  <a:spcPct val="80000"/>
+                </a:lnSpc>
+                <a:spcBef>
+                  <a:spcPts val="0"/>
+                </a:spcBef>
+                <a:spcAft>
+                  <a:spcPts val="0"/>
+                </a:spcAft>
+                <a:buClrTx/>
+                <a:buSzTx/>
+                <a:buFontTx/>
+                <a:buNone/>
+                <a:tabLst/>
+                <a:defRPr sz="14000" b="0" i="0" u="none" strike="noStrike" cap="all" spc="-140" baseline="0">
+                  <a:solidFill>
+                    <a:srgbClr val="FFFFFF"/>
+                  </a:solidFill>
+                  <a:uFillTx/>
+                  <a:latin typeface="+mn-lt"/>
+                  <a:ea typeface="+mn-ea"/>
+                  <a:cs typeface="+mn-cs"/>
+                  <a:sym typeface="Druk Medium"/>
+                </a:defRPr>
+              </a:lvl1pPr>
+              <a:lvl2pPr marL="0" marR="0" indent="457200" algn="l" defTabSz="825500" rtl="0" latinLnBrk="0">
+                <a:lnSpc>
+                  <a:spcPct val="80000"/>
+                </a:lnSpc>
+                <a:spcBef>
+                  <a:spcPts val="0"/>
+                </a:spcBef>
+                <a:spcAft>
+                  <a:spcPts val="0"/>
+                </a:spcAft>
+                <a:buClrTx/>
+                <a:buSzTx/>
+                <a:buFontTx/>
+                <a:buNone/>
+                <a:tabLst/>
+                <a:defRPr sz="11600" b="0" i="0" u="none" strike="noStrike" cap="all" spc="-116" baseline="0">
+                  <a:solidFill>
+                    <a:srgbClr val="00BFF3"/>
+                  </a:solidFill>
+                  <a:uFillTx/>
+                  <a:latin typeface="+mn-lt"/>
+                  <a:ea typeface="+mn-ea"/>
+                  <a:cs typeface="+mn-cs"/>
+                  <a:sym typeface="Druk Medium"/>
+                </a:defRPr>
+              </a:lvl2pPr>
+              <a:lvl3pPr marL="0" marR="0" indent="914400" algn="l" defTabSz="825500" rtl="0" latinLnBrk="0">
+                <a:lnSpc>
+                  <a:spcPct val="80000"/>
+                </a:lnSpc>
+                <a:spcBef>
+                  <a:spcPts val="0"/>
+                </a:spcBef>
+                <a:spcAft>
+                  <a:spcPts val="0"/>
+                </a:spcAft>
+                <a:buClrTx/>
+                <a:buSzTx/>
+                <a:buFontTx/>
+                <a:buNone/>
+                <a:tabLst/>
+                <a:defRPr sz="11600" b="0" i="0" u="none" strike="noStrike" cap="all" spc="-116" baseline="0">
+                  <a:solidFill>
+                    <a:srgbClr val="00BFF3"/>
+                  </a:solidFill>
+                  <a:uFillTx/>
+                  <a:latin typeface="+mn-lt"/>
+                  <a:ea typeface="+mn-ea"/>
+                  <a:cs typeface="+mn-cs"/>
+                  <a:sym typeface="Druk Medium"/>
+                </a:defRPr>
+              </a:lvl3pPr>
+              <a:lvl4pPr marL="0" marR="0" indent="1371600" algn="l" defTabSz="825500" rtl="0" latinLnBrk="0">
+                <a:lnSpc>
+                  <a:spcPct val="80000"/>
+                </a:lnSpc>
+                <a:spcBef>
+                  <a:spcPts val="0"/>
+                </a:spcBef>
+                <a:spcAft>
+                  <a:spcPts val="0"/>
+                </a:spcAft>
+                <a:buClrTx/>
+                <a:buSzTx/>
+                <a:buFontTx/>
+                <a:buNone/>
+                <a:tabLst/>
+                <a:defRPr sz="11600" b="0" i="0" u="none" strike="noStrike" cap="all" spc="-116" baseline="0">
+                  <a:solidFill>
+                    <a:srgbClr val="00BFF3"/>
+                  </a:solidFill>
+                  <a:uFillTx/>
+                  <a:latin typeface="+mn-lt"/>
+                  <a:ea typeface="+mn-ea"/>
+                  <a:cs typeface="+mn-cs"/>
+                  <a:sym typeface="Druk Medium"/>
+                </a:defRPr>
+              </a:lvl4pPr>
+              <a:lvl5pPr marL="0" marR="0" indent="1828800" algn="l" defTabSz="825500" rtl="0" latinLnBrk="0">
+                <a:lnSpc>
+                  <a:spcPct val="80000"/>
+                </a:lnSpc>
+                <a:spcBef>
+                  <a:spcPts val="0"/>
+                </a:spcBef>
+                <a:spcAft>
+                  <a:spcPts val="0"/>
+                </a:spcAft>
+                <a:buClrTx/>
+                <a:buSzTx/>
+                <a:buFontTx/>
+                <a:buNone/>
+                <a:tabLst/>
+                <a:defRPr sz="11600" b="0" i="0" u="none" strike="noStrike" cap="all" spc="-116" baseline="0">
+                  <a:solidFill>
+                    <a:srgbClr val="00BFF3"/>
+                  </a:solidFill>
+                  <a:uFillTx/>
+                  <a:latin typeface="+mn-lt"/>
+                  <a:ea typeface="+mn-ea"/>
+                  <a:cs typeface="+mn-cs"/>
+                  <a:sym typeface="Druk Medium"/>
+                </a:defRPr>
+              </a:lvl5pPr>
+              <a:lvl6pPr marL="0" marR="0" indent="2286000" algn="l" defTabSz="825500" rtl="0" latinLnBrk="0">
+                <a:lnSpc>
+                  <a:spcPct val="80000"/>
+                </a:lnSpc>
+                <a:spcBef>
+                  <a:spcPts val="0"/>
+                </a:spcBef>
+                <a:spcAft>
+                  <a:spcPts val="0"/>
+                </a:spcAft>
+                <a:buClrTx/>
+                <a:buSzTx/>
+                <a:buFontTx/>
+                <a:buNone/>
+                <a:tabLst/>
+                <a:defRPr sz="11600" b="0" i="0" u="none" strike="noStrike" cap="all" spc="-116" baseline="0">
+                  <a:solidFill>
+                    <a:srgbClr val="00BFF3"/>
+                  </a:solidFill>
+                  <a:uFillTx/>
+                  <a:latin typeface="+mn-lt"/>
+                  <a:ea typeface="+mn-ea"/>
+                  <a:cs typeface="+mn-cs"/>
+                  <a:sym typeface="Druk Medium"/>
+                </a:defRPr>
+              </a:lvl6pPr>
+              <a:lvl7pPr marL="0" marR="0" indent="2743200" algn="l" defTabSz="825500" rtl="0" latinLnBrk="0">
+                <a:lnSpc>
+                  <a:spcPct val="80000"/>
+                </a:lnSpc>
+                <a:spcBef>
+                  <a:spcPts val="0"/>
+                </a:spcBef>
+                <a:spcAft>
+                  <a:spcPts val="0"/>
+                </a:spcAft>
+                <a:buClrTx/>
+                <a:buSzTx/>
+                <a:buFontTx/>
+                <a:buNone/>
+                <a:tabLst/>
+                <a:defRPr sz="11600" b="0" i="0" u="none" strike="noStrike" cap="all" spc="-116" baseline="0">
+                  <a:solidFill>
+                    <a:srgbClr val="00BFF3"/>
+                  </a:solidFill>
+                  <a:uFillTx/>
+                  <a:latin typeface="+mn-lt"/>
+                  <a:ea typeface="+mn-ea"/>
+                  <a:cs typeface="+mn-cs"/>
+                  <a:sym typeface="Druk Medium"/>
+                </a:defRPr>
+              </a:lvl7pPr>
+              <a:lvl8pPr marL="0" marR="0" indent="3200400" algn="l" defTabSz="825500" rtl="0" latinLnBrk="0">
+                <a:lnSpc>
+                  <a:spcPct val="80000"/>
+                </a:lnSpc>
+                <a:spcBef>
+                  <a:spcPts val="0"/>
+                </a:spcBef>
+                <a:spcAft>
+                  <a:spcPts val="0"/>
+                </a:spcAft>
+                <a:buClrTx/>
+                <a:buSzTx/>
+                <a:buFontTx/>
+                <a:buNone/>
+                <a:tabLst/>
+                <a:defRPr sz="11600" b="0" i="0" u="none" strike="noStrike" cap="all" spc="-116" baseline="0">
+                  <a:solidFill>
+                    <a:srgbClr val="00BFF3"/>
+                  </a:solidFill>
+                  <a:uFillTx/>
+                  <a:latin typeface="+mn-lt"/>
+                  <a:ea typeface="+mn-ea"/>
+                  <a:cs typeface="+mn-cs"/>
+                  <a:sym typeface="Druk Medium"/>
+                </a:defRPr>
+              </a:lvl8pPr>
+              <a:lvl9pPr marL="0" marR="0" indent="3657600" algn="l" defTabSz="825500" rtl="0" latinLnBrk="0">
+                <a:lnSpc>
+                  <a:spcPct val="80000"/>
+                </a:lnSpc>
+                <a:spcBef>
+                  <a:spcPts val="0"/>
+                </a:spcBef>
+                <a:spcAft>
+                  <a:spcPts val="0"/>
+                </a:spcAft>
+                <a:buClrTx/>
+                <a:buSzTx/>
+                <a:buFontTx/>
+                <a:buNone/>
+                <a:tabLst/>
+                <a:defRPr sz="11600" b="0" i="0" u="none" strike="noStrike" cap="all" spc="-116" baseline="0">
+                  <a:solidFill>
+                    <a:srgbClr val="00BFF3"/>
+                  </a:solidFill>
+                  <a:uFillTx/>
+                  <a:latin typeface="+mn-lt"/>
+                  <a:ea typeface="+mn-ea"/>
+                  <a:cs typeface="+mn-cs"/>
+                  <a:sym typeface="Druk Medium"/>
+                </a:defRPr>
+              </a:lvl9pPr>
+            </a:lstStyle>
+            <a:p>
+              <a:pPr algn="ctr" hangingPunct="1"/>
+              <a:r>
+                <a:rPr lang="en-GB" sz="11800" b="1" dirty="0"/>
+                <a:t>Z</a:t>
+              </a:r>
+            </a:p>
+          </p:txBody>
+        </p:sp>
+        <p:sp>
+          <p:nvSpPr>
+            <p:cNvPr id="27" name="Your exam">
+              <a:extLst>
+                <a:ext uri="{FF2B5EF4-FFF2-40B4-BE49-F238E27FC236}">
+                  <a16:creationId xmlns:a16="http://schemas.microsoft.com/office/drawing/2014/main" id="{2FA81354-5E41-BDE7-A2D3-9974422EA443}"/>
+                </a:ext>
+              </a:extLst>
+            </p:cNvPr>
+            <p:cNvSpPr txBox="1">
+              <a:spLocks/>
+            </p:cNvSpPr>
+            <p:nvPr/>
+          </p:nvSpPr>
+          <p:spPr>
+            <a:xfrm>
+              <a:off x="2299200" y="8863054"/>
+              <a:ext cx="2160000" cy="1666326"/>
+            </a:xfrm>
+            <a:prstGeom prst="rect">
+              <a:avLst/>
+            </a:prstGeom>
+            <a:ln w="12700">
+              <a:miter lim="400000"/>
+            </a:ln>
+            <a:extLst>
+              <a:ext uri="{C572A759-6A51-4108-AA02-DFA0A04FC94B}">
+                <ma14:wrappingTextBoxFlag xmlns="" xmlns:m="http://schemas.openxmlformats.org/officeDocument/2006/math" xmlns:a14="http://schemas.microsoft.com/office/drawing/2010/main" xmlns:ma14="http://schemas.microsoft.com/office/mac/drawingml/2011/main" val="1"/>
+              </a:ext>
+            </a:extLst>
+          </p:spPr>
+          <p:txBody>
+            <a:bodyPr lIns="50800" tIns="50800" rIns="50800" bIns="50800" anchor="ctr">
+              <a:normAutofit/>
+            </a:bodyPr>
+            <a:lstStyle>
+              <a:lvl1pPr marL="0" marR="0" indent="0" algn="l" defTabSz="825500" rtl="0" latinLnBrk="0">
+                <a:lnSpc>
+                  <a:spcPct val="80000"/>
+                </a:lnSpc>
+                <a:spcBef>
+                  <a:spcPts val="0"/>
+                </a:spcBef>
+                <a:spcAft>
+                  <a:spcPts val="0"/>
+                </a:spcAft>
+                <a:buClrTx/>
+                <a:buSzTx/>
+                <a:buFontTx/>
+                <a:buNone/>
+                <a:tabLst/>
+                <a:defRPr sz="14000" b="0" i="0" u="none" strike="noStrike" cap="all" spc="-140" baseline="0">
+                  <a:solidFill>
+                    <a:srgbClr val="FFFFFF"/>
+                  </a:solidFill>
+                  <a:uFillTx/>
+                  <a:latin typeface="+mn-lt"/>
+                  <a:ea typeface="+mn-ea"/>
+                  <a:cs typeface="+mn-cs"/>
+                  <a:sym typeface="Druk Medium"/>
+                </a:defRPr>
+              </a:lvl1pPr>
+              <a:lvl2pPr marL="0" marR="0" indent="457200" algn="l" defTabSz="825500" rtl="0" latinLnBrk="0">
+                <a:lnSpc>
+                  <a:spcPct val="80000"/>
+                </a:lnSpc>
+                <a:spcBef>
+                  <a:spcPts val="0"/>
+                </a:spcBef>
+                <a:spcAft>
+                  <a:spcPts val="0"/>
+                </a:spcAft>
+                <a:buClrTx/>
+                <a:buSzTx/>
+                <a:buFontTx/>
+                <a:buNone/>
+                <a:tabLst/>
+                <a:defRPr sz="11600" b="0" i="0" u="none" strike="noStrike" cap="all" spc="-116" baseline="0">
+                  <a:solidFill>
+                    <a:srgbClr val="00BFF3"/>
+                  </a:solidFill>
+                  <a:uFillTx/>
+                  <a:latin typeface="+mn-lt"/>
+                  <a:ea typeface="+mn-ea"/>
+                  <a:cs typeface="+mn-cs"/>
+                  <a:sym typeface="Druk Medium"/>
+                </a:defRPr>
+              </a:lvl2pPr>
+              <a:lvl3pPr marL="0" marR="0" indent="914400" algn="l" defTabSz="825500" rtl="0" latinLnBrk="0">
+                <a:lnSpc>
+                  <a:spcPct val="80000"/>
+                </a:lnSpc>
+                <a:spcBef>
+                  <a:spcPts val="0"/>
+                </a:spcBef>
+                <a:spcAft>
+                  <a:spcPts val="0"/>
+                </a:spcAft>
+                <a:buClrTx/>
+                <a:buSzTx/>
+                <a:buFontTx/>
+                <a:buNone/>
+                <a:tabLst/>
+                <a:defRPr sz="11600" b="0" i="0" u="none" strike="noStrike" cap="all" spc="-116" baseline="0">
+                  <a:solidFill>
+                    <a:srgbClr val="00BFF3"/>
+                  </a:solidFill>
+                  <a:uFillTx/>
+                  <a:latin typeface="+mn-lt"/>
+                  <a:ea typeface="+mn-ea"/>
+                  <a:cs typeface="+mn-cs"/>
+                  <a:sym typeface="Druk Medium"/>
+                </a:defRPr>
+              </a:lvl3pPr>
+              <a:lvl4pPr marL="0" marR="0" indent="1371600" algn="l" defTabSz="825500" rtl="0" latinLnBrk="0">
+                <a:lnSpc>
+                  <a:spcPct val="80000"/>
+                </a:lnSpc>
+                <a:spcBef>
+                  <a:spcPts val="0"/>
+                </a:spcBef>
+                <a:spcAft>
+                  <a:spcPts val="0"/>
+                </a:spcAft>
+                <a:buClrTx/>
+                <a:buSzTx/>
+                <a:buFontTx/>
+                <a:buNone/>
+                <a:tabLst/>
+                <a:defRPr sz="11600" b="0" i="0" u="none" strike="noStrike" cap="all" spc="-116" baseline="0">
+                  <a:solidFill>
+                    <a:srgbClr val="00BFF3"/>
+                  </a:solidFill>
+                  <a:uFillTx/>
+                  <a:latin typeface="+mn-lt"/>
+                  <a:ea typeface="+mn-ea"/>
+                  <a:cs typeface="+mn-cs"/>
+                  <a:sym typeface="Druk Medium"/>
+                </a:defRPr>
+              </a:lvl4pPr>
+              <a:lvl5pPr marL="0" marR="0" indent="1828800" algn="l" defTabSz="825500" rtl="0" latinLnBrk="0">
+                <a:lnSpc>
+                  <a:spcPct val="80000"/>
+                </a:lnSpc>
+                <a:spcBef>
+                  <a:spcPts val="0"/>
+                </a:spcBef>
+                <a:spcAft>
+                  <a:spcPts val="0"/>
+                </a:spcAft>
+                <a:buClrTx/>
+                <a:buSzTx/>
+                <a:buFontTx/>
+                <a:buNone/>
+                <a:tabLst/>
+                <a:defRPr sz="11600" b="0" i="0" u="none" strike="noStrike" cap="all" spc="-116" baseline="0">
+                  <a:solidFill>
+                    <a:srgbClr val="00BFF3"/>
+                  </a:solidFill>
+                  <a:uFillTx/>
+                  <a:latin typeface="+mn-lt"/>
+                  <a:ea typeface="+mn-ea"/>
+                  <a:cs typeface="+mn-cs"/>
+                  <a:sym typeface="Druk Medium"/>
+                </a:defRPr>
+              </a:lvl5pPr>
+              <a:lvl6pPr marL="0" marR="0" indent="2286000" algn="l" defTabSz="825500" rtl="0" latinLnBrk="0">
+                <a:lnSpc>
+                  <a:spcPct val="80000"/>
+                </a:lnSpc>
+                <a:spcBef>
+                  <a:spcPts val="0"/>
+                </a:spcBef>
+                <a:spcAft>
+                  <a:spcPts val="0"/>
+                </a:spcAft>
+                <a:buClrTx/>
+                <a:buSzTx/>
+                <a:buFontTx/>
+                <a:buNone/>
+                <a:tabLst/>
+                <a:defRPr sz="11600" b="0" i="0" u="none" strike="noStrike" cap="all" spc="-116" baseline="0">
+                  <a:solidFill>
+                    <a:srgbClr val="00BFF3"/>
+                  </a:solidFill>
+                  <a:uFillTx/>
+                  <a:latin typeface="+mn-lt"/>
+                  <a:ea typeface="+mn-ea"/>
+                  <a:cs typeface="+mn-cs"/>
+                  <a:sym typeface="Druk Medium"/>
+                </a:defRPr>
+              </a:lvl6pPr>
+              <a:lvl7pPr marL="0" marR="0" indent="2743200" algn="l" defTabSz="825500" rtl="0" latinLnBrk="0">
+                <a:lnSpc>
+                  <a:spcPct val="80000"/>
+                </a:lnSpc>
+                <a:spcBef>
+                  <a:spcPts val="0"/>
+                </a:spcBef>
+                <a:spcAft>
+                  <a:spcPts val="0"/>
+                </a:spcAft>
+                <a:buClrTx/>
+                <a:buSzTx/>
+                <a:buFontTx/>
+                <a:buNone/>
+                <a:tabLst/>
+                <a:defRPr sz="11600" b="0" i="0" u="none" strike="noStrike" cap="all" spc="-116" baseline="0">
+                  <a:solidFill>
+                    <a:srgbClr val="00BFF3"/>
+                  </a:solidFill>
+                  <a:uFillTx/>
+                  <a:latin typeface="+mn-lt"/>
+                  <a:ea typeface="+mn-ea"/>
+                  <a:cs typeface="+mn-cs"/>
+                  <a:sym typeface="Druk Medium"/>
+                </a:defRPr>
+              </a:lvl7pPr>
+              <a:lvl8pPr marL="0" marR="0" indent="3200400" algn="l" defTabSz="825500" rtl="0" latinLnBrk="0">
+                <a:lnSpc>
+                  <a:spcPct val="80000"/>
+                </a:lnSpc>
+                <a:spcBef>
+                  <a:spcPts val="0"/>
+                </a:spcBef>
+                <a:spcAft>
+                  <a:spcPts val="0"/>
+                </a:spcAft>
+                <a:buClrTx/>
+                <a:buSzTx/>
+                <a:buFontTx/>
+                <a:buNone/>
+                <a:tabLst/>
+                <a:defRPr sz="11600" b="0" i="0" u="none" strike="noStrike" cap="all" spc="-116" baseline="0">
+                  <a:solidFill>
+                    <a:srgbClr val="00BFF3"/>
+                  </a:solidFill>
+                  <a:uFillTx/>
+                  <a:latin typeface="+mn-lt"/>
+                  <a:ea typeface="+mn-ea"/>
+                  <a:cs typeface="+mn-cs"/>
+                  <a:sym typeface="Druk Medium"/>
+                </a:defRPr>
+              </a:lvl8pPr>
+              <a:lvl9pPr marL="0" marR="0" indent="3657600" algn="l" defTabSz="825500" rtl="0" latinLnBrk="0">
+                <a:lnSpc>
+                  <a:spcPct val="80000"/>
+                </a:lnSpc>
+                <a:spcBef>
+                  <a:spcPts val="0"/>
+                </a:spcBef>
+                <a:spcAft>
+                  <a:spcPts val="0"/>
+                </a:spcAft>
+                <a:buClrTx/>
+                <a:buSzTx/>
+                <a:buFontTx/>
+                <a:buNone/>
+                <a:tabLst/>
+                <a:defRPr sz="11600" b="0" i="0" u="none" strike="noStrike" cap="all" spc="-116" baseline="0">
+                  <a:solidFill>
+                    <a:srgbClr val="00BFF3"/>
+                  </a:solidFill>
+                  <a:uFillTx/>
+                  <a:latin typeface="+mn-lt"/>
+                  <a:ea typeface="+mn-ea"/>
+                  <a:cs typeface="+mn-cs"/>
+                  <a:sym typeface="Druk Medium"/>
+                </a:defRPr>
+              </a:lvl9pPr>
+            </a:lstStyle>
+            <a:p>
+              <a:pPr algn="ctr" hangingPunct="1"/>
+              <a:r>
+                <a:rPr lang="en-GB" sz="11800" b="1" dirty="0"/>
+                <a:t>…</a:t>
+              </a:r>
+            </a:p>
+          </p:txBody>
+        </p:sp>
+        <p:sp>
+          <p:nvSpPr>
+            <p:cNvPr id="28" name="Your exam">
+              <a:extLst>
+                <a:ext uri="{FF2B5EF4-FFF2-40B4-BE49-F238E27FC236}">
+                  <a16:creationId xmlns:a16="http://schemas.microsoft.com/office/drawing/2014/main" id="{A13C9080-6832-A415-26C8-278CCECB95B0}"/>
+                </a:ext>
+              </a:extLst>
+            </p:cNvPr>
+            <p:cNvSpPr txBox="1">
+              <a:spLocks/>
+            </p:cNvSpPr>
+            <p:nvPr/>
+          </p:nvSpPr>
+          <p:spPr>
+            <a:xfrm>
+              <a:off x="19924800" y="8459333"/>
+              <a:ext cx="2160000" cy="1666326"/>
+            </a:xfrm>
+            <a:prstGeom prst="rect">
+              <a:avLst/>
+            </a:prstGeom>
+            <a:ln w="12700">
+              <a:miter lim="400000"/>
+            </a:ln>
+            <a:extLst>
+              <a:ext uri="{C572A759-6A51-4108-AA02-DFA0A04FC94B}">
+                <ma14:wrappingTextBoxFlag xmlns="" xmlns:m="http://schemas.openxmlformats.org/officeDocument/2006/math" xmlns:a14="http://schemas.microsoft.com/office/drawing/2010/main" xmlns:ma14="http://schemas.microsoft.com/office/mac/drawingml/2011/main" val="1"/>
+              </a:ext>
+            </a:extLst>
+          </p:spPr>
+          <p:txBody>
+            <a:bodyPr lIns="50800" tIns="50800" rIns="50800" bIns="50800" anchor="ctr">
+              <a:normAutofit/>
+            </a:bodyPr>
+            <a:lstStyle>
+              <a:lvl1pPr marL="0" marR="0" indent="0" algn="l" defTabSz="825500" rtl="0" latinLnBrk="0">
+                <a:lnSpc>
+                  <a:spcPct val="80000"/>
+                </a:lnSpc>
+                <a:spcBef>
+                  <a:spcPts val="0"/>
+                </a:spcBef>
+                <a:spcAft>
+                  <a:spcPts val="0"/>
+                </a:spcAft>
+                <a:buClrTx/>
+                <a:buSzTx/>
+                <a:buFontTx/>
+                <a:buNone/>
+                <a:tabLst/>
+                <a:defRPr sz="14000" b="0" i="0" u="none" strike="noStrike" cap="all" spc="-140" baseline="0">
+                  <a:solidFill>
+                    <a:srgbClr val="FFFFFF"/>
+                  </a:solidFill>
+                  <a:uFillTx/>
+                  <a:latin typeface="+mn-lt"/>
+                  <a:ea typeface="+mn-ea"/>
+                  <a:cs typeface="+mn-cs"/>
+                  <a:sym typeface="Druk Medium"/>
+                </a:defRPr>
+              </a:lvl1pPr>
+              <a:lvl2pPr marL="0" marR="0" indent="457200" algn="l" defTabSz="825500" rtl="0" latinLnBrk="0">
+                <a:lnSpc>
+                  <a:spcPct val="80000"/>
+                </a:lnSpc>
+                <a:spcBef>
+                  <a:spcPts val="0"/>
+                </a:spcBef>
+                <a:spcAft>
+                  <a:spcPts val="0"/>
+                </a:spcAft>
+                <a:buClrTx/>
+                <a:buSzTx/>
+                <a:buFontTx/>
+                <a:buNone/>
+                <a:tabLst/>
+                <a:defRPr sz="11600" b="0" i="0" u="none" strike="noStrike" cap="all" spc="-116" baseline="0">
+                  <a:solidFill>
+                    <a:srgbClr val="00BFF3"/>
+                  </a:solidFill>
+                  <a:uFillTx/>
+                  <a:latin typeface="+mn-lt"/>
+                  <a:ea typeface="+mn-ea"/>
+                  <a:cs typeface="+mn-cs"/>
+                  <a:sym typeface="Druk Medium"/>
+                </a:defRPr>
+              </a:lvl2pPr>
+              <a:lvl3pPr marL="0" marR="0" indent="914400" algn="l" defTabSz="825500" rtl="0" latinLnBrk="0">
+                <a:lnSpc>
+                  <a:spcPct val="80000"/>
+                </a:lnSpc>
+                <a:spcBef>
+                  <a:spcPts val="0"/>
+                </a:spcBef>
+                <a:spcAft>
+                  <a:spcPts val="0"/>
+                </a:spcAft>
+                <a:buClrTx/>
+                <a:buSzTx/>
+                <a:buFontTx/>
+                <a:buNone/>
+                <a:tabLst/>
+                <a:defRPr sz="11600" b="0" i="0" u="none" strike="noStrike" cap="all" spc="-116" baseline="0">
+                  <a:solidFill>
+                    <a:srgbClr val="00BFF3"/>
+                  </a:solidFill>
+                  <a:uFillTx/>
+                  <a:latin typeface="+mn-lt"/>
+                  <a:ea typeface="+mn-ea"/>
+                  <a:cs typeface="+mn-cs"/>
+                  <a:sym typeface="Druk Medium"/>
+                </a:defRPr>
+              </a:lvl3pPr>
+              <a:lvl4pPr marL="0" marR="0" indent="1371600" algn="l" defTabSz="825500" rtl="0" latinLnBrk="0">
+                <a:lnSpc>
+                  <a:spcPct val="80000"/>
+                </a:lnSpc>
+                <a:spcBef>
+                  <a:spcPts val="0"/>
+                </a:spcBef>
+                <a:spcAft>
+                  <a:spcPts val="0"/>
+                </a:spcAft>
+                <a:buClrTx/>
+                <a:buSzTx/>
+                <a:buFontTx/>
+                <a:buNone/>
+                <a:tabLst/>
+                <a:defRPr sz="11600" b="0" i="0" u="none" strike="noStrike" cap="all" spc="-116" baseline="0">
+                  <a:solidFill>
+                    <a:srgbClr val="00BFF3"/>
+                  </a:solidFill>
+                  <a:uFillTx/>
+                  <a:latin typeface="+mn-lt"/>
+                  <a:ea typeface="+mn-ea"/>
+                  <a:cs typeface="+mn-cs"/>
+                  <a:sym typeface="Druk Medium"/>
+                </a:defRPr>
+              </a:lvl4pPr>
+              <a:lvl5pPr marL="0" marR="0" indent="1828800" algn="l" defTabSz="825500" rtl="0" latinLnBrk="0">
+                <a:lnSpc>
+                  <a:spcPct val="80000"/>
+                </a:lnSpc>
+                <a:spcBef>
+                  <a:spcPts val="0"/>
+                </a:spcBef>
+                <a:spcAft>
+                  <a:spcPts val="0"/>
+                </a:spcAft>
+                <a:buClrTx/>
+                <a:buSzTx/>
+                <a:buFontTx/>
+                <a:buNone/>
+                <a:tabLst/>
+                <a:defRPr sz="11600" b="0" i="0" u="none" strike="noStrike" cap="all" spc="-116" baseline="0">
+                  <a:solidFill>
+                    <a:srgbClr val="00BFF3"/>
+                  </a:solidFill>
+                  <a:uFillTx/>
+                  <a:latin typeface="+mn-lt"/>
+                  <a:ea typeface="+mn-ea"/>
+                  <a:cs typeface="+mn-cs"/>
+                  <a:sym typeface="Druk Medium"/>
+                </a:defRPr>
+              </a:lvl5pPr>
+              <a:lvl6pPr marL="0" marR="0" indent="2286000" algn="l" defTabSz="825500" rtl="0" latinLnBrk="0">
+                <a:lnSpc>
+                  <a:spcPct val="80000"/>
+                </a:lnSpc>
+                <a:spcBef>
+                  <a:spcPts val="0"/>
+                </a:spcBef>
+                <a:spcAft>
+                  <a:spcPts val="0"/>
+                </a:spcAft>
+                <a:buClrTx/>
+                <a:buSzTx/>
+                <a:buFontTx/>
+                <a:buNone/>
+                <a:tabLst/>
+                <a:defRPr sz="11600" b="0" i="0" u="none" strike="noStrike" cap="all" spc="-116" baseline="0">
+                  <a:solidFill>
+                    <a:srgbClr val="00BFF3"/>
+                  </a:solidFill>
+                  <a:uFillTx/>
+                  <a:latin typeface="+mn-lt"/>
+                  <a:ea typeface="+mn-ea"/>
+                  <a:cs typeface="+mn-cs"/>
+                  <a:sym typeface="Druk Medium"/>
+                </a:defRPr>
+              </a:lvl6pPr>
+              <a:lvl7pPr marL="0" marR="0" indent="2743200" algn="l" defTabSz="825500" rtl="0" latinLnBrk="0">
+                <a:lnSpc>
+                  <a:spcPct val="80000"/>
+                </a:lnSpc>
+                <a:spcBef>
+                  <a:spcPts val="0"/>
+                </a:spcBef>
+                <a:spcAft>
+                  <a:spcPts val="0"/>
+                </a:spcAft>
+                <a:buClrTx/>
+                <a:buSzTx/>
+                <a:buFontTx/>
+                <a:buNone/>
+                <a:tabLst/>
+                <a:defRPr sz="11600" b="0" i="0" u="none" strike="noStrike" cap="all" spc="-116" baseline="0">
+                  <a:solidFill>
+                    <a:srgbClr val="00BFF3"/>
+                  </a:solidFill>
+                  <a:uFillTx/>
+                  <a:latin typeface="+mn-lt"/>
+                  <a:ea typeface="+mn-ea"/>
+                  <a:cs typeface="+mn-cs"/>
+                  <a:sym typeface="Druk Medium"/>
+                </a:defRPr>
+              </a:lvl7pPr>
+              <a:lvl8pPr marL="0" marR="0" indent="3200400" algn="l" defTabSz="825500" rtl="0" latinLnBrk="0">
+                <a:lnSpc>
+                  <a:spcPct val="80000"/>
+                </a:lnSpc>
+                <a:spcBef>
+                  <a:spcPts val="0"/>
+                </a:spcBef>
+                <a:spcAft>
+                  <a:spcPts val="0"/>
+                </a:spcAft>
+                <a:buClrTx/>
+                <a:buSzTx/>
+                <a:buFontTx/>
+                <a:buNone/>
+                <a:tabLst/>
+                <a:defRPr sz="11600" b="0" i="0" u="none" strike="noStrike" cap="all" spc="-116" baseline="0">
+                  <a:solidFill>
+                    <a:srgbClr val="00BFF3"/>
+                  </a:solidFill>
+                  <a:uFillTx/>
+                  <a:latin typeface="+mn-lt"/>
+                  <a:ea typeface="+mn-ea"/>
+                  <a:cs typeface="+mn-cs"/>
+                  <a:sym typeface="Druk Medium"/>
+                </a:defRPr>
+              </a:lvl8pPr>
+              <a:lvl9pPr marL="0" marR="0" indent="3657600" algn="l" defTabSz="825500" rtl="0" latinLnBrk="0">
+                <a:lnSpc>
+                  <a:spcPct val="80000"/>
+                </a:lnSpc>
+                <a:spcBef>
+                  <a:spcPts val="0"/>
+                </a:spcBef>
+                <a:spcAft>
+                  <a:spcPts val="0"/>
+                </a:spcAft>
+                <a:buClrTx/>
+                <a:buSzTx/>
+                <a:buFontTx/>
+                <a:buNone/>
+                <a:tabLst/>
+                <a:defRPr sz="11600" b="0" i="0" u="none" strike="noStrike" cap="all" spc="-116" baseline="0">
+                  <a:solidFill>
+                    <a:srgbClr val="00BFF3"/>
+                  </a:solidFill>
+                  <a:uFillTx/>
+                  <a:latin typeface="+mn-lt"/>
+                  <a:ea typeface="+mn-ea"/>
+                  <a:cs typeface="+mn-cs"/>
+                  <a:sym typeface="Druk Medium"/>
+                </a:defRPr>
+              </a:lvl9pPr>
+            </a:lstStyle>
+            <a:p>
+              <a:pPr algn="ctr" hangingPunct="1"/>
+              <a:r>
+                <a:rPr lang="en-GB" sz="11800" b="1" dirty="0"/>
+                <a:t>…</a:t>
+              </a:r>
+            </a:p>
+          </p:txBody>
+        </p:sp>
+      </p:grpSp>
+      <p:grpSp>
+        <p:nvGrpSpPr>
+          <p:cNvPr id="31" name="Group 30">
+            <a:extLst>
+              <a:ext uri="{FF2B5EF4-FFF2-40B4-BE49-F238E27FC236}">
+                <a16:creationId xmlns:a16="http://schemas.microsoft.com/office/drawing/2014/main" id="{C4D19443-DFF0-1384-E26B-E296785D1F11}"/>
+              </a:ext>
+            </a:extLst>
+          </p:cNvPr>
+          <p:cNvGrpSpPr/>
+          <p:nvPr/>
+        </p:nvGrpSpPr>
+        <p:grpSpPr>
+          <a:xfrm>
+            <a:off x="2299200" y="10678680"/>
+            <a:ext cx="19785600" cy="2235067"/>
+            <a:chOff x="2299200" y="8459333"/>
+            <a:chExt cx="19785600" cy="2235067"/>
+          </a:xfrm>
+        </p:grpSpPr>
+        <p:sp>
+          <p:nvSpPr>
+            <p:cNvPr id="32" name="Rounded Rectangle 31">
+              <a:extLst>
+                <a:ext uri="{FF2B5EF4-FFF2-40B4-BE49-F238E27FC236}">
+                  <a16:creationId xmlns:a16="http://schemas.microsoft.com/office/drawing/2014/main" id="{4D650C1B-AE00-ECDF-46F0-D3FAA58F9D65}"/>
+                </a:ext>
+              </a:extLst>
+            </p:cNvPr>
+            <p:cNvSpPr/>
+            <p:nvPr/>
+          </p:nvSpPr>
+          <p:spPr>
+            <a:xfrm>
+              <a:off x="11112000" y="8534400"/>
+              <a:ext cx="2160000" cy="2160000"/>
+            </a:xfrm>
+            <a:prstGeom prst="roundRect">
+              <a:avLst/>
+            </a:prstGeom>
+            <a:ln w="127000">
+              <a:solidFill>
+                <a:srgbClr val="FFFFFF"/>
+              </a:solidFill>
+            </a:ln>
+          </p:spPr>
+          <p:style>
+            <a:lnRef idx="2">
+              <a:schemeClr val="accent1"/>
+            </a:lnRef>
+            <a:fillRef idx="1">
+              <a:schemeClr val="lt1"/>
+            </a:fillRef>
+            <a:effectRef idx="0">
+              <a:schemeClr val="accent1"/>
+            </a:effectRef>
+            <a:fontRef idx="minor">
+              <a:schemeClr val="dk1"/>
+            </a:fontRef>
+          </p:style>
+          <p:txBody>
+            <a:bodyPr rot="0" spcFirstLastPara="1" vertOverflow="overflow" horzOverflow="overflow" vert="horz" wrap="square" lIns="50800" tIns="50800" rIns="50800" bIns="50800" numCol="1" spcCol="38100" rtlCol="0" anchor="ctr">
+              <a:spAutoFit/>
+            </a:bodyPr>
+            <a:lstStyle/>
+            <a:p>
+              <a:pPr marL="0" marR="0" indent="0" algn="ctr" defTabSz="825500" rtl="0" fontAlgn="auto" latinLnBrk="0" hangingPunct="0">
+                <a:lnSpc>
+                  <a:spcPct val="120000"/>
+                </a:lnSpc>
+                <a:spcBef>
+                  <a:spcPts val="0"/>
+                </a:spcBef>
+                <a:spcAft>
+                  <a:spcPts val="0"/>
+                </a:spcAft>
+                <a:buClrTx/>
+                <a:buSzTx/>
+                <a:buFontTx/>
+                <a:buNone/>
+                <a:tabLst/>
+              </a:pPr>
+              <a:endParaRPr kumimoji="0" lang="en-US" sz="3000" b="0" i="0" u="none" strike="noStrike" cap="all" spc="0" normalizeH="0" baseline="0">
+                <a:ln>
+                  <a:noFill/>
+                </a:ln>
+                <a:solidFill>
+                  <a:srgbClr val="FFFFFF"/>
+                </a:solidFill>
+                <a:effectLst/>
+                <a:uFillTx/>
+                <a:latin typeface="Proxima Nova Extrabold"/>
+                <a:ea typeface="Proxima Nova Extrabold"/>
+                <a:cs typeface="Proxima Nova Extrabold"/>
+                <a:sym typeface="Proxima Nova Extrabold"/>
+              </a:endParaRPr>
+            </a:p>
+          </p:txBody>
+        </p:sp>
+        <p:sp>
+          <p:nvSpPr>
+            <p:cNvPr id="33" name="Rounded Rectangle 32">
+              <a:extLst>
+                <a:ext uri="{FF2B5EF4-FFF2-40B4-BE49-F238E27FC236}">
+                  <a16:creationId xmlns:a16="http://schemas.microsoft.com/office/drawing/2014/main" id="{DBE21933-F973-3027-A360-05AB9D6AEAC2}"/>
+                </a:ext>
+              </a:extLst>
+            </p:cNvPr>
+            <p:cNvSpPr/>
+            <p:nvPr/>
+          </p:nvSpPr>
+          <p:spPr>
+            <a:xfrm>
+              <a:off x="13272000" y="8533745"/>
+              <a:ext cx="2160000" cy="2160000"/>
+            </a:xfrm>
+            <a:prstGeom prst="roundRect">
+              <a:avLst/>
+            </a:prstGeom>
+            <a:ln w="127000">
+              <a:solidFill>
+                <a:srgbClr val="FFFFFF"/>
+              </a:solidFill>
+            </a:ln>
+          </p:spPr>
+          <p:style>
+            <a:lnRef idx="2">
+              <a:schemeClr val="accent1"/>
+            </a:lnRef>
+            <a:fillRef idx="1">
+              <a:schemeClr val="lt1"/>
+            </a:fillRef>
+            <a:effectRef idx="0">
+              <a:schemeClr val="accent1"/>
+            </a:effectRef>
+            <a:fontRef idx="minor">
+              <a:schemeClr val="dk1"/>
+            </a:fontRef>
+          </p:style>
+          <p:txBody>
+            <a:bodyPr rot="0" spcFirstLastPara="1" vertOverflow="overflow" horzOverflow="overflow" vert="horz" wrap="square" lIns="50800" tIns="50800" rIns="50800" bIns="50800" numCol="1" spcCol="38100" rtlCol="0" anchor="ctr">
+              <a:spAutoFit/>
+            </a:bodyPr>
+            <a:lstStyle/>
+            <a:p>
+              <a:pPr marL="0" marR="0" indent="0" algn="ctr" defTabSz="825500" rtl="0" fontAlgn="auto" latinLnBrk="0" hangingPunct="0">
+                <a:lnSpc>
+                  <a:spcPct val="120000"/>
+                </a:lnSpc>
+                <a:spcBef>
+                  <a:spcPts val="0"/>
+                </a:spcBef>
+                <a:spcAft>
+                  <a:spcPts val="0"/>
+                </a:spcAft>
+                <a:buClrTx/>
+                <a:buSzTx/>
+                <a:buFontTx/>
+                <a:buNone/>
+                <a:tabLst/>
+              </a:pPr>
+              <a:endParaRPr kumimoji="0" lang="en-US" sz="3000" b="0" i="0" u="none" strike="noStrike" cap="all" spc="0" normalizeH="0" baseline="0">
+                <a:ln>
+                  <a:noFill/>
+                </a:ln>
+                <a:solidFill>
+                  <a:srgbClr val="FFFFFF"/>
+                </a:solidFill>
+                <a:effectLst/>
+                <a:uFillTx/>
+                <a:latin typeface="Proxima Nova Extrabold"/>
+                <a:ea typeface="Proxima Nova Extrabold"/>
+                <a:cs typeface="Proxima Nova Extrabold"/>
+                <a:sym typeface="Proxima Nova Extrabold"/>
+              </a:endParaRPr>
+            </a:p>
+          </p:txBody>
+        </p:sp>
+        <p:sp>
+          <p:nvSpPr>
+            <p:cNvPr id="34" name="Rounded Rectangle 33">
+              <a:extLst>
+                <a:ext uri="{FF2B5EF4-FFF2-40B4-BE49-F238E27FC236}">
+                  <a16:creationId xmlns:a16="http://schemas.microsoft.com/office/drawing/2014/main" id="{F8FDADB8-D88A-3AE9-14C9-E063D5D19ABD}"/>
+                </a:ext>
+              </a:extLst>
+            </p:cNvPr>
+            <p:cNvSpPr/>
+            <p:nvPr/>
+          </p:nvSpPr>
+          <p:spPr>
+            <a:xfrm>
+              <a:off x="15432000" y="8532435"/>
+              <a:ext cx="2160000" cy="2160000"/>
+            </a:xfrm>
+            <a:prstGeom prst="roundRect">
+              <a:avLst/>
+            </a:prstGeom>
+            <a:ln w="127000">
+              <a:solidFill>
+                <a:srgbClr val="FFFFFF"/>
+              </a:solidFill>
+            </a:ln>
+          </p:spPr>
+          <p:style>
+            <a:lnRef idx="2">
+              <a:schemeClr val="accent1"/>
+            </a:lnRef>
+            <a:fillRef idx="1">
+              <a:schemeClr val="lt1"/>
+            </a:fillRef>
+            <a:effectRef idx="0">
+              <a:schemeClr val="accent1"/>
+            </a:effectRef>
+            <a:fontRef idx="minor">
+              <a:schemeClr val="dk1"/>
+            </a:fontRef>
+          </p:style>
+          <p:txBody>
+            <a:bodyPr rot="0" spcFirstLastPara="1" vertOverflow="overflow" horzOverflow="overflow" vert="horz" wrap="square" lIns="50800" tIns="50800" rIns="50800" bIns="50800" numCol="1" spcCol="38100" rtlCol="0" anchor="ctr">
+              <a:spAutoFit/>
+            </a:bodyPr>
+            <a:lstStyle/>
+            <a:p>
+              <a:pPr marL="0" marR="0" indent="0" algn="ctr" defTabSz="825500" rtl="0" fontAlgn="auto" latinLnBrk="0" hangingPunct="0">
+                <a:lnSpc>
+                  <a:spcPct val="120000"/>
+                </a:lnSpc>
+                <a:spcBef>
+                  <a:spcPts val="0"/>
+                </a:spcBef>
+                <a:spcAft>
+                  <a:spcPts val="0"/>
+                </a:spcAft>
+                <a:buClrTx/>
+                <a:buSzTx/>
+                <a:buFontTx/>
+                <a:buNone/>
+                <a:tabLst/>
+              </a:pPr>
+              <a:endParaRPr kumimoji="0" lang="en-US" sz="3000" b="0" i="0" u="none" strike="noStrike" cap="all" spc="0" normalizeH="0" baseline="0">
+                <a:ln>
+                  <a:noFill/>
+                </a:ln>
+                <a:solidFill>
+                  <a:srgbClr val="FFFFFF"/>
+                </a:solidFill>
+                <a:effectLst/>
+                <a:uFillTx/>
+                <a:latin typeface="Proxima Nova Extrabold"/>
+                <a:ea typeface="Proxima Nova Extrabold"/>
+                <a:cs typeface="Proxima Nova Extrabold"/>
+                <a:sym typeface="Proxima Nova Extrabold"/>
+              </a:endParaRPr>
+            </a:p>
+          </p:txBody>
+        </p:sp>
+        <p:sp>
+          <p:nvSpPr>
+            <p:cNvPr id="35" name="Rounded Rectangle 34">
+              <a:extLst>
+                <a:ext uri="{FF2B5EF4-FFF2-40B4-BE49-F238E27FC236}">
+                  <a16:creationId xmlns:a16="http://schemas.microsoft.com/office/drawing/2014/main" id="{D8B2184E-562F-AADD-A085-ABD1D02BCD64}"/>
+                </a:ext>
+              </a:extLst>
+            </p:cNvPr>
+            <p:cNvSpPr/>
+            <p:nvPr/>
+          </p:nvSpPr>
+          <p:spPr>
+            <a:xfrm>
+              <a:off x="17592000" y="8530470"/>
+              <a:ext cx="2160000" cy="2160000"/>
+            </a:xfrm>
+            <a:prstGeom prst="roundRect">
+              <a:avLst/>
+            </a:prstGeom>
+            <a:ln w="127000">
+              <a:solidFill>
+                <a:srgbClr val="FFFFFF"/>
+              </a:solidFill>
+            </a:ln>
+          </p:spPr>
+          <p:style>
+            <a:lnRef idx="2">
+              <a:schemeClr val="accent1"/>
+            </a:lnRef>
+            <a:fillRef idx="1">
+              <a:schemeClr val="lt1"/>
+            </a:fillRef>
+            <a:effectRef idx="0">
+              <a:schemeClr val="accent1"/>
+            </a:effectRef>
+            <a:fontRef idx="minor">
+              <a:schemeClr val="dk1"/>
+            </a:fontRef>
+          </p:style>
+          <p:txBody>
+            <a:bodyPr rot="0" spcFirstLastPara="1" vertOverflow="overflow" horzOverflow="overflow" vert="horz" wrap="square" lIns="50800" tIns="50800" rIns="50800" bIns="50800" numCol="1" spcCol="38100" rtlCol="0" anchor="ctr">
+              <a:spAutoFit/>
+            </a:bodyPr>
+            <a:lstStyle/>
+            <a:p>
+              <a:pPr marL="0" marR="0" indent="0" algn="ctr" defTabSz="825500" rtl="0" fontAlgn="auto" latinLnBrk="0" hangingPunct="0">
+                <a:lnSpc>
+                  <a:spcPct val="120000"/>
+                </a:lnSpc>
+                <a:spcBef>
+                  <a:spcPts val="0"/>
+                </a:spcBef>
+                <a:spcAft>
+                  <a:spcPts val="0"/>
+                </a:spcAft>
+                <a:buClrTx/>
+                <a:buSzTx/>
+                <a:buFontTx/>
+                <a:buNone/>
+                <a:tabLst/>
+              </a:pPr>
+              <a:endParaRPr kumimoji="0" lang="en-US" sz="3000" b="0" i="0" u="none" strike="noStrike" cap="all" spc="0" normalizeH="0" baseline="0">
+                <a:ln>
+                  <a:noFill/>
+                </a:ln>
+                <a:solidFill>
+                  <a:srgbClr val="FFFFFF"/>
+                </a:solidFill>
+                <a:effectLst/>
+                <a:uFillTx/>
+                <a:latin typeface="Proxima Nova Extrabold"/>
+                <a:ea typeface="Proxima Nova Extrabold"/>
+                <a:cs typeface="Proxima Nova Extrabold"/>
+                <a:sym typeface="Proxima Nova Extrabold"/>
+              </a:endParaRPr>
+            </a:p>
+          </p:txBody>
+        </p:sp>
+        <p:sp>
+          <p:nvSpPr>
+            <p:cNvPr id="36" name="Rounded Rectangle 35">
+              <a:extLst>
+                <a:ext uri="{FF2B5EF4-FFF2-40B4-BE49-F238E27FC236}">
+                  <a16:creationId xmlns:a16="http://schemas.microsoft.com/office/drawing/2014/main" id="{4EBC44E4-C786-0F29-B48F-EDF865F9FCE4}"/>
+                </a:ext>
+              </a:extLst>
+            </p:cNvPr>
+            <p:cNvSpPr/>
+            <p:nvPr/>
+          </p:nvSpPr>
+          <p:spPr>
+            <a:xfrm>
+              <a:off x="8952000" y="8529815"/>
+              <a:ext cx="2160000" cy="2160000"/>
+            </a:xfrm>
+            <a:prstGeom prst="roundRect">
+              <a:avLst/>
+            </a:prstGeom>
+            <a:ln w="127000">
+              <a:solidFill>
+                <a:srgbClr val="FFFFFF"/>
+              </a:solidFill>
+            </a:ln>
+          </p:spPr>
+          <p:style>
+            <a:lnRef idx="2">
+              <a:schemeClr val="accent1"/>
+            </a:lnRef>
+            <a:fillRef idx="1">
+              <a:schemeClr val="lt1"/>
+            </a:fillRef>
+            <a:effectRef idx="0">
+              <a:schemeClr val="accent1"/>
+            </a:effectRef>
+            <a:fontRef idx="minor">
+              <a:schemeClr val="dk1"/>
+            </a:fontRef>
+          </p:style>
+          <p:txBody>
+            <a:bodyPr rot="0" spcFirstLastPara="1" vertOverflow="overflow" horzOverflow="overflow" vert="horz" wrap="square" lIns="50800" tIns="50800" rIns="50800" bIns="50800" numCol="1" spcCol="38100" rtlCol="0" anchor="ctr">
+              <a:spAutoFit/>
+            </a:bodyPr>
+            <a:lstStyle/>
+            <a:p>
+              <a:pPr marL="0" marR="0" indent="0" algn="ctr" defTabSz="825500" rtl="0" fontAlgn="auto" latinLnBrk="0" hangingPunct="0">
+                <a:lnSpc>
+                  <a:spcPct val="120000"/>
+                </a:lnSpc>
+                <a:spcBef>
+                  <a:spcPts val="0"/>
+                </a:spcBef>
+                <a:spcAft>
+                  <a:spcPts val="0"/>
+                </a:spcAft>
+                <a:buClrTx/>
+                <a:buSzTx/>
+                <a:buFontTx/>
+                <a:buNone/>
+                <a:tabLst/>
+              </a:pPr>
+              <a:endParaRPr kumimoji="0" lang="en-US" sz="3000" b="0" i="0" u="none" strike="noStrike" cap="all" spc="0" normalizeH="0" baseline="0">
+                <a:ln>
+                  <a:noFill/>
+                </a:ln>
+                <a:solidFill>
+                  <a:srgbClr val="FFFFFF"/>
+                </a:solidFill>
+                <a:effectLst/>
+                <a:uFillTx/>
+                <a:latin typeface="Proxima Nova Extrabold"/>
+                <a:ea typeface="Proxima Nova Extrabold"/>
+                <a:cs typeface="Proxima Nova Extrabold"/>
+                <a:sym typeface="Proxima Nova Extrabold"/>
+              </a:endParaRPr>
+            </a:p>
+          </p:txBody>
+        </p:sp>
+        <p:sp>
+          <p:nvSpPr>
+            <p:cNvPr id="37" name="Rounded Rectangle 36">
+              <a:extLst>
+                <a:ext uri="{FF2B5EF4-FFF2-40B4-BE49-F238E27FC236}">
+                  <a16:creationId xmlns:a16="http://schemas.microsoft.com/office/drawing/2014/main" id="{98F9A7C9-E8FE-51A1-EDD3-5D9A3EDCB440}"/>
+                </a:ext>
+              </a:extLst>
+            </p:cNvPr>
+            <p:cNvSpPr/>
+            <p:nvPr/>
+          </p:nvSpPr>
+          <p:spPr>
+            <a:xfrm>
+              <a:off x="6792000" y="8524575"/>
+              <a:ext cx="2160000" cy="2160000"/>
+            </a:xfrm>
+            <a:prstGeom prst="roundRect">
+              <a:avLst/>
+            </a:prstGeom>
+            <a:ln w="127000">
+              <a:solidFill>
+                <a:srgbClr val="FFFFFF"/>
+              </a:solidFill>
+            </a:ln>
+          </p:spPr>
+          <p:style>
+            <a:lnRef idx="2">
+              <a:schemeClr val="accent1"/>
+            </a:lnRef>
+            <a:fillRef idx="1">
+              <a:schemeClr val="lt1"/>
+            </a:fillRef>
+            <a:effectRef idx="0">
+              <a:schemeClr val="accent1"/>
+            </a:effectRef>
+            <a:fontRef idx="minor">
+              <a:schemeClr val="dk1"/>
+            </a:fontRef>
+          </p:style>
+          <p:txBody>
+            <a:bodyPr rot="0" spcFirstLastPara="1" vertOverflow="overflow" horzOverflow="overflow" vert="horz" wrap="square" lIns="50800" tIns="50800" rIns="50800" bIns="50800" numCol="1" spcCol="38100" rtlCol="0" anchor="ctr">
+              <a:spAutoFit/>
+            </a:bodyPr>
+            <a:lstStyle/>
+            <a:p>
+              <a:pPr marL="0" marR="0" indent="0" algn="ctr" defTabSz="825500" rtl="0" fontAlgn="auto" latinLnBrk="0" hangingPunct="0">
+                <a:lnSpc>
+                  <a:spcPct val="120000"/>
+                </a:lnSpc>
+                <a:spcBef>
+                  <a:spcPts val="0"/>
+                </a:spcBef>
+                <a:spcAft>
+                  <a:spcPts val="0"/>
+                </a:spcAft>
+                <a:buClrTx/>
+                <a:buSzTx/>
+                <a:buFontTx/>
+                <a:buNone/>
+                <a:tabLst/>
+              </a:pPr>
+              <a:endParaRPr kumimoji="0" lang="en-US" sz="3000" b="0" i="0" u="none" strike="noStrike" cap="all" spc="0" normalizeH="0" baseline="0">
+                <a:ln>
+                  <a:noFill/>
+                </a:ln>
+                <a:solidFill>
+                  <a:srgbClr val="FFFFFF"/>
+                </a:solidFill>
+                <a:effectLst/>
+                <a:uFillTx/>
+                <a:latin typeface="Proxima Nova Extrabold"/>
+                <a:ea typeface="Proxima Nova Extrabold"/>
+                <a:cs typeface="Proxima Nova Extrabold"/>
+                <a:sym typeface="Proxima Nova Extrabold"/>
+              </a:endParaRPr>
+            </a:p>
+          </p:txBody>
+        </p:sp>
+        <p:sp>
+          <p:nvSpPr>
+            <p:cNvPr id="38" name="Rounded Rectangle 37">
+              <a:extLst>
+                <a:ext uri="{FF2B5EF4-FFF2-40B4-BE49-F238E27FC236}">
+                  <a16:creationId xmlns:a16="http://schemas.microsoft.com/office/drawing/2014/main" id="{7C78BB16-E38F-4715-A7FD-926F369A81EF}"/>
+                </a:ext>
+              </a:extLst>
+            </p:cNvPr>
+            <p:cNvSpPr/>
+            <p:nvPr/>
+          </p:nvSpPr>
+          <p:spPr>
+            <a:xfrm>
+              <a:off x="4632000" y="8518680"/>
+              <a:ext cx="2160000" cy="2160000"/>
+            </a:xfrm>
+            <a:prstGeom prst="roundRect">
+              <a:avLst/>
+            </a:prstGeom>
+            <a:ln w="127000">
+              <a:solidFill>
+                <a:srgbClr val="FFFFFF"/>
+              </a:solidFill>
+            </a:ln>
+          </p:spPr>
+          <p:style>
+            <a:lnRef idx="2">
+              <a:schemeClr val="accent1"/>
+            </a:lnRef>
+            <a:fillRef idx="1">
+              <a:schemeClr val="lt1"/>
+            </a:fillRef>
+            <a:effectRef idx="0">
+              <a:schemeClr val="accent1"/>
+            </a:effectRef>
+            <a:fontRef idx="minor">
+              <a:schemeClr val="dk1"/>
+            </a:fontRef>
+          </p:style>
+          <p:txBody>
+            <a:bodyPr rot="0" spcFirstLastPara="1" vertOverflow="overflow" horzOverflow="overflow" vert="horz" wrap="square" lIns="50800" tIns="50800" rIns="50800" bIns="50800" numCol="1" spcCol="38100" rtlCol="0" anchor="ctr">
+              <a:spAutoFit/>
+            </a:bodyPr>
+            <a:lstStyle/>
+            <a:p>
+              <a:pPr marL="0" marR="0" indent="0" algn="ctr" defTabSz="825500" rtl="0" fontAlgn="auto" latinLnBrk="0" hangingPunct="0">
+                <a:lnSpc>
+                  <a:spcPct val="120000"/>
+                </a:lnSpc>
+                <a:spcBef>
+                  <a:spcPts val="0"/>
+                </a:spcBef>
+                <a:spcAft>
+                  <a:spcPts val="0"/>
+                </a:spcAft>
+                <a:buClrTx/>
+                <a:buSzTx/>
+                <a:buFontTx/>
+                <a:buNone/>
+                <a:tabLst/>
+              </a:pPr>
+              <a:endParaRPr kumimoji="0" lang="en-US" sz="3000" b="0" i="0" u="none" strike="noStrike" cap="all" spc="0" normalizeH="0" baseline="0">
+                <a:ln>
+                  <a:noFill/>
+                </a:ln>
+                <a:solidFill>
+                  <a:srgbClr val="FFFFFF"/>
+                </a:solidFill>
+                <a:effectLst/>
+                <a:uFillTx/>
+                <a:latin typeface="Proxima Nova Extrabold"/>
+                <a:ea typeface="Proxima Nova Extrabold"/>
+                <a:cs typeface="Proxima Nova Extrabold"/>
+                <a:sym typeface="Proxima Nova Extrabold"/>
+              </a:endParaRPr>
+            </a:p>
+          </p:txBody>
+        </p:sp>
+        <p:sp>
+          <p:nvSpPr>
+            <p:cNvPr id="39" name="Your exam">
+              <a:extLst>
+                <a:ext uri="{FF2B5EF4-FFF2-40B4-BE49-F238E27FC236}">
+                  <a16:creationId xmlns:a16="http://schemas.microsoft.com/office/drawing/2014/main" id="{166D2CF9-74D2-9C5B-1497-F5FD34C0F255}"/>
+                </a:ext>
+              </a:extLst>
+            </p:cNvPr>
+            <p:cNvSpPr txBox="1">
+              <a:spLocks/>
+            </p:cNvSpPr>
+            <p:nvPr/>
+          </p:nvSpPr>
+          <p:spPr>
+            <a:xfrm>
+              <a:off x="11112000" y="8863054"/>
+              <a:ext cx="2160000" cy="1666326"/>
+            </a:xfrm>
+            <a:prstGeom prst="rect">
+              <a:avLst/>
+            </a:prstGeom>
+            <a:ln w="12700">
+              <a:miter lim="400000"/>
+            </a:ln>
+            <a:extLst>
+              <a:ext uri="{C572A759-6A51-4108-AA02-DFA0A04FC94B}">
+                <ma14:wrappingTextBoxFlag xmlns="" xmlns:m="http://schemas.openxmlformats.org/officeDocument/2006/math" xmlns:a14="http://schemas.microsoft.com/office/drawing/2010/main" xmlns:ma14="http://schemas.microsoft.com/office/mac/drawingml/2011/main" val="1"/>
+              </a:ext>
+            </a:extLst>
+          </p:spPr>
+          <p:txBody>
+            <a:bodyPr lIns="50800" tIns="50800" rIns="50800" bIns="50800" anchor="ctr">
+              <a:normAutofit/>
+            </a:bodyPr>
+            <a:lstStyle>
+              <a:lvl1pPr marL="0" marR="0" indent="0" algn="l" defTabSz="825500" rtl="0" latinLnBrk="0">
+                <a:lnSpc>
+                  <a:spcPct val="80000"/>
+                </a:lnSpc>
+                <a:spcBef>
+                  <a:spcPts val="0"/>
+                </a:spcBef>
+                <a:spcAft>
+                  <a:spcPts val="0"/>
+                </a:spcAft>
+                <a:buClrTx/>
+                <a:buSzTx/>
+                <a:buFontTx/>
+                <a:buNone/>
+                <a:tabLst/>
+                <a:defRPr sz="14000" b="0" i="0" u="none" strike="noStrike" cap="all" spc="-140" baseline="0">
+                  <a:solidFill>
+                    <a:srgbClr val="FFFFFF"/>
+                  </a:solidFill>
+                  <a:uFillTx/>
+                  <a:latin typeface="+mn-lt"/>
+                  <a:ea typeface="+mn-ea"/>
+                  <a:cs typeface="+mn-cs"/>
+                  <a:sym typeface="Druk Medium"/>
+                </a:defRPr>
+              </a:lvl1pPr>
+              <a:lvl2pPr marL="0" marR="0" indent="457200" algn="l" defTabSz="825500" rtl="0" latinLnBrk="0">
+                <a:lnSpc>
+                  <a:spcPct val="80000"/>
+                </a:lnSpc>
+                <a:spcBef>
+                  <a:spcPts val="0"/>
+                </a:spcBef>
+                <a:spcAft>
+                  <a:spcPts val="0"/>
+                </a:spcAft>
+                <a:buClrTx/>
+                <a:buSzTx/>
+                <a:buFontTx/>
+                <a:buNone/>
+                <a:tabLst/>
+                <a:defRPr sz="11600" b="0" i="0" u="none" strike="noStrike" cap="all" spc="-116" baseline="0">
+                  <a:solidFill>
+                    <a:srgbClr val="00BFF3"/>
+                  </a:solidFill>
+                  <a:uFillTx/>
+                  <a:latin typeface="+mn-lt"/>
+                  <a:ea typeface="+mn-ea"/>
+                  <a:cs typeface="+mn-cs"/>
+                  <a:sym typeface="Druk Medium"/>
+                </a:defRPr>
+              </a:lvl2pPr>
+              <a:lvl3pPr marL="0" marR="0" indent="914400" algn="l" defTabSz="825500" rtl="0" latinLnBrk="0">
+                <a:lnSpc>
+                  <a:spcPct val="80000"/>
+                </a:lnSpc>
+                <a:spcBef>
+                  <a:spcPts val="0"/>
+                </a:spcBef>
+                <a:spcAft>
+                  <a:spcPts val="0"/>
+                </a:spcAft>
+                <a:buClrTx/>
+                <a:buSzTx/>
+                <a:buFontTx/>
+                <a:buNone/>
+                <a:tabLst/>
+                <a:defRPr sz="11600" b="0" i="0" u="none" strike="noStrike" cap="all" spc="-116" baseline="0">
+                  <a:solidFill>
+                    <a:srgbClr val="00BFF3"/>
+                  </a:solidFill>
+                  <a:uFillTx/>
+                  <a:latin typeface="+mn-lt"/>
+                  <a:ea typeface="+mn-ea"/>
+                  <a:cs typeface="+mn-cs"/>
+                  <a:sym typeface="Druk Medium"/>
+                </a:defRPr>
+              </a:lvl3pPr>
+              <a:lvl4pPr marL="0" marR="0" indent="1371600" algn="l" defTabSz="825500" rtl="0" latinLnBrk="0">
+                <a:lnSpc>
+                  <a:spcPct val="80000"/>
+                </a:lnSpc>
+                <a:spcBef>
+                  <a:spcPts val="0"/>
+                </a:spcBef>
+                <a:spcAft>
+                  <a:spcPts val="0"/>
+                </a:spcAft>
+                <a:buClrTx/>
+                <a:buSzTx/>
+                <a:buFontTx/>
+                <a:buNone/>
+                <a:tabLst/>
+                <a:defRPr sz="11600" b="0" i="0" u="none" strike="noStrike" cap="all" spc="-116" baseline="0">
+                  <a:solidFill>
+                    <a:srgbClr val="00BFF3"/>
+                  </a:solidFill>
+                  <a:uFillTx/>
+                  <a:latin typeface="+mn-lt"/>
+                  <a:ea typeface="+mn-ea"/>
+                  <a:cs typeface="+mn-cs"/>
+                  <a:sym typeface="Druk Medium"/>
+                </a:defRPr>
+              </a:lvl4pPr>
+              <a:lvl5pPr marL="0" marR="0" indent="1828800" algn="l" defTabSz="825500" rtl="0" latinLnBrk="0">
+                <a:lnSpc>
+                  <a:spcPct val="80000"/>
+                </a:lnSpc>
+                <a:spcBef>
+                  <a:spcPts val="0"/>
+                </a:spcBef>
+                <a:spcAft>
+                  <a:spcPts val="0"/>
+                </a:spcAft>
+                <a:buClrTx/>
+                <a:buSzTx/>
+                <a:buFontTx/>
+                <a:buNone/>
+                <a:tabLst/>
+                <a:defRPr sz="11600" b="0" i="0" u="none" strike="noStrike" cap="all" spc="-116" baseline="0">
+                  <a:solidFill>
+                    <a:srgbClr val="00BFF3"/>
+                  </a:solidFill>
+                  <a:uFillTx/>
+                  <a:latin typeface="+mn-lt"/>
+                  <a:ea typeface="+mn-ea"/>
+                  <a:cs typeface="+mn-cs"/>
+                  <a:sym typeface="Druk Medium"/>
+                </a:defRPr>
+              </a:lvl5pPr>
+              <a:lvl6pPr marL="0" marR="0" indent="2286000" algn="l" defTabSz="825500" rtl="0" latinLnBrk="0">
+                <a:lnSpc>
+                  <a:spcPct val="80000"/>
+                </a:lnSpc>
+                <a:spcBef>
+                  <a:spcPts val="0"/>
+                </a:spcBef>
+                <a:spcAft>
+                  <a:spcPts val="0"/>
+                </a:spcAft>
+                <a:buClrTx/>
+                <a:buSzTx/>
+                <a:buFontTx/>
+                <a:buNone/>
+                <a:tabLst/>
+                <a:defRPr sz="11600" b="0" i="0" u="none" strike="noStrike" cap="all" spc="-116" baseline="0">
+                  <a:solidFill>
+                    <a:srgbClr val="00BFF3"/>
+                  </a:solidFill>
+                  <a:uFillTx/>
+                  <a:latin typeface="+mn-lt"/>
+                  <a:ea typeface="+mn-ea"/>
+                  <a:cs typeface="+mn-cs"/>
+                  <a:sym typeface="Druk Medium"/>
+                </a:defRPr>
+              </a:lvl6pPr>
+              <a:lvl7pPr marL="0" marR="0" indent="2743200" algn="l" defTabSz="825500" rtl="0" latinLnBrk="0">
+                <a:lnSpc>
+                  <a:spcPct val="80000"/>
+                </a:lnSpc>
+                <a:spcBef>
+                  <a:spcPts val="0"/>
+                </a:spcBef>
+                <a:spcAft>
+                  <a:spcPts val="0"/>
+                </a:spcAft>
+                <a:buClrTx/>
+                <a:buSzTx/>
+                <a:buFontTx/>
+                <a:buNone/>
+                <a:tabLst/>
+                <a:defRPr sz="11600" b="0" i="0" u="none" strike="noStrike" cap="all" spc="-116" baseline="0">
+                  <a:solidFill>
+                    <a:srgbClr val="00BFF3"/>
+                  </a:solidFill>
+                  <a:uFillTx/>
+                  <a:latin typeface="+mn-lt"/>
+                  <a:ea typeface="+mn-ea"/>
+                  <a:cs typeface="+mn-cs"/>
+                  <a:sym typeface="Druk Medium"/>
+                </a:defRPr>
+              </a:lvl7pPr>
+              <a:lvl8pPr marL="0" marR="0" indent="3200400" algn="l" defTabSz="825500" rtl="0" latinLnBrk="0">
+                <a:lnSpc>
+                  <a:spcPct val="80000"/>
+                </a:lnSpc>
+                <a:spcBef>
+                  <a:spcPts val="0"/>
+                </a:spcBef>
+                <a:spcAft>
+                  <a:spcPts val="0"/>
+                </a:spcAft>
+                <a:buClrTx/>
+                <a:buSzTx/>
+                <a:buFontTx/>
+                <a:buNone/>
+                <a:tabLst/>
+                <a:defRPr sz="11600" b="0" i="0" u="none" strike="noStrike" cap="all" spc="-116" baseline="0">
+                  <a:solidFill>
+                    <a:srgbClr val="00BFF3"/>
+                  </a:solidFill>
+                  <a:uFillTx/>
+                  <a:latin typeface="+mn-lt"/>
+                  <a:ea typeface="+mn-ea"/>
+                  <a:cs typeface="+mn-cs"/>
+                  <a:sym typeface="Druk Medium"/>
+                </a:defRPr>
+              </a:lvl8pPr>
+              <a:lvl9pPr marL="0" marR="0" indent="3657600" algn="l" defTabSz="825500" rtl="0" latinLnBrk="0">
+                <a:lnSpc>
+                  <a:spcPct val="80000"/>
+                </a:lnSpc>
+                <a:spcBef>
+                  <a:spcPts val="0"/>
+                </a:spcBef>
+                <a:spcAft>
+                  <a:spcPts val="0"/>
+                </a:spcAft>
+                <a:buClrTx/>
+                <a:buSzTx/>
+                <a:buFontTx/>
+                <a:buNone/>
+                <a:tabLst/>
+                <a:defRPr sz="11600" b="0" i="0" u="none" strike="noStrike" cap="all" spc="-116" baseline="0">
+                  <a:solidFill>
+                    <a:srgbClr val="00BFF3"/>
+                  </a:solidFill>
+                  <a:uFillTx/>
+                  <a:latin typeface="+mn-lt"/>
+                  <a:ea typeface="+mn-ea"/>
+                  <a:cs typeface="+mn-cs"/>
+                  <a:sym typeface="Druk Medium"/>
+                </a:defRPr>
+              </a:lvl9pPr>
+            </a:lstStyle>
+            <a:p>
+              <a:pPr algn="ctr" hangingPunct="1"/>
+              <a:r>
+                <a:rPr lang="en-GB" sz="11800" b="1" dirty="0"/>
+                <a:t>A</a:t>
+              </a:r>
+            </a:p>
+          </p:txBody>
+        </p:sp>
+        <p:sp>
+          <p:nvSpPr>
+            <p:cNvPr id="40" name="Your exam">
+              <a:extLst>
+                <a:ext uri="{FF2B5EF4-FFF2-40B4-BE49-F238E27FC236}">
+                  <a16:creationId xmlns:a16="http://schemas.microsoft.com/office/drawing/2014/main" id="{FA5AB958-B890-8FD5-491B-0506C9691F19}"/>
+                </a:ext>
+              </a:extLst>
+            </p:cNvPr>
+            <p:cNvSpPr txBox="1">
+              <a:spLocks/>
+            </p:cNvSpPr>
+            <p:nvPr/>
+          </p:nvSpPr>
+          <p:spPr>
+            <a:xfrm>
+              <a:off x="13272000" y="8863054"/>
+              <a:ext cx="2160000" cy="1666326"/>
+            </a:xfrm>
+            <a:prstGeom prst="rect">
+              <a:avLst/>
+            </a:prstGeom>
+            <a:ln w="12700">
+              <a:miter lim="400000"/>
+            </a:ln>
+            <a:extLst>
+              <a:ext uri="{C572A759-6A51-4108-AA02-DFA0A04FC94B}">
+                <ma14:wrappingTextBoxFlag xmlns="" xmlns:m="http://schemas.openxmlformats.org/officeDocument/2006/math" xmlns:a14="http://schemas.microsoft.com/office/drawing/2010/main" xmlns:ma14="http://schemas.microsoft.com/office/mac/drawingml/2011/main" val="1"/>
+              </a:ext>
+            </a:extLst>
+          </p:spPr>
+          <p:txBody>
+            <a:bodyPr lIns="50800" tIns="50800" rIns="50800" bIns="50800" anchor="ctr">
+              <a:normAutofit/>
+            </a:bodyPr>
+            <a:lstStyle>
+              <a:lvl1pPr marL="0" marR="0" indent="0" algn="l" defTabSz="825500" rtl="0" latinLnBrk="0">
+                <a:lnSpc>
+                  <a:spcPct val="80000"/>
+                </a:lnSpc>
+                <a:spcBef>
+                  <a:spcPts val="0"/>
+                </a:spcBef>
+                <a:spcAft>
+                  <a:spcPts val="0"/>
+                </a:spcAft>
+                <a:buClrTx/>
+                <a:buSzTx/>
+                <a:buFontTx/>
+                <a:buNone/>
+                <a:tabLst/>
+                <a:defRPr sz="14000" b="0" i="0" u="none" strike="noStrike" cap="all" spc="-140" baseline="0">
+                  <a:solidFill>
+                    <a:srgbClr val="FFFFFF"/>
+                  </a:solidFill>
+                  <a:uFillTx/>
+                  <a:latin typeface="+mn-lt"/>
+                  <a:ea typeface="+mn-ea"/>
+                  <a:cs typeface="+mn-cs"/>
+                  <a:sym typeface="Druk Medium"/>
+                </a:defRPr>
+              </a:lvl1pPr>
+              <a:lvl2pPr marL="0" marR="0" indent="457200" algn="l" defTabSz="825500" rtl="0" latinLnBrk="0">
+                <a:lnSpc>
+                  <a:spcPct val="80000"/>
+                </a:lnSpc>
+                <a:spcBef>
+                  <a:spcPts val="0"/>
+                </a:spcBef>
+                <a:spcAft>
+                  <a:spcPts val="0"/>
+                </a:spcAft>
+                <a:buClrTx/>
+                <a:buSzTx/>
+                <a:buFontTx/>
+                <a:buNone/>
+                <a:tabLst/>
+                <a:defRPr sz="11600" b="0" i="0" u="none" strike="noStrike" cap="all" spc="-116" baseline="0">
+                  <a:solidFill>
+                    <a:srgbClr val="00BFF3"/>
+                  </a:solidFill>
+                  <a:uFillTx/>
+                  <a:latin typeface="+mn-lt"/>
+                  <a:ea typeface="+mn-ea"/>
+                  <a:cs typeface="+mn-cs"/>
+                  <a:sym typeface="Druk Medium"/>
+                </a:defRPr>
+              </a:lvl2pPr>
+              <a:lvl3pPr marL="0" marR="0" indent="914400" algn="l" defTabSz="825500" rtl="0" latinLnBrk="0">
+                <a:lnSpc>
+                  <a:spcPct val="80000"/>
+                </a:lnSpc>
+                <a:spcBef>
+                  <a:spcPts val="0"/>
+                </a:spcBef>
+                <a:spcAft>
+                  <a:spcPts val="0"/>
+                </a:spcAft>
+                <a:buClrTx/>
+                <a:buSzTx/>
+                <a:buFontTx/>
+                <a:buNone/>
+                <a:tabLst/>
+                <a:defRPr sz="11600" b="0" i="0" u="none" strike="noStrike" cap="all" spc="-116" baseline="0">
+                  <a:solidFill>
+                    <a:srgbClr val="00BFF3"/>
+                  </a:solidFill>
+                  <a:uFillTx/>
+                  <a:latin typeface="+mn-lt"/>
+                  <a:ea typeface="+mn-ea"/>
+                  <a:cs typeface="+mn-cs"/>
+                  <a:sym typeface="Druk Medium"/>
+                </a:defRPr>
+              </a:lvl3pPr>
+              <a:lvl4pPr marL="0" marR="0" indent="1371600" algn="l" defTabSz="825500" rtl="0" latinLnBrk="0">
+                <a:lnSpc>
+                  <a:spcPct val="80000"/>
+                </a:lnSpc>
+                <a:spcBef>
+                  <a:spcPts val="0"/>
+                </a:spcBef>
+                <a:spcAft>
+                  <a:spcPts val="0"/>
+                </a:spcAft>
+                <a:buClrTx/>
+                <a:buSzTx/>
+                <a:buFontTx/>
+                <a:buNone/>
+                <a:tabLst/>
+                <a:defRPr sz="11600" b="0" i="0" u="none" strike="noStrike" cap="all" spc="-116" baseline="0">
+                  <a:solidFill>
+                    <a:srgbClr val="00BFF3"/>
+                  </a:solidFill>
+                  <a:uFillTx/>
+                  <a:latin typeface="+mn-lt"/>
+                  <a:ea typeface="+mn-ea"/>
+                  <a:cs typeface="+mn-cs"/>
+                  <a:sym typeface="Druk Medium"/>
+                </a:defRPr>
+              </a:lvl4pPr>
+              <a:lvl5pPr marL="0" marR="0" indent="1828800" algn="l" defTabSz="825500" rtl="0" latinLnBrk="0">
+                <a:lnSpc>
+                  <a:spcPct val="80000"/>
+                </a:lnSpc>
+                <a:spcBef>
+                  <a:spcPts val="0"/>
+                </a:spcBef>
+                <a:spcAft>
+                  <a:spcPts val="0"/>
+                </a:spcAft>
+                <a:buClrTx/>
+                <a:buSzTx/>
+                <a:buFontTx/>
+                <a:buNone/>
+                <a:tabLst/>
+                <a:defRPr sz="11600" b="0" i="0" u="none" strike="noStrike" cap="all" spc="-116" baseline="0">
+                  <a:solidFill>
+                    <a:srgbClr val="00BFF3"/>
+                  </a:solidFill>
+                  <a:uFillTx/>
+                  <a:latin typeface="+mn-lt"/>
+                  <a:ea typeface="+mn-ea"/>
+                  <a:cs typeface="+mn-cs"/>
+                  <a:sym typeface="Druk Medium"/>
+                </a:defRPr>
+              </a:lvl5pPr>
+              <a:lvl6pPr marL="0" marR="0" indent="2286000" algn="l" defTabSz="825500" rtl="0" latinLnBrk="0">
+                <a:lnSpc>
+                  <a:spcPct val="80000"/>
+                </a:lnSpc>
+                <a:spcBef>
+                  <a:spcPts val="0"/>
+                </a:spcBef>
+                <a:spcAft>
+                  <a:spcPts val="0"/>
+                </a:spcAft>
+                <a:buClrTx/>
+                <a:buSzTx/>
+                <a:buFontTx/>
+                <a:buNone/>
+                <a:tabLst/>
+                <a:defRPr sz="11600" b="0" i="0" u="none" strike="noStrike" cap="all" spc="-116" baseline="0">
+                  <a:solidFill>
+                    <a:srgbClr val="00BFF3"/>
+                  </a:solidFill>
+                  <a:uFillTx/>
+                  <a:latin typeface="+mn-lt"/>
+                  <a:ea typeface="+mn-ea"/>
+                  <a:cs typeface="+mn-cs"/>
+                  <a:sym typeface="Druk Medium"/>
+                </a:defRPr>
+              </a:lvl6pPr>
+              <a:lvl7pPr marL="0" marR="0" indent="2743200" algn="l" defTabSz="825500" rtl="0" latinLnBrk="0">
+                <a:lnSpc>
+                  <a:spcPct val="80000"/>
+                </a:lnSpc>
+                <a:spcBef>
+                  <a:spcPts val="0"/>
+                </a:spcBef>
+                <a:spcAft>
+                  <a:spcPts val="0"/>
+                </a:spcAft>
+                <a:buClrTx/>
+                <a:buSzTx/>
+                <a:buFontTx/>
+                <a:buNone/>
+                <a:tabLst/>
+                <a:defRPr sz="11600" b="0" i="0" u="none" strike="noStrike" cap="all" spc="-116" baseline="0">
+                  <a:solidFill>
+                    <a:srgbClr val="00BFF3"/>
+                  </a:solidFill>
+                  <a:uFillTx/>
+                  <a:latin typeface="+mn-lt"/>
+                  <a:ea typeface="+mn-ea"/>
+                  <a:cs typeface="+mn-cs"/>
+                  <a:sym typeface="Druk Medium"/>
+                </a:defRPr>
+              </a:lvl7pPr>
+              <a:lvl8pPr marL="0" marR="0" indent="3200400" algn="l" defTabSz="825500" rtl="0" latinLnBrk="0">
+                <a:lnSpc>
+                  <a:spcPct val="80000"/>
+                </a:lnSpc>
+                <a:spcBef>
+                  <a:spcPts val="0"/>
+                </a:spcBef>
+                <a:spcAft>
+                  <a:spcPts val="0"/>
+                </a:spcAft>
+                <a:buClrTx/>
+                <a:buSzTx/>
+                <a:buFontTx/>
+                <a:buNone/>
+                <a:tabLst/>
+                <a:defRPr sz="11600" b="0" i="0" u="none" strike="noStrike" cap="all" spc="-116" baseline="0">
+                  <a:solidFill>
+                    <a:srgbClr val="00BFF3"/>
+                  </a:solidFill>
+                  <a:uFillTx/>
+                  <a:latin typeface="+mn-lt"/>
+                  <a:ea typeface="+mn-ea"/>
+                  <a:cs typeface="+mn-cs"/>
+                  <a:sym typeface="Druk Medium"/>
+                </a:defRPr>
+              </a:lvl8pPr>
+              <a:lvl9pPr marL="0" marR="0" indent="3657600" algn="l" defTabSz="825500" rtl="0" latinLnBrk="0">
+                <a:lnSpc>
+                  <a:spcPct val="80000"/>
+                </a:lnSpc>
+                <a:spcBef>
+                  <a:spcPts val="0"/>
+                </a:spcBef>
+                <a:spcAft>
+                  <a:spcPts val="0"/>
+                </a:spcAft>
+                <a:buClrTx/>
+                <a:buSzTx/>
+                <a:buFontTx/>
+                <a:buNone/>
+                <a:tabLst/>
+                <a:defRPr sz="11600" b="0" i="0" u="none" strike="noStrike" cap="all" spc="-116" baseline="0">
+                  <a:solidFill>
+                    <a:srgbClr val="00BFF3"/>
+                  </a:solidFill>
+                  <a:uFillTx/>
+                  <a:latin typeface="+mn-lt"/>
+                  <a:ea typeface="+mn-ea"/>
+                  <a:cs typeface="+mn-cs"/>
+                  <a:sym typeface="Druk Medium"/>
+                </a:defRPr>
+              </a:lvl9pPr>
+            </a:lstStyle>
+            <a:p>
+              <a:pPr algn="ctr" hangingPunct="1"/>
+              <a:r>
+                <a:rPr lang="en-GB" sz="11800" b="1" dirty="0"/>
+                <a:t>B</a:t>
+              </a:r>
+            </a:p>
+          </p:txBody>
+        </p:sp>
+        <p:sp>
+          <p:nvSpPr>
+            <p:cNvPr id="41" name="Your exam">
+              <a:extLst>
+                <a:ext uri="{FF2B5EF4-FFF2-40B4-BE49-F238E27FC236}">
+                  <a16:creationId xmlns:a16="http://schemas.microsoft.com/office/drawing/2014/main" id="{2F4AEAB9-B11D-2431-1059-A6829B23EB79}"/>
+                </a:ext>
+              </a:extLst>
+            </p:cNvPr>
+            <p:cNvSpPr txBox="1">
+              <a:spLocks/>
+            </p:cNvSpPr>
+            <p:nvPr/>
+          </p:nvSpPr>
+          <p:spPr>
+            <a:xfrm>
+              <a:off x="15432000" y="8848644"/>
+              <a:ext cx="2160000" cy="1666326"/>
+            </a:xfrm>
+            <a:prstGeom prst="rect">
+              <a:avLst/>
+            </a:prstGeom>
+            <a:ln w="12700">
+              <a:miter lim="400000"/>
+            </a:ln>
+            <a:extLst>
+              <a:ext uri="{C572A759-6A51-4108-AA02-DFA0A04FC94B}">
+                <ma14:wrappingTextBoxFlag xmlns="" xmlns:m="http://schemas.openxmlformats.org/officeDocument/2006/math" xmlns:a14="http://schemas.microsoft.com/office/drawing/2010/main" xmlns:ma14="http://schemas.microsoft.com/office/mac/drawingml/2011/main" val="1"/>
+              </a:ext>
+            </a:extLst>
+          </p:spPr>
+          <p:txBody>
+            <a:bodyPr lIns="50800" tIns="50800" rIns="50800" bIns="50800" anchor="ctr">
+              <a:normAutofit/>
+            </a:bodyPr>
+            <a:lstStyle>
+              <a:lvl1pPr marL="0" marR="0" indent="0" algn="l" defTabSz="825500" rtl="0" latinLnBrk="0">
+                <a:lnSpc>
+                  <a:spcPct val="80000"/>
+                </a:lnSpc>
+                <a:spcBef>
+                  <a:spcPts val="0"/>
+                </a:spcBef>
+                <a:spcAft>
+                  <a:spcPts val="0"/>
+                </a:spcAft>
+                <a:buClrTx/>
+                <a:buSzTx/>
+                <a:buFontTx/>
+                <a:buNone/>
+                <a:tabLst/>
+                <a:defRPr sz="14000" b="0" i="0" u="none" strike="noStrike" cap="all" spc="-140" baseline="0">
+                  <a:solidFill>
+                    <a:srgbClr val="FFFFFF"/>
+                  </a:solidFill>
+                  <a:uFillTx/>
+                  <a:latin typeface="+mn-lt"/>
+                  <a:ea typeface="+mn-ea"/>
+                  <a:cs typeface="+mn-cs"/>
+                  <a:sym typeface="Druk Medium"/>
+                </a:defRPr>
+              </a:lvl1pPr>
+              <a:lvl2pPr marL="0" marR="0" indent="457200" algn="l" defTabSz="825500" rtl="0" latinLnBrk="0">
+                <a:lnSpc>
+                  <a:spcPct val="80000"/>
+                </a:lnSpc>
+                <a:spcBef>
+                  <a:spcPts val="0"/>
+                </a:spcBef>
+                <a:spcAft>
+                  <a:spcPts val="0"/>
+                </a:spcAft>
+                <a:buClrTx/>
+                <a:buSzTx/>
+                <a:buFontTx/>
+                <a:buNone/>
+                <a:tabLst/>
+                <a:defRPr sz="11600" b="0" i="0" u="none" strike="noStrike" cap="all" spc="-116" baseline="0">
+                  <a:solidFill>
+                    <a:srgbClr val="00BFF3"/>
+                  </a:solidFill>
+                  <a:uFillTx/>
+                  <a:latin typeface="+mn-lt"/>
+                  <a:ea typeface="+mn-ea"/>
+                  <a:cs typeface="+mn-cs"/>
+                  <a:sym typeface="Druk Medium"/>
+                </a:defRPr>
+              </a:lvl2pPr>
+              <a:lvl3pPr marL="0" marR="0" indent="914400" algn="l" defTabSz="825500" rtl="0" latinLnBrk="0">
+                <a:lnSpc>
+                  <a:spcPct val="80000"/>
+                </a:lnSpc>
+                <a:spcBef>
+                  <a:spcPts val="0"/>
+                </a:spcBef>
+                <a:spcAft>
+                  <a:spcPts val="0"/>
+                </a:spcAft>
+                <a:buClrTx/>
+                <a:buSzTx/>
+                <a:buFontTx/>
+                <a:buNone/>
+                <a:tabLst/>
+                <a:defRPr sz="11600" b="0" i="0" u="none" strike="noStrike" cap="all" spc="-116" baseline="0">
+                  <a:solidFill>
+                    <a:srgbClr val="00BFF3"/>
+                  </a:solidFill>
+                  <a:uFillTx/>
+                  <a:latin typeface="+mn-lt"/>
+                  <a:ea typeface="+mn-ea"/>
+                  <a:cs typeface="+mn-cs"/>
+                  <a:sym typeface="Druk Medium"/>
+                </a:defRPr>
+              </a:lvl3pPr>
+              <a:lvl4pPr marL="0" marR="0" indent="1371600" algn="l" defTabSz="825500" rtl="0" latinLnBrk="0">
+                <a:lnSpc>
+                  <a:spcPct val="80000"/>
+                </a:lnSpc>
+                <a:spcBef>
+                  <a:spcPts val="0"/>
+                </a:spcBef>
+                <a:spcAft>
+                  <a:spcPts val="0"/>
+                </a:spcAft>
+                <a:buClrTx/>
+                <a:buSzTx/>
+                <a:buFontTx/>
+                <a:buNone/>
+                <a:tabLst/>
+                <a:defRPr sz="11600" b="0" i="0" u="none" strike="noStrike" cap="all" spc="-116" baseline="0">
+                  <a:solidFill>
+                    <a:srgbClr val="00BFF3"/>
+                  </a:solidFill>
+                  <a:uFillTx/>
+                  <a:latin typeface="+mn-lt"/>
+                  <a:ea typeface="+mn-ea"/>
+                  <a:cs typeface="+mn-cs"/>
+                  <a:sym typeface="Druk Medium"/>
+                </a:defRPr>
+              </a:lvl4pPr>
+              <a:lvl5pPr marL="0" marR="0" indent="1828800" algn="l" defTabSz="825500" rtl="0" latinLnBrk="0">
+                <a:lnSpc>
+                  <a:spcPct val="80000"/>
+                </a:lnSpc>
+                <a:spcBef>
+                  <a:spcPts val="0"/>
+                </a:spcBef>
+                <a:spcAft>
+                  <a:spcPts val="0"/>
+                </a:spcAft>
+                <a:buClrTx/>
+                <a:buSzTx/>
+                <a:buFontTx/>
+                <a:buNone/>
+                <a:tabLst/>
+                <a:defRPr sz="11600" b="0" i="0" u="none" strike="noStrike" cap="all" spc="-116" baseline="0">
+                  <a:solidFill>
+                    <a:srgbClr val="00BFF3"/>
+                  </a:solidFill>
+                  <a:uFillTx/>
+                  <a:latin typeface="+mn-lt"/>
+                  <a:ea typeface="+mn-ea"/>
+                  <a:cs typeface="+mn-cs"/>
+                  <a:sym typeface="Druk Medium"/>
+                </a:defRPr>
+              </a:lvl5pPr>
+              <a:lvl6pPr marL="0" marR="0" indent="2286000" algn="l" defTabSz="825500" rtl="0" latinLnBrk="0">
+                <a:lnSpc>
+                  <a:spcPct val="80000"/>
+                </a:lnSpc>
+                <a:spcBef>
+                  <a:spcPts val="0"/>
+                </a:spcBef>
+                <a:spcAft>
+                  <a:spcPts val="0"/>
+                </a:spcAft>
+                <a:buClrTx/>
+                <a:buSzTx/>
+                <a:buFontTx/>
+                <a:buNone/>
+                <a:tabLst/>
+                <a:defRPr sz="11600" b="0" i="0" u="none" strike="noStrike" cap="all" spc="-116" baseline="0">
+                  <a:solidFill>
+                    <a:srgbClr val="00BFF3"/>
+                  </a:solidFill>
+                  <a:uFillTx/>
+                  <a:latin typeface="+mn-lt"/>
+                  <a:ea typeface="+mn-ea"/>
+                  <a:cs typeface="+mn-cs"/>
+                  <a:sym typeface="Druk Medium"/>
+                </a:defRPr>
+              </a:lvl6pPr>
+              <a:lvl7pPr marL="0" marR="0" indent="2743200" algn="l" defTabSz="825500" rtl="0" latinLnBrk="0">
+                <a:lnSpc>
+                  <a:spcPct val="80000"/>
+                </a:lnSpc>
+                <a:spcBef>
+                  <a:spcPts val="0"/>
+                </a:spcBef>
+                <a:spcAft>
+                  <a:spcPts val="0"/>
+                </a:spcAft>
+                <a:buClrTx/>
+                <a:buSzTx/>
+                <a:buFontTx/>
+                <a:buNone/>
+                <a:tabLst/>
+                <a:defRPr sz="11600" b="0" i="0" u="none" strike="noStrike" cap="all" spc="-116" baseline="0">
+                  <a:solidFill>
+                    <a:srgbClr val="00BFF3"/>
+                  </a:solidFill>
+                  <a:uFillTx/>
+                  <a:latin typeface="+mn-lt"/>
+                  <a:ea typeface="+mn-ea"/>
+                  <a:cs typeface="+mn-cs"/>
+                  <a:sym typeface="Druk Medium"/>
+                </a:defRPr>
+              </a:lvl7pPr>
+              <a:lvl8pPr marL="0" marR="0" indent="3200400" algn="l" defTabSz="825500" rtl="0" latinLnBrk="0">
+                <a:lnSpc>
+                  <a:spcPct val="80000"/>
+                </a:lnSpc>
+                <a:spcBef>
+                  <a:spcPts val="0"/>
+                </a:spcBef>
+                <a:spcAft>
+                  <a:spcPts val="0"/>
+                </a:spcAft>
+                <a:buClrTx/>
+                <a:buSzTx/>
+                <a:buFontTx/>
+                <a:buNone/>
+                <a:tabLst/>
+                <a:defRPr sz="11600" b="0" i="0" u="none" strike="noStrike" cap="all" spc="-116" baseline="0">
+                  <a:solidFill>
+                    <a:srgbClr val="00BFF3"/>
+                  </a:solidFill>
+                  <a:uFillTx/>
+                  <a:latin typeface="+mn-lt"/>
+                  <a:ea typeface="+mn-ea"/>
+                  <a:cs typeface="+mn-cs"/>
+                  <a:sym typeface="Druk Medium"/>
+                </a:defRPr>
+              </a:lvl8pPr>
+              <a:lvl9pPr marL="0" marR="0" indent="3657600" algn="l" defTabSz="825500" rtl="0" latinLnBrk="0">
+                <a:lnSpc>
+                  <a:spcPct val="80000"/>
+                </a:lnSpc>
+                <a:spcBef>
+                  <a:spcPts val="0"/>
+                </a:spcBef>
+                <a:spcAft>
+                  <a:spcPts val="0"/>
+                </a:spcAft>
+                <a:buClrTx/>
+                <a:buSzTx/>
+                <a:buFontTx/>
+                <a:buNone/>
+                <a:tabLst/>
+                <a:defRPr sz="11600" b="0" i="0" u="none" strike="noStrike" cap="all" spc="-116" baseline="0">
+                  <a:solidFill>
+                    <a:srgbClr val="00BFF3"/>
+                  </a:solidFill>
+                  <a:uFillTx/>
+                  <a:latin typeface="+mn-lt"/>
+                  <a:ea typeface="+mn-ea"/>
+                  <a:cs typeface="+mn-cs"/>
+                  <a:sym typeface="Druk Medium"/>
+                </a:defRPr>
+              </a:lvl9pPr>
+            </a:lstStyle>
+            <a:p>
+              <a:pPr algn="ctr" hangingPunct="1"/>
+              <a:r>
+                <a:rPr lang="en-GB" sz="11800" b="1" dirty="0"/>
+                <a:t>C</a:t>
+              </a:r>
+            </a:p>
+          </p:txBody>
+        </p:sp>
+        <p:sp>
+          <p:nvSpPr>
+            <p:cNvPr id="42" name="Your exam">
+              <a:extLst>
+                <a:ext uri="{FF2B5EF4-FFF2-40B4-BE49-F238E27FC236}">
+                  <a16:creationId xmlns:a16="http://schemas.microsoft.com/office/drawing/2014/main" id="{271E4E61-E090-58B5-7D43-2E3983106C5C}"/>
+                </a:ext>
+              </a:extLst>
+            </p:cNvPr>
+            <p:cNvSpPr txBox="1">
+              <a:spLocks/>
+            </p:cNvSpPr>
+            <p:nvPr/>
+          </p:nvSpPr>
+          <p:spPr>
+            <a:xfrm>
+              <a:off x="17592000" y="8848644"/>
+              <a:ext cx="2160000" cy="1666326"/>
+            </a:xfrm>
+            <a:prstGeom prst="rect">
+              <a:avLst/>
+            </a:prstGeom>
+            <a:ln w="12700">
+              <a:miter lim="400000"/>
+            </a:ln>
+            <a:extLst>
+              <a:ext uri="{C572A759-6A51-4108-AA02-DFA0A04FC94B}">
+                <ma14:wrappingTextBoxFlag xmlns="" xmlns:m="http://schemas.openxmlformats.org/officeDocument/2006/math" xmlns:a14="http://schemas.microsoft.com/office/drawing/2010/main" xmlns:ma14="http://schemas.microsoft.com/office/mac/drawingml/2011/main" val="1"/>
+              </a:ext>
+            </a:extLst>
+          </p:spPr>
+          <p:txBody>
+            <a:bodyPr lIns="50800" tIns="50800" rIns="50800" bIns="50800" anchor="ctr">
+              <a:normAutofit/>
+            </a:bodyPr>
+            <a:lstStyle>
+              <a:lvl1pPr marL="0" marR="0" indent="0" algn="l" defTabSz="825500" rtl="0" latinLnBrk="0">
+                <a:lnSpc>
+                  <a:spcPct val="80000"/>
+                </a:lnSpc>
+                <a:spcBef>
+                  <a:spcPts val="0"/>
+                </a:spcBef>
+                <a:spcAft>
+                  <a:spcPts val="0"/>
+                </a:spcAft>
+                <a:buClrTx/>
+                <a:buSzTx/>
+                <a:buFontTx/>
+                <a:buNone/>
+                <a:tabLst/>
+                <a:defRPr sz="14000" b="0" i="0" u="none" strike="noStrike" cap="all" spc="-140" baseline="0">
+                  <a:solidFill>
+                    <a:srgbClr val="FFFFFF"/>
+                  </a:solidFill>
+                  <a:uFillTx/>
+                  <a:latin typeface="+mn-lt"/>
+                  <a:ea typeface="+mn-ea"/>
+                  <a:cs typeface="+mn-cs"/>
+                  <a:sym typeface="Druk Medium"/>
+                </a:defRPr>
+              </a:lvl1pPr>
+              <a:lvl2pPr marL="0" marR="0" indent="457200" algn="l" defTabSz="825500" rtl="0" latinLnBrk="0">
+                <a:lnSpc>
+                  <a:spcPct val="80000"/>
+                </a:lnSpc>
+                <a:spcBef>
+                  <a:spcPts val="0"/>
+                </a:spcBef>
+                <a:spcAft>
+                  <a:spcPts val="0"/>
+                </a:spcAft>
+                <a:buClrTx/>
+                <a:buSzTx/>
+                <a:buFontTx/>
+                <a:buNone/>
+                <a:tabLst/>
+                <a:defRPr sz="11600" b="0" i="0" u="none" strike="noStrike" cap="all" spc="-116" baseline="0">
+                  <a:solidFill>
+                    <a:srgbClr val="00BFF3"/>
+                  </a:solidFill>
+                  <a:uFillTx/>
+                  <a:latin typeface="+mn-lt"/>
+                  <a:ea typeface="+mn-ea"/>
+                  <a:cs typeface="+mn-cs"/>
+                  <a:sym typeface="Druk Medium"/>
+                </a:defRPr>
+              </a:lvl2pPr>
+              <a:lvl3pPr marL="0" marR="0" indent="914400" algn="l" defTabSz="825500" rtl="0" latinLnBrk="0">
+                <a:lnSpc>
+                  <a:spcPct val="80000"/>
+                </a:lnSpc>
+                <a:spcBef>
+                  <a:spcPts val="0"/>
+                </a:spcBef>
+                <a:spcAft>
+                  <a:spcPts val="0"/>
+                </a:spcAft>
+                <a:buClrTx/>
+                <a:buSzTx/>
+                <a:buFontTx/>
+                <a:buNone/>
+                <a:tabLst/>
+                <a:defRPr sz="11600" b="0" i="0" u="none" strike="noStrike" cap="all" spc="-116" baseline="0">
+                  <a:solidFill>
+                    <a:srgbClr val="00BFF3"/>
+                  </a:solidFill>
+                  <a:uFillTx/>
+                  <a:latin typeface="+mn-lt"/>
+                  <a:ea typeface="+mn-ea"/>
+                  <a:cs typeface="+mn-cs"/>
+                  <a:sym typeface="Druk Medium"/>
+                </a:defRPr>
+              </a:lvl3pPr>
+              <a:lvl4pPr marL="0" marR="0" indent="1371600" algn="l" defTabSz="825500" rtl="0" latinLnBrk="0">
+                <a:lnSpc>
+                  <a:spcPct val="80000"/>
+                </a:lnSpc>
+                <a:spcBef>
+                  <a:spcPts val="0"/>
+                </a:spcBef>
+                <a:spcAft>
+                  <a:spcPts val="0"/>
+                </a:spcAft>
+                <a:buClrTx/>
+                <a:buSzTx/>
+                <a:buFontTx/>
+                <a:buNone/>
+                <a:tabLst/>
+                <a:defRPr sz="11600" b="0" i="0" u="none" strike="noStrike" cap="all" spc="-116" baseline="0">
+                  <a:solidFill>
+                    <a:srgbClr val="00BFF3"/>
+                  </a:solidFill>
+                  <a:uFillTx/>
+                  <a:latin typeface="+mn-lt"/>
+                  <a:ea typeface="+mn-ea"/>
+                  <a:cs typeface="+mn-cs"/>
+                  <a:sym typeface="Druk Medium"/>
+                </a:defRPr>
+              </a:lvl4pPr>
+              <a:lvl5pPr marL="0" marR="0" indent="1828800" algn="l" defTabSz="825500" rtl="0" latinLnBrk="0">
+                <a:lnSpc>
+                  <a:spcPct val="80000"/>
+                </a:lnSpc>
+                <a:spcBef>
+                  <a:spcPts val="0"/>
+                </a:spcBef>
+                <a:spcAft>
+                  <a:spcPts val="0"/>
+                </a:spcAft>
+                <a:buClrTx/>
+                <a:buSzTx/>
+                <a:buFontTx/>
+                <a:buNone/>
+                <a:tabLst/>
+                <a:defRPr sz="11600" b="0" i="0" u="none" strike="noStrike" cap="all" spc="-116" baseline="0">
+                  <a:solidFill>
+                    <a:srgbClr val="00BFF3"/>
+                  </a:solidFill>
+                  <a:uFillTx/>
+                  <a:latin typeface="+mn-lt"/>
+                  <a:ea typeface="+mn-ea"/>
+                  <a:cs typeface="+mn-cs"/>
+                  <a:sym typeface="Druk Medium"/>
+                </a:defRPr>
+              </a:lvl5pPr>
+              <a:lvl6pPr marL="0" marR="0" indent="2286000" algn="l" defTabSz="825500" rtl="0" latinLnBrk="0">
+                <a:lnSpc>
+                  <a:spcPct val="80000"/>
+                </a:lnSpc>
+                <a:spcBef>
+                  <a:spcPts val="0"/>
+                </a:spcBef>
+                <a:spcAft>
+                  <a:spcPts val="0"/>
+                </a:spcAft>
+                <a:buClrTx/>
+                <a:buSzTx/>
+                <a:buFontTx/>
+                <a:buNone/>
+                <a:tabLst/>
+                <a:defRPr sz="11600" b="0" i="0" u="none" strike="noStrike" cap="all" spc="-116" baseline="0">
+                  <a:solidFill>
+                    <a:srgbClr val="00BFF3"/>
+                  </a:solidFill>
+                  <a:uFillTx/>
+                  <a:latin typeface="+mn-lt"/>
+                  <a:ea typeface="+mn-ea"/>
+                  <a:cs typeface="+mn-cs"/>
+                  <a:sym typeface="Druk Medium"/>
+                </a:defRPr>
+              </a:lvl6pPr>
+              <a:lvl7pPr marL="0" marR="0" indent="2743200" algn="l" defTabSz="825500" rtl="0" latinLnBrk="0">
+                <a:lnSpc>
+                  <a:spcPct val="80000"/>
+                </a:lnSpc>
+                <a:spcBef>
+                  <a:spcPts val="0"/>
+                </a:spcBef>
+                <a:spcAft>
+                  <a:spcPts val="0"/>
+                </a:spcAft>
+                <a:buClrTx/>
+                <a:buSzTx/>
+                <a:buFontTx/>
+                <a:buNone/>
+                <a:tabLst/>
+                <a:defRPr sz="11600" b="0" i="0" u="none" strike="noStrike" cap="all" spc="-116" baseline="0">
+                  <a:solidFill>
+                    <a:srgbClr val="00BFF3"/>
+                  </a:solidFill>
+                  <a:uFillTx/>
+                  <a:latin typeface="+mn-lt"/>
+                  <a:ea typeface="+mn-ea"/>
+                  <a:cs typeface="+mn-cs"/>
+                  <a:sym typeface="Druk Medium"/>
+                </a:defRPr>
+              </a:lvl7pPr>
+              <a:lvl8pPr marL="0" marR="0" indent="3200400" algn="l" defTabSz="825500" rtl="0" latinLnBrk="0">
+                <a:lnSpc>
+                  <a:spcPct val="80000"/>
+                </a:lnSpc>
+                <a:spcBef>
+                  <a:spcPts val="0"/>
+                </a:spcBef>
+                <a:spcAft>
+                  <a:spcPts val="0"/>
+                </a:spcAft>
+                <a:buClrTx/>
+                <a:buSzTx/>
+                <a:buFontTx/>
+                <a:buNone/>
+                <a:tabLst/>
+                <a:defRPr sz="11600" b="0" i="0" u="none" strike="noStrike" cap="all" spc="-116" baseline="0">
+                  <a:solidFill>
+                    <a:srgbClr val="00BFF3"/>
+                  </a:solidFill>
+                  <a:uFillTx/>
+                  <a:latin typeface="+mn-lt"/>
+                  <a:ea typeface="+mn-ea"/>
+                  <a:cs typeface="+mn-cs"/>
+                  <a:sym typeface="Druk Medium"/>
+                </a:defRPr>
+              </a:lvl8pPr>
+              <a:lvl9pPr marL="0" marR="0" indent="3657600" algn="l" defTabSz="825500" rtl="0" latinLnBrk="0">
+                <a:lnSpc>
+                  <a:spcPct val="80000"/>
+                </a:lnSpc>
+                <a:spcBef>
+                  <a:spcPts val="0"/>
+                </a:spcBef>
+                <a:spcAft>
+                  <a:spcPts val="0"/>
+                </a:spcAft>
+                <a:buClrTx/>
+                <a:buSzTx/>
+                <a:buFontTx/>
+                <a:buNone/>
+                <a:tabLst/>
+                <a:defRPr sz="11600" b="0" i="0" u="none" strike="noStrike" cap="all" spc="-116" baseline="0">
+                  <a:solidFill>
+                    <a:srgbClr val="00BFF3"/>
+                  </a:solidFill>
+                  <a:uFillTx/>
+                  <a:latin typeface="+mn-lt"/>
+                  <a:ea typeface="+mn-ea"/>
+                  <a:cs typeface="+mn-cs"/>
+                  <a:sym typeface="Druk Medium"/>
+                </a:defRPr>
+              </a:lvl9pPr>
+            </a:lstStyle>
+            <a:p>
+              <a:pPr algn="ctr" hangingPunct="1"/>
+              <a:r>
+                <a:rPr lang="en-GB" sz="11800" b="1" dirty="0"/>
+                <a:t>D</a:t>
+              </a:r>
+            </a:p>
+          </p:txBody>
+        </p:sp>
+        <p:sp>
+          <p:nvSpPr>
+            <p:cNvPr id="43" name="Your exam">
+              <a:extLst>
+                <a:ext uri="{FF2B5EF4-FFF2-40B4-BE49-F238E27FC236}">
+                  <a16:creationId xmlns:a16="http://schemas.microsoft.com/office/drawing/2014/main" id="{B836261C-B25B-6923-C738-E0250C91EDEA}"/>
+                </a:ext>
+              </a:extLst>
+            </p:cNvPr>
+            <p:cNvSpPr txBox="1">
+              <a:spLocks/>
+            </p:cNvSpPr>
+            <p:nvPr/>
+          </p:nvSpPr>
+          <p:spPr>
+            <a:xfrm>
+              <a:off x="4632000" y="8877464"/>
+              <a:ext cx="2160000" cy="1666326"/>
+            </a:xfrm>
+            <a:prstGeom prst="rect">
+              <a:avLst/>
+            </a:prstGeom>
+            <a:ln w="12700">
+              <a:miter lim="400000"/>
+            </a:ln>
+            <a:extLst>
+              <a:ext uri="{C572A759-6A51-4108-AA02-DFA0A04FC94B}">
+                <ma14:wrappingTextBoxFlag xmlns="" xmlns:m="http://schemas.openxmlformats.org/officeDocument/2006/math" xmlns:a14="http://schemas.microsoft.com/office/drawing/2010/main" xmlns:ma14="http://schemas.microsoft.com/office/mac/drawingml/2011/main" val="1"/>
+              </a:ext>
+            </a:extLst>
+          </p:spPr>
+          <p:txBody>
+            <a:bodyPr lIns="50800" tIns="50800" rIns="50800" bIns="50800" anchor="ctr">
+              <a:normAutofit/>
+            </a:bodyPr>
+            <a:lstStyle>
+              <a:lvl1pPr marL="0" marR="0" indent="0" algn="l" defTabSz="825500" rtl="0" latinLnBrk="0">
+                <a:lnSpc>
+                  <a:spcPct val="80000"/>
+                </a:lnSpc>
+                <a:spcBef>
+                  <a:spcPts val="0"/>
+                </a:spcBef>
+                <a:spcAft>
+                  <a:spcPts val="0"/>
+                </a:spcAft>
+                <a:buClrTx/>
+                <a:buSzTx/>
+                <a:buFontTx/>
+                <a:buNone/>
+                <a:tabLst/>
+                <a:defRPr sz="14000" b="0" i="0" u="none" strike="noStrike" cap="all" spc="-140" baseline="0">
+                  <a:solidFill>
+                    <a:srgbClr val="FFFFFF"/>
+                  </a:solidFill>
+                  <a:uFillTx/>
+                  <a:latin typeface="+mn-lt"/>
+                  <a:ea typeface="+mn-ea"/>
+                  <a:cs typeface="+mn-cs"/>
+                  <a:sym typeface="Druk Medium"/>
+                </a:defRPr>
+              </a:lvl1pPr>
+              <a:lvl2pPr marL="0" marR="0" indent="457200" algn="l" defTabSz="825500" rtl="0" latinLnBrk="0">
+                <a:lnSpc>
+                  <a:spcPct val="80000"/>
+                </a:lnSpc>
+                <a:spcBef>
+                  <a:spcPts val="0"/>
+                </a:spcBef>
+                <a:spcAft>
+                  <a:spcPts val="0"/>
+                </a:spcAft>
+                <a:buClrTx/>
+                <a:buSzTx/>
+                <a:buFontTx/>
+                <a:buNone/>
+                <a:tabLst/>
+                <a:defRPr sz="11600" b="0" i="0" u="none" strike="noStrike" cap="all" spc="-116" baseline="0">
+                  <a:solidFill>
+                    <a:srgbClr val="00BFF3"/>
+                  </a:solidFill>
+                  <a:uFillTx/>
+                  <a:latin typeface="+mn-lt"/>
+                  <a:ea typeface="+mn-ea"/>
+                  <a:cs typeface="+mn-cs"/>
+                  <a:sym typeface="Druk Medium"/>
+                </a:defRPr>
+              </a:lvl2pPr>
+              <a:lvl3pPr marL="0" marR="0" indent="914400" algn="l" defTabSz="825500" rtl="0" latinLnBrk="0">
+                <a:lnSpc>
+                  <a:spcPct val="80000"/>
+                </a:lnSpc>
+                <a:spcBef>
+                  <a:spcPts val="0"/>
+                </a:spcBef>
+                <a:spcAft>
+                  <a:spcPts val="0"/>
+                </a:spcAft>
+                <a:buClrTx/>
+                <a:buSzTx/>
+                <a:buFontTx/>
+                <a:buNone/>
+                <a:tabLst/>
+                <a:defRPr sz="11600" b="0" i="0" u="none" strike="noStrike" cap="all" spc="-116" baseline="0">
+                  <a:solidFill>
+                    <a:srgbClr val="00BFF3"/>
+                  </a:solidFill>
+                  <a:uFillTx/>
+                  <a:latin typeface="+mn-lt"/>
+                  <a:ea typeface="+mn-ea"/>
+                  <a:cs typeface="+mn-cs"/>
+                  <a:sym typeface="Druk Medium"/>
+                </a:defRPr>
+              </a:lvl3pPr>
+              <a:lvl4pPr marL="0" marR="0" indent="1371600" algn="l" defTabSz="825500" rtl="0" latinLnBrk="0">
+                <a:lnSpc>
+                  <a:spcPct val="80000"/>
+                </a:lnSpc>
+                <a:spcBef>
+                  <a:spcPts val="0"/>
+                </a:spcBef>
+                <a:spcAft>
+                  <a:spcPts val="0"/>
+                </a:spcAft>
+                <a:buClrTx/>
+                <a:buSzTx/>
+                <a:buFontTx/>
+                <a:buNone/>
+                <a:tabLst/>
+                <a:defRPr sz="11600" b="0" i="0" u="none" strike="noStrike" cap="all" spc="-116" baseline="0">
+                  <a:solidFill>
+                    <a:srgbClr val="00BFF3"/>
+                  </a:solidFill>
+                  <a:uFillTx/>
+                  <a:latin typeface="+mn-lt"/>
+                  <a:ea typeface="+mn-ea"/>
+                  <a:cs typeface="+mn-cs"/>
+                  <a:sym typeface="Druk Medium"/>
+                </a:defRPr>
+              </a:lvl4pPr>
+              <a:lvl5pPr marL="0" marR="0" indent="1828800" algn="l" defTabSz="825500" rtl="0" latinLnBrk="0">
+                <a:lnSpc>
+                  <a:spcPct val="80000"/>
+                </a:lnSpc>
+                <a:spcBef>
+                  <a:spcPts val="0"/>
+                </a:spcBef>
+                <a:spcAft>
+                  <a:spcPts val="0"/>
+                </a:spcAft>
+                <a:buClrTx/>
+                <a:buSzTx/>
+                <a:buFontTx/>
+                <a:buNone/>
+                <a:tabLst/>
+                <a:defRPr sz="11600" b="0" i="0" u="none" strike="noStrike" cap="all" spc="-116" baseline="0">
+                  <a:solidFill>
+                    <a:srgbClr val="00BFF3"/>
+                  </a:solidFill>
+                  <a:uFillTx/>
+                  <a:latin typeface="+mn-lt"/>
+                  <a:ea typeface="+mn-ea"/>
+                  <a:cs typeface="+mn-cs"/>
+                  <a:sym typeface="Druk Medium"/>
+                </a:defRPr>
+              </a:lvl5pPr>
+              <a:lvl6pPr marL="0" marR="0" indent="2286000" algn="l" defTabSz="825500" rtl="0" latinLnBrk="0">
+                <a:lnSpc>
+                  <a:spcPct val="80000"/>
+                </a:lnSpc>
+                <a:spcBef>
+                  <a:spcPts val="0"/>
+                </a:spcBef>
+                <a:spcAft>
+                  <a:spcPts val="0"/>
+                </a:spcAft>
+                <a:buClrTx/>
+                <a:buSzTx/>
+                <a:buFontTx/>
+                <a:buNone/>
+                <a:tabLst/>
+                <a:defRPr sz="11600" b="0" i="0" u="none" strike="noStrike" cap="all" spc="-116" baseline="0">
+                  <a:solidFill>
+                    <a:srgbClr val="00BFF3"/>
+                  </a:solidFill>
+                  <a:uFillTx/>
+                  <a:latin typeface="+mn-lt"/>
+                  <a:ea typeface="+mn-ea"/>
+                  <a:cs typeface="+mn-cs"/>
+                  <a:sym typeface="Druk Medium"/>
+                </a:defRPr>
+              </a:lvl6pPr>
+              <a:lvl7pPr marL="0" marR="0" indent="2743200" algn="l" defTabSz="825500" rtl="0" latinLnBrk="0">
+                <a:lnSpc>
+                  <a:spcPct val="80000"/>
+                </a:lnSpc>
+                <a:spcBef>
+                  <a:spcPts val="0"/>
+                </a:spcBef>
+                <a:spcAft>
+                  <a:spcPts val="0"/>
+                </a:spcAft>
+                <a:buClrTx/>
+                <a:buSzTx/>
+                <a:buFontTx/>
+                <a:buNone/>
+                <a:tabLst/>
+                <a:defRPr sz="11600" b="0" i="0" u="none" strike="noStrike" cap="all" spc="-116" baseline="0">
+                  <a:solidFill>
+                    <a:srgbClr val="00BFF3"/>
+                  </a:solidFill>
+                  <a:uFillTx/>
+                  <a:latin typeface="+mn-lt"/>
+                  <a:ea typeface="+mn-ea"/>
+                  <a:cs typeface="+mn-cs"/>
+                  <a:sym typeface="Druk Medium"/>
+                </a:defRPr>
+              </a:lvl7pPr>
+              <a:lvl8pPr marL="0" marR="0" indent="3200400" algn="l" defTabSz="825500" rtl="0" latinLnBrk="0">
+                <a:lnSpc>
+                  <a:spcPct val="80000"/>
+                </a:lnSpc>
+                <a:spcBef>
+                  <a:spcPts val="0"/>
+                </a:spcBef>
+                <a:spcAft>
+                  <a:spcPts val="0"/>
+                </a:spcAft>
+                <a:buClrTx/>
+                <a:buSzTx/>
+                <a:buFontTx/>
+                <a:buNone/>
+                <a:tabLst/>
+                <a:defRPr sz="11600" b="0" i="0" u="none" strike="noStrike" cap="all" spc="-116" baseline="0">
+                  <a:solidFill>
+                    <a:srgbClr val="00BFF3"/>
+                  </a:solidFill>
+                  <a:uFillTx/>
+                  <a:latin typeface="+mn-lt"/>
+                  <a:ea typeface="+mn-ea"/>
+                  <a:cs typeface="+mn-cs"/>
+                  <a:sym typeface="Druk Medium"/>
+                </a:defRPr>
+              </a:lvl8pPr>
+              <a:lvl9pPr marL="0" marR="0" indent="3657600" algn="l" defTabSz="825500" rtl="0" latinLnBrk="0">
+                <a:lnSpc>
+                  <a:spcPct val="80000"/>
+                </a:lnSpc>
+                <a:spcBef>
+                  <a:spcPts val="0"/>
+                </a:spcBef>
+                <a:spcAft>
+                  <a:spcPts val="0"/>
+                </a:spcAft>
+                <a:buClrTx/>
+                <a:buSzTx/>
+                <a:buFontTx/>
+                <a:buNone/>
+                <a:tabLst/>
+                <a:defRPr sz="11600" b="0" i="0" u="none" strike="noStrike" cap="all" spc="-116" baseline="0">
+                  <a:solidFill>
+                    <a:srgbClr val="00BFF3"/>
+                  </a:solidFill>
+                  <a:uFillTx/>
+                  <a:latin typeface="+mn-lt"/>
+                  <a:ea typeface="+mn-ea"/>
+                  <a:cs typeface="+mn-cs"/>
+                  <a:sym typeface="Druk Medium"/>
+                </a:defRPr>
+              </a:lvl9pPr>
+            </a:lstStyle>
+            <a:p>
+              <a:pPr algn="ctr" hangingPunct="1"/>
+              <a:r>
+                <a:rPr lang="en-GB" sz="11800" b="1" dirty="0"/>
+                <a:t>X</a:t>
+              </a:r>
+            </a:p>
+          </p:txBody>
+        </p:sp>
+        <p:sp>
+          <p:nvSpPr>
+            <p:cNvPr id="44" name="Your exam">
+              <a:extLst>
+                <a:ext uri="{FF2B5EF4-FFF2-40B4-BE49-F238E27FC236}">
+                  <a16:creationId xmlns:a16="http://schemas.microsoft.com/office/drawing/2014/main" id="{175363AC-14F3-1654-1329-791DE77CDDC2}"/>
+                </a:ext>
+              </a:extLst>
+            </p:cNvPr>
+            <p:cNvSpPr txBox="1">
+              <a:spLocks/>
+            </p:cNvSpPr>
+            <p:nvPr/>
+          </p:nvSpPr>
+          <p:spPr>
+            <a:xfrm>
+              <a:off x="6792000" y="8863054"/>
+              <a:ext cx="2160000" cy="1666326"/>
+            </a:xfrm>
+            <a:prstGeom prst="rect">
+              <a:avLst/>
+            </a:prstGeom>
+            <a:ln w="12700">
+              <a:miter lim="400000"/>
+            </a:ln>
+            <a:extLst>
+              <a:ext uri="{C572A759-6A51-4108-AA02-DFA0A04FC94B}">
+                <ma14:wrappingTextBoxFlag xmlns="" xmlns:m="http://schemas.openxmlformats.org/officeDocument/2006/math" xmlns:a14="http://schemas.microsoft.com/office/drawing/2010/main" xmlns:ma14="http://schemas.microsoft.com/office/mac/drawingml/2011/main" val="1"/>
+              </a:ext>
+            </a:extLst>
+          </p:spPr>
+          <p:txBody>
+            <a:bodyPr lIns="50800" tIns="50800" rIns="50800" bIns="50800" anchor="ctr">
+              <a:normAutofit/>
+            </a:bodyPr>
+            <a:lstStyle>
+              <a:lvl1pPr marL="0" marR="0" indent="0" algn="l" defTabSz="825500" rtl="0" latinLnBrk="0">
+                <a:lnSpc>
+                  <a:spcPct val="80000"/>
+                </a:lnSpc>
+                <a:spcBef>
+                  <a:spcPts val="0"/>
+                </a:spcBef>
+                <a:spcAft>
+                  <a:spcPts val="0"/>
+                </a:spcAft>
+                <a:buClrTx/>
+                <a:buSzTx/>
+                <a:buFontTx/>
+                <a:buNone/>
+                <a:tabLst/>
+                <a:defRPr sz="14000" b="0" i="0" u="none" strike="noStrike" cap="all" spc="-140" baseline="0">
+                  <a:solidFill>
+                    <a:srgbClr val="FFFFFF"/>
+                  </a:solidFill>
+                  <a:uFillTx/>
+                  <a:latin typeface="+mn-lt"/>
+                  <a:ea typeface="+mn-ea"/>
+                  <a:cs typeface="+mn-cs"/>
+                  <a:sym typeface="Druk Medium"/>
+                </a:defRPr>
+              </a:lvl1pPr>
+              <a:lvl2pPr marL="0" marR="0" indent="457200" algn="l" defTabSz="825500" rtl="0" latinLnBrk="0">
+                <a:lnSpc>
+                  <a:spcPct val="80000"/>
+                </a:lnSpc>
+                <a:spcBef>
+                  <a:spcPts val="0"/>
+                </a:spcBef>
+                <a:spcAft>
+                  <a:spcPts val="0"/>
+                </a:spcAft>
+                <a:buClrTx/>
+                <a:buSzTx/>
+                <a:buFontTx/>
+                <a:buNone/>
+                <a:tabLst/>
+                <a:defRPr sz="11600" b="0" i="0" u="none" strike="noStrike" cap="all" spc="-116" baseline="0">
+                  <a:solidFill>
+                    <a:srgbClr val="00BFF3"/>
+                  </a:solidFill>
+                  <a:uFillTx/>
+                  <a:latin typeface="+mn-lt"/>
+                  <a:ea typeface="+mn-ea"/>
+                  <a:cs typeface="+mn-cs"/>
+                  <a:sym typeface="Druk Medium"/>
+                </a:defRPr>
+              </a:lvl2pPr>
+              <a:lvl3pPr marL="0" marR="0" indent="914400" algn="l" defTabSz="825500" rtl="0" latinLnBrk="0">
+                <a:lnSpc>
+                  <a:spcPct val="80000"/>
+                </a:lnSpc>
+                <a:spcBef>
+                  <a:spcPts val="0"/>
+                </a:spcBef>
+                <a:spcAft>
+                  <a:spcPts val="0"/>
+                </a:spcAft>
+                <a:buClrTx/>
+                <a:buSzTx/>
+                <a:buFontTx/>
+                <a:buNone/>
+                <a:tabLst/>
+                <a:defRPr sz="11600" b="0" i="0" u="none" strike="noStrike" cap="all" spc="-116" baseline="0">
+                  <a:solidFill>
+                    <a:srgbClr val="00BFF3"/>
+                  </a:solidFill>
+                  <a:uFillTx/>
+                  <a:latin typeface="+mn-lt"/>
+                  <a:ea typeface="+mn-ea"/>
+                  <a:cs typeface="+mn-cs"/>
+                  <a:sym typeface="Druk Medium"/>
+                </a:defRPr>
+              </a:lvl3pPr>
+              <a:lvl4pPr marL="0" marR="0" indent="1371600" algn="l" defTabSz="825500" rtl="0" latinLnBrk="0">
+                <a:lnSpc>
+                  <a:spcPct val="80000"/>
+                </a:lnSpc>
+                <a:spcBef>
+                  <a:spcPts val="0"/>
+                </a:spcBef>
+                <a:spcAft>
+                  <a:spcPts val="0"/>
+                </a:spcAft>
+                <a:buClrTx/>
+                <a:buSzTx/>
+                <a:buFontTx/>
+                <a:buNone/>
+                <a:tabLst/>
+                <a:defRPr sz="11600" b="0" i="0" u="none" strike="noStrike" cap="all" spc="-116" baseline="0">
+                  <a:solidFill>
+                    <a:srgbClr val="00BFF3"/>
+                  </a:solidFill>
+                  <a:uFillTx/>
+                  <a:latin typeface="+mn-lt"/>
+                  <a:ea typeface="+mn-ea"/>
+                  <a:cs typeface="+mn-cs"/>
+                  <a:sym typeface="Druk Medium"/>
+                </a:defRPr>
+              </a:lvl4pPr>
+              <a:lvl5pPr marL="0" marR="0" indent="1828800" algn="l" defTabSz="825500" rtl="0" latinLnBrk="0">
+                <a:lnSpc>
+                  <a:spcPct val="80000"/>
+                </a:lnSpc>
+                <a:spcBef>
+                  <a:spcPts val="0"/>
+                </a:spcBef>
+                <a:spcAft>
+                  <a:spcPts val="0"/>
+                </a:spcAft>
+                <a:buClrTx/>
+                <a:buSzTx/>
+                <a:buFontTx/>
+                <a:buNone/>
+                <a:tabLst/>
+                <a:defRPr sz="11600" b="0" i="0" u="none" strike="noStrike" cap="all" spc="-116" baseline="0">
+                  <a:solidFill>
+                    <a:srgbClr val="00BFF3"/>
+                  </a:solidFill>
+                  <a:uFillTx/>
+                  <a:latin typeface="+mn-lt"/>
+                  <a:ea typeface="+mn-ea"/>
+                  <a:cs typeface="+mn-cs"/>
+                  <a:sym typeface="Druk Medium"/>
+                </a:defRPr>
+              </a:lvl5pPr>
+              <a:lvl6pPr marL="0" marR="0" indent="2286000" algn="l" defTabSz="825500" rtl="0" latinLnBrk="0">
+                <a:lnSpc>
+                  <a:spcPct val="80000"/>
+                </a:lnSpc>
+                <a:spcBef>
+                  <a:spcPts val="0"/>
+                </a:spcBef>
+                <a:spcAft>
+                  <a:spcPts val="0"/>
+                </a:spcAft>
+                <a:buClrTx/>
+                <a:buSzTx/>
+                <a:buFontTx/>
+                <a:buNone/>
+                <a:tabLst/>
+                <a:defRPr sz="11600" b="0" i="0" u="none" strike="noStrike" cap="all" spc="-116" baseline="0">
+                  <a:solidFill>
+                    <a:srgbClr val="00BFF3"/>
+                  </a:solidFill>
+                  <a:uFillTx/>
+                  <a:latin typeface="+mn-lt"/>
+                  <a:ea typeface="+mn-ea"/>
+                  <a:cs typeface="+mn-cs"/>
+                  <a:sym typeface="Druk Medium"/>
+                </a:defRPr>
+              </a:lvl6pPr>
+              <a:lvl7pPr marL="0" marR="0" indent="2743200" algn="l" defTabSz="825500" rtl="0" latinLnBrk="0">
+                <a:lnSpc>
+                  <a:spcPct val="80000"/>
+                </a:lnSpc>
+                <a:spcBef>
+                  <a:spcPts val="0"/>
+                </a:spcBef>
+                <a:spcAft>
+                  <a:spcPts val="0"/>
+                </a:spcAft>
+                <a:buClrTx/>
+                <a:buSzTx/>
+                <a:buFontTx/>
+                <a:buNone/>
+                <a:tabLst/>
+                <a:defRPr sz="11600" b="0" i="0" u="none" strike="noStrike" cap="all" spc="-116" baseline="0">
+                  <a:solidFill>
+                    <a:srgbClr val="00BFF3"/>
+                  </a:solidFill>
+                  <a:uFillTx/>
+                  <a:latin typeface="+mn-lt"/>
+                  <a:ea typeface="+mn-ea"/>
+                  <a:cs typeface="+mn-cs"/>
+                  <a:sym typeface="Druk Medium"/>
+                </a:defRPr>
+              </a:lvl7pPr>
+              <a:lvl8pPr marL="0" marR="0" indent="3200400" algn="l" defTabSz="825500" rtl="0" latinLnBrk="0">
+                <a:lnSpc>
+                  <a:spcPct val="80000"/>
+                </a:lnSpc>
+                <a:spcBef>
+                  <a:spcPts val="0"/>
+                </a:spcBef>
+                <a:spcAft>
+                  <a:spcPts val="0"/>
+                </a:spcAft>
+                <a:buClrTx/>
+                <a:buSzTx/>
+                <a:buFontTx/>
+                <a:buNone/>
+                <a:tabLst/>
+                <a:defRPr sz="11600" b="0" i="0" u="none" strike="noStrike" cap="all" spc="-116" baseline="0">
+                  <a:solidFill>
+                    <a:srgbClr val="00BFF3"/>
+                  </a:solidFill>
+                  <a:uFillTx/>
+                  <a:latin typeface="+mn-lt"/>
+                  <a:ea typeface="+mn-ea"/>
+                  <a:cs typeface="+mn-cs"/>
+                  <a:sym typeface="Druk Medium"/>
+                </a:defRPr>
+              </a:lvl8pPr>
+              <a:lvl9pPr marL="0" marR="0" indent="3657600" algn="l" defTabSz="825500" rtl="0" latinLnBrk="0">
+                <a:lnSpc>
+                  <a:spcPct val="80000"/>
+                </a:lnSpc>
+                <a:spcBef>
+                  <a:spcPts val="0"/>
+                </a:spcBef>
+                <a:spcAft>
+                  <a:spcPts val="0"/>
+                </a:spcAft>
+                <a:buClrTx/>
+                <a:buSzTx/>
+                <a:buFontTx/>
+                <a:buNone/>
+                <a:tabLst/>
+                <a:defRPr sz="11600" b="0" i="0" u="none" strike="noStrike" cap="all" spc="-116" baseline="0">
+                  <a:solidFill>
+                    <a:srgbClr val="00BFF3"/>
+                  </a:solidFill>
+                  <a:uFillTx/>
+                  <a:latin typeface="+mn-lt"/>
+                  <a:ea typeface="+mn-ea"/>
+                  <a:cs typeface="+mn-cs"/>
+                  <a:sym typeface="Druk Medium"/>
+                </a:defRPr>
+              </a:lvl9pPr>
+            </a:lstStyle>
+            <a:p>
+              <a:pPr algn="ctr" hangingPunct="1"/>
+              <a:r>
+                <a:rPr lang="en-GB" sz="11800" b="1" dirty="0"/>
+                <a:t>Y</a:t>
+              </a:r>
+            </a:p>
+          </p:txBody>
+        </p:sp>
+        <p:sp>
+          <p:nvSpPr>
+            <p:cNvPr id="45" name="Your exam">
+              <a:extLst>
+                <a:ext uri="{FF2B5EF4-FFF2-40B4-BE49-F238E27FC236}">
+                  <a16:creationId xmlns:a16="http://schemas.microsoft.com/office/drawing/2014/main" id="{4013328C-0049-C5B3-E6E7-C43B8B3675CB}"/>
+                </a:ext>
+              </a:extLst>
+            </p:cNvPr>
+            <p:cNvSpPr txBox="1">
+              <a:spLocks/>
+            </p:cNvSpPr>
+            <p:nvPr/>
+          </p:nvSpPr>
+          <p:spPr>
+            <a:xfrm>
+              <a:off x="8952000" y="8863054"/>
+              <a:ext cx="2160000" cy="1666326"/>
+            </a:xfrm>
+            <a:prstGeom prst="rect">
+              <a:avLst/>
+            </a:prstGeom>
+            <a:ln w="12700">
+              <a:miter lim="400000"/>
+            </a:ln>
+            <a:extLst>
+              <a:ext uri="{C572A759-6A51-4108-AA02-DFA0A04FC94B}">
+                <ma14:wrappingTextBoxFlag xmlns="" xmlns:m="http://schemas.openxmlformats.org/officeDocument/2006/math" xmlns:a14="http://schemas.microsoft.com/office/drawing/2010/main" xmlns:ma14="http://schemas.microsoft.com/office/mac/drawingml/2011/main" val="1"/>
+              </a:ext>
+            </a:extLst>
+          </p:spPr>
+          <p:txBody>
+            <a:bodyPr lIns="50800" tIns="50800" rIns="50800" bIns="50800" anchor="ctr">
+              <a:normAutofit/>
+            </a:bodyPr>
+            <a:lstStyle>
+              <a:lvl1pPr marL="0" marR="0" indent="0" algn="l" defTabSz="825500" rtl="0" latinLnBrk="0">
+                <a:lnSpc>
+                  <a:spcPct val="80000"/>
+                </a:lnSpc>
+                <a:spcBef>
+                  <a:spcPts val="0"/>
+                </a:spcBef>
+                <a:spcAft>
+                  <a:spcPts val="0"/>
+                </a:spcAft>
+                <a:buClrTx/>
+                <a:buSzTx/>
+                <a:buFontTx/>
+                <a:buNone/>
+                <a:tabLst/>
+                <a:defRPr sz="14000" b="0" i="0" u="none" strike="noStrike" cap="all" spc="-140" baseline="0">
+                  <a:solidFill>
+                    <a:srgbClr val="FFFFFF"/>
+                  </a:solidFill>
+                  <a:uFillTx/>
+                  <a:latin typeface="+mn-lt"/>
+                  <a:ea typeface="+mn-ea"/>
+                  <a:cs typeface="+mn-cs"/>
+                  <a:sym typeface="Druk Medium"/>
+                </a:defRPr>
+              </a:lvl1pPr>
+              <a:lvl2pPr marL="0" marR="0" indent="457200" algn="l" defTabSz="825500" rtl="0" latinLnBrk="0">
+                <a:lnSpc>
+                  <a:spcPct val="80000"/>
+                </a:lnSpc>
+                <a:spcBef>
+                  <a:spcPts val="0"/>
+                </a:spcBef>
+                <a:spcAft>
+                  <a:spcPts val="0"/>
+                </a:spcAft>
+                <a:buClrTx/>
+                <a:buSzTx/>
+                <a:buFontTx/>
+                <a:buNone/>
+                <a:tabLst/>
+                <a:defRPr sz="11600" b="0" i="0" u="none" strike="noStrike" cap="all" spc="-116" baseline="0">
+                  <a:solidFill>
+                    <a:srgbClr val="00BFF3"/>
+                  </a:solidFill>
+                  <a:uFillTx/>
+                  <a:latin typeface="+mn-lt"/>
+                  <a:ea typeface="+mn-ea"/>
+                  <a:cs typeface="+mn-cs"/>
+                  <a:sym typeface="Druk Medium"/>
+                </a:defRPr>
+              </a:lvl2pPr>
+              <a:lvl3pPr marL="0" marR="0" indent="914400" algn="l" defTabSz="825500" rtl="0" latinLnBrk="0">
+                <a:lnSpc>
+                  <a:spcPct val="80000"/>
+                </a:lnSpc>
+                <a:spcBef>
+                  <a:spcPts val="0"/>
+                </a:spcBef>
+                <a:spcAft>
+                  <a:spcPts val="0"/>
+                </a:spcAft>
+                <a:buClrTx/>
+                <a:buSzTx/>
+                <a:buFontTx/>
+                <a:buNone/>
+                <a:tabLst/>
+                <a:defRPr sz="11600" b="0" i="0" u="none" strike="noStrike" cap="all" spc="-116" baseline="0">
+                  <a:solidFill>
+                    <a:srgbClr val="00BFF3"/>
+                  </a:solidFill>
+                  <a:uFillTx/>
+                  <a:latin typeface="+mn-lt"/>
+                  <a:ea typeface="+mn-ea"/>
+                  <a:cs typeface="+mn-cs"/>
+                  <a:sym typeface="Druk Medium"/>
+                </a:defRPr>
+              </a:lvl3pPr>
+              <a:lvl4pPr marL="0" marR="0" indent="1371600" algn="l" defTabSz="825500" rtl="0" latinLnBrk="0">
+                <a:lnSpc>
+                  <a:spcPct val="80000"/>
+                </a:lnSpc>
+                <a:spcBef>
+                  <a:spcPts val="0"/>
+                </a:spcBef>
+                <a:spcAft>
+                  <a:spcPts val="0"/>
+                </a:spcAft>
+                <a:buClrTx/>
+                <a:buSzTx/>
+                <a:buFontTx/>
+                <a:buNone/>
+                <a:tabLst/>
+                <a:defRPr sz="11600" b="0" i="0" u="none" strike="noStrike" cap="all" spc="-116" baseline="0">
+                  <a:solidFill>
+                    <a:srgbClr val="00BFF3"/>
+                  </a:solidFill>
+                  <a:uFillTx/>
+                  <a:latin typeface="+mn-lt"/>
+                  <a:ea typeface="+mn-ea"/>
+                  <a:cs typeface="+mn-cs"/>
+                  <a:sym typeface="Druk Medium"/>
+                </a:defRPr>
+              </a:lvl4pPr>
+              <a:lvl5pPr marL="0" marR="0" indent="1828800" algn="l" defTabSz="825500" rtl="0" latinLnBrk="0">
+                <a:lnSpc>
+                  <a:spcPct val="80000"/>
+                </a:lnSpc>
+                <a:spcBef>
+                  <a:spcPts val="0"/>
+                </a:spcBef>
+                <a:spcAft>
+                  <a:spcPts val="0"/>
+                </a:spcAft>
+                <a:buClrTx/>
+                <a:buSzTx/>
+                <a:buFontTx/>
+                <a:buNone/>
+                <a:tabLst/>
+                <a:defRPr sz="11600" b="0" i="0" u="none" strike="noStrike" cap="all" spc="-116" baseline="0">
+                  <a:solidFill>
+                    <a:srgbClr val="00BFF3"/>
+                  </a:solidFill>
+                  <a:uFillTx/>
+                  <a:latin typeface="+mn-lt"/>
+                  <a:ea typeface="+mn-ea"/>
+                  <a:cs typeface="+mn-cs"/>
+                  <a:sym typeface="Druk Medium"/>
+                </a:defRPr>
+              </a:lvl5pPr>
+              <a:lvl6pPr marL="0" marR="0" indent="2286000" algn="l" defTabSz="825500" rtl="0" latinLnBrk="0">
+                <a:lnSpc>
+                  <a:spcPct val="80000"/>
+                </a:lnSpc>
+                <a:spcBef>
+                  <a:spcPts val="0"/>
+                </a:spcBef>
+                <a:spcAft>
+                  <a:spcPts val="0"/>
+                </a:spcAft>
+                <a:buClrTx/>
+                <a:buSzTx/>
+                <a:buFontTx/>
+                <a:buNone/>
+                <a:tabLst/>
+                <a:defRPr sz="11600" b="0" i="0" u="none" strike="noStrike" cap="all" spc="-116" baseline="0">
+                  <a:solidFill>
+                    <a:srgbClr val="00BFF3"/>
+                  </a:solidFill>
+                  <a:uFillTx/>
+                  <a:latin typeface="+mn-lt"/>
+                  <a:ea typeface="+mn-ea"/>
+                  <a:cs typeface="+mn-cs"/>
+                  <a:sym typeface="Druk Medium"/>
+                </a:defRPr>
+              </a:lvl6pPr>
+              <a:lvl7pPr marL="0" marR="0" indent="2743200" algn="l" defTabSz="825500" rtl="0" latinLnBrk="0">
+                <a:lnSpc>
+                  <a:spcPct val="80000"/>
+                </a:lnSpc>
+                <a:spcBef>
+                  <a:spcPts val="0"/>
+                </a:spcBef>
+                <a:spcAft>
+                  <a:spcPts val="0"/>
+                </a:spcAft>
+                <a:buClrTx/>
+                <a:buSzTx/>
+                <a:buFontTx/>
+                <a:buNone/>
+                <a:tabLst/>
+                <a:defRPr sz="11600" b="0" i="0" u="none" strike="noStrike" cap="all" spc="-116" baseline="0">
+                  <a:solidFill>
+                    <a:srgbClr val="00BFF3"/>
+                  </a:solidFill>
+                  <a:uFillTx/>
+                  <a:latin typeface="+mn-lt"/>
+                  <a:ea typeface="+mn-ea"/>
+                  <a:cs typeface="+mn-cs"/>
+                  <a:sym typeface="Druk Medium"/>
+                </a:defRPr>
+              </a:lvl7pPr>
+              <a:lvl8pPr marL="0" marR="0" indent="3200400" algn="l" defTabSz="825500" rtl="0" latinLnBrk="0">
+                <a:lnSpc>
+                  <a:spcPct val="80000"/>
+                </a:lnSpc>
+                <a:spcBef>
+                  <a:spcPts val="0"/>
+                </a:spcBef>
+                <a:spcAft>
+                  <a:spcPts val="0"/>
+                </a:spcAft>
+                <a:buClrTx/>
+                <a:buSzTx/>
+                <a:buFontTx/>
+                <a:buNone/>
+                <a:tabLst/>
+                <a:defRPr sz="11600" b="0" i="0" u="none" strike="noStrike" cap="all" spc="-116" baseline="0">
+                  <a:solidFill>
+                    <a:srgbClr val="00BFF3"/>
+                  </a:solidFill>
+                  <a:uFillTx/>
+                  <a:latin typeface="+mn-lt"/>
+                  <a:ea typeface="+mn-ea"/>
+                  <a:cs typeface="+mn-cs"/>
+                  <a:sym typeface="Druk Medium"/>
+                </a:defRPr>
+              </a:lvl8pPr>
+              <a:lvl9pPr marL="0" marR="0" indent="3657600" algn="l" defTabSz="825500" rtl="0" latinLnBrk="0">
+                <a:lnSpc>
+                  <a:spcPct val="80000"/>
+                </a:lnSpc>
+                <a:spcBef>
+                  <a:spcPts val="0"/>
+                </a:spcBef>
+                <a:spcAft>
+                  <a:spcPts val="0"/>
+                </a:spcAft>
+                <a:buClrTx/>
+                <a:buSzTx/>
+                <a:buFontTx/>
+                <a:buNone/>
+                <a:tabLst/>
+                <a:defRPr sz="11600" b="0" i="0" u="none" strike="noStrike" cap="all" spc="-116" baseline="0">
+                  <a:solidFill>
+                    <a:srgbClr val="00BFF3"/>
+                  </a:solidFill>
+                  <a:uFillTx/>
+                  <a:latin typeface="+mn-lt"/>
+                  <a:ea typeface="+mn-ea"/>
+                  <a:cs typeface="+mn-cs"/>
+                  <a:sym typeface="Druk Medium"/>
+                </a:defRPr>
+              </a:lvl9pPr>
+            </a:lstStyle>
+            <a:p>
+              <a:pPr algn="ctr" hangingPunct="1"/>
+              <a:r>
+                <a:rPr lang="en-GB" sz="11800" b="1" dirty="0"/>
+                <a:t>Z</a:t>
+              </a:r>
+            </a:p>
+          </p:txBody>
+        </p:sp>
+        <p:sp>
+          <p:nvSpPr>
+            <p:cNvPr id="46" name="Your exam">
+              <a:extLst>
+                <a:ext uri="{FF2B5EF4-FFF2-40B4-BE49-F238E27FC236}">
+                  <a16:creationId xmlns:a16="http://schemas.microsoft.com/office/drawing/2014/main" id="{235CE39F-D862-EA24-25B1-86A509C8855E}"/>
+                </a:ext>
+              </a:extLst>
+            </p:cNvPr>
+            <p:cNvSpPr txBox="1">
+              <a:spLocks/>
+            </p:cNvSpPr>
+            <p:nvPr/>
+          </p:nvSpPr>
+          <p:spPr>
+            <a:xfrm>
+              <a:off x="2299200" y="8863054"/>
+              <a:ext cx="2160000" cy="1666326"/>
+            </a:xfrm>
+            <a:prstGeom prst="rect">
+              <a:avLst/>
+            </a:prstGeom>
+            <a:ln w="12700">
+              <a:miter lim="400000"/>
+            </a:ln>
+            <a:extLst>
+              <a:ext uri="{C572A759-6A51-4108-AA02-DFA0A04FC94B}">
+                <ma14:wrappingTextBoxFlag xmlns="" xmlns:m="http://schemas.openxmlformats.org/officeDocument/2006/math" xmlns:a14="http://schemas.microsoft.com/office/drawing/2010/main" xmlns:ma14="http://schemas.microsoft.com/office/mac/drawingml/2011/main" val="1"/>
+              </a:ext>
+            </a:extLst>
+          </p:spPr>
+          <p:txBody>
+            <a:bodyPr lIns="50800" tIns="50800" rIns="50800" bIns="50800" anchor="ctr">
+              <a:normAutofit/>
+            </a:bodyPr>
+            <a:lstStyle>
+              <a:lvl1pPr marL="0" marR="0" indent="0" algn="l" defTabSz="825500" rtl="0" latinLnBrk="0">
+                <a:lnSpc>
+                  <a:spcPct val="80000"/>
+                </a:lnSpc>
+                <a:spcBef>
+                  <a:spcPts val="0"/>
+                </a:spcBef>
+                <a:spcAft>
+                  <a:spcPts val="0"/>
+                </a:spcAft>
+                <a:buClrTx/>
+                <a:buSzTx/>
+                <a:buFontTx/>
+                <a:buNone/>
+                <a:tabLst/>
+                <a:defRPr sz="14000" b="0" i="0" u="none" strike="noStrike" cap="all" spc="-140" baseline="0">
+                  <a:solidFill>
+                    <a:srgbClr val="FFFFFF"/>
+                  </a:solidFill>
+                  <a:uFillTx/>
+                  <a:latin typeface="+mn-lt"/>
+                  <a:ea typeface="+mn-ea"/>
+                  <a:cs typeface="+mn-cs"/>
+                  <a:sym typeface="Druk Medium"/>
+                </a:defRPr>
+              </a:lvl1pPr>
+              <a:lvl2pPr marL="0" marR="0" indent="457200" algn="l" defTabSz="825500" rtl="0" latinLnBrk="0">
+                <a:lnSpc>
+                  <a:spcPct val="80000"/>
+                </a:lnSpc>
+                <a:spcBef>
+                  <a:spcPts val="0"/>
+                </a:spcBef>
+                <a:spcAft>
+                  <a:spcPts val="0"/>
+                </a:spcAft>
+                <a:buClrTx/>
+                <a:buSzTx/>
+                <a:buFontTx/>
+                <a:buNone/>
+                <a:tabLst/>
+                <a:defRPr sz="11600" b="0" i="0" u="none" strike="noStrike" cap="all" spc="-116" baseline="0">
+                  <a:solidFill>
+                    <a:srgbClr val="00BFF3"/>
+                  </a:solidFill>
+                  <a:uFillTx/>
+                  <a:latin typeface="+mn-lt"/>
+                  <a:ea typeface="+mn-ea"/>
+                  <a:cs typeface="+mn-cs"/>
+                  <a:sym typeface="Druk Medium"/>
+                </a:defRPr>
+              </a:lvl2pPr>
+              <a:lvl3pPr marL="0" marR="0" indent="914400" algn="l" defTabSz="825500" rtl="0" latinLnBrk="0">
+                <a:lnSpc>
+                  <a:spcPct val="80000"/>
+                </a:lnSpc>
+                <a:spcBef>
+                  <a:spcPts val="0"/>
+                </a:spcBef>
+                <a:spcAft>
+                  <a:spcPts val="0"/>
+                </a:spcAft>
+                <a:buClrTx/>
+                <a:buSzTx/>
+                <a:buFontTx/>
+                <a:buNone/>
+                <a:tabLst/>
+                <a:defRPr sz="11600" b="0" i="0" u="none" strike="noStrike" cap="all" spc="-116" baseline="0">
+                  <a:solidFill>
+                    <a:srgbClr val="00BFF3"/>
+                  </a:solidFill>
+                  <a:uFillTx/>
+                  <a:latin typeface="+mn-lt"/>
+                  <a:ea typeface="+mn-ea"/>
+                  <a:cs typeface="+mn-cs"/>
+                  <a:sym typeface="Druk Medium"/>
+                </a:defRPr>
+              </a:lvl3pPr>
+              <a:lvl4pPr marL="0" marR="0" indent="1371600" algn="l" defTabSz="825500" rtl="0" latinLnBrk="0">
+                <a:lnSpc>
+                  <a:spcPct val="80000"/>
+                </a:lnSpc>
+                <a:spcBef>
+                  <a:spcPts val="0"/>
+                </a:spcBef>
+                <a:spcAft>
+                  <a:spcPts val="0"/>
+                </a:spcAft>
+                <a:buClrTx/>
+                <a:buSzTx/>
+                <a:buFontTx/>
+                <a:buNone/>
+                <a:tabLst/>
+                <a:defRPr sz="11600" b="0" i="0" u="none" strike="noStrike" cap="all" spc="-116" baseline="0">
+                  <a:solidFill>
+                    <a:srgbClr val="00BFF3"/>
+                  </a:solidFill>
+                  <a:uFillTx/>
+                  <a:latin typeface="+mn-lt"/>
+                  <a:ea typeface="+mn-ea"/>
+                  <a:cs typeface="+mn-cs"/>
+                  <a:sym typeface="Druk Medium"/>
+                </a:defRPr>
+              </a:lvl4pPr>
+              <a:lvl5pPr marL="0" marR="0" indent="1828800" algn="l" defTabSz="825500" rtl="0" latinLnBrk="0">
+                <a:lnSpc>
+                  <a:spcPct val="80000"/>
+                </a:lnSpc>
+                <a:spcBef>
+                  <a:spcPts val="0"/>
+                </a:spcBef>
+                <a:spcAft>
+                  <a:spcPts val="0"/>
+                </a:spcAft>
+                <a:buClrTx/>
+                <a:buSzTx/>
+                <a:buFontTx/>
+                <a:buNone/>
+                <a:tabLst/>
+                <a:defRPr sz="11600" b="0" i="0" u="none" strike="noStrike" cap="all" spc="-116" baseline="0">
+                  <a:solidFill>
+                    <a:srgbClr val="00BFF3"/>
+                  </a:solidFill>
+                  <a:uFillTx/>
+                  <a:latin typeface="+mn-lt"/>
+                  <a:ea typeface="+mn-ea"/>
+                  <a:cs typeface="+mn-cs"/>
+                  <a:sym typeface="Druk Medium"/>
+                </a:defRPr>
+              </a:lvl5pPr>
+              <a:lvl6pPr marL="0" marR="0" indent="2286000" algn="l" defTabSz="825500" rtl="0" latinLnBrk="0">
+                <a:lnSpc>
+                  <a:spcPct val="80000"/>
+                </a:lnSpc>
+                <a:spcBef>
+                  <a:spcPts val="0"/>
+                </a:spcBef>
+                <a:spcAft>
+                  <a:spcPts val="0"/>
+                </a:spcAft>
+                <a:buClrTx/>
+                <a:buSzTx/>
+                <a:buFontTx/>
+                <a:buNone/>
+                <a:tabLst/>
+                <a:defRPr sz="11600" b="0" i="0" u="none" strike="noStrike" cap="all" spc="-116" baseline="0">
+                  <a:solidFill>
+                    <a:srgbClr val="00BFF3"/>
+                  </a:solidFill>
+                  <a:uFillTx/>
+                  <a:latin typeface="+mn-lt"/>
+                  <a:ea typeface="+mn-ea"/>
+                  <a:cs typeface="+mn-cs"/>
+                  <a:sym typeface="Druk Medium"/>
+                </a:defRPr>
+              </a:lvl6pPr>
+              <a:lvl7pPr marL="0" marR="0" indent="2743200" algn="l" defTabSz="825500" rtl="0" latinLnBrk="0">
+                <a:lnSpc>
+                  <a:spcPct val="80000"/>
+                </a:lnSpc>
+                <a:spcBef>
+                  <a:spcPts val="0"/>
+                </a:spcBef>
+                <a:spcAft>
+                  <a:spcPts val="0"/>
+                </a:spcAft>
+                <a:buClrTx/>
+                <a:buSzTx/>
+                <a:buFontTx/>
+                <a:buNone/>
+                <a:tabLst/>
+                <a:defRPr sz="11600" b="0" i="0" u="none" strike="noStrike" cap="all" spc="-116" baseline="0">
+                  <a:solidFill>
+                    <a:srgbClr val="00BFF3"/>
+                  </a:solidFill>
+                  <a:uFillTx/>
+                  <a:latin typeface="+mn-lt"/>
+                  <a:ea typeface="+mn-ea"/>
+                  <a:cs typeface="+mn-cs"/>
+                  <a:sym typeface="Druk Medium"/>
+                </a:defRPr>
+              </a:lvl7pPr>
+              <a:lvl8pPr marL="0" marR="0" indent="3200400" algn="l" defTabSz="825500" rtl="0" latinLnBrk="0">
+                <a:lnSpc>
+                  <a:spcPct val="80000"/>
+                </a:lnSpc>
+                <a:spcBef>
+                  <a:spcPts val="0"/>
+                </a:spcBef>
+                <a:spcAft>
+                  <a:spcPts val="0"/>
+                </a:spcAft>
+                <a:buClrTx/>
+                <a:buSzTx/>
+                <a:buFontTx/>
+                <a:buNone/>
+                <a:tabLst/>
+                <a:defRPr sz="11600" b="0" i="0" u="none" strike="noStrike" cap="all" spc="-116" baseline="0">
+                  <a:solidFill>
+                    <a:srgbClr val="00BFF3"/>
+                  </a:solidFill>
+                  <a:uFillTx/>
+                  <a:latin typeface="+mn-lt"/>
+                  <a:ea typeface="+mn-ea"/>
+                  <a:cs typeface="+mn-cs"/>
+                  <a:sym typeface="Druk Medium"/>
+                </a:defRPr>
+              </a:lvl8pPr>
+              <a:lvl9pPr marL="0" marR="0" indent="3657600" algn="l" defTabSz="825500" rtl="0" latinLnBrk="0">
+                <a:lnSpc>
+                  <a:spcPct val="80000"/>
+                </a:lnSpc>
+                <a:spcBef>
+                  <a:spcPts val="0"/>
+                </a:spcBef>
+                <a:spcAft>
+                  <a:spcPts val="0"/>
+                </a:spcAft>
+                <a:buClrTx/>
+                <a:buSzTx/>
+                <a:buFontTx/>
+                <a:buNone/>
+                <a:tabLst/>
+                <a:defRPr sz="11600" b="0" i="0" u="none" strike="noStrike" cap="all" spc="-116" baseline="0">
+                  <a:solidFill>
+                    <a:srgbClr val="00BFF3"/>
+                  </a:solidFill>
+                  <a:uFillTx/>
+                  <a:latin typeface="+mn-lt"/>
+                  <a:ea typeface="+mn-ea"/>
+                  <a:cs typeface="+mn-cs"/>
+                  <a:sym typeface="Druk Medium"/>
+                </a:defRPr>
+              </a:lvl9pPr>
+            </a:lstStyle>
+            <a:p>
+              <a:pPr algn="ctr" hangingPunct="1"/>
+              <a:r>
+                <a:rPr lang="en-GB" sz="11800" b="1" dirty="0"/>
+                <a:t>…</a:t>
+              </a:r>
+            </a:p>
+          </p:txBody>
+        </p:sp>
+        <p:sp>
+          <p:nvSpPr>
+            <p:cNvPr id="47" name="Your exam">
+              <a:extLst>
+                <a:ext uri="{FF2B5EF4-FFF2-40B4-BE49-F238E27FC236}">
+                  <a16:creationId xmlns:a16="http://schemas.microsoft.com/office/drawing/2014/main" id="{854251D0-3254-5C9F-7DDB-6DC598E2EC07}"/>
+                </a:ext>
+              </a:extLst>
+            </p:cNvPr>
+            <p:cNvSpPr txBox="1">
+              <a:spLocks/>
+            </p:cNvSpPr>
+            <p:nvPr/>
+          </p:nvSpPr>
+          <p:spPr>
+            <a:xfrm>
+              <a:off x="19924800" y="8459333"/>
+              <a:ext cx="2160000" cy="1666326"/>
+            </a:xfrm>
+            <a:prstGeom prst="rect">
+              <a:avLst/>
+            </a:prstGeom>
+            <a:ln w="12700">
+              <a:miter lim="400000"/>
+            </a:ln>
+            <a:extLst>
+              <a:ext uri="{C572A759-6A51-4108-AA02-DFA0A04FC94B}">
+                <ma14:wrappingTextBoxFlag xmlns="" xmlns:m="http://schemas.openxmlformats.org/officeDocument/2006/math" xmlns:a14="http://schemas.microsoft.com/office/drawing/2010/main" xmlns:ma14="http://schemas.microsoft.com/office/mac/drawingml/2011/main" val="1"/>
+              </a:ext>
+            </a:extLst>
+          </p:spPr>
+          <p:txBody>
+            <a:bodyPr lIns="50800" tIns="50800" rIns="50800" bIns="50800" anchor="ctr">
+              <a:normAutofit/>
+            </a:bodyPr>
+            <a:lstStyle>
+              <a:lvl1pPr marL="0" marR="0" indent="0" algn="l" defTabSz="825500" rtl="0" latinLnBrk="0">
+                <a:lnSpc>
+                  <a:spcPct val="80000"/>
+                </a:lnSpc>
+                <a:spcBef>
+                  <a:spcPts val="0"/>
+                </a:spcBef>
+                <a:spcAft>
+                  <a:spcPts val="0"/>
+                </a:spcAft>
+                <a:buClrTx/>
+                <a:buSzTx/>
+                <a:buFontTx/>
+                <a:buNone/>
+                <a:tabLst/>
+                <a:defRPr sz="14000" b="0" i="0" u="none" strike="noStrike" cap="all" spc="-140" baseline="0">
+                  <a:solidFill>
+                    <a:srgbClr val="FFFFFF"/>
+                  </a:solidFill>
+                  <a:uFillTx/>
+                  <a:latin typeface="+mn-lt"/>
+                  <a:ea typeface="+mn-ea"/>
+                  <a:cs typeface="+mn-cs"/>
+                  <a:sym typeface="Druk Medium"/>
+                </a:defRPr>
+              </a:lvl1pPr>
+              <a:lvl2pPr marL="0" marR="0" indent="457200" algn="l" defTabSz="825500" rtl="0" latinLnBrk="0">
+                <a:lnSpc>
+                  <a:spcPct val="80000"/>
+                </a:lnSpc>
+                <a:spcBef>
+                  <a:spcPts val="0"/>
+                </a:spcBef>
+                <a:spcAft>
+                  <a:spcPts val="0"/>
+                </a:spcAft>
+                <a:buClrTx/>
+                <a:buSzTx/>
+                <a:buFontTx/>
+                <a:buNone/>
+                <a:tabLst/>
+                <a:defRPr sz="11600" b="0" i="0" u="none" strike="noStrike" cap="all" spc="-116" baseline="0">
+                  <a:solidFill>
+                    <a:srgbClr val="00BFF3"/>
+                  </a:solidFill>
+                  <a:uFillTx/>
+                  <a:latin typeface="+mn-lt"/>
+                  <a:ea typeface="+mn-ea"/>
+                  <a:cs typeface="+mn-cs"/>
+                  <a:sym typeface="Druk Medium"/>
+                </a:defRPr>
+              </a:lvl2pPr>
+              <a:lvl3pPr marL="0" marR="0" indent="914400" algn="l" defTabSz="825500" rtl="0" latinLnBrk="0">
+                <a:lnSpc>
+                  <a:spcPct val="80000"/>
+                </a:lnSpc>
+                <a:spcBef>
+                  <a:spcPts val="0"/>
+                </a:spcBef>
+                <a:spcAft>
+                  <a:spcPts val="0"/>
+                </a:spcAft>
+                <a:buClrTx/>
+                <a:buSzTx/>
+                <a:buFontTx/>
+                <a:buNone/>
+                <a:tabLst/>
+                <a:defRPr sz="11600" b="0" i="0" u="none" strike="noStrike" cap="all" spc="-116" baseline="0">
+                  <a:solidFill>
+                    <a:srgbClr val="00BFF3"/>
+                  </a:solidFill>
+                  <a:uFillTx/>
+                  <a:latin typeface="+mn-lt"/>
+                  <a:ea typeface="+mn-ea"/>
+                  <a:cs typeface="+mn-cs"/>
+                  <a:sym typeface="Druk Medium"/>
+                </a:defRPr>
+              </a:lvl3pPr>
+              <a:lvl4pPr marL="0" marR="0" indent="1371600" algn="l" defTabSz="825500" rtl="0" latinLnBrk="0">
+                <a:lnSpc>
+                  <a:spcPct val="80000"/>
+                </a:lnSpc>
+                <a:spcBef>
+                  <a:spcPts val="0"/>
+                </a:spcBef>
+                <a:spcAft>
+                  <a:spcPts val="0"/>
+                </a:spcAft>
+                <a:buClrTx/>
+                <a:buSzTx/>
+                <a:buFontTx/>
+                <a:buNone/>
+                <a:tabLst/>
+                <a:defRPr sz="11600" b="0" i="0" u="none" strike="noStrike" cap="all" spc="-116" baseline="0">
+                  <a:solidFill>
+                    <a:srgbClr val="00BFF3"/>
+                  </a:solidFill>
+                  <a:uFillTx/>
+                  <a:latin typeface="+mn-lt"/>
+                  <a:ea typeface="+mn-ea"/>
+                  <a:cs typeface="+mn-cs"/>
+                  <a:sym typeface="Druk Medium"/>
+                </a:defRPr>
+              </a:lvl4pPr>
+              <a:lvl5pPr marL="0" marR="0" indent="1828800" algn="l" defTabSz="825500" rtl="0" latinLnBrk="0">
+                <a:lnSpc>
+                  <a:spcPct val="80000"/>
+                </a:lnSpc>
+                <a:spcBef>
+                  <a:spcPts val="0"/>
+                </a:spcBef>
+                <a:spcAft>
+                  <a:spcPts val="0"/>
+                </a:spcAft>
+                <a:buClrTx/>
+                <a:buSzTx/>
+                <a:buFontTx/>
+                <a:buNone/>
+                <a:tabLst/>
+                <a:defRPr sz="11600" b="0" i="0" u="none" strike="noStrike" cap="all" spc="-116" baseline="0">
+                  <a:solidFill>
+                    <a:srgbClr val="00BFF3"/>
+                  </a:solidFill>
+                  <a:uFillTx/>
+                  <a:latin typeface="+mn-lt"/>
+                  <a:ea typeface="+mn-ea"/>
+                  <a:cs typeface="+mn-cs"/>
+                  <a:sym typeface="Druk Medium"/>
+                </a:defRPr>
+              </a:lvl5pPr>
+              <a:lvl6pPr marL="0" marR="0" indent="2286000" algn="l" defTabSz="825500" rtl="0" latinLnBrk="0">
+                <a:lnSpc>
+                  <a:spcPct val="80000"/>
+                </a:lnSpc>
+                <a:spcBef>
+                  <a:spcPts val="0"/>
+                </a:spcBef>
+                <a:spcAft>
+                  <a:spcPts val="0"/>
+                </a:spcAft>
+                <a:buClrTx/>
+                <a:buSzTx/>
+                <a:buFontTx/>
+                <a:buNone/>
+                <a:tabLst/>
+                <a:defRPr sz="11600" b="0" i="0" u="none" strike="noStrike" cap="all" spc="-116" baseline="0">
+                  <a:solidFill>
+                    <a:srgbClr val="00BFF3"/>
+                  </a:solidFill>
+                  <a:uFillTx/>
+                  <a:latin typeface="+mn-lt"/>
+                  <a:ea typeface="+mn-ea"/>
+                  <a:cs typeface="+mn-cs"/>
+                  <a:sym typeface="Druk Medium"/>
+                </a:defRPr>
+              </a:lvl6pPr>
+              <a:lvl7pPr marL="0" marR="0" indent="2743200" algn="l" defTabSz="825500" rtl="0" latinLnBrk="0">
+                <a:lnSpc>
+                  <a:spcPct val="80000"/>
+                </a:lnSpc>
+                <a:spcBef>
+                  <a:spcPts val="0"/>
+                </a:spcBef>
+                <a:spcAft>
+                  <a:spcPts val="0"/>
+                </a:spcAft>
+                <a:buClrTx/>
+                <a:buSzTx/>
+                <a:buFontTx/>
+                <a:buNone/>
+                <a:tabLst/>
+                <a:defRPr sz="11600" b="0" i="0" u="none" strike="noStrike" cap="all" spc="-116" baseline="0">
+                  <a:solidFill>
+                    <a:srgbClr val="00BFF3"/>
+                  </a:solidFill>
+                  <a:uFillTx/>
+                  <a:latin typeface="+mn-lt"/>
+                  <a:ea typeface="+mn-ea"/>
+                  <a:cs typeface="+mn-cs"/>
+                  <a:sym typeface="Druk Medium"/>
+                </a:defRPr>
+              </a:lvl7pPr>
+              <a:lvl8pPr marL="0" marR="0" indent="3200400" algn="l" defTabSz="825500" rtl="0" latinLnBrk="0">
+                <a:lnSpc>
+                  <a:spcPct val="80000"/>
+                </a:lnSpc>
+                <a:spcBef>
+                  <a:spcPts val="0"/>
+                </a:spcBef>
+                <a:spcAft>
+                  <a:spcPts val="0"/>
+                </a:spcAft>
+                <a:buClrTx/>
+                <a:buSzTx/>
+                <a:buFontTx/>
+                <a:buNone/>
+                <a:tabLst/>
+                <a:defRPr sz="11600" b="0" i="0" u="none" strike="noStrike" cap="all" spc="-116" baseline="0">
+                  <a:solidFill>
+                    <a:srgbClr val="00BFF3"/>
+                  </a:solidFill>
+                  <a:uFillTx/>
+                  <a:latin typeface="+mn-lt"/>
+                  <a:ea typeface="+mn-ea"/>
+                  <a:cs typeface="+mn-cs"/>
+                  <a:sym typeface="Druk Medium"/>
+                </a:defRPr>
+              </a:lvl8pPr>
+              <a:lvl9pPr marL="0" marR="0" indent="3657600" algn="l" defTabSz="825500" rtl="0" latinLnBrk="0">
+                <a:lnSpc>
+                  <a:spcPct val="80000"/>
+                </a:lnSpc>
+                <a:spcBef>
+                  <a:spcPts val="0"/>
+                </a:spcBef>
+                <a:spcAft>
+                  <a:spcPts val="0"/>
+                </a:spcAft>
+                <a:buClrTx/>
+                <a:buSzTx/>
+                <a:buFontTx/>
+                <a:buNone/>
+                <a:tabLst/>
+                <a:defRPr sz="11600" b="0" i="0" u="none" strike="noStrike" cap="all" spc="-116" baseline="0">
+                  <a:solidFill>
+                    <a:srgbClr val="00BFF3"/>
+                  </a:solidFill>
+                  <a:uFillTx/>
+                  <a:latin typeface="+mn-lt"/>
+                  <a:ea typeface="+mn-ea"/>
+                  <a:cs typeface="+mn-cs"/>
+                  <a:sym typeface="Druk Medium"/>
+                </a:defRPr>
+              </a:lvl9pPr>
+            </a:lstStyle>
+            <a:p>
+              <a:pPr algn="ctr" hangingPunct="1"/>
+              <a:r>
+                <a:rPr lang="en-GB" sz="11800" b="1" dirty="0"/>
+                <a:t>…</a:t>
+              </a:r>
+            </a:p>
+          </p:txBody>
+        </p:sp>
+      </p:grpSp>
+    </p:spTree>
+    <p:extLst>
+      <p:ext uri="{BB962C8B-B14F-4D97-AF65-F5344CB8AC3E}">
+        <p14:creationId xmlns:p14="http://schemas.microsoft.com/office/powerpoint/2010/main" val="440263931"/>
       </p:ext>
     </p:extLst>
   </p:cSld>

--- a/Y10/L2/L2.pptx
+++ b/Y10/L2/L2.pptx
@@ -5042,7 +5042,7 @@
         </p:nvGrpSpPr>
         <p:grpSpPr>
           <a:xfrm>
-            <a:off x="10169491" y="3099915"/>
+            <a:off x="5659246" y="3099915"/>
             <a:ext cx="2520000" cy="2520000"/>
             <a:chOff x="9499682" y="2919915"/>
             <a:chExt cx="2520000" cy="2520000"/>
@@ -5204,6 +5204,417 @@
           </a:prstGeom>
         </p:spPr>
       </p:pic>
+      <p:grpSp>
+        <p:nvGrpSpPr>
+          <p:cNvPr id="17" name="Group 16">
+            <a:extLst>
+              <a:ext uri="{FF2B5EF4-FFF2-40B4-BE49-F238E27FC236}">
+                <a16:creationId xmlns:a16="http://schemas.microsoft.com/office/drawing/2014/main" id="{B0D594F3-AC8A-B457-383F-CE2F9AD10BC4}"/>
+              </a:ext>
+            </a:extLst>
+          </p:cNvPr>
+          <p:cNvGrpSpPr/>
+          <p:nvPr/>
+        </p:nvGrpSpPr>
+        <p:grpSpPr>
+          <a:xfrm>
+            <a:off x="14679737" y="3078001"/>
+            <a:ext cx="2520000" cy="2520000"/>
+            <a:chOff x="9499682" y="2919915"/>
+            <a:chExt cx="2520000" cy="2520000"/>
+          </a:xfrm>
+        </p:grpSpPr>
+        <p:sp>
+          <p:nvSpPr>
+            <p:cNvPr id="18" name="Rounded Rectangle 17">
+              <a:extLst>
+                <a:ext uri="{FF2B5EF4-FFF2-40B4-BE49-F238E27FC236}">
+                  <a16:creationId xmlns:a16="http://schemas.microsoft.com/office/drawing/2014/main" id="{1ED8303D-F5FD-1C62-0975-99C52B8FE129}"/>
+                </a:ext>
+              </a:extLst>
+            </p:cNvPr>
+            <p:cNvSpPr/>
+            <p:nvPr/>
+          </p:nvSpPr>
+          <p:spPr>
+            <a:xfrm>
+              <a:off x="9499682" y="2919915"/>
+              <a:ext cx="2520000" cy="2520000"/>
+            </a:xfrm>
+            <a:prstGeom prst="roundRect">
+              <a:avLst/>
+            </a:prstGeom>
+            <a:ln w="127000">
+              <a:noFill/>
+            </a:ln>
+          </p:spPr>
+          <p:style>
+            <a:lnRef idx="2">
+              <a:schemeClr val="accent1"/>
+            </a:lnRef>
+            <a:fillRef idx="1">
+              <a:schemeClr val="lt1"/>
+            </a:fillRef>
+            <a:effectRef idx="0">
+              <a:schemeClr val="accent1"/>
+            </a:effectRef>
+            <a:fontRef idx="minor">
+              <a:schemeClr val="dk1"/>
+            </a:fontRef>
+          </p:style>
+          <p:txBody>
+            <a:bodyPr rot="0" spcFirstLastPara="1" vertOverflow="overflow" horzOverflow="overflow" vert="horz" wrap="square" lIns="50800" tIns="50800" rIns="50800" bIns="50800" numCol="1" spcCol="38100" rtlCol="0" anchor="ctr">
+              <a:spAutoFit/>
+            </a:bodyPr>
+            <a:lstStyle/>
+            <a:p>
+              <a:pPr marL="0" marR="0" indent="0" algn="ctr" defTabSz="825500" rtl="0" fontAlgn="auto" latinLnBrk="0" hangingPunct="0">
+                <a:lnSpc>
+                  <a:spcPct val="120000"/>
+                </a:lnSpc>
+                <a:spcBef>
+                  <a:spcPts val="0"/>
+                </a:spcBef>
+                <a:spcAft>
+                  <a:spcPts val="0"/>
+                </a:spcAft>
+                <a:buClrTx/>
+                <a:buSzTx/>
+                <a:buFontTx/>
+                <a:buNone/>
+                <a:tabLst/>
+              </a:pPr>
+              <a:endParaRPr kumimoji="0" lang="en-US" sz="3000" b="0" i="0" u="none" strike="noStrike" cap="all" spc="0" normalizeH="0" baseline="0" dirty="0">
+                <a:ln>
+                  <a:noFill/>
+                </a:ln>
+                <a:solidFill>
+                  <a:srgbClr val="FFFFFF"/>
+                </a:solidFill>
+                <a:effectLst/>
+                <a:uFillTx/>
+                <a:latin typeface="Proxima Nova Extrabold"/>
+                <a:ea typeface="Proxima Nova Extrabold"/>
+                <a:cs typeface="Proxima Nova Extrabold"/>
+                <a:sym typeface="Proxima Nova Extrabold"/>
+              </a:endParaRPr>
+            </a:p>
+          </p:txBody>
+        </p:sp>
+        <p:pic>
+          <p:nvPicPr>
+            <p:cNvPr id="19" name="Graphic 18" descr="Document with solid fill">
+              <a:extLst>
+                <a:ext uri="{FF2B5EF4-FFF2-40B4-BE49-F238E27FC236}">
+                  <a16:creationId xmlns:a16="http://schemas.microsoft.com/office/drawing/2014/main" id="{5A755262-EBBD-0683-C807-42C9133F1099}"/>
+                </a:ext>
+              </a:extLst>
+            </p:cNvPr>
+            <p:cNvPicPr>
+              <a:picLocks noChangeAspect="1"/>
+            </p:cNvPicPr>
+            <p:nvPr/>
+          </p:nvPicPr>
+          <p:blipFill>
+            <a:blip r:embed="rId7">
+              <a:extLst>
+                <a:ext uri="{28A0092B-C50C-407E-A947-70E740481C1C}">
+                  <a14:useLocalDpi xmlns:a14="http://schemas.microsoft.com/office/drawing/2010/main" val="0"/>
+                </a:ext>
+                <a:ext uri="{96DAC541-7B7A-43D3-8B79-37D633B846F1}">
+                  <asvg:svgBlip xmlns:asvg="http://schemas.microsoft.com/office/drawing/2016/SVG/main" r:embed="rId8"/>
+                </a:ext>
+              </a:extLst>
+            </a:blip>
+            <a:stretch>
+              <a:fillRect/>
+            </a:stretch>
+          </p:blipFill>
+          <p:spPr>
+            <a:xfrm>
+              <a:off x="9658245" y="3078478"/>
+              <a:ext cx="2202873" cy="2202873"/>
+            </a:xfrm>
+            <a:prstGeom prst="rect">
+              <a:avLst/>
+            </a:prstGeom>
+          </p:spPr>
+        </p:pic>
+      </p:grpSp>
+      <p:grpSp>
+        <p:nvGrpSpPr>
+          <p:cNvPr id="26" name="Group 25">
+            <a:extLst>
+              <a:ext uri="{FF2B5EF4-FFF2-40B4-BE49-F238E27FC236}">
+                <a16:creationId xmlns:a16="http://schemas.microsoft.com/office/drawing/2014/main" id="{21656B4C-5AA0-9414-3F87-73C75CC92BFE}"/>
+              </a:ext>
+            </a:extLst>
+          </p:cNvPr>
+          <p:cNvGrpSpPr/>
+          <p:nvPr/>
+        </p:nvGrpSpPr>
+        <p:grpSpPr>
+          <a:xfrm>
+            <a:off x="5620019" y="3101119"/>
+            <a:ext cx="2520000" cy="2520000"/>
+            <a:chOff x="9499682" y="2919915"/>
+            <a:chExt cx="2520000" cy="2520000"/>
+          </a:xfrm>
+        </p:grpSpPr>
+        <p:sp>
+          <p:nvSpPr>
+            <p:cNvPr id="27" name="Rounded Rectangle 26">
+              <a:extLst>
+                <a:ext uri="{FF2B5EF4-FFF2-40B4-BE49-F238E27FC236}">
+                  <a16:creationId xmlns:a16="http://schemas.microsoft.com/office/drawing/2014/main" id="{7A8762E8-818D-7547-79D3-EC4CD2285A08}"/>
+                </a:ext>
+              </a:extLst>
+            </p:cNvPr>
+            <p:cNvSpPr/>
+            <p:nvPr/>
+          </p:nvSpPr>
+          <p:spPr>
+            <a:xfrm>
+              <a:off x="9499682" y="2919915"/>
+              <a:ext cx="2520000" cy="2520000"/>
+            </a:xfrm>
+            <a:prstGeom prst="roundRect">
+              <a:avLst/>
+            </a:prstGeom>
+            <a:ln w="127000">
+              <a:noFill/>
+            </a:ln>
+          </p:spPr>
+          <p:style>
+            <a:lnRef idx="2">
+              <a:schemeClr val="accent1"/>
+            </a:lnRef>
+            <a:fillRef idx="1">
+              <a:schemeClr val="lt1"/>
+            </a:fillRef>
+            <a:effectRef idx="0">
+              <a:schemeClr val="accent1"/>
+            </a:effectRef>
+            <a:fontRef idx="minor">
+              <a:schemeClr val="dk1"/>
+            </a:fontRef>
+          </p:style>
+          <p:txBody>
+            <a:bodyPr rot="0" spcFirstLastPara="1" vertOverflow="overflow" horzOverflow="overflow" vert="horz" wrap="square" lIns="50800" tIns="50800" rIns="50800" bIns="50800" numCol="1" spcCol="38100" rtlCol="0" anchor="ctr">
+              <a:spAutoFit/>
+            </a:bodyPr>
+            <a:lstStyle/>
+            <a:p>
+              <a:pPr marL="0" marR="0" indent="0" algn="ctr" defTabSz="825500" rtl="0" fontAlgn="auto" latinLnBrk="0" hangingPunct="0">
+                <a:lnSpc>
+                  <a:spcPct val="120000"/>
+                </a:lnSpc>
+                <a:spcBef>
+                  <a:spcPts val="0"/>
+                </a:spcBef>
+                <a:spcAft>
+                  <a:spcPts val="0"/>
+                </a:spcAft>
+                <a:buClrTx/>
+                <a:buSzTx/>
+                <a:buFontTx/>
+                <a:buNone/>
+                <a:tabLst/>
+              </a:pPr>
+              <a:endParaRPr kumimoji="0" lang="en-US" sz="3000" b="0" i="0" u="none" strike="noStrike" cap="all" spc="0" normalizeH="0" baseline="0" dirty="0">
+                <a:ln>
+                  <a:noFill/>
+                </a:ln>
+                <a:solidFill>
+                  <a:srgbClr val="FFFFFF"/>
+                </a:solidFill>
+                <a:effectLst/>
+                <a:uFillTx/>
+                <a:latin typeface="Proxima Nova Extrabold"/>
+                <a:ea typeface="Proxima Nova Extrabold"/>
+                <a:cs typeface="Proxima Nova Extrabold"/>
+                <a:sym typeface="Proxima Nova Extrabold"/>
+              </a:endParaRPr>
+            </a:p>
+          </p:txBody>
+        </p:sp>
+        <p:pic>
+          <p:nvPicPr>
+            <p:cNvPr id="28" name="Graphic 27" descr="Document with solid fill">
+              <a:extLst>
+                <a:ext uri="{FF2B5EF4-FFF2-40B4-BE49-F238E27FC236}">
+                  <a16:creationId xmlns:a16="http://schemas.microsoft.com/office/drawing/2014/main" id="{1E413463-79A1-F28D-2784-DF5641F47D47}"/>
+                </a:ext>
+              </a:extLst>
+            </p:cNvPr>
+            <p:cNvPicPr>
+              <a:picLocks noChangeAspect="1"/>
+            </p:cNvPicPr>
+            <p:nvPr/>
+          </p:nvPicPr>
+          <p:blipFill>
+            <a:blip r:embed="rId7">
+              <a:extLst>
+                <a:ext uri="{28A0092B-C50C-407E-A947-70E740481C1C}">
+                  <a14:useLocalDpi xmlns:a14="http://schemas.microsoft.com/office/drawing/2010/main" val="0"/>
+                </a:ext>
+                <a:ext uri="{96DAC541-7B7A-43D3-8B79-37D633B846F1}">
+                  <asvg:svgBlip xmlns:asvg="http://schemas.microsoft.com/office/drawing/2016/SVG/main" r:embed="rId8"/>
+                </a:ext>
+              </a:extLst>
+            </a:blip>
+            <a:stretch>
+              <a:fillRect/>
+            </a:stretch>
+          </p:blipFill>
+          <p:spPr>
+            <a:xfrm>
+              <a:off x="9658245" y="3078478"/>
+              <a:ext cx="2202873" cy="2202873"/>
+            </a:xfrm>
+            <a:prstGeom prst="rect">
+              <a:avLst/>
+            </a:prstGeom>
+          </p:spPr>
+        </p:pic>
+      </p:grpSp>
+      <p:grpSp>
+        <p:nvGrpSpPr>
+          <p:cNvPr id="29" name="Group 28">
+            <a:extLst>
+              <a:ext uri="{FF2B5EF4-FFF2-40B4-BE49-F238E27FC236}">
+                <a16:creationId xmlns:a16="http://schemas.microsoft.com/office/drawing/2014/main" id="{A96AAF30-F28A-CA3F-6368-E52FAD736087}"/>
+              </a:ext>
+            </a:extLst>
+          </p:cNvPr>
+          <p:cNvGrpSpPr/>
+          <p:nvPr/>
+        </p:nvGrpSpPr>
+        <p:grpSpPr>
+          <a:xfrm>
+            <a:off x="5580792" y="3099915"/>
+            <a:ext cx="2520000" cy="2520000"/>
+            <a:chOff x="9499682" y="2919915"/>
+            <a:chExt cx="2520000" cy="2520000"/>
+          </a:xfrm>
+        </p:grpSpPr>
+        <p:sp>
+          <p:nvSpPr>
+            <p:cNvPr id="30" name="Rounded Rectangle 29">
+              <a:extLst>
+                <a:ext uri="{FF2B5EF4-FFF2-40B4-BE49-F238E27FC236}">
+                  <a16:creationId xmlns:a16="http://schemas.microsoft.com/office/drawing/2014/main" id="{4EB0FE93-D503-91CF-EDD8-572A3955E118}"/>
+                </a:ext>
+              </a:extLst>
+            </p:cNvPr>
+            <p:cNvSpPr/>
+            <p:nvPr/>
+          </p:nvSpPr>
+          <p:spPr>
+            <a:xfrm>
+              <a:off x="9499682" y="2919915"/>
+              <a:ext cx="2520000" cy="2520000"/>
+            </a:xfrm>
+            <a:prstGeom prst="roundRect">
+              <a:avLst/>
+            </a:prstGeom>
+            <a:ln w="127000">
+              <a:noFill/>
+            </a:ln>
+          </p:spPr>
+          <p:style>
+            <a:lnRef idx="2">
+              <a:schemeClr val="accent1"/>
+            </a:lnRef>
+            <a:fillRef idx="1">
+              <a:schemeClr val="lt1"/>
+            </a:fillRef>
+            <a:effectRef idx="0">
+              <a:schemeClr val="accent1"/>
+            </a:effectRef>
+            <a:fontRef idx="minor">
+              <a:schemeClr val="dk1"/>
+            </a:fontRef>
+          </p:style>
+          <p:txBody>
+            <a:bodyPr rot="0" spcFirstLastPara="1" vertOverflow="overflow" horzOverflow="overflow" vert="horz" wrap="square" lIns="50800" tIns="50800" rIns="50800" bIns="50800" numCol="1" spcCol="38100" rtlCol="0" anchor="ctr">
+              <a:spAutoFit/>
+            </a:bodyPr>
+            <a:lstStyle/>
+            <a:p>
+              <a:pPr marL="0" marR="0" indent="0" algn="ctr" defTabSz="825500" rtl="0" fontAlgn="auto" latinLnBrk="0" hangingPunct="0">
+                <a:lnSpc>
+                  <a:spcPct val="120000"/>
+                </a:lnSpc>
+                <a:spcBef>
+                  <a:spcPts val="0"/>
+                </a:spcBef>
+                <a:spcAft>
+                  <a:spcPts val="0"/>
+                </a:spcAft>
+                <a:buClrTx/>
+                <a:buSzTx/>
+                <a:buFontTx/>
+                <a:buNone/>
+                <a:tabLst/>
+              </a:pPr>
+              <a:endParaRPr kumimoji="0" lang="en-US" sz="3000" b="0" i="0" u="none" strike="noStrike" cap="all" spc="0" normalizeH="0" baseline="0" dirty="0">
+                <a:ln>
+                  <a:noFill/>
+                </a:ln>
+                <a:solidFill>
+                  <a:srgbClr val="FFFFFF"/>
+                </a:solidFill>
+                <a:effectLst/>
+                <a:uFillTx/>
+                <a:latin typeface="Proxima Nova Extrabold"/>
+                <a:ea typeface="Proxima Nova Extrabold"/>
+                <a:cs typeface="Proxima Nova Extrabold"/>
+                <a:sym typeface="Proxima Nova Extrabold"/>
+              </a:endParaRPr>
+            </a:p>
+          </p:txBody>
+        </p:sp>
+        <p:pic>
+          <p:nvPicPr>
+            <p:cNvPr id="31" name="Graphic 30" descr="Document with solid fill">
+              <a:extLst>
+                <a:ext uri="{FF2B5EF4-FFF2-40B4-BE49-F238E27FC236}">
+                  <a16:creationId xmlns:a16="http://schemas.microsoft.com/office/drawing/2014/main" id="{DE2F36D5-1EF5-5730-FEE2-8BF634A24900}"/>
+                </a:ext>
+              </a:extLst>
+            </p:cNvPr>
+            <p:cNvPicPr>
+              <a:picLocks noChangeAspect="1"/>
+            </p:cNvPicPr>
+            <p:nvPr/>
+          </p:nvPicPr>
+          <p:blipFill>
+            <a:blip r:embed="rId7">
+              <a:extLst>
+                <a:ext uri="{28A0092B-C50C-407E-A947-70E740481C1C}">
+                  <a14:useLocalDpi xmlns:a14="http://schemas.microsoft.com/office/drawing/2010/main" val="0"/>
+                </a:ext>
+                <a:ext uri="{96DAC541-7B7A-43D3-8B79-37D633B846F1}">
+                  <asvg:svgBlip xmlns:asvg="http://schemas.microsoft.com/office/drawing/2016/SVG/main" r:embed="rId8"/>
+                </a:ext>
+              </a:extLst>
+            </a:blip>
+            <a:stretch>
+              <a:fillRect/>
+            </a:stretch>
+          </p:blipFill>
+          <p:spPr>
+            <a:xfrm>
+              <a:off x="9658245" y="3078478"/>
+              <a:ext cx="2202873" cy="2202873"/>
+            </a:xfrm>
+            <a:prstGeom prst="rect">
+              <a:avLst/>
+            </a:prstGeom>
+          </p:spPr>
+        </p:pic>
+      </p:grpSp>
     </p:spTree>
     <p:extLst>
       <p:ext uri="{BB962C8B-B14F-4D97-AF65-F5344CB8AC3E}">
@@ -5236,14 +5647,327 @@
                             </p:stCondLst>
                             <p:childTnLst>
                               <p:par>
-                                <p:cTn id="5" presetID="1" presetClass="entr" presetSubtype="0" fill="hold" grpId="0" nodeType="clickEffect">
+                                <p:cTn id="5" presetID="0" presetClass="path" presetSubtype="0" accel="50000" decel="50000" fill="hold" nodeType="clickEffect">
+                                  <p:stCondLst>
+                                    <p:cond delay="0"/>
+                                  </p:stCondLst>
+                                  <p:childTnLst>
+                                    <p:animMotion origin="layout" path="M -3.95833E-6 -4.07407E-6 L 0.36967 -4.07407E-6 " pathEditMode="relative" rAng="0" ptsTypes="AA">
+                                      <p:cBhvr>
+                                        <p:cTn id="6" dur="2000" fill="hold"/>
+                                        <p:tgtEl>
+                                          <p:spTgt spid="11"/>
+                                        </p:tgtEl>
+                                        <p:attrNameLst>
+                                          <p:attrName>ppt_x</p:attrName>
+                                          <p:attrName>ppt_y</p:attrName>
+                                        </p:attrNameLst>
+                                      </p:cBhvr>
+                                      <p:rCtr x="18483" y="0"/>
+                                    </p:animMotion>
+                                  </p:childTnLst>
+                                </p:cTn>
+                              </p:par>
+                            </p:childTnLst>
+                          </p:cTn>
+                        </p:par>
+                        <p:par>
+                          <p:cTn id="7" fill="hold">
+                            <p:stCondLst>
+                              <p:cond delay="2000"/>
+                            </p:stCondLst>
+                            <p:childTnLst>
+                              <p:par>
+                                <p:cTn id="8" presetID="1" presetClass="entr" presetSubtype="0" fill="hold" nodeType="afterEffect">
                                   <p:stCondLst>
                                     <p:cond delay="0"/>
                                   </p:stCondLst>
                                   <p:childTnLst>
                                     <p:set>
                                       <p:cBhvr>
-                                        <p:cTn id="6" dur="1" fill="hold">
+                                        <p:cTn id="9" dur="1" fill="hold">
+                                          <p:stCondLst>
+                                            <p:cond delay="0"/>
+                                          </p:stCondLst>
+                                        </p:cTn>
+                                        <p:tgtEl>
+                                          <p:spTgt spid="17"/>
+                                        </p:tgtEl>
+                                        <p:attrNameLst>
+                                          <p:attrName>style.visibility</p:attrName>
+                                        </p:attrNameLst>
+                                      </p:cBhvr>
+                                      <p:to>
+                                        <p:strVal val="visible"/>
+                                      </p:to>
+                                    </p:set>
+                                  </p:childTnLst>
+                                </p:cTn>
+                              </p:par>
+                            </p:childTnLst>
+                          </p:cTn>
+                        </p:par>
+                        <p:par>
+                          <p:cTn id="10" fill="hold">
+                            <p:stCondLst>
+                              <p:cond delay="2000"/>
+                            </p:stCondLst>
+                            <p:childTnLst>
+                              <p:par>
+                                <p:cTn id="11" presetID="1" presetClass="exit" presetSubtype="0" fill="hold" nodeType="afterEffect">
+                                  <p:stCondLst>
+                                    <p:cond delay="0"/>
+                                  </p:stCondLst>
+                                  <p:childTnLst>
+                                    <p:set>
+                                      <p:cBhvr>
+                                        <p:cTn id="12" dur="1" fill="hold">
+                                          <p:stCondLst>
+                                            <p:cond delay="0"/>
+                                          </p:stCondLst>
+                                        </p:cTn>
+                                        <p:tgtEl>
+                                          <p:spTgt spid="11"/>
+                                        </p:tgtEl>
+                                        <p:attrNameLst>
+                                          <p:attrName>style.visibility</p:attrName>
+                                        </p:attrNameLst>
+                                      </p:cBhvr>
+                                      <p:to>
+                                        <p:strVal val="hidden"/>
+                                      </p:to>
+                                    </p:set>
+                                  </p:childTnLst>
+                                </p:cTn>
+                              </p:par>
+                            </p:childTnLst>
+                          </p:cTn>
+                        </p:par>
+                        <p:par>
+                          <p:cTn id="13" fill="hold">
+                            <p:stCondLst>
+                              <p:cond delay="2000"/>
+                            </p:stCondLst>
+                            <p:childTnLst>
+                              <p:par>
+                                <p:cTn id="14" presetID="0" presetClass="path" presetSubtype="0" accel="50000" decel="50000" fill="hold" nodeType="afterEffect">
+                                  <p:stCondLst>
+                                    <p:cond delay="500"/>
+                                  </p:stCondLst>
+                                  <p:childTnLst>
+                                    <p:animMotion origin="layout" path="M 4.16667E-6 -3.7037E-6 L -0.36992 0.00162 " pathEditMode="relative" rAng="0" ptsTypes="AA">
+                                      <p:cBhvr>
+                                        <p:cTn id="15" dur="2000" fill="hold"/>
+                                        <p:tgtEl>
+                                          <p:spTgt spid="17"/>
+                                        </p:tgtEl>
+                                        <p:attrNameLst>
+                                          <p:attrName>ppt_x</p:attrName>
+                                          <p:attrName>ppt_y</p:attrName>
+                                        </p:attrNameLst>
+                                      </p:cBhvr>
+                                      <p:rCtr x="-18535" y="81"/>
+                                    </p:animMotion>
+                                  </p:childTnLst>
+                                </p:cTn>
+                              </p:par>
+                            </p:childTnLst>
+                          </p:cTn>
+                        </p:par>
+                        <p:par>
+                          <p:cTn id="16" fill="hold">
+                            <p:stCondLst>
+                              <p:cond delay="4500"/>
+                            </p:stCondLst>
+                            <p:childTnLst>
+                              <p:par>
+                                <p:cTn id="17" presetID="1" presetClass="entr" presetSubtype="0" fill="hold" nodeType="afterEffect">
+                                  <p:stCondLst>
+                                    <p:cond delay="0"/>
+                                  </p:stCondLst>
+                                  <p:childTnLst>
+                                    <p:set>
+                                      <p:cBhvr>
+                                        <p:cTn id="18" dur="1" fill="hold">
+                                          <p:stCondLst>
+                                            <p:cond delay="0"/>
+                                          </p:stCondLst>
+                                        </p:cTn>
+                                        <p:tgtEl>
+                                          <p:spTgt spid="29"/>
+                                        </p:tgtEl>
+                                        <p:attrNameLst>
+                                          <p:attrName>style.visibility</p:attrName>
+                                        </p:attrNameLst>
+                                      </p:cBhvr>
+                                      <p:to>
+                                        <p:strVal val="visible"/>
+                                      </p:to>
+                                    </p:set>
+                                  </p:childTnLst>
+                                </p:cTn>
+                              </p:par>
+                            </p:childTnLst>
+                          </p:cTn>
+                        </p:par>
+                        <p:par>
+                          <p:cTn id="19" fill="hold">
+                            <p:stCondLst>
+                              <p:cond delay="4500"/>
+                            </p:stCondLst>
+                            <p:childTnLst>
+                              <p:par>
+                                <p:cTn id="20" presetID="1" presetClass="entr" presetSubtype="0" fill="hold" nodeType="afterEffect">
+                                  <p:stCondLst>
+                                    <p:cond delay="0"/>
+                                  </p:stCondLst>
+                                  <p:childTnLst>
+                                    <p:set>
+                                      <p:cBhvr>
+                                        <p:cTn id="21" dur="1" fill="hold">
+                                          <p:stCondLst>
+                                            <p:cond delay="0"/>
+                                          </p:stCondLst>
+                                        </p:cTn>
+                                        <p:tgtEl>
+                                          <p:spTgt spid="26"/>
+                                        </p:tgtEl>
+                                        <p:attrNameLst>
+                                          <p:attrName>style.visibility</p:attrName>
+                                        </p:attrNameLst>
+                                      </p:cBhvr>
+                                      <p:to>
+                                        <p:strVal val="visible"/>
+                                      </p:to>
+                                    </p:set>
+                                  </p:childTnLst>
+                                </p:cTn>
+                              </p:par>
+                            </p:childTnLst>
+                          </p:cTn>
+                        </p:par>
+                        <p:par>
+                          <p:cTn id="22" fill="hold">
+                            <p:stCondLst>
+                              <p:cond delay="4500"/>
+                            </p:stCondLst>
+                            <p:childTnLst>
+                              <p:par>
+                                <p:cTn id="23" presetID="1" presetClass="exit" presetSubtype="0" fill="hold" nodeType="afterEffect">
+                                  <p:stCondLst>
+                                    <p:cond delay="0"/>
+                                  </p:stCondLst>
+                                  <p:childTnLst>
+                                    <p:set>
+                                      <p:cBhvr>
+                                        <p:cTn id="24" dur="1" fill="hold">
+                                          <p:stCondLst>
+                                            <p:cond delay="0"/>
+                                          </p:stCondLst>
+                                        </p:cTn>
+                                        <p:tgtEl>
+                                          <p:spTgt spid="17"/>
+                                        </p:tgtEl>
+                                        <p:attrNameLst>
+                                          <p:attrName>style.visibility</p:attrName>
+                                        </p:attrNameLst>
+                                      </p:cBhvr>
+                                      <p:to>
+                                        <p:strVal val="hidden"/>
+                                      </p:to>
+                                    </p:set>
+                                  </p:childTnLst>
+                                </p:cTn>
+                              </p:par>
+                            </p:childTnLst>
+                          </p:cTn>
+                        </p:par>
+                      </p:childTnLst>
+                    </p:cTn>
+                  </p:par>
+                  <p:par>
+                    <p:cTn id="25" fill="hold">
+                      <p:stCondLst>
+                        <p:cond delay="indefinite"/>
+                      </p:stCondLst>
+                      <p:childTnLst>
+                        <p:par>
+                          <p:cTn id="26" fill="hold">
+                            <p:stCondLst>
+                              <p:cond delay="0"/>
+                            </p:stCondLst>
+                            <p:childTnLst>
+                              <p:par>
+                                <p:cTn id="27" presetID="50" presetClass="path" presetSubtype="0" accel="50000" decel="50000" fill="hold" nodeType="clickEffect">
+                                  <p:stCondLst>
+                                    <p:cond delay="0"/>
+                                  </p:stCondLst>
+                                  <p:childTnLst>
+                                    <p:animMotion origin="layout" path="M 0.00156 -0.00012 L 0.09401 -0.00012 C 0.13535 -0.00012 0.18646 0.04432 0.18646 0.08044 L 0.18646 0.16111 " pathEditMode="relative" rAng="0" ptsTypes="AAAA">
+                                      <p:cBhvr>
+                                        <p:cTn id="28" dur="2000" fill="hold"/>
+                                        <p:tgtEl>
+                                          <p:spTgt spid="26"/>
+                                        </p:tgtEl>
+                                        <p:attrNameLst>
+                                          <p:attrName>ppt_x</p:attrName>
+                                          <p:attrName>ppt_y</p:attrName>
+                                        </p:attrNameLst>
+                                      </p:cBhvr>
+                                      <p:rCtr x="9245" y="8056"/>
+                                    </p:animMotion>
+                                  </p:childTnLst>
+                                </p:cTn>
+                              </p:par>
+                              <p:par>
+                                <p:cTn id="29" presetID="0" presetClass="path" presetSubtype="0" accel="50000" decel="50000" fill="hold" nodeType="withEffect">
+                                  <p:stCondLst>
+                                    <p:cond delay="0"/>
+                                  </p:stCondLst>
+                                  <p:childTnLst>
+                                    <p:animMotion origin="layout" path="M -3.85417E-6 -4.07407E-6 L 0.36967 -4.07407E-6 " pathEditMode="relative" rAng="0" ptsTypes="AA">
+                                      <p:cBhvr>
+                                        <p:cTn id="30" dur="2000" fill="hold"/>
+                                        <p:tgtEl>
+                                          <p:spTgt spid="29"/>
+                                        </p:tgtEl>
+                                        <p:attrNameLst>
+                                          <p:attrName>ppt_x</p:attrName>
+                                          <p:attrName>ppt_y</p:attrName>
+                                        </p:attrNameLst>
+                                      </p:cBhvr>
+                                      <p:rCtr x="18483" y="0"/>
+                                    </p:animMotion>
+                                  </p:childTnLst>
+                                </p:cTn>
+                              </p:par>
+                            </p:childTnLst>
+                          </p:cTn>
+                        </p:par>
+                      </p:childTnLst>
+                    </p:cTn>
+                  </p:par>
+                  <p:par>
+                    <p:cTn id="31" fill="hold">
+                      <p:stCondLst>
+                        <p:cond delay="indefinite"/>
+                      </p:stCondLst>
+                      <p:childTnLst>
+                        <p:par>
+                          <p:cTn id="32" fill="hold">
+                            <p:stCondLst>
+                              <p:cond delay="0"/>
+                            </p:stCondLst>
+                            <p:childTnLst>
+                              <p:par>
+                                <p:cTn id="33" presetID="1" presetClass="entr" presetSubtype="0" fill="hold" grpId="0" nodeType="clickEffect">
+                                  <p:stCondLst>
+                                    <p:cond delay="0"/>
+                                  </p:stCondLst>
+                                  <p:childTnLst>
+                                    <p:set>
+                                      <p:cBhvr>
+                                        <p:cTn id="34" dur="1" fill="hold">
                                           <p:stCondLst>
                                             <p:cond delay="0"/>
                                           </p:stCondLst>
@@ -5273,26 +5997,26 @@
                     </p:cTn>
                   </p:par>
                   <p:par>
-                    <p:cTn id="7" fill="hold">
+                    <p:cTn id="35" fill="hold">
                       <p:stCondLst>
                         <p:cond delay="indefinite"/>
                       </p:stCondLst>
                       <p:childTnLst>
                         <p:par>
-                          <p:cTn id="8" fill="hold">
+                          <p:cTn id="36" fill="hold">
                             <p:stCondLst>
                               <p:cond delay="0"/>
                             </p:stCondLst>
                             <p:childTnLst>
                               <p:par>
-                                <p:cTn id="9" presetID="1" presetClass="entr" presetSubtype="0" fill="hold" grpId="0" nodeType="clickEffect">
+                                <p:cTn id="37" presetID="1" presetClass="entr" presetSubtype="0" fill="hold" grpId="0" nodeType="clickEffect">
                                   <p:stCondLst>
                                     <p:cond delay="0"/>
                                   </p:stCondLst>
                                   <p:childTnLst>
                                     <p:set>
                                       <p:cBhvr>
-                                        <p:cTn id="10" dur="1" fill="hold">
+                                        <p:cTn id="38" dur="1" fill="hold">
                                           <p:stCondLst>
                                             <p:cond delay="0"/>
                                           </p:stCondLst>
@@ -5322,26 +6046,26 @@
                     </p:cTn>
                   </p:par>
                   <p:par>
-                    <p:cTn id="11" fill="hold">
+                    <p:cTn id="39" fill="hold">
                       <p:stCondLst>
                         <p:cond delay="indefinite"/>
                       </p:stCondLst>
                       <p:childTnLst>
                         <p:par>
-                          <p:cTn id="12" fill="hold">
+                          <p:cTn id="40" fill="hold">
                             <p:stCondLst>
                               <p:cond delay="0"/>
                             </p:stCondLst>
                             <p:childTnLst>
                               <p:par>
-                                <p:cTn id="13" presetID="1" presetClass="entr" presetSubtype="0" fill="hold" grpId="0" nodeType="clickEffect">
+                                <p:cTn id="41" presetID="1" presetClass="entr" presetSubtype="0" fill="hold" grpId="0" nodeType="clickEffect">
                                   <p:stCondLst>
                                     <p:cond delay="0"/>
                                   </p:stCondLst>
                                   <p:childTnLst>
                                     <p:set>
                                       <p:cBhvr>
-                                        <p:cTn id="14" dur="1" fill="hold">
+                                        <p:cTn id="42" dur="1" fill="hold">
                                           <p:stCondLst>
                                             <p:cond delay="0"/>
                                           </p:stCondLst>
@@ -5371,26 +6095,26 @@
                     </p:cTn>
                   </p:par>
                   <p:par>
-                    <p:cTn id="15" fill="hold">
+                    <p:cTn id="43" fill="hold">
                       <p:stCondLst>
                         <p:cond delay="indefinite"/>
                       </p:stCondLst>
                       <p:childTnLst>
                         <p:par>
-                          <p:cTn id="16" fill="hold">
+                          <p:cTn id="44" fill="hold">
                             <p:stCondLst>
                               <p:cond delay="0"/>
                             </p:stCondLst>
                             <p:childTnLst>
                               <p:par>
-                                <p:cTn id="17" presetID="1" presetClass="entr" presetSubtype="0" fill="hold" grpId="0" nodeType="clickEffect">
+                                <p:cTn id="45" presetID="1" presetClass="entr" presetSubtype="0" fill="hold" grpId="0" nodeType="clickEffect">
                                   <p:stCondLst>
                                     <p:cond delay="0"/>
                                   </p:stCondLst>
                                   <p:childTnLst>
                                     <p:set>
                                       <p:cBhvr>
-                                        <p:cTn id="18" dur="1" fill="hold">
+                                        <p:cTn id="46" dur="1" fill="hold">
                                           <p:stCondLst>
                                             <p:cond delay="0"/>
                                           </p:stCondLst>
@@ -5441,7 +6165,7 @@
       </p:par>
     </p:tnLst>
     <p:bldLst>
-      <p:bldP spid="3" grpId="0" uiExpand="1" build="p"/>
+      <p:bldP spid="3" grpId="0" build="p"/>
     </p:bldLst>
   </p:timing>
 </p:sld>
@@ -5869,7 +6593,7 @@
         </p:nvGrpSpPr>
         <p:grpSpPr>
           <a:xfrm>
-            <a:off x="754487" y="7038000"/>
+            <a:off x="845155" y="7038000"/>
             <a:ext cx="2520000" cy="2520000"/>
             <a:chOff x="389032" y="10134133"/>
             <a:chExt cx="2520000" cy="2520000"/>
@@ -5985,6 +6709,280 @@
             <a:xfrm>
               <a:off x="563828" y="10298886"/>
               <a:ext cx="2160000" cy="2160000"/>
+            </a:xfrm>
+            <a:prstGeom prst="rect">
+              <a:avLst/>
+            </a:prstGeom>
+          </p:spPr>
+        </p:pic>
+      </p:grpSp>
+      <p:grpSp>
+        <p:nvGrpSpPr>
+          <p:cNvPr id="23" name="Group 22">
+            <a:extLst>
+              <a:ext uri="{FF2B5EF4-FFF2-40B4-BE49-F238E27FC236}">
+                <a16:creationId xmlns:a16="http://schemas.microsoft.com/office/drawing/2014/main" id="{0CF5E9A4-CA97-7F9F-3049-4140195F22F1}"/>
+              </a:ext>
+            </a:extLst>
+          </p:cNvPr>
+          <p:cNvGrpSpPr/>
+          <p:nvPr/>
+        </p:nvGrpSpPr>
+        <p:grpSpPr>
+          <a:xfrm>
+            <a:off x="762765" y="7040261"/>
+            <a:ext cx="2520000" cy="2520000"/>
+            <a:chOff x="389032" y="10134133"/>
+            <a:chExt cx="2520000" cy="2520000"/>
+          </a:xfrm>
+        </p:grpSpPr>
+        <p:sp>
+          <p:nvSpPr>
+            <p:cNvPr id="24" name="Rounded Rectangle 23">
+              <a:extLst>
+                <a:ext uri="{FF2B5EF4-FFF2-40B4-BE49-F238E27FC236}">
+                  <a16:creationId xmlns:a16="http://schemas.microsoft.com/office/drawing/2014/main" id="{FDAEE2BA-EF0F-DCE6-65EF-B48637CFFB34}"/>
+                </a:ext>
+              </a:extLst>
+            </p:cNvPr>
+            <p:cNvSpPr/>
+            <p:nvPr/>
+          </p:nvSpPr>
+          <p:spPr>
+            <a:xfrm>
+              <a:off x="389032" y="10134133"/>
+              <a:ext cx="2520000" cy="2520000"/>
+            </a:xfrm>
+            <a:prstGeom prst="roundRect">
+              <a:avLst/>
+            </a:prstGeom>
+            <a:ln w="127000">
+              <a:noFill/>
+            </a:ln>
+          </p:spPr>
+          <p:style>
+            <a:lnRef idx="2">
+              <a:schemeClr val="accent1"/>
+            </a:lnRef>
+            <a:fillRef idx="1">
+              <a:schemeClr val="lt1"/>
+            </a:fillRef>
+            <a:effectRef idx="0">
+              <a:schemeClr val="accent1"/>
+            </a:effectRef>
+            <a:fontRef idx="minor">
+              <a:schemeClr val="dk1"/>
+            </a:fontRef>
+          </p:style>
+          <p:txBody>
+            <a:bodyPr rot="0" spcFirstLastPara="1" vertOverflow="overflow" horzOverflow="overflow" vert="horz" wrap="square" lIns="50800" tIns="50800" rIns="50800" bIns="50800" numCol="1" spcCol="38100" rtlCol="0" anchor="ctr">
+              <a:spAutoFit/>
+            </a:bodyPr>
+            <a:lstStyle/>
+            <a:p>
+              <a:pPr marL="0" marR="0" indent="0" algn="ctr" defTabSz="825500" rtl="0" fontAlgn="auto" latinLnBrk="0" hangingPunct="0">
+                <a:lnSpc>
+                  <a:spcPct val="120000"/>
+                </a:lnSpc>
+                <a:spcBef>
+                  <a:spcPts val="0"/>
+                </a:spcBef>
+                <a:spcAft>
+                  <a:spcPts val="0"/>
+                </a:spcAft>
+                <a:buClrTx/>
+                <a:buSzTx/>
+                <a:buFontTx/>
+                <a:buNone/>
+                <a:tabLst/>
+              </a:pPr>
+              <a:endParaRPr kumimoji="0" lang="en-US" sz="3000" b="0" i="0" u="none" strike="noStrike" cap="all" spc="0" normalizeH="0" baseline="0" dirty="0">
+                <a:ln>
+                  <a:noFill/>
+                </a:ln>
+                <a:solidFill>
+                  <a:srgbClr val="FFFFFF"/>
+                </a:solidFill>
+                <a:effectLst/>
+                <a:uFillTx/>
+                <a:latin typeface="Proxima Nova Extrabold"/>
+                <a:ea typeface="Proxima Nova Extrabold"/>
+                <a:cs typeface="Proxima Nova Extrabold"/>
+                <a:sym typeface="Proxima Nova Extrabold"/>
+              </a:endParaRPr>
+            </a:p>
+          </p:txBody>
+        </p:sp>
+        <p:pic>
+          <p:nvPicPr>
+            <p:cNvPr id="25" name="Graphic 24" descr="Help with solid fill">
+              <a:extLst>
+                <a:ext uri="{FF2B5EF4-FFF2-40B4-BE49-F238E27FC236}">
+                  <a16:creationId xmlns:a16="http://schemas.microsoft.com/office/drawing/2014/main" id="{5EF73522-92B6-3C99-0F01-A99D576C14DB}"/>
+                </a:ext>
+              </a:extLst>
+            </p:cNvPr>
+            <p:cNvPicPr>
+              <a:picLocks noChangeAspect="1"/>
+            </p:cNvPicPr>
+            <p:nvPr/>
+          </p:nvPicPr>
+          <p:blipFill>
+            <a:blip r:embed="rId11">
+              <a:extLst>
+                <a:ext uri="{28A0092B-C50C-407E-A947-70E740481C1C}">
+                  <a14:useLocalDpi xmlns:a14="http://schemas.microsoft.com/office/drawing/2010/main" val="0"/>
+                </a:ext>
+                <a:ext uri="{96DAC541-7B7A-43D3-8B79-37D633B846F1}">
+                  <asvg:svgBlip xmlns:asvg="http://schemas.microsoft.com/office/drawing/2016/SVG/main" r:embed="rId12"/>
+                </a:ext>
+              </a:extLst>
+            </a:blip>
+            <a:stretch>
+              <a:fillRect/>
+            </a:stretch>
+          </p:blipFill>
+          <p:spPr>
+            <a:xfrm>
+              <a:off x="563828" y="10298886"/>
+              <a:ext cx="2160000" cy="2160000"/>
+            </a:xfrm>
+            <a:prstGeom prst="rect">
+              <a:avLst/>
+            </a:prstGeom>
+          </p:spPr>
+        </p:pic>
+      </p:grpSp>
+      <p:grpSp>
+        <p:nvGrpSpPr>
+          <p:cNvPr id="26" name="Group 25">
+            <a:extLst>
+              <a:ext uri="{FF2B5EF4-FFF2-40B4-BE49-F238E27FC236}">
+                <a16:creationId xmlns:a16="http://schemas.microsoft.com/office/drawing/2014/main" id="{4DFA288D-6B45-D2B0-C378-8583090BD253}"/>
+              </a:ext>
+            </a:extLst>
+          </p:cNvPr>
+          <p:cNvGrpSpPr/>
+          <p:nvPr/>
+        </p:nvGrpSpPr>
+        <p:grpSpPr>
+          <a:xfrm>
+            <a:off x="20844049" y="7057627"/>
+            <a:ext cx="2520000" cy="2520000"/>
+            <a:chOff x="9499682" y="2919915"/>
+            <a:chExt cx="2520000" cy="2520000"/>
+          </a:xfrm>
+        </p:grpSpPr>
+        <p:sp>
+          <p:nvSpPr>
+            <p:cNvPr id="27" name="Rounded Rectangle 26">
+              <a:extLst>
+                <a:ext uri="{FF2B5EF4-FFF2-40B4-BE49-F238E27FC236}">
+                  <a16:creationId xmlns:a16="http://schemas.microsoft.com/office/drawing/2014/main" id="{650FD472-7F70-29B3-E7C9-CE7B7FFB53E5}"/>
+                </a:ext>
+              </a:extLst>
+            </p:cNvPr>
+            <p:cNvSpPr/>
+            <p:nvPr/>
+          </p:nvSpPr>
+          <p:spPr>
+            <a:xfrm>
+              <a:off x="9499682" y="2919915"/>
+              <a:ext cx="2520000" cy="2520000"/>
+            </a:xfrm>
+            <a:prstGeom prst="roundRect">
+              <a:avLst/>
+            </a:prstGeom>
+            <a:ln w="127000">
+              <a:noFill/>
+            </a:ln>
+          </p:spPr>
+          <p:style>
+            <a:lnRef idx="2">
+              <a:schemeClr val="accent1"/>
+            </a:lnRef>
+            <a:fillRef idx="1">
+              <a:schemeClr val="lt1"/>
+            </a:fillRef>
+            <a:effectRef idx="0">
+              <a:schemeClr val="accent1"/>
+            </a:effectRef>
+            <a:fontRef idx="minor">
+              <a:schemeClr val="dk1"/>
+            </a:fontRef>
+          </p:style>
+          <p:txBody>
+            <a:bodyPr rot="0" spcFirstLastPara="1" vertOverflow="overflow" horzOverflow="overflow" vert="horz" wrap="square" lIns="50800" tIns="50800" rIns="50800" bIns="50800" numCol="1" spcCol="38100" rtlCol="0" anchor="ctr">
+              <a:spAutoFit/>
+            </a:bodyPr>
+            <a:lstStyle/>
+            <a:p>
+              <a:pPr marL="0" marR="0" indent="0" algn="ctr" defTabSz="825500" rtl="0" fontAlgn="auto" latinLnBrk="0" hangingPunct="0">
+                <a:lnSpc>
+                  <a:spcPct val="120000"/>
+                </a:lnSpc>
+                <a:spcBef>
+                  <a:spcPts val="0"/>
+                </a:spcBef>
+                <a:spcAft>
+                  <a:spcPts val="0"/>
+                </a:spcAft>
+                <a:buClrTx/>
+                <a:buSzTx/>
+                <a:buFontTx/>
+                <a:buNone/>
+                <a:tabLst/>
+              </a:pPr>
+              <a:endParaRPr kumimoji="0" lang="en-US" sz="3000" b="0" i="0" u="none" strike="noStrike" cap="all" spc="0" normalizeH="0" baseline="0" dirty="0">
+                <a:ln>
+                  <a:noFill/>
+                </a:ln>
+                <a:solidFill>
+                  <a:srgbClr val="FFFFFF"/>
+                </a:solidFill>
+                <a:effectLst/>
+                <a:uFillTx/>
+                <a:latin typeface="Proxima Nova Extrabold"/>
+                <a:ea typeface="Proxima Nova Extrabold"/>
+                <a:cs typeface="Proxima Nova Extrabold"/>
+                <a:sym typeface="Proxima Nova Extrabold"/>
+              </a:endParaRPr>
+            </a:p>
+          </p:txBody>
+        </p:sp>
+        <p:pic>
+          <p:nvPicPr>
+            <p:cNvPr id="28" name="Graphic 27" descr="Document with solid fill">
+              <a:extLst>
+                <a:ext uri="{FF2B5EF4-FFF2-40B4-BE49-F238E27FC236}">
+                  <a16:creationId xmlns:a16="http://schemas.microsoft.com/office/drawing/2014/main" id="{A7E7D09D-3EA5-C604-DEA0-5C7ABBB3DF40}"/>
+                </a:ext>
+              </a:extLst>
+            </p:cNvPr>
+            <p:cNvPicPr>
+              <a:picLocks noChangeAspect="1"/>
+            </p:cNvPicPr>
+            <p:nvPr/>
+          </p:nvPicPr>
+          <p:blipFill>
+            <a:blip r:embed="rId7">
+              <a:extLst>
+                <a:ext uri="{28A0092B-C50C-407E-A947-70E740481C1C}">
+                  <a14:useLocalDpi xmlns:a14="http://schemas.microsoft.com/office/drawing/2010/main" val="0"/>
+                </a:ext>
+                <a:ext uri="{96DAC541-7B7A-43D3-8B79-37D633B846F1}">
+                  <asvg:svgBlip xmlns:asvg="http://schemas.microsoft.com/office/drawing/2016/SVG/main" r:embed="rId8"/>
+                </a:ext>
+              </a:extLst>
+            </a:blip>
+            <a:stretch>
+              <a:fillRect/>
+            </a:stretch>
+          </p:blipFill>
+          <p:spPr>
+            <a:xfrm>
+              <a:off x="9658245" y="3078478"/>
+              <a:ext cx="2202873" cy="2202873"/>
             </a:xfrm>
             <a:prstGeom prst="rect">
               <a:avLst/>
@@ -6100,6 +7098,244 @@
                                         <p:strVal val="visible"/>
                                       </p:to>
                                     </p:set>
+                                  </p:childTnLst>
+                                </p:cTn>
+                              </p:par>
+                            </p:childTnLst>
+                          </p:cTn>
+                        </p:par>
+                      </p:childTnLst>
+                    </p:cTn>
+                  </p:par>
+                  <p:par>
+                    <p:cTn id="11" fill="hold">
+                      <p:stCondLst>
+                        <p:cond delay="indefinite"/>
+                      </p:stCondLst>
+                      <p:childTnLst>
+                        <p:par>
+                          <p:cTn id="12" fill="hold">
+                            <p:stCondLst>
+                              <p:cond delay="0"/>
+                            </p:stCondLst>
+                            <p:childTnLst>
+                              <p:par>
+                                <p:cTn id="13" presetID="5" presetClass="entr" presetSubtype="10" fill="hold" nodeType="clickEffect">
+                                  <p:stCondLst>
+                                    <p:cond delay="0"/>
+                                  </p:stCondLst>
+                                  <p:childTnLst>
+                                    <p:set>
+                                      <p:cBhvr>
+                                        <p:cTn id="14" dur="1" fill="hold">
+                                          <p:stCondLst>
+                                            <p:cond delay="0"/>
+                                          </p:stCondLst>
+                                        </p:cTn>
+                                        <p:tgtEl>
+                                          <p:spTgt spid="21"/>
+                                        </p:tgtEl>
+                                        <p:attrNameLst>
+                                          <p:attrName>style.visibility</p:attrName>
+                                        </p:attrNameLst>
+                                      </p:cBhvr>
+                                      <p:to>
+                                        <p:strVal val="visible"/>
+                                      </p:to>
+                                    </p:set>
+                                    <p:animEffect transition="in" filter="checkerboard(across)">
+                                      <p:cBhvr>
+                                        <p:cTn id="15" dur="500"/>
+                                        <p:tgtEl>
+                                          <p:spTgt spid="21"/>
+                                        </p:tgtEl>
+                                      </p:cBhvr>
+                                    </p:animEffect>
+                                  </p:childTnLst>
+                                </p:cTn>
+                              </p:par>
+                              <p:par>
+                                <p:cTn id="16" presetID="5" presetClass="entr" presetSubtype="10" fill="hold" nodeType="withEffect">
+                                  <p:stCondLst>
+                                    <p:cond delay="0"/>
+                                  </p:stCondLst>
+                                  <p:childTnLst>
+                                    <p:set>
+                                      <p:cBhvr>
+                                        <p:cTn id="17" dur="1" fill="hold">
+                                          <p:stCondLst>
+                                            <p:cond delay="0"/>
+                                          </p:stCondLst>
+                                        </p:cTn>
+                                        <p:tgtEl>
+                                          <p:spTgt spid="23"/>
+                                        </p:tgtEl>
+                                        <p:attrNameLst>
+                                          <p:attrName>style.visibility</p:attrName>
+                                        </p:attrNameLst>
+                                      </p:cBhvr>
+                                      <p:to>
+                                        <p:strVal val="visible"/>
+                                      </p:to>
+                                    </p:set>
+                                    <p:animEffect transition="in" filter="checkerboard(across)">
+                                      <p:cBhvr>
+                                        <p:cTn id="18" dur="500"/>
+                                        <p:tgtEl>
+                                          <p:spTgt spid="23"/>
+                                        </p:tgtEl>
+                                      </p:cBhvr>
+                                    </p:animEffect>
+                                  </p:childTnLst>
+                                </p:cTn>
+                              </p:par>
+                            </p:childTnLst>
+                          </p:cTn>
+                        </p:par>
+                        <p:par>
+                          <p:cTn id="19" fill="hold">
+                            <p:stCondLst>
+                              <p:cond delay="500"/>
+                            </p:stCondLst>
+                            <p:childTnLst>
+                              <p:par>
+                                <p:cTn id="20" presetID="1" presetClass="exit" presetSubtype="0" fill="hold" nodeType="afterEffect">
+                                  <p:stCondLst>
+                                    <p:cond delay="0"/>
+                                  </p:stCondLst>
+                                  <p:childTnLst>
+                                    <p:set>
+                                      <p:cBhvr>
+                                        <p:cTn id="21" dur="1" fill="hold">
+                                          <p:stCondLst>
+                                            <p:cond delay="0"/>
+                                          </p:stCondLst>
+                                        </p:cTn>
+                                        <p:tgtEl>
+                                          <p:spTgt spid="12"/>
+                                        </p:tgtEl>
+                                        <p:attrNameLst>
+                                          <p:attrName>style.visibility</p:attrName>
+                                        </p:attrNameLst>
+                                      </p:cBhvr>
+                                      <p:to>
+                                        <p:strVal val="hidden"/>
+                                      </p:to>
+                                    </p:set>
+                                  </p:childTnLst>
+                                </p:cTn>
+                              </p:par>
+                            </p:childTnLst>
+                          </p:cTn>
+                        </p:par>
+                      </p:childTnLst>
+                    </p:cTn>
+                  </p:par>
+                  <p:par>
+                    <p:cTn id="22" fill="hold">
+                      <p:stCondLst>
+                        <p:cond delay="indefinite"/>
+                      </p:stCondLst>
+                      <p:childTnLst>
+                        <p:par>
+                          <p:cTn id="23" fill="hold">
+                            <p:stCondLst>
+                              <p:cond delay="0"/>
+                            </p:stCondLst>
+                            <p:childTnLst>
+                              <p:par>
+                                <p:cTn id="24" presetID="0" presetClass="path" presetSubtype="0" accel="50000" decel="50000" fill="hold" nodeType="clickEffect">
+                                  <p:stCondLst>
+                                    <p:cond delay="0"/>
+                                  </p:stCondLst>
+                                  <p:childTnLst>
+                                    <p:animMotion origin="layout" path="M 0.00456 3.14815E-6 L 0.82161 3.14815E-6 " pathEditMode="relative" ptsTypes="AA">
+                                      <p:cBhvr>
+                                        <p:cTn id="25" dur="2000" fill="hold"/>
+                                        <p:tgtEl>
+                                          <p:spTgt spid="21"/>
+                                        </p:tgtEl>
+                                        <p:attrNameLst>
+                                          <p:attrName>ppt_x</p:attrName>
+                                          <p:attrName>ppt_y</p:attrName>
+                                        </p:attrNameLst>
+                                      </p:cBhvr>
+                                    </p:animMotion>
+                                  </p:childTnLst>
+                                </p:cTn>
+                              </p:par>
+                              <p:par>
+                                <p:cTn id="26" presetID="50" presetClass="path" presetSubtype="0" accel="50000" decel="50000" fill="hold" nodeType="withEffect">
+                                  <p:stCondLst>
+                                    <p:cond delay="0"/>
+                                  </p:stCondLst>
+                                  <p:childTnLst>
+                                    <p:animMotion origin="layout" path="M -2.70833E-6 -2.59259E-6 L 0.25625 -2.59259E-6 C 0.37103 -2.59259E-6 0.5125 0.05787 0.5125 0.10498 L 0.5125 0.20996 " pathEditMode="relative" rAng="0" ptsTypes="AAAA">
+                                      <p:cBhvr>
+                                        <p:cTn id="27" dur="2000" fill="hold"/>
+                                        <p:tgtEl>
+                                          <p:spTgt spid="23"/>
+                                        </p:tgtEl>
+                                        <p:attrNameLst>
+                                          <p:attrName>ppt_x</p:attrName>
+                                          <p:attrName>ppt_y</p:attrName>
+                                        </p:attrNameLst>
+                                      </p:cBhvr>
+                                      <p:rCtr x="25625" y="10498"/>
+                                    </p:animMotion>
+                                  </p:childTnLst>
+                                </p:cTn>
+                              </p:par>
+                            </p:childTnLst>
+                          </p:cTn>
+                        </p:par>
+                      </p:childTnLst>
+                    </p:cTn>
+                  </p:par>
+                  <p:par>
+                    <p:cTn id="28" fill="hold">
+                      <p:stCondLst>
+                        <p:cond delay="indefinite"/>
+                      </p:stCondLst>
+                      <p:childTnLst>
+                        <p:par>
+                          <p:cTn id="29" fill="hold">
+                            <p:stCondLst>
+                              <p:cond delay="0"/>
+                            </p:stCondLst>
+                            <p:childTnLst>
+                              <p:par>
+                                <p:cTn id="30" presetID="5" presetClass="entr" presetSubtype="10" fill="hold" nodeType="clickEffect">
+                                  <p:stCondLst>
+                                    <p:cond delay="0"/>
+                                  </p:stCondLst>
+                                  <p:childTnLst>
+                                    <p:set>
+                                      <p:cBhvr>
+                                        <p:cTn id="31" dur="1" fill="hold">
+                                          <p:stCondLst>
+                                            <p:cond delay="0"/>
+                                          </p:stCondLst>
+                                        </p:cTn>
+                                        <p:tgtEl>
+                                          <p:spTgt spid="26"/>
+                                        </p:tgtEl>
+                                        <p:attrNameLst>
+                                          <p:attrName>style.visibility</p:attrName>
+                                        </p:attrNameLst>
+                                      </p:cBhvr>
+                                      <p:to>
+                                        <p:strVal val="visible"/>
+                                      </p:to>
+                                    </p:set>
+                                    <p:animEffect transition="in" filter="checkerboard(across)">
+                                      <p:cBhvr>
+                                        <p:cTn id="32" dur="500"/>
+                                        <p:tgtEl>
+                                          <p:spTgt spid="26"/>
+                                        </p:tgtEl>
+                                      </p:cBhvr>
+                                    </p:animEffect>
                                   </p:childTnLst>
                                 </p:cTn>
                               </p:par>
@@ -12530,6 +13766,46 @@
                                         <p:strVal val="visible"/>
                                       </p:to>
                                     </p:set>
+                                  </p:childTnLst>
+                                </p:cTn>
+                              </p:par>
+                            </p:childTnLst>
+                          </p:cTn>
+                        </p:par>
+                      </p:childTnLst>
+                    </p:cTn>
+                  </p:par>
+                  <p:par>
+                    <p:cTn id="11" fill="hold">
+                      <p:stCondLst>
+                        <p:cond delay="indefinite"/>
+                      </p:stCondLst>
+                      <p:childTnLst>
+                        <p:par>
+                          <p:cTn id="12" fill="hold">
+                            <p:stCondLst>
+                              <p:cond delay="0"/>
+                            </p:stCondLst>
+                            <p:childTnLst>
+                              <p:par>
+                                <p:cTn id="13" presetID="0" presetClass="path" presetSubtype="0" accel="50000" decel="50000" fill="hold" nodeType="clickEffect">
+                                  <p:stCondLst>
+                                    <p:cond delay="0"/>
+                                  </p:stCondLst>
+                                  <p:childTnLst>
+                                    <p:animMotion origin="layout" path="M 0 -4.81481E-6 L -0.17715 -0.00544 " pathEditMode="relative" rAng="0" ptsTypes="AA">
+                                      <p:cBhvr>
+                                        <p:cTn id="14" dur="2000" fill="hold"/>
+                                        <p:tgtEl>
+                                          <p:spTgt spid="31"/>
+                                        </p:tgtEl>
+                                        <p:attrNameLst>
+                                          <p:attrName>ppt_x</p:attrName>
+                                          <p:attrName>ppt_y</p:attrName>
+                                        </p:attrNameLst>
+                                      </p:cBhvr>
+                                      <p:rCtr x="-8861" y="-197"/>
+                                    </p:animMotion>
                                   </p:childTnLst>
                                 </p:cTn>
                               </p:par>
@@ -13114,2195 +14390,2321 @@
           </a:p>
         </p:txBody>
       </p:sp>
-      <p:sp>
-        <p:nvSpPr>
-          <p:cNvPr id="2" name="Rounded Rectangle 1">
+      <p:grpSp>
+        <p:nvGrpSpPr>
+          <p:cNvPr id="18" name="Group 17">
             <a:extLst>
               <a:ext uri="{FF2B5EF4-FFF2-40B4-BE49-F238E27FC236}">
-                <a16:creationId xmlns:a16="http://schemas.microsoft.com/office/drawing/2014/main" id="{F8252DF0-429A-3F0E-B96D-050316DF8324}"/>
+                <a16:creationId xmlns:a16="http://schemas.microsoft.com/office/drawing/2014/main" id="{8D058D3F-6D79-C390-B925-C81CB954AFC7}"/>
               </a:ext>
             </a:extLst>
           </p:cNvPr>
-          <p:cNvSpPr/>
+          <p:cNvGrpSpPr/>
           <p:nvPr/>
-        </p:nvSpPr>
-        <p:spPr>
+        </p:nvGrpSpPr>
+        <p:grpSpPr>
           <a:xfrm>
             <a:off x="1219200" y="5418000"/>
-            <a:ext cx="6120000" cy="2880000"/>
+            <a:ext cx="6120000" cy="2946548"/>
+            <a:chOff x="1219200" y="5418000"/>
+            <a:chExt cx="6120000" cy="2946548"/>
           </a:xfrm>
-          <a:prstGeom prst="roundRect">
-            <a:avLst/>
-          </a:prstGeom>
-          <a:ln w="127000">
-            <a:solidFill>
-              <a:srgbClr val="FFFFFF"/>
-            </a:solidFill>
-          </a:ln>
-        </p:spPr>
-        <p:style>
-          <a:lnRef idx="2">
-            <a:schemeClr val="accent1"/>
-          </a:lnRef>
-          <a:fillRef idx="1">
-            <a:schemeClr val="lt1"/>
-          </a:fillRef>
-          <a:effectRef idx="0">
-            <a:schemeClr val="accent1"/>
-          </a:effectRef>
-          <a:fontRef idx="minor">
-            <a:schemeClr val="dk1"/>
-          </a:fontRef>
-        </p:style>
-        <p:txBody>
-          <a:bodyPr rot="0" spcFirstLastPara="1" vertOverflow="overflow" horzOverflow="overflow" vert="horz" wrap="square" lIns="50800" tIns="50800" rIns="50800" bIns="50800" numCol="1" spcCol="38100" rtlCol="0" anchor="ctr">
-            <a:spAutoFit/>
-          </a:bodyPr>
-          <a:lstStyle/>
-          <a:p>
-            <a:pPr marL="0" marR="0" indent="0" algn="ctr" defTabSz="825500" rtl="0" fontAlgn="auto" latinLnBrk="0" hangingPunct="0">
-              <a:lnSpc>
-                <a:spcPct val="120000"/>
-              </a:lnSpc>
-              <a:spcBef>
-                <a:spcPts val="0"/>
-              </a:spcBef>
-              <a:spcAft>
-                <a:spcPts val="0"/>
-              </a:spcAft>
-              <a:buClrTx/>
-              <a:buSzTx/>
-              <a:buFontTx/>
-              <a:buNone/>
-              <a:tabLst/>
-            </a:pPr>
-            <a:endParaRPr kumimoji="0" lang="en-US" sz="3000" b="0" i="0" u="none" strike="noStrike" cap="all" spc="0" normalizeH="0" baseline="0">
-              <a:ln>
-                <a:noFill/>
-              </a:ln>
+        </p:grpSpPr>
+        <p:sp>
+          <p:nvSpPr>
+            <p:cNvPr id="2" name="Rounded Rectangle 1">
+              <a:extLst>
+                <a:ext uri="{FF2B5EF4-FFF2-40B4-BE49-F238E27FC236}">
+                  <a16:creationId xmlns:a16="http://schemas.microsoft.com/office/drawing/2014/main" id="{F8252DF0-429A-3F0E-B96D-050316DF8324}"/>
+                </a:ext>
+              </a:extLst>
+            </p:cNvPr>
+            <p:cNvSpPr/>
+            <p:nvPr/>
+          </p:nvSpPr>
+          <p:spPr>
+            <a:xfrm>
+              <a:off x="1219200" y="5418000"/>
+              <a:ext cx="6120000" cy="2880000"/>
+            </a:xfrm>
+            <a:prstGeom prst="roundRect">
+              <a:avLst/>
+            </a:prstGeom>
+            <a:ln w="127000">
               <a:solidFill>
                 <a:srgbClr val="FFFFFF"/>
               </a:solidFill>
-              <a:effectLst/>
-              <a:uFillTx/>
-              <a:latin typeface="Proxima Nova Extrabold"/>
-              <a:ea typeface="Proxima Nova Extrabold"/>
-              <a:cs typeface="Proxima Nova Extrabold"/>
-              <a:sym typeface="Proxima Nova Extrabold"/>
-            </a:endParaRPr>
-          </a:p>
-        </p:txBody>
-      </p:sp>
-      <p:sp>
-        <p:nvSpPr>
-          <p:cNvPr id="7" name="Rounded Rectangle 6">
+            </a:ln>
+          </p:spPr>
+          <p:style>
+            <a:lnRef idx="2">
+              <a:schemeClr val="accent1"/>
+            </a:lnRef>
+            <a:fillRef idx="1">
+              <a:schemeClr val="lt1"/>
+            </a:fillRef>
+            <a:effectRef idx="0">
+              <a:schemeClr val="accent1"/>
+            </a:effectRef>
+            <a:fontRef idx="minor">
+              <a:schemeClr val="dk1"/>
+            </a:fontRef>
+          </p:style>
+          <p:txBody>
+            <a:bodyPr rot="0" spcFirstLastPara="1" vertOverflow="overflow" horzOverflow="overflow" vert="horz" wrap="square" lIns="50800" tIns="50800" rIns="50800" bIns="50800" numCol="1" spcCol="38100" rtlCol="0" anchor="ctr">
+              <a:spAutoFit/>
+            </a:bodyPr>
+            <a:lstStyle/>
+            <a:p>
+              <a:pPr marL="0" marR="0" indent="0" algn="ctr" defTabSz="825500" rtl="0" fontAlgn="auto" latinLnBrk="0" hangingPunct="0">
+                <a:lnSpc>
+                  <a:spcPct val="120000"/>
+                </a:lnSpc>
+                <a:spcBef>
+                  <a:spcPts val="0"/>
+                </a:spcBef>
+                <a:spcAft>
+                  <a:spcPts val="0"/>
+                </a:spcAft>
+                <a:buClrTx/>
+                <a:buSzTx/>
+                <a:buFontTx/>
+                <a:buNone/>
+                <a:tabLst/>
+              </a:pPr>
+              <a:endParaRPr kumimoji="0" lang="en-US" sz="3000" b="0" i="0" u="none" strike="noStrike" cap="all" spc="0" normalizeH="0" baseline="0">
+                <a:ln>
+                  <a:noFill/>
+                </a:ln>
+                <a:solidFill>
+                  <a:srgbClr val="FFFFFF"/>
+                </a:solidFill>
+                <a:effectLst/>
+                <a:uFillTx/>
+                <a:latin typeface="Proxima Nova Extrabold"/>
+                <a:ea typeface="Proxima Nova Extrabold"/>
+                <a:cs typeface="Proxima Nova Extrabold"/>
+                <a:sym typeface="Proxima Nova Extrabold"/>
+              </a:endParaRPr>
+            </a:p>
+          </p:txBody>
+        </p:sp>
+        <p:sp>
+          <p:nvSpPr>
+            <p:cNvPr id="12" name="Your exam">
+              <a:extLst>
+                <a:ext uri="{FF2B5EF4-FFF2-40B4-BE49-F238E27FC236}">
+                  <a16:creationId xmlns:a16="http://schemas.microsoft.com/office/drawing/2014/main" id="{7FBB121E-0DC5-9258-04A7-DF842F8D82BF}"/>
+                </a:ext>
+              </a:extLst>
+            </p:cNvPr>
+            <p:cNvSpPr txBox="1">
+              <a:spLocks/>
+            </p:cNvSpPr>
+            <p:nvPr/>
+          </p:nvSpPr>
+          <p:spPr>
+            <a:xfrm>
+              <a:off x="1219200" y="5599176"/>
+              <a:ext cx="6120000" cy="2765372"/>
+            </a:xfrm>
+            <a:prstGeom prst="rect">
+              <a:avLst/>
+            </a:prstGeom>
+            <a:ln w="12700">
+              <a:miter lim="400000"/>
+            </a:ln>
+            <a:extLst>
+              <a:ext uri="{C572A759-6A51-4108-AA02-DFA0A04FC94B}">
+                <ma14:wrappingTextBoxFlag xmlns="" xmlns:m="http://schemas.openxmlformats.org/officeDocument/2006/math" xmlns:a14="http://schemas.microsoft.com/office/drawing/2010/main" xmlns:ma14="http://schemas.microsoft.com/office/mac/drawingml/2011/main" val="1"/>
+              </a:ext>
+            </a:extLst>
+          </p:spPr>
+          <p:txBody>
+            <a:bodyPr lIns="50800" tIns="50800" rIns="50800" bIns="50800" anchor="ctr">
+              <a:normAutofit/>
+            </a:bodyPr>
+            <a:lstStyle>
+              <a:lvl1pPr marL="0" marR="0" indent="0" algn="l" defTabSz="825500" rtl="0" latinLnBrk="0">
+                <a:lnSpc>
+                  <a:spcPct val="80000"/>
+                </a:lnSpc>
+                <a:spcBef>
+                  <a:spcPts val="0"/>
+                </a:spcBef>
+                <a:spcAft>
+                  <a:spcPts val="0"/>
+                </a:spcAft>
+                <a:buClrTx/>
+                <a:buSzTx/>
+                <a:buFontTx/>
+                <a:buNone/>
+                <a:tabLst/>
+                <a:defRPr sz="14000" b="0" i="0" u="none" strike="noStrike" cap="all" spc="-140" baseline="0">
+                  <a:solidFill>
+                    <a:srgbClr val="FFFFFF"/>
+                  </a:solidFill>
+                  <a:uFillTx/>
+                  <a:latin typeface="+mn-lt"/>
+                  <a:ea typeface="+mn-ea"/>
+                  <a:cs typeface="+mn-cs"/>
+                  <a:sym typeface="Druk Medium"/>
+                </a:defRPr>
+              </a:lvl1pPr>
+              <a:lvl2pPr marL="0" marR="0" indent="457200" algn="l" defTabSz="825500" rtl="0" latinLnBrk="0">
+                <a:lnSpc>
+                  <a:spcPct val="80000"/>
+                </a:lnSpc>
+                <a:spcBef>
+                  <a:spcPts val="0"/>
+                </a:spcBef>
+                <a:spcAft>
+                  <a:spcPts val="0"/>
+                </a:spcAft>
+                <a:buClrTx/>
+                <a:buSzTx/>
+                <a:buFontTx/>
+                <a:buNone/>
+                <a:tabLst/>
+                <a:defRPr sz="11600" b="0" i="0" u="none" strike="noStrike" cap="all" spc="-116" baseline="0">
+                  <a:solidFill>
+                    <a:srgbClr val="00BFF3"/>
+                  </a:solidFill>
+                  <a:uFillTx/>
+                  <a:latin typeface="+mn-lt"/>
+                  <a:ea typeface="+mn-ea"/>
+                  <a:cs typeface="+mn-cs"/>
+                  <a:sym typeface="Druk Medium"/>
+                </a:defRPr>
+              </a:lvl2pPr>
+              <a:lvl3pPr marL="0" marR="0" indent="914400" algn="l" defTabSz="825500" rtl="0" latinLnBrk="0">
+                <a:lnSpc>
+                  <a:spcPct val="80000"/>
+                </a:lnSpc>
+                <a:spcBef>
+                  <a:spcPts val="0"/>
+                </a:spcBef>
+                <a:spcAft>
+                  <a:spcPts val="0"/>
+                </a:spcAft>
+                <a:buClrTx/>
+                <a:buSzTx/>
+                <a:buFontTx/>
+                <a:buNone/>
+                <a:tabLst/>
+                <a:defRPr sz="11600" b="0" i="0" u="none" strike="noStrike" cap="all" spc="-116" baseline="0">
+                  <a:solidFill>
+                    <a:srgbClr val="00BFF3"/>
+                  </a:solidFill>
+                  <a:uFillTx/>
+                  <a:latin typeface="+mn-lt"/>
+                  <a:ea typeface="+mn-ea"/>
+                  <a:cs typeface="+mn-cs"/>
+                  <a:sym typeface="Druk Medium"/>
+                </a:defRPr>
+              </a:lvl3pPr>
+              <a:lvl4pPr marL="0" marR="0" indent="1371600" algn="l" defTabSz="825500" rtl="0" latinLnBrk="0">
+                <a:lnSpc>
+                  <a:spcPct val="80000"/>
+                </a:lnSpc>
+                <a:spcBef>
+                  <a:spcPts val="0"/>
+                </a:spcBef>
+                <a:spcAft>
+                  <a:spcPts val="0"/>
+                </a:spcAft>
+                <a:buClrTx/>
+                <a:buSzTx/>
+                <a:buFontTx/>
+                <a:buNone/>
+                <a:tabLst/>
+                <a:defRPr sz="11600" b="0" i="0" u="none" strike="noStrike" cap="all" spc="-116" baseline="0">
+                  <a:solidFill>
+                    <a:srgbClr val="00BFF3"/>
+                  </a:solidFill>
+                  <a:uFillTx/>
+                  <a:latin typeface="+mn-lt"/>
+                  <a:ea typeface="+mn-ea"/>
+                  <a:cs typeface="+mn-cs"/>
+                  <a:sym typeface="Druk Medium"/>
+                </a:defRPr>
+              </a:lvl4pPr>
+              <a:lvl5pPr marL="0" marR="0" indent="1828800" algn="l" defTabSz="825500" rtl="0" latinLnBrk="0">
+                <a:lnSpc>
+                  <a:spcPct val="80000"/>
+                </a:lnSpc>
+                <a:spcBef>
+                  <a:spcPts val="0"/>
+                </a:spcBef>
+                <a:spcAft>
+                  <a:spcPts val="0"/>
+                </a:spcAft>
+                <a:buClrTx/>
+                <a:buSzTx/>
+                <a:buFontTx/>
+                <a:buNone/>
+                <a:tabLst/>
+                <a:defRPr sz="11600" b="0" i="0" u="none" strike="noStrike" cap="all" spc="-116" baseline="0">
+                  <a:solidFill>
+                    <a:srgbClr val="00BFF3"/>
+                  </a:solidFill>
+                  <a:uFillTx/>
+                  <a:latin typeface="+mn-lt"/>
+                  <a:ea typeface="+mn-ea"/>
+                  <a:cs typeface="+mn-cs"/>
+                  <a:sym typeface="Druk Medium"/>
+                </a:defRPr>
+              </a:lvl5pPr>
+              <a:lvl6pPr marL="0" marR="0" indent="2286000" algn="l" defTabSz="825500" rtl="0" latinLnBrk="0">
+                <a:lnSpc>
+                  <a:spcPct val="80000"/>
+                </a:lnSpc>
+                <a:spcBef>
+                  <a:spcPts val="0"/>
+                </a:spcBef>
+                <a:spcAft>
+                  <a:spcPts val="0"/>
+                </a:spcAft>
+                <a:buClrTx/>
+                <a:buSzTx/>
+                <a:buFontTx/>
+                <a:buNone/>
+                <a:tabLst/>
+                <a:defRPr sz="11600" b="0" i="0" u="none" strike="noStrike" cap="all" spc="-116" baseline="0">
+                  <a:solidFill>
+                    <a:srgbClr val="00BFF3"/>
+                  </a:solidFill>
+                  <a:uFillTx/>
+                  <a:latin typeface="+mn-lt"/>
+                  <a:ea typeface="+mn-ea"/>
+                  <a:cs typeface="+mn-cs"/>
+                  <a:sym typeface="Druk Medium"/>
+                </a:defRPr>
+              </a:lvl6pPr>
+              <a:lvl7pPr marL="0" marR="0" indent="2743200" algn="l" defTabSz="825500" rtl="0" latinLnBrk="0">
+                <a:lnSpc>
+                  <a:spcPct val="80000"/>
+                </a:lnSpc>
+                <a:spcBef>
+                  <a:spcPts val="0"/>
+                </a:spcBef>
+                <a:spcAft>
+                  <a:spcPts val="0"/>
+                </a:spcAft>
+                <a:buClrTx/>
+                <a:buSzTx/>
+                <a:buFontTx/>
+                <a:buNone/>
+                <a:tabLst/>
+                <a:defRPr sz="11600" b="0" i="0" u="none" strike="noStrike" cap="all" spc="-116" baseline="0">
+                  <a:solidFill>
+                    <a:srgbClr val="00BFF3"/>
+                  </a:solidFill>
+                  <a:uFillTx/>
+                  <a:latin typeface="+mn-lt"/>
+                  <a:ea typeface="+mn-ea"/>
+                  <a:cs typeface="+mn-cs"/>
+                  <a:sym typeface="Druk Medium"/>
+                </a:defRPr>
+              </a:lvl7pPr>
+              <a:lvl8pPr marL="0" marR="0" indent="3200400" algn="l" defTabSz="825500" rtl="0" latinLnBrk="0">
+                <a:lnSpc>
+                  <a:spcPct val="80000"/>
+                </a:lnSpc>
+                <a:spcBef>
+                  <a:spcPts val="0"/>
+                </a:spcBef>
+                <a:spcAft>
+                  <a:spcPts val="0"/>
+                </a:spcAft>
+                <a:buClrTx/>
+                <a:buSzTx/>
+                <a:buFontTx/>
+                <a:buNone/>
+                <a:tabLst/>
+                <a:defRPr sz="11600" b="0" i="0" u="none" strike="noStrike" cap="all" spc="-116" baseline="0">
+                  <a:solidFill>
+                    <a:srgbClr val="00BFF3"/>
+                  </a:solidFill>
+                  <a:uFillTx/>
+                  <a:latin typeface="+mn-lt"/>
+                  <a:ea typeface="+mn-ea"/>
+                  <a:cs typeface="+mn-cs"/>
+                  <a:sym typeface="Druk Medium"/>
+                </a:defRPr>
+              </a:lvl8pPr>
+              <a:lvl9pPr marL="0" marR="0" indent="3657600" algn="l" defTabSz="825500" rtl="0" latinLnBrk="0">
+                <a:lnSpc>
+                  <a:spcPct val="80000"/>
+                </a:lnSpc>
+                <a:spcBef>
+                  <a:spcPts val="0"/>
+                </a:spcBef>
+                <a:spcAft>
+                  <a:spcPts val="0"/>
+                </a:spcAft>
+                <a:buClrTx/>
+                <a:buSzTx/>
+                <a:buFontTx/>
+                <a:buNone/>
+                <a:tabLst/>
+                <a:defRPr sz="11600" b="0" i="0" u="none" strike="noStrike" cap="all" spc="-116" baseline="0">
+                  <a:solidFill>
+                    <a:srgbClr val="00BFF3"/>
+                  </a:solidFill>
+                  <a:uFillTx/>
+                  <a:latin typeface="+mn-lt"/>
+                  <a:ea typeface="+mn-ea"/>
+                  <a:cs typeface="+mn-cs"/>
+                  <a:sym typeface="Druk Medium"/>
+                </a:defRPr>
+              </a:lvl9pPr>
+            </a:lstStyle>
+            <a:p>
+              <a:pPr algn="ctr" hangingPunct="1"/>
+              <a:r>
+                <a:rPr lang="en-GB" sz="8000" b="1" dirty="0"/>
+                <a:t>Time</a:t>
+              </a:r>
+            </a:p>
+            <a:p>
+              <a:pPr algn="ctr" hangingPunct="1"/>
+              <a:r>
+                <a:rPr lang="en-GB" sz="8000" b="1" dirty="0"/>
+                <a:t>gap</a:t>
+              </a:r>
+            </a:p>
+          </p:txBody>
+        </p:sp>
+      </p:grpSp>
+      <p:grpSp>
+        <p:nvGrpSpPr>
+          <p:cNvPr id="19" name="Group 18">
             <a:extLst>
               <a:ext uri="{FF2B5EF4-FFF2-40B4-BE49-F238E27FC236}">
-                <a16:creationId xmlns:a16="http://schemas.microsoft.com/office/drawing/2014/main" id="{6CBA8138-1699-8E6F-2106-FD358FFD87EA}"/>
+                <a16:creationId xmlns:a16="http://schemas.microsoft.com/office/drawing/2014/main" id="{5BD0E937-D61E-7A7E-E41D-9B0A81F26F45}"/>
               </a:ext>
             </a:extLst>
           </p:cNvPr>
-          <p:cNvSpPr/>
+          <p:cNvGrpSpPr/>
           <p:nvPr/>
-        </p:nvSpPr>
-        <p:spPr>
+        </p:nvGrpSpPr>
+        <p:grpSpPr>
           <a:xfrm>
             <a:off x="9132000" y="5408348"/>
             <a:ext cx="6120000" cy="2880000"/>
+            <a:chOff x="9132000" y="5408348"/>
+            <a:chExt cx="6120000" cy="2880000"/>
           </a:xfrm>
-          <a:prstGeom prst="roundRect">
-            <a:avLst/>
-          </a:prstGeom>
-          <a:ln w="127000">
-            <a:solidFill>
-              <a:srgbClr val="FFFFFF"/>
-            </a:solidFill>
-          </a:ln>
-        </p:spPr>
-        <p:style>
-          <a:lnRef idx="2">
-            <a:schemeClr val="accent1"/>
-          </a:lnRef>
-          <a:fillRef idx="1">
-            <a:schemeClr val="lt1"/>
-          </a:fillRef>
-          <a:effectRef idx="0">
-            <a:schemeClr val="accent1"/>
-          </a:effectRef>
-          <a:fontRef idx="minor">
-            <a:schemeClr val="dk1"/>
-          </a:fontRef>
-        </p:style>
-        <p:txBody>
-          <a:bodyPr rot="0" spcFirstLastPara="1" vertOverflow="overflow" horzOverflow="overflow" vert="horz" wrap="square" lIns="50800" tIns="50800" rIns="50800" bIns="50800" numCol="1" spcCol="38100" rtlCol="0" anchor="ctr">
-            <a:spAutoFit/>
-          </a:bodyPr>
-          <a:lstStyle/>
-          <a:p>
-            <a:pPr marL="0" marR="0" indent="0" algn="ctr" defTabSz="825500" rtl="0" fontAlgn="auto" latinLnBrk="0" hangingPunct="0">
-              <a:lnSpc>
-                <a:spcPct val="120000"/>
-              </a:lnSpc>
-              <a:spcBef>
-                <a:spcPts val="0"/>
-              </a:spcBef>
-              <a:spcAft>
-                <a:spcPts val="0"/>
-              </a:spcAft>
-              <a:buClrTx/>
-              <a:buSzTx/>
-              <a:buFontTx/>
-              <a:buNone/>
-              <a:tabLst/>
-            </a:pPr>
-            <a:endParaRPr kumimoji="0" lang="en-US" sz="3000" b="0" i="0" u="none" strike="noStrike" cap="all" spc="0" normalizeH="0" baseline="0">
-              <a:ln>
-                <a:noFill/>
-              </a:ln>
+        </p:grpSpPr>
+        <p:sp>
+          <p:nvSpPr>
+            <p:cNvPr id="7" name="Rounded Rectangle 6">
+              <a:extLst>
+                <a:ext uri="{FF2B5EF4-FFF2-40B4-BE49-F238E27FC236}">
+                  <a16:creationId xmlns:a16="http://schemas.microsoft.com/office/drawing/2014/main" id="{6CBA8138-1699-8E6F-2106-FD358FFD87EA}"/>
+                </a:ext>
+              </a:extLst>
+            </p:cNvPr>
+            <p:cNvSpPr/>
+            <p:nvPr/>
+          </p:nvSpPr>
+          <p:spPr>
+            <a:xfrm>
+              <a:off x="9132000" y="5408348"/>
+              <a:ext cx="6120000" cy="2880000"/>
+            </a:xfrm>
+            <a:prstGeom prst="roundRect">
+              <a:avLst/>
+            </a:prstGeom>
+            <a:ln w="127000">
               <a:solidFill>
                 <a:srgbClr val="FFFFFF"/>
               </a:solidFill>
-              <a:effectLst/>
-              <a:uFillTx/>
-              <a:latin typeface="Proxima Nova Extrabold"/>
-              <a:ea typeface="Proxima Nova Extrabold"/>
-              <a:cs typeface="Proxima Nova Extrabold"/>
-              <a:sym typeface="Proxima Nova Extrabold"/>
-            </a:endParaRPr>
-          </a:p>
-        </p:txBody>
-      </p:sp>
-      <p:sp>
-        <p:nvSpPr>
-          <p:cNvPr id="8" name="Rounded Rectangle 7">
+            </a:ln>
+          </p:spPr>
+          <p:style>
+            <a:lnRef idx="2">
+              <a:schemeClr val="accent1"/>
+            </a:lnRef>
+            <a:fillRef idx="1">
+              <a:schemeClr val="lt1"/>
+            </a:fillRef>
+            <a:effectRef idx="0">
+              <a:schemeClr val="accent1"/>
+            </a:effectRef>
+            <a:fontRef idx="minor">
+              <a:schemeClr val="dk1"/>
+            </a:fontRef>
+          </p:style>
+          <p:txBody>
+            <a:bodyPr rot="0" spcFirstLastPara="1" vertOverflow="overflow" horzOverflow="overflow" vert="horz" wrap="square" lIns="50800" tIns="50800" rIns="50800" bIns="50800" numCol="1" spcCol="38100" rtlCol="0" anchor="ctr">
+              <a:spAutoFit/>
+            </a:bodyPr>
+            <a:lstStyle/>
+            <a:p>
+              <a:pPr marL="0" marR="0" indent="0" algn="ctr" defTabSz="825500" rtl="0" fontAlgn="auto" latinLnBrk="0" hangingPunct="0">
+                <a:lnSpc>
+                  <a:spcPct val="120000"/>
+                </a:lnSpc>
+                <a:spcBef>
+                  <a:spcPts val="0"/>
+                </a:spcBef>
+                <a:spcAft>
+                  <a:spcPts val="0"/>
+                </a:spcAft>
+                <a:buClrTx/>
+                <a:buSzTx/>
+                <a:buFontTx/>
+                <a:buNone/>
+                <a:tabLst/>
+              </a:pPr>
+              <a:endParaRPr kumimoji="0" lang="en-US" sz="3000" b="0" i="0" u="none" strike="noStrike" cap="all" spc="0" normalizeH="0" baseline="0">
+                <a:ln>
+                  <a:noFill/>
+                </a:ln>
+                <a:solidFill>
+                  <a:srgbClr val="FFFFFF"/>
+                </a:solidFill>
+                <a:effectLst/>
+                <a:uFillTx/>
+                <a:latin typeface="Proxima Nova Extrabold"/>
+                <a:ea typeface="Proxima Nova Extrabold"/>
+                <a:cs typeface="Proxima Nova Extrabold"/>
+                <a:sym typeface="Proxima Nova Extrabold"/>
+              </a:endParaRPr>
+            </a:p>
+          </p:txBody>
+        </p:sp>
+        <p:sp>
+          <p:nvSpPr>
+            <p:cNvPr id="13" name="Your exam">
+              <a:extLst>
+                <a:ext uri="{FF2B5EF4-FFF2-40B4-BE49-F238E27FC236}">
+                  <a16:creationId xmlns:a16="http://schemas.microsoft.com/office/drawing/2014/main" id="{BC8D2B23-6E27-9666-78CD-F860F515F5A5}"/>
+                </a:ext>
+              </a:extLst>
+            </p:cNvPr>
+            <p:cNvSpPr txBox="1">
+              <a:spLocks/>
+            </p:cNvSpPr>
+            <p:nvPr/>
+          </p:nvSpPr>
+          <p:spPr>
+            <a:xfrm>
+              <a:off x="9132000" y="5481140"/>
+              <a:ext cx="6120000" cy="2765372"/>
+            </a:xfrm>
+            <a:prstGeom prst="rect">
+              <a:avLst/>
+            </a:prstGeom>
+            <a:ln w="12700">
+              <a:miter lim="400000"/>
+            </a:ln>
+            <a:extLst>
+              <a:ext uri="{C572A759-6A51-4108-AA02-DFA0A04FC94B}">
+                <ma14:wrappingTextBoxFlag xmlns="" xmlns:m="http://schemas.openxmlformats.org/officeDocument/2006/math" xmlns:a14="http://schemas.microsoft.com/office/drawing/2010/main" xmlns:ma14="http://schemas.microsoft.com/office/mac/drawingml/2011/main" val="1"/>
+              </a:ext>
+            </a:extLst>
+          </p:spPr>
+          <p:txBody>
+            <a:bodyPr lIns="50800" tIns="50800" rIns="50800" bIns="50800" anchor="ctr">
+              <a:normAutofit/>
+            </a:bodyPr>
+            <a:lstStyle>
+              <a:lvl1pPr marL="0" marR="0" indent="0" algn="l" defTabSz="825500" rtl="0" latinLnBrk="0">
+                <a:lnSpc>
+                  <a:spcPct val="80000"/>
+                </a:lnSpc>
+                <a:spcBef>
+                  <a:spcPts val="0"/>
+                </a:spcBef>
+                <a:spcAft>
+                  <a:spcPts val="0"/>
+                </a:spcAft>
+                <a:buClrTx/>
+                <a:buSzTx/>
+                <a:buFontTx/>
+                <a:buNone/>
+                <a:tabLst/>
+                <a:defRPr sz="14000" b="0" i="0" u="none" strike="noStrike" cap="all" spc="-140" baseline="0">
+                  <a:solidFill>
+                    <a:srgbClr val="FFFFFF"/>
+                  </a:solidFill>
+                  <a:uFillTx/>
+                  <a:latin typeface="+mn-lt"/>
+                  <a:ea typeface="+mn-ea"/>
+                  <a:cs typeface="+mn-cs"/>
+                  <a:sym typeface="Druk Medium"/>
+                </a:defRPr>
+              </a:lvl1pPr>
+              <a:lvl2pPr marL="0" marR="0" indent="457200" algn="l" defTabSz="825500" rtl="0" latinLnBrk="0">
+                <a:lnSpc>
+                  <a:spcPct val="80000"/>
+                </a:lnSpc>
+                <a:spcBef>
+                  <a:spcPts val="0"/>
+                </a:spcBef>
+                <a:spcAft>
+                  <a:spcPts val="0"/>
+                </a:spcAft>
+                <a:buClrTx/>
+                <a:buSzTx/>
+                <a:buFontTx/>
+                <a:buNone/>
+                <a:tabLst/>
+                <a:defRPr sz="11600" b="0" i="0" u="none" strike="noStrike" cap="all" spc="-116" baseline="0">
+                  <a:solidFill>
+                    <a:srgbClr val="00BFF3"/>
+                  </a:solidFill>
+                  <a:uFillTx/>
+                  <a:latin typeface="+mn-lt"/>
+                  <a:ea typeface="+mn-ea"/>
+                  <a:cs typeface="+mn-cs"/>
+                  <a:sym typeface="Druk Medium"/>
+                </a:defRPr>
+              </a:lvl2pPr>
+              <a:lvl3pPr marL="0" marR="0" indent="914400" algn="l" defTabSz="825500" rtl="0" latinLnBrk="0">
+                <a:lnSpc>
+                  <a:spcPct val="80000"/>
+                </a:lnSpc>
+                <a:spcBef>
+                  <a:spcPts val="0"/>
+                </a:spcBef>
+                <a:spcAft>
+                  <a:spcPts val="0"/>
+                </a:spcAft>
+                <a:buClrTx/>
+                <a:buSzTx/>
+                <a:buFontTx/>
+                <a:buNone/>
+                <a:tabLst/>
+                <a:defRPr sz="11600" b="0" i="0" u="none" strike="noStrike" cap="all" spc="-116" baseline="0">
+                  <a:solidFill>
+                    <a:srgbClr val="00BFF3"/>
+                  </a:solidFill>
+                  <a:uFillTx/>
+                  <a:latin typeface="+mn-lt"/>
+                  <a:ea typeface="+mn-ea"/>
+                  <a:cs typeface="+mn-cs"/>
+                  <a:sym typeface="Druk Medium"/>
+                </a:defRPr>
+              </a:lvl3pPr>
+              <a:lvl4pPr marL="0" marR="0" indent="1371600" algn="l" defTabSz="825500" rtl="0" latinLnBrk="0">
+                <a:lnSpc>
+                  <a:spcPct val="80000"/>
+                </a:lnSpc>
+                <a:spcBef>
+                  <a:spcPts val="0"/>
+                </a:spcBef>
+                <a:spcAft>
+                  <a:spcPts val="0"/>
+                </a:spcAft>
+                <a:buClrTx/>
+                <a:buSzTx/>
+                <a:buFontTx/>
+                <a:buNone/>
+                <a:tabLst/>
+                <a:defRPr sz="11600" b="0" i="0" u="none" strike="noStrike" cap="all" spc="-116" baseline="0">
+                  <a:solidFill>
+                    <a:srgbClr val="00BFF3"/>
+                  </a:solidFill>
+                  <a:uFillTx/>
+                  <a:latin typeface="+mn-lt"/>
+                  <a:ea typeface="+mn-ea"/>
+                  <a:cs typeface="+mn-cs"/>
+                  <a:sym typeface="Druk Medium"/>
+                </a:defRPr>
+              </a:lvl4pPr>
+              <a:lvl5pPr marL="0" marR="0" indent="1828800" algn="l" defTabSz="825500" rtl="0" latinLnBrk="0">
+                <a:lnSpc>
+                  <a:spcPct val="80000"/>
+                </a:lnSpc>
+                <a:spcBef>
+                  <a:spcPts val="0"/>
+                </a:spcBef>
+                <a:spcAft>
+                  <a:spcPts val="0"/>
+                </a:spcAft>
+                <a:buClrTx/>
+                <a:buSzTx/>
+                <a:buFontTx/>
+                <a:buNone/>
+                <a:tabLst/>
+                <a:defRPr sz="11600" b="0" i="0" u="none" strike="noStrike" cap="all" spc="-116" baseline="0">
+                  <a:solidFill>
+                    <a:srgbClr val="00BFF3"/>
+                  </a:solidFill>
+                  <a:uFillTx/>
+                  <a:latin typeface="+mn-lt"/>
+                  <a:ea typeface="+mn-ea"/>
+                  <a:cs typeface="+mn-cs"/>
+                  <a:sym typeface="Druk Medium"/>
+                </a:defRPr>
+              </a:lvl5pPr>
+              <a:lvl6pPr marL="0" marR="0" indent="2286000" algn="l" defTabSz="825500" rtl="0" latinLnBrk="0">
+                <a:lnSpc>
+                  <a:spcPct val="80000"/>
+                </a:lnSpc>
+                <a:spcBef>
+                  <a:spcPts val="0"/>
+                </a:spcBef>
+                <a:spcAft>
+                  <a:spcPts val="0"/>
+                </a:spcAft>
+                <a:buClrTx/>
+                <a:buSzTx/>
+                <a:buFontTx/>
+                <a:buNone/>
+                <a:tabLst/>
+                <a:defRPr sz="11600" b="0" i="0" u="none" strike="noStrike" cap="all" spc="-116" baseline="0">
+                  <a:solidFill>
+                    <a:srgbClr val="00BFF3"/>
+                  </a:solidFill>
+                  <a:uFillTx/>
+                  <a:latin typeface="+mn-lt"/>
+                  <a:ea typeface="+mn-ea"/>
+                  <a:cs typeface="+mn-cs"/>
+                  <a:sym typeface="Druk Medium"/>
+                </a:defRPr>
+              </a:lvl6pPr>
+              <a:lvl7pPr marL="0" marR="0" indent="2743200" algn="l" defTabSz="825500" rtl="0" latinLnBrk="0">
+                <a:lnSpc>
+                  <a:spcPct val="80000"/>
+                </a:lnSpc>
+                <a:spcBef>
+                  <a:spcPts val="0"/>
+                </a:spcBef>
+                <a:spcAft>
+                  <a:spcPts val="0"/>
+                </a:spcAft>
+                <a:buClrTx/>
+                <a:buSzTx/>
+                <a:buFontTx/>
+                <a:buNone/>
+                <a:tabLst/>
+                <a:defRPr sz="11600" b="0" i="0" u="none" strike="noStrike" cap="all" spc="-116" baseline="0">
+                  <a:solidFill>
+                    <a:srgbClr val="00BFF3"/>
+                  </a:solidFill>
+                  <a:uFillTx/>
+                  <a:latin typeface="+mn-lt"/>
+                  <a:ea typeface="+mn-ea"/>
+                  <a:cs typeface="+mn-cs"/>
+                  <a:sym typeface="Druk Medium"/>
+                </a:defRPr>
+              </a:lvl7pPr>
+              <a:lvl8pPr marL="0" marR="0" indent="3200400" algn="l" defTabSz="825500" rtl="0" latinLnBrk="0">
+                <a:lnSpc>
+                  <a:spcPct val="80000"/>
+                </a:lnSpc>
+                <a:spcBef>
+                  <a:spcPts val="0"/>
+                </a:spcBef>
+                <a:spcAft>
+                  <a:spcPts val="0"/>
+                </a:spcAft>
+                <a:buClrTx/>
+                <a:buSzTx/>
+                <a:buFontTx/>
+                <a:buNone/>
+                <a:tabLst/>
+                <a:defRPr sz="11600" b="0" i="0" u="none" strike="noStrike" cap="all" spc="-116" baseline="0">
+                  <a:solidFill>
+                    <a:srgbClr val="00BFF3"/>
+                  </a:solidFill>
+                  <a:uFillTx/>
+                  <a:latin typeface="+mn-lt"/>
+                  <a:ea typeface="+mn-ea"/>
+                  <a:cs typeface="+mn-cs"/>
+                  <a:sym typeface="Druk Medium"/>
+                </a:defRPr>
+              </a:lvl8pPr>
+              <a:lvl9pPr marL="0" marR="0" indent="3657600" algn="l" defTabSz="825500" rtl="0" latinLnBrk="0">
+                <a:lnSpc>
+                  <a:spcPct val="80000"/>
+                </a:lnSpc>
+                <a:spcBef>
+                  <a:spcPts val="0"/>
+                </a:spcBef>
+                <a:spcAft>
+                  <a:spcPts val="0"/>
+                </a:spcAft>
+                <a:buClrTx/>
+                <a:buSzTx/>
+                <a:buFontTx/>
+                <a:buNone/>
+                <a:tabLst/>
+                <a:defRPr sz="11600" b="0" i="0" u="none" strike="noStrike" cap="all" spc="-116" baseline="0">
+                  <a:solidFill>
+                    <a:srgbClr val="00BFF3"/>
+                  </a:solidFill>
+                  <a:uFillTx/>
+                  <a:latin typeface="+mn-lt"/>
+                  <a:ea typeface="+mn-ea"/>
+                  <a:cs typeface="+mn-cs"/>
+                  <a:sym typeface="Druk Medium"/>
+                </a:defRPr>
+              </a:lvl9pPr>
+            </a:lstStyle>
+            <a:p>
+              <a:pPr algn="ctr" hangingPunct="1"/>
+              <a:r>
+                <a:rPr lang="en-GB" sz="8000" b="1" dirty="0"/>
+                <a:t>Attempt</a:t>
+              </a:r>
+            </a:p>
+            <a:p>
+              <a:pPr algn="ctr" hangingPunct="1"/>
+              <a:r>
+                <a:rPr lang="en-GB" sz="8000" b="1" dirty="0"/>
+                <a:t>limits</a:t>
+              </a:r>
+            </a:p>
+          </p:txBody>
+        </p:sp>
+      </p:grpSp>
+      <p:grpSp>
+        <p:nvGrpSpPr>
+          <p:cNvPr id="20" name="Group 19">
             <a:extLst>
               <a:ext uri="{FF2B5EF4-FFF2-40B4-BE49-F238E27FC236}">
-                <a16:creationId xmlns:a16="http://schemas.microsoft.com/office/drawing/2014/main" id="{1747D783-E502-C3FD-551D-BBA23235F0DD}"/>
+                <a16:creationId xmlns:a16="http://schemas.microsoft.com/office/drawing/2014/main" id="{0B13D325-85F5-CABF-81A9-241630F1B537}"/>
               </a:ext>
             </a:extLst>
           </p:cNvPr>
-          <p:cNvSpPr/>
+          <p:cNvGrpSpPr/>
           <p:nvPr/>
-        </p:nvSpPr>
-        <p:spPr>
+        </p:nvGrpSpPr>
+        <p:grpSpPr>
           <a:xfrm>
             <a:off x="17044800" y="5418000"/>
             <a:ext cx="6120000" cy="2880000"/>
+            <a:chOff x="17044800" y="5418000"/>
+            <a:chExt cx="6120000" cy="2880000"/>
           </a:xfrm>
-          <a:prstGeom prst="roundRect">
-            <a:avLst/>
-          </a:prstGeom>
-          <a:ln w="127000">
-            <a:solidFill>
-              <a:srgbClr val="FFFFFF"/>
-            </a:solidFill>
-          </a:ln>
-        </p:spPr>
-        <p:style>
-          <a:lnRef idx="2">
-            <a:schemeClr val="accent1"/>
-          </a:lnRef>
-          <a:fillRef idx="1">
-            <a:schemeClr val="lt1"/>
-          </a:fillRef>
-          <a:effectRef idx="0">
-            <a:schemeClr val="accent1"/>
-          </a:effectRef>
-          <a:fontRef idx="minor">
-            <a:schemeClr val="dk1"/>
-          </a:fontRef>
-        </p:style>
-        <p:txBody>
-          <a:bodyPr rot="0" spcFirstLastPara="1" vertOverflow="overflow" horzOverflow="overflow" vert="horz" wrap="square" lIns="50800" tIns="50800" rIns="50800" bIns="50800" numCol="1" spcCol="38100" rtlCol="0" anchor="ctr">
-            <a:spAutoFit/>
-          </a:bodyPr>
-          <a:lstStyle/>
-          <a:p>
-            <a:pPr marL="0" marR="0" indent="0" algn="ctr" defTabSz="825500" rtl="0" fontAlgn="auto" latinLnBrk="0" hangingPunct="0">
-              <a:lnSpc>
-                <a:spcPct val="120000"/>
-              </a:lnSpc>
-              <a:spcBef>
-                <a:spcPts val="0"/>
-              </a:spcBef>
-              <a:spcAft>
-                <a:spcPts val="0"/>
-              </a:spcAft>
-              <a:buClrTx/>
-              <a:buSzTx/>
-              <a:buFontTx/>
-              <a:buNone/>
-              <a:tabLst/>
-            </a:pPr>
-            <a:endParaRPr kumimoji="0" lang="en-US" sz="3000" b="0" i="0" u="none" strike="noStrike" cap="all" spc="0" normalizeH="0" baseline="0">
-              <a:ln>
-                <a:noFill/>
-              </a:ln>
+        </p:grpSpPr>
+        <p:sp>
+          <p:nvSpPr>
+            <p:cNvPr id="8" name="Rounded Rectangle 7">
+              <a:extLst>
+                <a:ext uri="{FF2B5EF4-FFF2-40B4-BE49-F238E27FC236}">
+                  <a16:creationId xmlns:a16="http://schemas.microsoft.com/office/drawing/2014/main" id="{1747D783-E502-C3FD-551D-BBA23235F0DD}"/>
+                </a:ext>
+              </a:extLst>
+            </p:cNvPr>
+            <p:cNvSpPr/>
+            <p:nvPr/>
+          </p:nvSpPr>
+          <p:spPr>
+            <a:xfrm>
+              <a:off x="17044800" y="5418000"/>
+              <a:ext cx="6120000" cy="2880000"/>
+            </a:xfrm>
+            <a:prstGeom prst="roundRect">
+              <a:avLst/>
+            </a:prstGeom>
+            <a:ln w="127000">
               <a:solidFill>
                 <a:srgbClr val="FFFFFF"/>
               </a:solidFill>
-              <a:effectLst/>
-              <a:uFillTx/>
-              <a:latin typeface="Proxima Nova Extrabold"/>
-              <a:ea typeface="Proxima Nova Extrabold"/>
-              <a:cs typeface="Proxima Nova Extrabold"/>
-              <a:sym typeface="Proxima Nova Extrabold"/>
-            </a:endParaRPr>
-          </a:p>
-        </p:txBody>
-      </p:sp>
-      <p:sp>
-        <p:nvSpPr>
-          <p:cNvPr id="9" name="Rounded Rectangle 8">
+            </a:ln>
+          </p:spPr>
+          <p:style>
+            <a:lnRef idx="2">
+              <a:schemeClr val="accent1"/>
+            </a:lnRef>
+            <a:fillRef idx="1">
+              <a:schemeClr val="lt1"/>
+            </a:fillRef>
+            <a:effectRef idx="0">
+              <a:schemeClr val="accent1"/>
+            </a:effectRef>
+            <a:fontRef idx="minor">
+              <a:schemeClr val="dk1"/>
+            </a:fontRef>
+          </p:style>
+          <p:txBody>
+            <a:bodyPr rot="0" spcFirstLastPara="1" vertOverflow="overflow" horzOverflow="overflow" vert="horz" wrap="square" lIns="50800" tIns="50800" rIns="50800" bIns="50800" numCol="1" spcCol="38100" rtlCol="0" anchor="ctr">
+              <a:spAutoFit/>
+            </a:bodyPr>
+            <a:lstStyle/>
+            <a:p>
+              <a:pPr marL="0" marR="0" indent="0" algn="ctr" defTabSz="825500" rtl="0" fontAlgn="auto" latinLnBrk="0" hangingPunct="0">
+                <a:lnSpc>
+                  <a:spcPct val="120000"/>
+                </a:lnSpc>
+                <a:spcBef>
+                  <a:spcPts val="0"/>
+                </a:spcBef>
+                <a:spcAft>
+                  <a:spcPts val="0"/>
+                </a:spcAft>
+                <a:buClrTx/>
+                <a:buSzTx/>
+                <a:buFontTx/>
+                <a:buNone/>
+                <a:tabLst/>
+              </a:pPr>
+              <a:endParaRPr kumimoji="0" lang="en-US" sz="3000" b="0" i="0" u="none" strike="noStrike" cap="all" spc="0" normalizeH="0" baseline="0">
+                <a:ln>
+                  <a:noFill/>
+                </a:ln>
+                <a:solidFill>
+                  <a:srgbClr val="FFFFFF"/>
+                </a:solidFill>
+                <a:effectLst/>
+                <a:uFillTx/>
+                <a:latin typeface="Proxima Nova Extrabold"/>
+                <a:ea typeface="Proxima Nova Extrabold"/>
+                <a:cs typeface="Proxima Nova Extrabold"/>
+                <a:sym typeface="Proxima Nova Extrabold"/>
+              </a:endParaRPr>
+            </a:p>
+          </p:txBody>
+        </p:sp>
+        <p:sp>
+          <p:nvSpPr>
+            <p:cNvPr id="14" name="Your exam">
+              <a:extLst>
+                <a:ext uri="{FF2B5EF4-FFF2-40B4-BE49-F238E27FC236}">
+                  <a16:creationId xmlns:a16="http://schemas.microsoft.com/office/drawing/2014/main" id="{AFECFA08-7903-494F-DCD0-5C7674EBB467}"/>
+                </a:ext>
+              </a:extLst>
+            </p:cNvPr>
+            <p:cNvSpPr txBox="1">
+              <a:spLocks/>
+            </p:cNvSpPr>
+            <p:nvPr/>
+          </p:nvSpPr>
+          <p:spPr>
+            <a:xfrm>
+              <a:off x="17044800" y="5532628"/>
+              <a:ext cx="6120000" cy="2765372"/>
+            </a:xfrm>
+            <a:prstGeom prst="rect">
+              <a:avLst/>
+            </a:prstGeom>
+            <a:ln w="12700">
+              <a:miter lim="400000"/>
+            </a:ln>
+            <a:extLst>
+              <a:ext uri="{C572A759-6A51-4108-AA02-DFA0A04FC94B}">
+                <ma14:wrappingTextBoxFlag xmlns="" xmlns:m="http://schemas.openxmlformats.org/officeDocument/2006/math" xmlns:a14="http://schemas.microsoft.com/office/drawing/2010/main" xmlns:ma14="http://schemas.microsoft.com/office/mac/drawingml/2011/main" val="1"/>
+              </a:ext>
+            </a:extLst>
+          </p:spPr>
+          <p:txBody>
+            <a:bodyPr lIns="50800" tIns="50800" rIns="50800" bIns="50800" anchor="ctr">
+              <a:normAutofit/>
+            </a:bodyPr>
+            <a:lstStyle>
+              <a:lvl1pPr marL="0" marR="0" indent="0" algn="l" defTabSz="825500" rtl="0" latinLnBrk="0">
+                <a:lnSpc>
+                  <a:spcPct val="80000"/>
+                </a:lnSpc>
+                <a:spcBef>
+                  <a:spcPts val="0"/>
+                </a:spcBef>
+                <a:spcAft>
+                  <a:spcPts val="0"/>
+                </a:spcAft>
+                <a:buClrTx/>
+                <a:buSzTx/>
+                <a:buFontTx/>
+                <a:buNone/>
+                <a:tabLst/>
+                <a:defRPr sz="14000" b="0" i="0" u="none" strike="noStrike" cap="all" spc="-140" baseline="0">
+                  <a:solidFill>
+                    <a:srgbClr val="FFFFFF"/>
+                  </a:solidFill>
+                  <a:uFillTx/>
+                  <a:latin typeface="+mn-lt"/>
+                  <a:ea typeface="+mn-ea"/>
+                  <a:cs typeface="+mn-cs"/>
+                  <a:sym typeface="Druk Medium"/>
+                </a:defRPr>
+              </a:lvl1pPr>
+              <a:lvl2pPr marL="0" marR="0" indent="457200" algn="l" defTabSz="825500" rtl="0" latinLnBrk="0">
+                <a:lnSpc>
+                  <a:spcPct val="80000"/>
+                </a:lnSpc>
+                <a:spcBef>
+                  <a:spcPts val="0"/>
+                </a:spcBef>
+                <a:spcAft>
+                  <a:spcPts val="0"/>
+                </a:spcAft>
+                <a:buClrTx/>
+                <a:buSzTx/>
+                <a:buFontTx/>
+                <a:buNone/>
+                <a:tabLst/>
+                <a:defRPr sz="11600" b="0" i="0" u="none" strike="noStrike" cap="all" spc="-116" baseline="0">
+                  <a:solidFill>
+                    <a:srgbClr val="00BFF3"/>
+                  </a:solidFill>
+                  <a:uFillTx/>
+                  <a:latin typeface="+mn-lt"/>
+                  <a:ea typeface="+mn-ea"/>
+                  <a:cs typeface="+mn-cs"/>
+                  <a:sym typeface="Druk Medium"/>
+                </a:defRPr>
+              </a:lvl2pPr>
+              <a:lvl3pPr marL="0" marR="0" indent="914400" algn="l" defTabSz="825500" rtl="0" latinLnBrk="0">
+                <a:lnSpc>
+                  <a:spcPct val="80000"/>
+                </a:lnSpc>
+                <a:spcBef>
+                  <a:spcPts val="0"/>
+                </a:spcBef>
+                <a:spcAft>
+                  <a:spcPts val="0"/>
+                </a:spcAft>
+                <a:buClrTx/>
+                <a:buSzTx/>
+                <a:buFontTx/>
+                <a:buNone/>
+                <a:tabLst/>
+                <a:defRPr sz="11600" b="0" i="0" u="none" strike="noStrike" cap="all" spc="-116" baseline="0">
+                  <a:solidFill>
+                    <a:srgbClr val="00BFF3"/>
+                  </a:solidFill>
+                  <a:uFillTx/>
+                  <a:latin typeface="+mn-lt"/>
+                  <a:ea typeface="+mn-ea"/>
+                  <a:cs typeface="+mn-cs"/>
+                  <a:sym typeface="Druk Medium"/>
+                </a:defRPr>
+              </a:lvl3pPr>
+              <a:lvl4pPr marL="0" marR="0" indent="1371600" algn="l" defTabSz="825500" rtl="0" latinLnBrk="0">
+                <a:lnSpc>
+                  <a:spcPct val="80000"/>
+                </a:lnSpc>
+                <a:spcBef>
+                  <a:spcPts val="0"/>
+                </a:spcBef>
+                <a:spcAft>
+                  <a:spcPts val="0"/>
+                </a:spcAft>
+                <a:buClrTx/>
+                <a:buSzTx/>
+                <a:buFontTx/>
+                <a:buNone/>
+                <a:tabLst/>
+                <a:defRPr sz="11600" b="0" i="0" u="none" strike="noStrike" cap="all" spc="-116" baseline="0">
+                  <a:solidFill>
+                    <a:srgbClr val="00BFF3"/>
+                  </a:solidFill>
+                  <a:uFillTx/>
+                  <a:latin typeface="+mn-lt"/>
+                  <a:ea typeface="+mn-ea"/>
+                  <a:cs typeface="+mn-cs"/>
+                  <a:sym typeface="Druk Medium"/>
+                </a:defRPr>
+              </a:lvl4pPr>
+              <a:lvl5pPr marL="0" marR="0" indent="1828800" algn="l" defTabSz="825500" rtl="0" latinLnBrk="0">
+                <a:lnSpc>
+                  <a:spcPct val="80000"/>
+                </a:lnSpc>
+                <a:spcBef>
+                  <a:spcPts val="0"/>
+                </a:spcBef>
+                <a:spcAft>
+                  <a:spcPts val="0"/>
+                </a:spcAft>
+                <a:buClrTx/>
+                <a:buSzTx/>
+                <a:buFontTx/>
+                <a:buNone/>
+                <a:tabLst/>
+                <a:defRPr sz="11600" b="0" i="0" u="none" strike="noStrike" cap="all" spc="-116" baseline="0">
+                  <a:solidFill>
+                    <a:srgbClr val="00BFF3"/>
+                  </a:solidFill>
+                  <a:uFillTx/>
+                  <a:latin typeface="+mn-lt"/>
+                  <a:ea typeface="+mn-ea"/>
+                  <a:cs typeface="+mn-cs"/>
+                  <a:sym typeface="Druk Medium"/>
+                </a:defRPr>
+              </a:lvl5pPr>
+              <a:lvl6pPr marL="0" marR="0" indent="2286000" algn="l" defTabSz="825500" rtl="0" latinLnBrk="0">
+                <a:lnSpc>
+                  <a:spcPct val="80000"/>
+                </a:lnSpc>
+                <a:spcBef>
+                  <a:spcPts val="0"/>
+                </a:spcBef>
+                <a:spcAft>
+                  <a:spcPts val="0"/>
+                </a:spcAft>
+                <a:buClrTx/>
+                <a:buSzTx/>
+                <a:buFontTx/>
+                <a:buNone/>
+                <a:tabLst/>
+                <a:defRPr sz="11600" b="0" i="0" u="none" strike="noStrike" cap="all" spc="-116" baseline="0">
+                  <a:solidFill>
+                    <a:srgbClr val="00BFF3"/>
+                  </a:solidFill>
+                  <a:uFillTx/>
+                  <a:latin typeface="+mn-lt"/>
+                  <a:ea typeface="+mn-ea"/>
+                  <a:cs typeface="+mn-cs"/>
+                  <a:sym typeface="Druk Medium"/>
+                </a:defRPr>
+              </a:lvl6pPr>
+              <a:lvl7pPr marL="0" marR="0" indent="2743200" algn="l" defTabSz="825500" rtl="0" latinLnBrk="0">
+                <a:lnSpc>
+                  <a:spcPct val="80000"/>
+                </a:lnSpc>
+                <a:spcBef>
+                  <a:spcPts val="0"/>
+                </a:spcBef>
+                <a:spcAft>
+                  <a:spcPts val="0"/>
+                </a:spcAft>
+                <a:buClrTx/>
+                <a:buSzTx/>
+                <a:buFontTx/>
+                <a:buNone/>
+                <a:tabLst/>
+                <a:defRPr sz="11600" b="0" i="0" u="none" strike="noStrike" cap="all" spc="-116" baseline="0">
+                  <a:solidFill>
+                    <a:srgbClr val="00BFF3"/>
+                  </a:solidFill>
+                  <a:uFillTx/>
+                  <a:latin typeface="+mn-lt"/>
+                  <a:ea typeface="+mn-ea"/>
+                  <a:cs typeface="+mn-cs"/>
+                  <a:sym typeface="Druk Medium"/>
+                </a:defRPr>
+              </a:lvl7pPr>
+              <a:lvl8pPr marL="0" marR="0" indent="3200400" algn="l" defTabSz="825500" rtl="0" latinLnBrk="0">
+                <a:lnSpc>
+                  <a:spcPct val="80000"/>
+                </a:lnSpc>
+                <a:spcBef>
+                  <a:spcPts val="0"/>
+                </a:spcBef>
+                <a:spcAft>
+                  <a:spcPts val="0"/>
+                </a:spcAft>
+                <a:buClrTx/>
+                <a:buSzTx/>
+                <a:buFontTx/>
+                <a:buNone/>
+                <a:tabLst/>
+                <a:defRPr sz="11600" b="0" i="0" u="none" strike="noStrike" cap="all" spc="-116" baseline="0">
+                  <a:solidFill>
+                    <a:srgbClr val="00BFF3"/>
+                  </a:solidFill>
+                  <a:uFillTx/>
+                  <a:latin typeface="+mn-lt"/>
+                  <a:ea typeface="+mn-ea"/>
+                  <a:cs typeface="+mn-cs"/>
+                  <a:sym typeface="Druk Medium"/>
+                </a:defRPr>
+              </a:lvl8pPr>
+              <a:lvl9pPr marL="0" marR="0" indent="3657600" algn="l" defTabSz="825500" rtl="0" latinLnBrk="0">
+                <a:lnSpc>
+                  <a:spcPct val="80000"/>
+                </a:lnSpc>
+                <a:spcBef>
+                  <a:spcPts val="0"/>
+                </a:spcBef>
+                <a:spcAft>
+                  <a:spcPts val="0"/>
+                </a:spcAft>
+                <a:buClrTx/>
+                <a:buSzTx/>
+                <a:buFontTx/>
+                <a:buNone/>
+                <a:tabLst/>
+                <a:defRPr sz="11600" b="0" i="0" u="none" strike="noStrike" cap="all" spc="-116" baseline="0">
+                  <a:solidFill>
+                    <a:srgbClr val="00BFF3"/>
+                  </a:solidFill>
+                  <a:uFillTx/>
+                  <a:latin typeface="+mn-lt"/>
+                  <a:ea typeface="+mn-ea"/>
+                  <a:cs typeface="+mn-cs"/>
+                  <a:sym typeface="Druk Medium"/>
+                </a:defRPr>
+              </a:lvl9pPr>
+            </a:lstStyle>
+            <a:p>
+              <a:pPr algn="ctr" hangingPunct="1"/>
+              <a:r>
+                <a:rPr lang="en-GB" sz="6600" b="1" dirty="0"/>
+                <a:t>Complexity requirements</a:t>
+              </a:r>
+            </a:p>
+          </p:txBody>
+        </p:sp>
+      </p:grpSp>
+      <p:grpSp>
+        <p:nvGrpSpPr>
+          <p:cNvPr id="23" name="Group 22">
             <a:extLst>
               <a:ext uri="{FF2B5EF4-FFF2-40B4-BE49-F238E27FC236}">
-                <a16:creationId xmlns:a16="http://schemas.microsoft.com/office/drawing/2014/main" id="{1A6E6D86-EE6A-9583-AC6F-62B504359155}"/>
+                <a16:creationId xmlns:a16="http://schemas.microsoft.com/office/drawing/2014/main" id="{09423FC9-0B97-896E-A66C-CFB74D878011}"/>
               </a:ext>
             </a:extLst>
           </p:cNvPr>
-          <p:cNvSpPr/>
+          <p:cNvGrpSpPr/>
           <p:nvPr/>
-        </p:nvSpPr>
-        <p:spPr>
+        </p:nvGrpSpPr>
+        <p:grpSpPr>
           <a:xfrm>
             <a:off x="1219200" y="9616800"/>
             <a:ext cx="6120000" cy="2880000"/>
+            <a:chOff x="1219200" y="9616800"/>
+            <a:chExt cx="6120000" cy="2880000"/>
           </a:xfrm>
-          <a:prstGeom prst="roundRect">
-            <a:avLst/>
-          </a:prstGeom>
-          <a:ln w="127000">
-            <a:solidFill>
-              <a:srgbClr val="FFFFFF"/>
-            </a:solidFill>
-          </a:ln>
-        </p:spPr>
-        <p:style>
-          <a:lnRef idx="2">
-            <a:schemeClr val="accent1"/>
-          </a:lnRef>
-          <a:fillRef idx="1">
-            <a:schemeClr val="lt1"/>
-          </a:fillRef>
-          <a:effectRef idx="0">
-            <a:schemeClr val="accent1"/>
-          </a:effectRef>
-          <a:fontRef idx="minor">
-            <a:schemeClr val="dk1"/>
-          </a:fontRef>
-        </p:style>
-        <p:txBody>
-          <a:bodyPr rot="0" spcFirstLastPara="1" vertOverflow="overflow" horzOverflow="overflow" vert="horz" wrap="square" lIns="50800" tIns="50800" rIns="50800" bIns="50800" numCol="1" spcCol="38100" rtlCol="0" anchor="ctr">
-            <a:spAutoFit/>
-          </a:bodyPr>
-          <a:lstStyle/>
-          <a:p>
-            <a:pPr marL="0" marR="0" indent="0" algn="ctr" defTabSz="825500" rtl="0" fontAlgn="auto" latinLnBrk="0" hangingPunct="0">
-              <a:lnSpc>
-                <a:spcPct val="120000"/>
-              </a:lnSpc>
-              <a:spcBef>
-                <a:spcPts val="0"/>
-              </a:spcBef>
-              <a:spcAft>
-                <a:spcPts val="0"/>
-              </a:spcAft>
-              <a:buClrTx/>
-              <a:buSzTx/>
-              <a:buFontTx/>
-              <a:buNone/>
-              <a:tabLst/>
-            </a:pPr>
-            <a:endParaRPr kumimoji="0" lang="en-US" sz="3000" b="0" i="0" u="none" strike="noStrike" cap="all" spc="0" normalizeH="0" baseline="0">
-              <a:ln>
-                <a:noFill/>
-              </a:ln>
+        </p:grpSpPr>
+        <p:sp>
+          <p:nvSpPr>
+            <p:cNvPr id="9" name="Rounded Rectangle 8">
+              <a:extLst>
+                <a:ext uri="{FF2B5EF4-FFF2-40B4-BE49-F238E27FC236}">
+                  <a16:creationId xmlns:a16="http://schemas.microsoft.com/office/drawing/2014/main" id="{1A6E6D86-EE6A-9583-AC6F-62B504359155}"/>
+                </a:ext>
+              </a:extLst>
+            </p:cNvPr>
+            <p:cNvSpPr/>
+            <p:nvPr/>
+          </p:nvSpPr>
+          <p:spPr>
+            <a:xfrm>
+              <a:off x="1219200" y="9616800"/>
+              <a:ext cx="6120000" cy="2880000"/>
+            </a:xfrm>
+            <a:prstGeom prst="roundRect">
+              <a:avLst/>
+            </a:prstGeom>
+            <a:ln w="127000">
               <a:solidFill>
                 <a:srgbClr val="FFFFFF"/>
               </a:solidFill>
-              <a:effectLst/>
-              <a:uFillTx/>
-              <a:latin typeface="Proxima Nova Extrabold"/>
-              <a:ea typeface="Proxima Nova Extrabold"/>
-              <a:cs typeface="Proxima Nova Extrabold"/>
-              <a:sym typeface="Proxima Nova Extrabold"/>
-            </a:endParaRPr>
-          </a:p>
-        </p:txBody>
-      </p:sp>
-      <p:sp>
-        <p:nvSpPr>
-          <p:cNvPr id="10" name="Rounded Rectangle 9">
+            </a:ln>
+          </p:spPr>
+          <p:style>
+            <a:lnRef idx="2">
+              <a:schemeClr val="accent1"/>
+            </a:lnRef>
+            <a:fillRef idx="1">
+              <a:schemeClr val="lt1"/>
+            </a:fillRef>
+            <a:effectRef idx="0">
+              <a:schemeClr val="accent1"/>
+            </a:effectRef>
+            <a:fontRef idx="minor">
+              <a:schemeClr val="dk1"/>
+            </a:fontRef>
+          </p:style>
+          <p:txBody>
+            <a:bodyPr rot="0" spcFirstLastPara="1" vertOverflow="overflow" horzOverflow="overflow" vert="horz" wrap="square" lIns="50800" tIns="50800" rIns="50800" bIns="50800" numCol="1" spcCol="38100" rtlCol="0" anchor="ctr">
+              <a:spAutoFit/>
+            </a:bodyPr>
+            <a:lstStyle/>
+            <a:p>
+              <a:pPr marL="0" marR="0" indent="0" algn="ctr" defTabSz="825500" rtl="0" fontAlgn="auto" latinLnBrk="0" hangingPunct="0">
+                <a:lnSpc>
+                  <a:spcPct val="120000"/>
+                </a:lnSpc>
+                <a:spcBef>
+                  <a:spcPts val="0"/>
+                </a:spcBef>
+                <a:spcAft>
+                  <a:spcPts val="0"/>
+                </a:spcAft>
+                <a:buClrTx/>
+                <a:buSzTx/>
+                <a:buFontTx/>
+                <a:buNone/>
+                <a:tabLst/>
+              </a:pPr>
+              <a:endParaRPr kumimoji="0" lang="en-US" sz="3000" b="0" i="0" u="none" strike="noStrike" cap="all" spc="0" normalizeH="0" baseline="0">
+                <a:ln>
+                  <a:noFill/>
+                </a:ln>
+                <a:solidFill>
+                  <a:srgbClr val="FFFFFF"/>
+                </a:solidFill>
+                <a:effectLst/>
+                <a:uFillTx/>
+                <a:latin typeface="Proxima Nova Extrabold"/>
+                <a:ea typeface="Proxima Nova Extrabold"/>
+                <a:cs typeface="Proxima Nova Extrabold"/>
+                <a:sym typeface="Proxima Nova Extrabold"/>
+              </a:endParaRPr>
+            </a:p>
+          </p:txBody>
+        </p:sp>
+        <p:sp>
+          <p:nvSpPr>
+            <p:cNvPr id="15" name="Your exam">
+              <a:extLst>
+                <a:ext uri="{FF2B5EF4-FFF2-40B4-BE49-F238E27FC236}">
+                  <a16:creationId xmlns:a16="http://schemas.microsoft.com/office/drawing/2014/main" id="{5EA4CC92-8564-7788-7139-4C8B4344CEDA}"/>
+                </a:ext>
+              </a:extLst>
+            </p:cNvPr>
+            <p:cNvSpPr txBox="1">
+              <a:spLocks/>
+            </p:cNvSpPr>
+            <p:nvPr/>
+          </p:nvSpPr>
+          <p:spPr>
+            <a:xfrm>
+              <a:off x="1219200" y="9731428"/>
+              <a:ext cx="6120000" cy="2765372"/>
+            </a:xfrm>
+            <a:prstGeom prst="rect">
+              <a:avLst/>
+            </a:prstGeom>
+            <a:ln w="12700">
+              <a:miter lim="400000"/>
+            </a:ln>
+            <a:extLst>
+              <a:ext uri="{C572A759-6A51-4108-AA02-DFA0A04FC94B}">
+                <ma14:wrappingTextBoxFlag xmlns="" xmlns:m="http://schemas.openxmlformats.org/officeDocument/2006/math" xmlns:a14="http://schemas.microsoft.com/office/drawing/2010/main" xmlns:ma14="http://schemas.microsoft.com/office/mac/drawingml/2011/main" val="1"/>
+              </a:ext>
+            </a:extLst>
+          </p:spPr>
+          <p:txBody>
+            <a:bodyPr lIns="50800" tIns="50800" rIns="50800" bIns="50800" anchor="ctr">
+              <a:normAutofit/>
+            </a:bodyPr>
+            <a:lstStyle>
+              <a:lvl1pPr marL="0" marR="0" indent="0" algn="l" defTabSz="825500" rtl="0" latinLnBrk="0">
+                <a:lnSpc>
+                  <a:spcPct val="80000"/>
+                </a:lnSpc>
+                <a:spcBef>
+                  <a:spcPts val="0"/>
+                </a:spcBef>
+                <a:spcAft>
+                  <a:spcPts val="0"/>
+                </a:spcAft>
+                <a:buClrTx/>
+                <a:buSzTx/>
+                <a:buFontTx/>
+                <a:buNone/>
+                <a:tabLst/>
+                <a:defRPr sz="14000" b="0" i="0" u="none" strike="noStrike" cap="all" spc="-140" baseline="0">
+                  <a:solidFill>
+                    <a:srgbClr val="FFFFFF"/>
+                  </a:solidFill>
+                  <a:uFillTx/>
+                  <a:latin typeface="+mn-lt"/>
+                  <a:ea typeface="+mn-ea"/>
+                  <a:cs typeface="+mn-cs"/>
+                  <a:sym typeface="Druk Medium"/>
+                </a:defRPr>
+              </a:lvl1pPr>
+              <a:lvl2pPr marL="0" marR="0" indent="457200" algn="l" defTabSz="825500" rtl="0" latinLnBrk="0">
+                <a:lnSpc>
+                  <a:spcPct val="80000"/>
+                </a:lnSpc>
+                <a:spcBef>
+                  <a:spcPts val="0"/>
+                </a:spcBef>
+                <a:spcAft>
+                  <a:spcPts val="0"/>
+                </a:spcAft>
+                <a:buClrTx/>
+                <a:buSzTx/>
+                <a:buFontTx/>
+                <a:buNone/>
+                <a:tabLst/>
+                <a:defRPr sz="11600" b="0" i="0" u="none" strike="noStrike" cap="all" spc="-116" baseline="0">
+                  <a:solidFill>
+                    <a:srgbClr val="00BFF3"/>
+                  </a:solidFill>
+                  <a:uFillTx/>
+                  <a:latin typeface="+mn-lt"/>
+                  <a:ea typeface="+mn-ea"/>
+                  <a:cs typeface="+mn-cs"/>
+                  <a:sym typeface="Druk Medium"/>
+                </a:defRPr>
+              </a:lvl2pPr>
+              <a:lvl3pPr marL="0" marR="0" indent="914400" algn="l" defTabSz="825500" rtl="0" latinLnBrk="0">
+                <a:lnSpc>
+                  <a:spcPct val="80000"/>
+                </a:lnSpc>
+                <a:spcBef>
+                  <a:spcPts val="0"/>
+                </a:spcBef>
+                <a:spcAft>
+                  <a:spcPts val="0"/>
+                </a:spcAft>
+                <a:buClrTx/>
+                <a:buSzTx/>
+                <a:buFontTx/>
+                <a:buNone/>
+                <a:tabLst/>
+                <a:defRPr sz="11600" b="0" i="0" u="none" strike="noStrike" cap="all" spc="-116" baseline="0">
+                  <a:solidFill>
+                    <a:srgbClr val="00BFF3"/>
+                  </a:solidFill>
+                  <a:uFillTx/>
+                  <a:latin typeface="+mn-lt"/>
+                  <a:ea typeface="+mn-ea"/>
+                  <a:cs typeface="+mn-cs"/>
+                  <a:sym typeface="Druk Medium"/>
+                </a:defRPr>
+              </a:lvl3pPr>
+              <a:lvl4pPr marL="0" marR="0" indent="1371600" algn="l" defTabSz="825500" rtl="0" latinLnBrk="0">
+                <a:lnSpc>
+                  <a:spcPct val="80000"/>
+                </a:lnSpc>
+                <a:spcBef>
+                  <a:spcPts val="0"/>
+                </a:spcBef>
+                <a:spcAft>
+                  <a:spcPts val="0"/>
+                </a:spcAft>
+                <a:buClrTx/>
+                <a:buSzTx/>
+                <a:buFontTx/>
+                <a:buNone/>
+                <a:tabLst/>
+                <a:defRPr sz="11600" b="0" i="0" u="none" strike="noStrike" cap="all" spc="-116" baseline="0">
+                  <a:solidFill>
+                    <a:srgbClr val="00BFF3"/>
+                  </a:solidFill>
+                  <a:uFillTx/>
+                  <a:latin typeface="+mn-lt"/>
+                  <a:ea typeface="+mn-ea"/>
+                  <a:cs typeface="+mn-cs"/>
+                  <a:sym typeface="Druk Medium"/>
+                </a:defRPr>
+              </a:lvl4pPr>
+              <a:lvl5pPr marL="0" marR="0" indent="1828800" algn="l" defTabSz="825500" rtl="0" latinLnBrk="0">
+                <a:lnSpc>
+                  <a:spcPct val="80000"/>
+                </a:lnSpc>
+                <a:spcBef>
+                  <a:spcPts val="0"/>
+                </a:spcBef>
+                <a:spcAft>
+                  <a:spcPts val="0"/>
+                </a:spcAft>
+                <a:buClrTx/>
+                <a:buSzTx/>
+                <a:buFontTx/>
+                <a:buNone/>
+                <a:tabLst/>
+                <a:defRPr sz="11600" b="0" i="0" u="none" strike="noStrike" cap="all" spc="-116" baseline="0">
+                  <a:solidFill>
+                    <a:srgbClr val="00BFF3"/>
+                  </a:solidFill>
+                  <a:uFillTx/>
+                  <a:latin typeface="+mn-lt"/>
+                  <a:ea typeface="+mn-ea"/>
+                  <a:cs typeface="+mn-cs"/>
+                  <a:sym typeface="Druk Medium"/>
+                </a:defRPr>
+              </a:lvl5pPr>
+              <a:lvl6pPr marL="0" marR="0" indent="2286000" algn="l" defTabSz="825500" rtl="0" latinLnBrk="0">
+                <a:lnSpc>
+                  <a:spcPct val="80000"/>
+                </a:lnSpc>
+                <a:spcBef>
+                  <a:spcPts val="0"/>
+                </a:spcBef>
+                <a:spcAft>
+                  <a:spcPts val="0"/>
+                </a:spcAft>
+                <a:buClrTx/>
+                <a:buSzTx/>
+                <a:buFontTx/>
+                <a:buNone/>
+                <a:tabLst/>
+                <a:defRPr sz="11600" b="0" i="0" u="none" strike="noStrike" cap="all" spc="-116" baseline="0">
+                  <a:solidFill>
+                    <a:srgbClr val="00BFF3"/>
+                  </a:solidFill>
+                  <a:uFillTx/>
+                  <a:latin typeface="+mn-lt"/>
+                  <a:ea typeface="+mn-ea"/>
+                  <a:cs typeface="+mn-cs"/>
+                  <a:sym typeface="Druk Medium"/>
+                </a:defRPr>
+              </a:lvl6pPr>
+              <a:lvl7pPr marL="0" marR="0" indent="2743200" algn="l" defTabSz="825500" rtl="0" latinLnBrk="0">
+                <a:lnSpc>
+                  <a:spcPct val="80000"/>
+                </a:lnSpc>
+                <a:spcBef>
+                  <a:spcPts val="0"/>
+                </a:spcBef>
+                <a:spcAft>
+                  <a:spcPts val="0"/>
+                </a:spcAft>
+                <a:buClrTx/>
+                <a:buSzTx/>
+                <a:buFontTx/>
+                <a:buNone/>
+                <a:tabLst/>
+                <a:defRPr sz="11600" b="0" i="0" u="none" strike="noStrike" cap="all" spc="-116" baseline="0">
+                  <a:solidFill>
+                    <a:srgbClr val="00BFF3"/>
+                  </a:solidFill>
+                  <a:uFillTx/>
+                  <a:latin typeface="+mn-lt"/>
+                  <a:ea typeface="+mn-ea"/>
+                  <a:cs typeface="+mn-cs"/>
+                  <a:sym typeface="Druk Medium"/>
+                </a:defRPr>
+              </a:lvl7pPr>
+              <a:lvl8pPr marL="0" marR="0" indent="3200400" algn="l" defTabSz="825500" rtl="0" latinLnBrk="0">
+                <a:lnSpc>
+                  <a:spcPct val="80000"/>
+                </a:lnSpc>
+                <a:spcBef>
+                  <a:spcPts val="0"/>
+                </a:spcBef>
+                <a:spcAft>
+                  <a:spcPts val="0"/>
+                </a:spcAft>
+                <a:buClrTx/>
+                <a:buSzTx/>
+                <a:buFontTx/>
+                <a:buNone/>
+                <a:tabLst/>
+                <a:defRPr sz="11600" b="0" i="0" u="none" strike="noStrike" cap="all" spc="-116" baseline="0">
+                  <a:solidFill>
+                    <a:srgbClr val="00BFF3"/>
+                  </a:solidFill>
+                  <a:uFillTx/>
+                  <a:latin typeface="+mn-lt"/>
+                  <a:ea typeface="+mn-ea"/>
+                  <a:cs typeface="+mn-cs"/>
+                  <a:sym typeface="Druk Medium"/>
+                </a:defRPr>
+              </a:lvl8pPr>
+              <a:lvl9pPr marL="0" marR="0" indent="3657600" algn="l" defTabSz="825500" rtl="0" latinLnBrk="0">
+                <a:lnSpc>
+                  <a:spcPct val="80000"/>
+                </a:lnSpc>
+                <a:spcBef>
+                  <a:spcPts val="0"/>
+                </a:spcBef>
+                <a:spcAft>
+                  <a:spcPts val="0"/>
+                </a:spcAft>
+                <a:buClrTx/>
+                <a:buSzTx/>
+                <a:buFontTx/>
+                <a:buNone/>
+                <a:tabLst/>
+                <a:defRPr sz="11600" b="0" i="0" u="none" strike="noStrike" cap="all" spc="-116" baseline="0">
+                  <a:solidFill>
+                    <a:srgbClr val="00BFF3"/>
+                  </a:solidFill>
+                  <a:uFillTx/>
+                  <a:latin typeface="+mn-lt"/>
+                  <a:ea typeface="+mn-ea"/>
+                  <a:cs typeface="+mn-cs"/>
+                  <a:sym typeface="Druk Medium"/>
+                </a:defRPr>
+              </a:lvl9pPr>
+            </a:lstStyle>
+            <a:p>
+              <a:pPr algn="ctr" hangingPunct="1"/>
+              <a:r>
+                <a:rPr lang="en-GB" sz="8000" b="1" dirty="0"/>
+                <a:t>Password</a:t>
+              </a:r>
+            </a:p>
+            <a:p>
+              <a:pPr algn="ctr" hangingPunct="1"/>
+              <a:r>
+                <a:rPr lang="en-GB" sz="8000" b="1" dirty="0"/>
+                <a:t>encryption</a:t>
+              </a:r>
+            </a:p>
+          </p:txBody>
+        </p:sp>
+      </p:grpSp>
+      <p:grpSp>
+        <p:nvGrpSpPr>
+          <p:cNvPr id="22" name="Group 21">
             <a:extLst>
               <a:ext uri="{FF2B5EF4-FFF2-40B4-BE49-F238E27FC236}">
-                <a16:creationId xmlns:a16="http://schemas.microsoft.com/office/drawing/2014/main" id="{4130C25B-562E-A40C-1A18-25F60280902A}"/>
+                <a16:creationId xmlns:a16="http://schemas.microsoft.com/office/drawing/2014/main" id="{C39D78C0-0410-BC8D-A68F-E8B0385844C5}"/>
               </a:ext>
             </a:extLst>
           </p:cNvPr>
-          <p:cNvSpPr/>
+          <p:cNvGrpSpPr/>
           <p:nvPr/>
-        </p:nvSpPr>
-        <p:spPr>
+        </p:nvGrpSpPr>
+        <p:grpSpPr>
           <a:xfrm>
             <a:off x="9132000" y="9616800"/>
             <a:ext cx="6120000" cy="2880000"/>
+            <a:chOff x="9132000" y="9616800"/>
+            <a:chExt cx="6120000" cy="2880000"/>
           </a:xfrm>
-          <a:prstGeom prst="roundRect">
-            <a:avLst/>
-          </a:prstGeom>
-          <a:ln w="127000">
-            <a:solidFill>
-              <a:srgbClr val="FFFFFF"/>
-            </a:solidFill>
-          </a:ln>
-        </p:spPr>
-        <p:style>
-          <a:lnRef idx="2">
-            <a:schemeClr val="accent1"/>
-          </a:lnRef>
-          <a:fillRef idx="1">
-            <a:schemeClr val="lt1"/>
-          </a:fillRef>
-          <a:effectRef idx="0">
-            <a:schemeClr val="accent1"/>
-          </a:effectRef>
-          <a:fontRef idx="minor">
-            <a:schemeClr val="dk1"/>
-          </a:fontRef>
-        </p:style>
-        <p:txBody>
-          <a:bodyPr rot="0" spcFirstLastPara="1" vertOverflow="overflow" horzOverflow="overflow" vert="horz" wrap="square" lIns="50800" tIns="50800" rIns="50800" bIns="50800" numCol="1" spcCol="38100" rtlCol="0" anchor="ctr">
-            <a:spAutoFit/>
-          </a:bodyPr>
-          <a:lstStyle/>
-          <a:p>
-            <a:pPr marL="0" marR="0" indent="0" algn="ctr" defTabSz="825500" rtl="0" fontAlgn="auto" latinLnBrk="0" hangingPunct="0">
-              <a:lnSpc>
-                <a:spcPct val="120000"/>
-              </a:lnSpc>
-              <a:spcBef>
-                <a:spcPts val="0"/>
-              </a:spcBef>
-              <a:spcAft>
-                <a:spcPts val="0"/>
-              </a:spcAft>
-              <a:buClrTx/>
-              <a:buSzTx/>
-              <a:buFontTx/>
-              <a:buNone/>
-              <a:tabLst/>
-            </a:pPr>
-            <a:endParaRPr kumimoji="0" lang="en-US" sz="3000" b="0" i="0" u="none" strike="noStrike" cap="all" spc="0" normalizeH="0" baseline="0">
-              <a:ln>
-                <a:noFill/>
-              </a:ln>
+        </p:grpSpPr>
+        <p:sp>
+          <p:nvSpPr>
+            <p:cNvPr id="10" name="Rounded Rectangle 9">
+              <a:extLst>
+                <a:ext uri="{FF2B5EF4-FFF2-40B4-BE49-F238E27FC236}">
+                  <a16:creationId xmlns:a16="http://schemas.microsoft.com/office/drawing/2014/main" id="{4130C25B-562E-A40C-1A18-25F60280902A}"/>
+                </a:ext>
+              </a:extLst>
+            </p:cNvPr>
+            <p:cNvSpPr/>
+            <p:nvPr/>
+          </p:nvSpPr>
+          <p:spPr>
+            <a:xfrm>
+              <a:off x="9132000" y="9616800"/>
+              <a:ext cx="6120000" cy="2880000"/>
+            </a:xfrm>
+            <a:prstGeom prst="roundRect">
+              <a:avLst/>
+            </a:prstGeom>
+            <a:ln w="127000">
               <a:solidFill>
                 <a:srgbClr val="FFFFFF"/>
               </a:solidFill>
-              <a:effectLst/>
-              <a:uFillTx/>
-              <a:latin typeface="Proxima Nova Extrabold"/>
-              <a:ea typeface="Proxima Nova Extrabold"/>
-              <a:cs typeface="Proxima Nova Extrabold"/>
-              <a:sym typeface="Proxima Nova Extrabold"/>
-            </a:endParaRPr>
-          </a:p>
-        </p:txBody>
-      </p:sp>
-      <p:sp>
-        <p:nvSpPr>
-          <p:cNvPr id="11" name="Rounded Rectangle 10">
+            </a:ln>
+          </p:spPr>
+          <p:style>
+            <a:lnRef idx="2">
+              <a:schemeClr val="accent1"/>
+            </a:lnRef>
+            <a:fillRef idx="1">
+              <a:schemeClr val="lt1"/>
+            </a:fillRef>
+            <a:effectRef idx="0">
+              <a:schemeClr val="accent1"/>
+            </a:effectRef>
+            <a:fontRef idx="minor">
+              <a:schemeClr val="dk1"/>
+            </a:fontRef>
+          </p:style>
+          <p:txBody>
+            <a:bodyPr rot="0" spcFirstLastPara="1" vertOverflow="overflow" horzOverflow="overflow" vert="horz" wrap="square" lIns="50800" tIns="50800" rIns="50800" bIns="50800" numCol="1" spcCol="38100" rtlCol="0" anchor="ctr">
+              <a:spAutoFit/>
+            </a:bodyPr>
+            <a:lstStyle/>
+            <a:p>
+              <a:pPr marL="0" marR="0" indent="0" algn="ctr" defTabSz="825500" rtl="0" fontAlgn="auto" latinLnBrk="0" hangingPunct="0">
+                <a:lnSpc>
+                  <a:spcPct val="120000"/>
+                </a:lnSpc>
+                <a:spcBef>
+                  <a:spcPts val="0"/>
+                </a:spcBef>
+                <a:spcAft>
+                  <a:spcPts val="0"/>
+                </a:spcAft>
+                <a:buClrTx/>
+                <a:buSzTx/>
+                <a:buFontTx/>
+                <a:buNone/>
+                <a:tabLst/>
+              </a:pPr>
+              <a:endParaRPr kumimoji="0" lang="en-US" sz="3000" b="0" i="0" u="none" strike="noStrike" cap="all" spc="0" normalizeH="0" baseline="0">
+                <a:ln>
+                  <a:noFill/>
+                </a:ln>
+                <a:solidFill>
+                  <a:srgbClr val="FFFFFF"/>
+                </a:solidFill>
+                <a:effectLst/>
+                <a:uFillTx/>
+                <a:latin typeface="Proxima Nova Extrabold"/>
+                <a:ea typeface="Proxima Nova Extrabold"/>
+                <a:cs typeface="Proxima Nova Extrabold"/>
+                <a:sym typeface="Proxima Nova Extrabold"/>
+              </a:endParaRPr>
+            </a:p>
+          </p:txBody>
+        </p:sp>
+        <p:sp>
+          <p:nvSpPr>
+            <p:cNvPr id="16" name="Your exam">
+              <a:extLst>
+                <a:ext uri="{FF2B5EF4-FFF2-40B4-BE49-F238E27FC236}">
+                  <a16:creationId xmlns:a16="http://schemas.microsoft.com/office/drawing/2014/main" id="{CC5F0ED4-EF26-6BFB-A882-0AF793653034}"/>
+                </a:ext>
+              </a:extLst>
+            </p:cNvPr>
+            <p:cNvSpPr txBox="1">
+              <a:spLocks/>
+            </p:cNvSpPr>
+            <p:nvPr/>
+          </p:nvSpPr>
+          <p:spPr>
+            <a:xfrm>
+              <a:off x="9132000" y="9731428"/>
+              <a:ext cx="6120000" cy="2765372"/>
+            </a:xfrm>
+            <a:prstGeom prst="rect">
+              <a:avLst/>
+            </a:prstGeom>
+            <a:ln w="12700">
+              <a:miter lim="400000"/>
+            </a:ln>
+            <a:extLst>
+              <a:ext uri="{C572A759-6A51-4108-AA02-DFA0A04FC94B}">
+                <ma14:wrappingTextBoxFlag xmlns="" xmlns:m="http://schemas.openxmlformats.org/officeDocument/2006/math" xmlns:a14="http://schemas.microsoft.com/office/drawing/2010/main" xmlns:ma14="http://schemas.microsoft.com/office/mac/drawingml/2011/main" val="1"/>
+              </a:ext>
+            </a:extLst>
+          </p:spPr>
+          <p:txBody>
+            <a:bodyPr lIns="50800" tIns="50800" rIns="50800" bIns="50800" anchor="ctr">
+              <a:normAutofit/>
+            </a:bodyPr>
+            <a:lstStyle>
+              <a:lvl1pPr marL="0" marR="0" indent="0" algn="l" defTabSz="825500" rtl="0" latinLnBrk="0">
+                <a:lnSpc>
+                  <a:spcPct val="80000"/>
+                </a:lnSpc>
+                <a:spcBef>
+                  <a:spcPts val="0"/>
+                </a:spcBef>
+                <a:spcAft>
+                  <a:spcPts val="0"/>
+                </a:spcAft>
+                <a:buClrTx/>
+                <a:buSzTx/>
+                <a:buFontTx/>
+                <a:buNone/>
+                <a:tabLst/>
+                <a:defRPr sz="14000" b="0" i="0" u="none" strike="noStrike" cap="all" spc="-140" baseline="0">
+                  <a:solidFill>
+                    <a:srgbClr val="FFFFFF"/>
+                  </a:solidFill>
+                  <a:uFillTx/>
+                  <a:latin typeface="+mn-lt"/>
+                  <a:ea typeface="+mn-ea"/>
+                  <a:cs typeface="+mn-cs"/>
+                  <a:sym typeface="Druk Medium"/>
+                </a:defRPr>
+              </a:lvl1pPr>
+              <a:lvl2pPr marL="0" marR="0" indent="457200" algn="l" defTabSz="825500" rtl="0" latinLnBrk="0">
+                <a:lnSpc>
+                  <a:spcPct val="80000"/>
+                </a:lnSpc>
+                <a:spcBef>
+                  <a:spcPts val="0"/>
+                </a:spcBef>
+                <a:spcAft>
+                  <a:spcPts val="0"/>
+                </a:spcAft>
+                <a:buClrTx/>
+                <a:buSzTx/>
+                <a:buFontTx/>
+                <a:buNone/>
+                <a:tabLst/>
+                <a:defRPr sz="11600" b="0" i="0" u="none" strike="noStrike" cap="all" spc="-116" baseline="0">
+                  <a:solidFill>
+                    <a:srgbClr val="00BFF3"/>
+                  </a:solidFill>
+                  <a:uFillTx/>
+                  <a:latin typeface="+mn-lt"/>
+                  <a:ea typeface="+mn-ea"/>
+                  <a:cs typeface="+mn-cs"/>
+                  <a:sym typeface="Druk Medium"/>
+                </a:defRPr>
+              </a:lvl2pPr>
+              <a:lvl3pPr marL="0" marR="0" indent="914400" algn="l" defTabSz="825500" rtl="0" latinLnBrk="0">
+                <a:lnSpc>
+                  <a:spcPct val="80000"/>
+                </a:lnSpc>
+                <a:spcBef>
+                  <a:spcPts val="0"/>
+                </a:spcBef>
+                <a:spcAft>
+                  <a:spcPts val="0"/>
+                </a:spcAft>
+                <a:buClrTx/>
+                <a:buSzTx/>
+                <a:buFontTx/>
+                <a:buNone/>
+                <a:tabLst/>
+                <a:defRPr sz="11600" b="0" i="0" u="none" strike="noStrike" cap="all" spc="-116" baseline="0">
+                  <a:solidFill>
+                    <a:srgbClr val="00BFF3"/>
+                  </a:solidFill>
+                  <a:uFillTx/>
+                  <a:latin typeface="+mn-lt"/>
+                  <a:ea typeface="+mn-ea"/>
+                  <a:cs typeface="+mn-cs"/>
+                  <a:sym typeface="Druk Medium"/>
+                </a:defRPr>
+              </a:lvl3pPr>
+              <a:lvl4pPr marL="0" marR="0" indent="1371600" algn="l" defTabSz="825500" rtl="0" latinLnBrk="0">
+                <a:lnSpc>
+                  <a:spcPct val="80000"/>
+                </a:lnSpc>
+                <a:spcBef>
+                  <a:spcPts val="0"/>
+                </a:spcBef>
+                <a:spcAft>
+                  <a:spcPts val="0"/>
+                </a:spcAft>
+                <a:buClrTx/>
+                <a:buSzTx/>
+                <a:buFontTx/>
+                <a:buNone/>
+                <a:tabLst/>
+                <a:defRPr sz="11600" b="0" i="0" u="none" strike="noStrike" cap="all" spc="-116" baseline="0">
+                  <a:solidFill>
+                    <a:srgbClr val="00BFF3"/>
+                  </a:solidFill>
+                  <a:uFillTx/>
+                  <a:latin typeface="+mn-lt"/>
+                  <a:ea typeface="+mn-ea"/>
+                  <a:cs typeface="+mn-cs"/>
+                  <a:sym typeface="Druk Medium"/>
+                </a:defRPr>
+              </a:lvl4pPr>
+              <a:lvl5pPr marL="0" marR="0" indent="1828800" algn="l" defTabSz="825500" rtl="0" latinLnBrk="0">
+                <a:lnSpc>
+                  <a:spcPct val="80000"/>
+                </a:lnSpc>
+                <a:spcBef>
+                  <a:spcPts val="0"/>
+                </a:spcBef>
+                <a:spcAft>
+                  <a:spcPts val="0"/>
+                </a:spcAft>
+                <a:buClrTx/>
+                <a:buSzTx/>
+                <a:buFontTx/>
+                <a:buNone/>
+                <a:tabLst/>
+                <a:defRPr sz="11600" b="0" i="0" u="none" strike="noStrike" cap="all" spc="-116" baseline="0">
+                  <a:solidFill>
+                    <a:srgbClr val="00BFF3"/>
+                  </a:solidFill>
+                  <a:uFillTx/>
+                  <a:latin typeface="+mn-lt"/>
+                  <a:ea typeface="+mn-ea"/>
+                  <a:cs typeface="+mn-cs"/>
+                  <a:sym typeface="Druk Medium"/>
+                </a:defRPr>
+              </a:lvl5pPr>
+              <a:lvl6pPr marL="0" marR="0" indent="2286000" algn="l" defTabSz="825500" rtl="0" latinLnBrk="0">
+                <a:lnSpc>
+                  <a:spcPct val="80000"/>
+                </a:lnSpc>
+                <a:spcBef>
+                  <a:spcPts val="0"/>
+                </a:spcBef>
+                <a:spcAft>
+                  <a:spcPts val="0"/>
+                </a:spcAft>
+                <a:buClrTx/>
+                <a:buSzTx/>
+                <a:buFontTx/>
+                <a:buNone/>
+                <a:tabLst/>
+                <a:defRPr sz="11600" b="0" i="0" u="none" strike="noStrike" cap="all" spc="-116" baseline="0">
+                  <a:solidFill>
+                    <a:srgbClr val="00BFF3"/>
+                  </a:solidFill>
+                  <a:uFillTx/>
+                  <a:latin typeface="+mn-lt"/>
+                  <a:ea typeface="+mn-ea"/>
+                  <a:cs typeface="+mn-cs"/>
+                  <a:sym typeface="Druk Medium"/>
+                </a:defRPr>
+              </a:lvl6pPr>
+              <a:lvl7pPr marL="0" marR="0" indent="2743200" algn="l" defTabSz="825500" rtl="0" latinLnBrk="0">
+                <a:lnSpc>
+                  <a:spcPct val="80000"/>
+                </a:lnSpc>
+                <a:spcBef>
+                  <a:spcPts val="0"/>
+                </a:spcBef>
+                <a:spcAft>
+                  <a:spcPts val="0"/>
+                </a:spcAft>
+                <a:buClrTx/>
+                <a:buSzTx/>
+                <a:buFontTx/>
+                <a:buNone/>
+                <a:tabLst/>
+                <a:defRPr sz="11600" b="0" i="0" u="none" strike="noStrike" cap="all" spc="-116" baseline="0">
+                  <a:solidFill>
+                    <a:srgbClr val="00BFF3"/>
+                  </a:solidFill>
+                  <a:uFillTx/>
+                  <a:latin typeface="+mn-lt"/>
+                  <a:ea typeface="+mn-ea"/>
+                  <a:cs typeface="+mn-cs"/>
+                  <a:sym typeface="Druk Medium"/>
+                </a:defRPr>
+              </a:lvl7pPr>
+              <a:lvl8pPr marL="0" marR="0" indent="3200400" algn="l" defTabSz="825500" rtl="0" latinLnBrk="0">
+                <a:lnSpc>
+                  <a:spcPct val="80000"/>
+                </a:lnSpc>
+                <a:spcBef>
+                  <a:spcPts val="0"/>
+                </a:spcBef>
+                <a:spcAft>
+                  <a:spcPts val="0"/>
+                </a:spcAft>
+                <a:buClrTx/>
+                <a:buSzTx/>
+                <a:buFontTx/>
+                <a:buNone/>
+                <a:tabLst/>
+                <a:defRPr sz="11600" b="0" i="0" u="none" strike="noStrike" cap="all" spc="-116" baseline="0">
+                  <a:solidFill>
+                    <a:srgbClr val="00BFF3"/>
+                  </a:solidFill>
+                  <a:uFillTx/>
+                  <a:latin typeface="+mn-lt"/>
+                  <a:ea typeface="+mn-ea"/>
+                  <a:cs typeface="+mn-cs"/>
+                  <a:sym typeface="Druk Medium"/>
+                </a:defRPr>
+              </a:lvl8pPr>
+              <a:lvl9pPr marL="0" marR="0" indent="3657600" algn="l" defTabSz="825500" rtl="0" latinLnBrk="0">
+                <a:lnSpc>
+                  <a:spcPct val="80000"/>
+                </a:lnSpc>
+                <a:spcBef>
+                  <a:spcPts val="0"/>
+                </a:spcBef>
+                <a:spcAft>
+                  <a:spcPts val="0"/>
+                </a:spcAft>
+                <a:buClrTx/>
+                <a:buSzTx/>
+                <a:buFontTx/>
+                <a:buNone/>
+                <a:tabLst/>
+                <a:defRPr sz="11600" b="0" i="0" u="none" strike="noStrike" cap="all" spc="-116" baseline="0">
+                  <a:solidFill>
+                    <a:srgbClr val="00BFF3"/>
+                  </a:solidFill>
+                  <a:uFillTx/>
+                  <a:latin typeface="+mn-lt"/>
+                  <a:ea typeface="+mn-ea"/>
+                  <a:cs typeface="+mn-cs"/>
+                  <a:sym typeface="Druk Medium"/>
+                </a:defRPr>
+              </a:lvl9pPr>
+            </a:lstStyle>
+            <a:p>
+              <a:pPr algn="ctr" hangingPunct="1"/>
+              <a:r>
+                <a:rPr lang="en-GB" sz="8000" b="1" dirty="0"/>
+                <a:t>Reset</a:t>
+              </a:r>
+            </a:p>
+            <a:p>
+              <a:pPr algn="ctr" hangingPunct="1"/>
+              <a:r>
+                <a:rPr lang="en-GB" sz="8000" b="1" dirty="0"/>
+                <a:t>policies</a:t>
+              </a:r>
+            </a:p>
+          </p:txBody>
+        </p:sp>
+      </p:grpSp>
+      <p:grpSp>
+        <p:nvGrpSpPr>
+          <p:cNvPr id="21" name="Group 20">
             <a:extLst>
               <a:ext uri="{FF2B5EF4-FFF2-40B4-BE49-F238E27FC236}">
-                <a16:creationId xmlns:a16="http://schemas.microsoft.com/office/drawing/2014/main" id="{9E787C99-E3E7-6BA9-5249-7836E99D35AC}"/>
+                <a16:creationId xmlns:a16="http://schemas.microsoft.com/office/drawing/2014/main" id="{4780D9F7-AFEB-0151-B444-E90C910565F7}"/>
               </a:ext>
             </a:extLst>
           </p:cNvPr>
-          <p:cNvSpPr/>
+          <p:cNvGrpSpPr/>
           <p:nvPr/>
-        </p:nvSpPr>
-        <p:spPr>
+        </p:nvGrpSpPr>
+        <p:grpSpPr>
           <a:xfrm>
             <a:off x="17044800" y="9616800"/>
             <a:ext cx="6120000" cy="2880000"/>
+            <a:chOff x="17044800" y="9616800"/>
+            <a:chExt cx="6120000" cy="2880000"/>
           </a:xfrm>
-          <a:prstGeom prst="roundRect">
-            <a:avLst/>
-          </a:prstGeom>
-          <a:ln w="127000">
-            <a:solidFill>
-              <a:srgbClr val="FFFFFF"/>
-            </a:solidFill>
-          </a:ln>
-        </p:spPr>
-        <p:style>
-          <a:lnRef idx="2">
-            <a:schemeClr val="accent1"/>
-          </a:lnRef>
-          <a:fillRef idx="1">
-            <a:schemeClr val="lt1"/>
-          </a:fillRef>
-          <a:effectRef idx="0">
-            <a:schemeClr val="accent1"/>
-          </a:effectRef>
-          <a:fontRef idx="minor">
-            <a:schemeClr val="dk1"/>
-          </a:fontRef>
-        </p:style>
-        <p:txBody>
-          <a:bodyPr rot="0" spcFirstLastPara="1" vertOverflow="overflow" horzOverflow="overflow" vert="horz" wrap="square" lIns="50800" tIns="50800" rIns="50800" bIns="50800" numCol="1" spcCol="38100" rtlCol="0" anchor="ctr">
-            <a:spAutoFit/>
-          </a:bodyPr>
-          <a:lstStyle/>
-          <a:p>
-            <a:pPr marL="0" marR="0" indent="0" algn="ctr" defTabSz="825500" rtl="0" fontAlgn="auto" latinLnBrk="0" hangingPunct="0">
-              <a:lnSpc>
-                <a:spcPct val="120000"/>
-              </a:lnSpc>
-              <a:spcBef>
-                <a:spcPts val="0"/>
-              </a:spcBef>
-              <a:spcAft>
-                <a:spcPts val="0"/>
-              </a:spcAft>
-              <a:buClrTx/>
-              <a:buSzTx/>
-              <a:buFontTx/>
-              <a:buNone/>
-              <a:tabLst/>
-            </a:pPr>
-            <a:endParaRPr kumimoji="0" lang="en-US" sz="3000" b="0" i="0" u="none" strike="noStrike" cap="all" spc="0" normalizeH="0" baseline="0">
-              <a:ln>
-                <a:noFill/>
-              </a:ln>
+        </p:grpSpPr>
+        <p:sp>
+          <p:nvSpPr>
+            <p:cNvPr id="11" name="Rounded Rectangle 10">
+              <a:extLst>
+                <a:ext uri="{FF2B5EF4-FFF2-40B4-BE49-F238E27FC236}">
+                  <a16:creationId xmlns:a16="http://schemas.microsoft.com/office/drawing/2014/main" id="{9E787C99-E3E7-6BA9-5249-7836E99D35AC}"/>
+                </a:ext>
+              </a:extLst>
+            </p:cNvPr>
+            <p:cNvSpPr/>
+            <p:nvPr/>
+          </p:nvSpPr>
+          <p:spPr>
+            <a:xfrm>
+              <a:off x="17044800" y="9616800"/>
+              <a:ext cx="6120000" cy="2880000"/>
+            </a:xfrm>
+            <a:prstGeom prst="roundRect">
+              <a:avLst/>
+            </a:prstGeom>
+            <a:ln w="127000">
               <a:solidFill>
                 <a:srgbClr val="FFFFFF"/>
               </a:solidFill>
-              <a:effectLst/>
-              <a:uFillTx/>
-              <a:latin typeface="Proxima Nova Extrabold"/>
-              <a:ea typeface="Proxima Nova Extrabold"/>
-              <a:cs typeface="Proxima Nova Extrabold"/>
-              <a:sym typeface="Proxima Nova Extrabold"/>
-            </a:endParaRPr>
-          </a:p>
-        </p:txBody>
-      </p:sp>
-      <p:sp>
-        <p:nvSpPr>
-          <p:cNvPr id="12" name="Your exam">
-            <a:extLst>
-              <a:ext uri="{FF2B5EF4-FFF2-40B4-BE49-F238E27FC236}">
-                <a16:creationId xmlns:a16="http://schemas.microsoft.com/office/drawing/2014/main" id="{7FBB121E-0DC5-9258-04A7-DF842F8D82BF}"/>
-              </a:ext>
-            </a:extLst>
-          </p:cNvPr>
-          <p:cNvSpPr txBox="1">
-            <a:spLocks/>
-          </p:cNvSpPr>
-          <p:nvPr/>
-        </p:nvSpPr>
-        <p:spPr>
-          <a:xfrm>
-            <a:off x="1219200" y="5599176"/>
-            <a:ext cx="6120000" cy="2765372"/>
-          </a:xfrm>
-          <a:prstGeom prst="rect">
-            <a:avLst/>
-          </a:prstGeom>
-          <a:ln w="12700">
-            <a:miter lim="400000"/>
-          </a:ln>
-          <a:extLst>
-            <a:ext uri="{C572A759-6A51-4108-AA02-DFA0A04FC94B}">
-              <ma14:wrappingTextBoxFlag xmlns="" xmlns:m="http://schemas.openxmlformats.org/officeDocument/2006/math" xmlns:a14="http://schemas.microsoft.com/office/drawing/2010/main" xmlns:ma14="http://schemas.microsoft.com/office/mac/drawingml/2011/main" val="1"/>
-            </a:ext>
-          </a:extLst>
-        </p:spPr>
-        <p:txBody>
-          <a:bodyPr lIns="50800" tIns="50800" rIns="50800" bIns="50800" anchor="ctr">
-            <a:normAutofit/>
-          </a:bodyPr>
-          <a:lstStyle>
-            <a:lvl1pPr marL="0" marR="0" indent="0" algn="l" defTabSz="825500" rtl="0" latinLnBrk="0">
-              <a:lnSpc>
-                <a:spcPct val="80000"/>
-              </a:lnSpc>
-              <a:spcBef>
-                <a:spcPts val="0"/>
-              </a:spcBef>
-              <a:spcAft>
-                <a:spcPts val="0"/>
-              </a:spcAft>
-              <a:buClrTx/>
-              <a:buSzTx/>
-              <a:buFontTx/>
-              <a:buNone/>
-              <a:tabLst/>
-              <a:defRPr sz="14000" b="0" i="0" u="none" strike="noStrike" cap="all" spc="-140" baseline="0">
+            </a:ln>
+          </p:spPr>
+          <p:style>
+            <a:lnRef idx="2">
+              <a:schemeClr val="accent1"/>
+            </a:lnRef>
+            <a:fillRef idx="1">
+              <a:schemeClr val="lt1"/>
+            </a:fillRef>
+            <a:effectRef idx="0">
+              <a:schemeClr val="accent1"/>
+            </a:effectRef>
+            <a:fontRef idx="minor">
+              <a:schemeClr val="dk1"/>
+            </a:fontRef>
+          </p:style>
+          <p:txBody>
+            <a:bodyPr rot="0" spcFirstLastPara="1" vertOverflow="overflow" horzOverflow="overflow" vert="horz" wrap="square" lIns="50800" tIns="50800" rIns="50800" bIns="50800" numCol="1" spcCol="38100" rtlCol="0" anchor="ctr">
+              <a:spAutoFit/>
+            </a:bodyPr>
+            <a:lstStyle/>
+            <a:p>
+              <a:pPr marL="0" marR="0" indent="0" algn="ctr" defTabSz="825500" rtl="0" fontAlgn="auto" latinLnBrk="0" hangingPunct="0">
+                <a:lnSpc>
+                  <a:spcPct val="120000"/>
+                </a:lnSpc>
+                <a:spcBef>
+                  <a:spcPts val="0"/>
+                </a:spcBef>
+                <a:spcAft>
+                  <a:spcPts val="0"/>
+                </a:spcAft>
+                <a:buClrTx/>
+                <a:buSzTx/>
+                <a:buFontTx/>
+                <a:buNone/>
+                <a:tabLst/>
+              </a:pPr>
+              <a:endParaRPr kumimoji="0" lang="en-US" sz="3000" b="0" i="0" u="none" strike="noStrike" cap="all" spc="0" normalizeH="0" baseline="0">
+                <a:ln>
+                  <a:noFill/>
+                </a:ln>
                 <a:solidFill>
                   <a:srgbClr val="FFFFFF"/>
                 </a:solidFill>
+                <a:effectLst/>
                 <a:uFillTx/>
-                <a:latin typeface="+mn-lt"/>
-                <a:ea typeface="+mn-ea"/>
-                <a:cs typeface="+mn-cs"/>
-                <a:sym typeface="Druk Medium"/>
-              </a:defRPr>
-            </a:lvl1pPr>
-            <a:lvl2pPr marL="0" marR="0" indent="457200" algn="l" defTabSz="825500" rtl="0" latinLnBrk="0">
-              <a:lnSpc>
-                <a:spcPct val="80000"/>
-              </a:lnSpc>
-              <a:spcBef>
-                <a:spcPts val="0"/>
-              </a:spcBef>
-              <a:spcAft>
-                <a:spcPts val="0"/>
-              </a:spcAft>
-              <a:buClrTx/>
-              <a:buSzTx/>
-              <a:buFontTx/>
-              <a:buNone/>
-              <a:tabLst/>
-              <a:defRPr sz="11600" b="0" i="0" u="none" strike="noStrike" cap="all" spc="-116" baseline="0">
-                <a:solidFill>
-                  <a:srgbClr val="00BFF3"/>
-                </a:solidFill>
-                <a:uFillTx/>
-                <a:latin typeface="+mn-lt"/>
-                <a:ea typeface="+mn-ea"/>
-                <a:cs typeface="+mn-cs"/>
-                <a:sym typeface="Druk Medium"/>
-              </a:defRPr>
-            </a:lvl2pPr>
-            <a:lvl3pPr marL="0" marR="0" indent="914400" algn="l" defTabSz="825500" rtl="0" latinLnBrk="0">
-              <a:lnSpc>
-                <a:spcPct val="80000"/>
-              </a:lnSpc>
-              <a:spcBef>
-                <a:spcPts val="0"/>
-              </a:spcBef>
-              <a:spcAft>
-                <a:spcPts val="0"/>
-              </a:spcAft>
-              <a:buClrTx/>
-              <a:buSzTx/>
-              <a:buFontTx/>
-              <a:buNone/>
-              <a:tabLst/>
-              <a:defRPr sz="11600" b="0" i="0" u="none" strike="noStrike" cap="all" spc="-116" baseline="0">
-                <a:solidFill>
-                  <a:srgbClr val="00BFF3"/>
-                </a:solidFill>
-                <a:uFillTx/>
-                <a:latin typeface="+mn-lt"/>
-                <a:ea typeface="+mn-ea"/>
-                <a:cs typeface="+mn-cs"/>
-                <a:sym typeface="Druk Medium"/>
-              </a:defRPr>
-            </a:lvl3pPr>
-            <a:lvl4pPr marL="0" marR="0" indent="1371600" algn="l" defTabSz="825500" rtl="0" latinLnBrk="0">
-              <a:lnSpc>
-                <a:spcPct val="80000"/>
-              </a:lnSpc>
-              <a:spcBef>
-                <a:spcPts val="0"/>
-              </a:spcBef>
-              <a:spcAft>
-                <a:spcPts val="0"/>
-              </a:spcAft>
-              <a:buClrTx/>
-              <a:buSzTx/>
-              <a:buFontTx/>
-              <a:buNone/>
-              <a:tabLst/>
-              <a:defRPr sz="11600" b="0" i="0" u="none" strike="noStrike" cap="all" spc="-116" baseline="0">
-                <a:solidFill>
-                  <a:srgbClr val="00BFF3"/>
-                </a:solidFill>
-                <a:uFillTx/>
-                <a:latin typeface="+mn-lt"/>
-                <a:ea typeface="+mn-ea"/>
-                <a:cs typeface="+mn-cs"/>
-                <a:sym typeface="Druk Medium"/>
-              </a:defRPr>
-            </a:lvl4pPr>
-            <a:lvl5pPr marL="0" marR="0" indent="1828800" algn="l" defTabSz="825500" rtl="0" latinLnBrk="0">
-              <a:lnSpc>
-                <a:spcPct val="80000"/>
-              </a:lnSpc>
-              <a:spcBef>
-                <a:spcPts val="0"/>
-              </a:spcBef>
-              <a:spcAft>
-                <a:spcPts val="0"/>
-              </a:spcAft>
-              <a:buClrTx/>
-              <a:buSzTx/>
-              <a:buFontTx/>
-              <a:buNone/>
-              <a:tabLst/>
-              <a:defRPr sz="11600" b="0" i="0" u="none" strike="noStrike" cap="all" spc="-116" baseline="0">
-                <a:solidFill>
-                  <a:srgbClr val="00BFF3"/>
-                </a:solidFill>
-                <a:uFillTx/>
-                <a:latin typeface="+mn-lt"/>
-                <a:ea typeface="+mn-ea"/>
-                <a:cs typeface="+mn-cs"/>
-                <a:sym typeface="Druk Medium"/>
-              </a:defRPr>
-            </a:lvl5pPr>
-            <a:lvl6pPr marL="0" marR="0" indent="2286000" algn="l" defTabSz="825500" rtl="0" latinLnBrk="0">
-              <a:lnSpc>
-                <a:spcPct val="80000"/>
-              </a:lnSpc>
-              <a:spcBef>
-                <a:spcPts val="0"/>
-              </a:spcBef>
-              <a:spcAft>
-                <a:spcPts val="0"/>
-              </a:spcAft>
-              <a:buClrTx/>
-              <a:buSzTx/>
-              <a:buFontTx/>
-              <a:buNone/>
-              <a:tabLst/>
-              <a:defRPr sz="11600" b="0" i="0" u="none" strike="noStrike" cap="all" spc="-116" baseline="0">
-                <a:solidFill>
-                  <a:srgbClr val="00BFF3"/>
-                </a:solidFill>
-                <a:uFillTx/>
-                <a:latin typeface="+mn-lt"/>
-                <a:ea typeface="+mn-ea"/>
-                <a:cs typeface="+mn-cs"/>
-                <a:sym typeface="Druk Medium"/>
-              </a:defRPr>
-            </a:lvl6pPr>
-            <a:lvl7pPr marL="0" marR="0" indent="2743200" algn="l" defTabSz="825500" rtl="0" latinLnBrk="0">
-              <a:lnSpc>
-                <a:spcPct val="80000"/>
-              </a:lnSpc>
-              <a:spcBef>
-                <a:spcPts val="0"/>
-              </a:spcBef>
-              <a:spcAft>
-                <a:spcPts val="0"/>
-              </a:spcAft>
-              <a:buClrTx/>
-              <a:buSzTx/>
-              <a:buFontTx/>
-              <a:buNone/>
-              <a:tabLst/>
-              <a:defRPr sz="11600" b="0" i="0" u="none" strike="noStrike" cap="all" spc="-116" baseline="0">
-                <a:solidFill>
-                  <a:srgbClr val="00BFF3"/>
-                </a:solidFill>
-                <a:uFillTx/>
-                <a:latin typeface="+mn-lt"/>
-                <a:ea typeface="+mn-ea"/>
-                <a:cs typeface="+mn-cs"/>
-                <a:sym typeface="Druk Medium"/>
-              </a:defRPr>
-            </a:lvl7pPr>
-            <a:lvl8pPr marL="0" marR="0" indent="3200400" algn="l" defTabSz="825500" rtl="0" latinLnBrk="0">
-              <a:lnSpc>
-                <a:spcPct val="80000"/>
-              </a:lnSpc>
-              <a:spcBef>
-                <a:spcPts val="0"/>
-              </a:spcBef>
-              <a:spcAft>
-                <a:spcPts val="0"/>
-              </a:spcAft>
-              <a:buClrTx/>
-              <a:buSzTx/>
-              <a:buFontTx/>
-              <a:buNone/>
-              <a:tabLst/>
-              <a:defRPr sz="11600" b="0" i="0" u="none" strike="noStrike" cap="all" spc="-116" baseline="0">
-                <a:solidFill>
-                  <a:srgbClr val="00BFF3"/>
-                </a:solidFill>
-                <a:uFillTx/>
-                <a:latin typeface="+mn-lt"/>
-                <a:ea typeface="+mn-ea"/>
-                <a:cs typeface="+mn-cs"/>
-                <a:sym typeface="Druk Medium"/>
-              </a:defRPr>
-            </a:lvl8pPr>
-            <a:lvl9pPr marL="0" marR="0" indent="3657600" algn="l" defTabSz="825500" rtl="0" latinLnBrk="0">
-              <a:lnSpc>
-                <a:spcPct val="80000"/>
-              </a:lnSpc>
-              <a:spcBef>
-                <a:spcPts val="0"/>
-              </a:spcBef>
-              <a:spcAft>
-                <a:spcPts val="0"/>
-              </a:spcAft>
-              <a:buClrTx/>
-              <a:buSzTx/>
-              <a:buFontTx/>
-              <a:buNone/>
-              <a:tabLst/>
-              <a:defRPr sz="11600" b="0" i="0" u="none" strike="noStrike" cap="all" spc="-116" baseline="0">
-                <a:solidFill>
-                  <a:srgbClr val="00BFF3"/>
-                </a:solidFill>
-                <a:uFillTx/>
-                <a:latin typeface="+mn-lt"/>
-                <a:ea typeface="+mn-ea"/>
-                <a:cs typeface="+mn-cs"/>
-                <a:sym typeface="Druk Medium"/>
-              </a:defRPr>
-            </a:lvl9pPr>
-          </a:lstStyle>
-          <a:p>
-            <a:pPr algn="ctr" hangingPunct="1"/>
-            <a:r>
-              <a:rPr lang="en-GB" sz="8000" b="1" dirty="0"/>
-              <a:t>Time</a:t>
-            </a:r>
-          </a:p>
-          <a:p>
-            <a:pPr algn="ctr" hangingPunct="1"/>
-            <a:r>
-              <a:rPr lang="en-GB" sz="8000" b="1" dirty="0"/>
-              <a:t>gap</a:t>
-            </a:r>
-          </a:p>
-        </p:txBody>
-      </p:sp>
-      <p:sp>
-        <p:nvSpPr>
-          <p:cNvPr id="13" name="Your exam">
+                <a:latin typeface="Proxima Nova Extrabold"/>
+                <a:ea typeface="Proxima Nova Extrabold"/>
+                <a:cs typeface="Proxima Nova Extrabold"/>
+                <a:sym typeface="Proxima Nova Extrabold"/>
+              </a:endParaRPr>
+            </a:p>
+          </p:txBody>
+        </p:sp>
+        <p:sp>
+          <p:nvSpPr>
+            <p:cNvPr id="17" name="Your exam">
+              <a:extLst>
+                <a:ext uri="{FF2B5EF4-FFF2-40B4-BE49-F238E27FC236}">
+                  <a16:creationId xmlns:a16="http://schemas.microsoft.com/office/drawing/2014/main" id="{4C12338F-3B3F-6E8B-3312-0BC4C8FD5BA1}"/>
+                </a:ext>
+              </a:extLst>
+            </p:cNvPr>
+            <p:cNvSpPr txBox="1">
+              <a:spLocks/>
+            </p:cNvSpPr>
+            <p:nvPr/>
+          </p:nvSpPr>
+          <p:spPr>
+            <a:xfrm>
+              <a:off x="17044800" y="9731428"/>
+              <a:ext cx="6120000" cy="2765372"/>
+            </a:xfrm>
+            <a:prstGeom prst="rect">
+              <a:avLst/>
+            </a:prstGeom>
+            <a:ln w="12700">
+              <a:miter lim="400000"/>
+            </a:ln>
             <a:extLst>
-              <a:ext uri="{FF2B5EF4-FFF2-40B4-BE49-F238E27FC236}">
-                <a16:creationId xmlns:a16="http://schemas.microsoft.com/office/drawing/2014/main" id="{BC8D2B23-6E27-9666-78CD-F860F515F5A5}"/>
+              <a:ext uri="{C572A759-6A51-4108-AA02-DFA0A04FC94B}">
+                <ma14:wrappingTextBoxFlag xmlns="" xmlns:m="http://schemas.openxmlformats.org/officeDocument/2006/math" xmlns:a14="http://schemas.microsoft.com/office/drawing/2010/main" xmlns:ma14="http://schemas.microsoft.com/office/mac/drawingml/2011/main" val="1"/>
               </a:ext>
             </a:extLst>
-          </p:cNvPr>
-          <p:cNvSpPr txBox="1">
-            <a:spLocks/>
-          </p:cNvSpPr>
-          <p:nvPr/>
-        </p:nvSpPr>
-        <p:spPr>
-          <a:xfrm>
-            <a:off x="9132000" y="5481140"/>
-            <a:ext cx="6120000" cy="2765372"/>
-          </a:xfrm>
-          <a:prstGeom prst="rect">
-            <a:avLst/>
-          </a:prstGeom>
-          <a:ln w="12700">
-            <a:miter lim="400000"/>
-          </a:ln>
-          <a:extLst>
-            <a:ext uri="{C572A759-6A51-4108-AA02-DFA0A04FC94B}">
-              <ma14:wrappingTextBoxFlag xmlns="" xmlns:m="http://schemas.openxmlformats.org/officeDocument/2006/math" xmlns:a14="http://schemas.microsoft.com/office/drawing/2010/main" xmlns:ma14="http://schemas.microsoft.com/office/mac/drawingml/2011/main" val="1"/>
-            </a:ext>
-          </a:extLst>
-        </p:spPr>
-        <p:txBody>
-          <a:bodyPr lIns="50800" tIns="50800" rIns="50800" bIns="50800" anchor="ctr">
-            <a:normAutofit/>
-          </a:bodyPr>
-          <a:lstStyle>
-            <a:lvl1pPr marL="0" marR="0" indent="0" algn="l" defTabSz="825500" rtl="0" latinLnBrk="0">
-              <a:lnSpc>
-                <a:spcPct val="80000"/>
-              </a:lnSpc>
-              <a:spcBef>
-                <a:spcPts val="0"/>
-              </a:spcBef>
-              <a:spcAft>
-                <a:spcPts val="0"/>
-              </a:spcAft>
-              <a:buClrTx/>
-              <a:buSzTx/>
-              <a:buFontTx/>
-              <a:buNone/>
-              <a:tabLst/>
-              <a:defRPr sz="14000" b="0" i="0" u="none" strike="noStrike" cap="all" spc="-140" baseline="0">
-                <a:solidFill>
-                  <a:srgbClr val="FFFFFF"/>
-                </a:solidFill>
-                <a:uFillTx/>
-                <a:latin typeface="+mn-lt"/>
-                <a:ea typeface="+mn-ea"/>
-                <a:cs typeface="+mn-cs"/>
-                <a:sym typeface="Druk Medium"/>
-              </a:defRPr>
-            </a:lvl1pPr>
-            <a:lvl2pPr marL="0" marR="0" indent="457200" algn="l" defTabSz="825500" rtl="0" latinLnBrk="0">
-              <a:lnSpc>
-                <a:spcPct val="80000"/>
-              </a:lnSpc>
-              <a:spcBef>
-                <a:spcPts val="0"/>
-              </a:spcBef>
-              <a:spcAft>
-                <a:spcPts val="0"/>
-              </a:spcAft>
-              <a:buClrTx/>
-              <a:buSzTx/>
-              <a:buFontTx/>
-              <a:buNone/>
-              <a:tabLst/>
-              <a:defRPr sz="11600" b="0" i="0" u="none" strike="noStrike" cap="all" spc="-116" baseline="0">
-                <a:solidFill>
-                  <a:srgbClr val="00BFF3"/>
-                </a:solidFill>
-                <a:uFillTx/>
-                <a:latin typeface="+mn-lt"/>
-                <a:ea typeface="+mn-ea"/>
-                <a:cs typeface="+mn-cs"/>
-                <a:sym typeface="Druk Medium"/>
-              </a:defRPr>
-            </a:lvl2pPr>
-            <a:lvl3pPr marL="0" marR="0" indent="914400" algn="l" defTabSz="825500" rtl="0" latinLnBrk="0">
-              <a:lnSpc>
-                <a:spcPct val="80000"/>
-              </a:lnSpc>
-              <a:spcBef>
-                <a:spcPts val="0"/>
-              </a:spcBef>
-              <a:spcAft>
-                <a:spcPts val="0"/>
-              </a:spcAft>
-              <a:buClrTx/>
-              <a:buSzTx/>
-              <a:buFontTx/>
-              <a:buNone/>
-              <a:tabLst/>
-              <a:defRPr sz="11600" b="0" i="0" u="none" strike="noStrike" cap="all" spc="-116" baseline="0">
-                <a:solidFill>
-                  <a:srgbClr val="00BFF3"/>
-                </a:solidFill>
-                <a:uFillTx/>
-                <a:latin typeface="+mn-lt"/>
-                <a:ea typeface="+mn-ea"/>
-                <a:cs typeface="+mn-cs"/>
-                <a:sym typeface="Druk Medium"/>
-              </a:defRPr>
-            </a:lvl3pPr>
-            <a:lvl4pPr marL="0" marR="0" indent="1371600" algn="l" defTabSz="825500" rtl="0" latinLnBrk="0">
-              <a:lnSpc>
-                <a:spcPct val="80000"/>
-              </a:lnSpc>
-              <a:spcBef>
-                <a:spcPts val="0"/>
-              </a:spcBef>
-              <a:spcAft>
-                <a:spcPts val="0"/>
-              </a:spcAft>
-              <a:buClrTx/>
-              <a:buSzTx/>
-              <a:buFontTx/>
-              <a:buNone/>
-              <a:tabLst/>
-              <a:defRPr sz="11600" b="0" i="0" u="none" strike="noStrike" cap="all" spc="-116" baseline="0">
-                <a:solidFill>
-                  <a:srgbClr val="00BFF3"/>
-                </a:solidFill>
-                <a:uFillTx/>
-                <a:latin typeface="+mn-lt"/>
-                <a:ea typeface="+mn-ea"/>
-                <a:cs typeface="+mn-cs"/>
-                <a:sym typeface="Druk Medium"/>
-              </a:defRPr>
-            </a:lvl4pPr>
-            <a:lvl5pPr marL="0" marR="0" indent="1828800" algn="l" defTabSz="825500" rtl="0" latinLnBrk="0">
-              <a:lnSpc>
-                <a:spcPct val="80000"/>
-              </a:lnSpc>
-              <a:spcBef>
-                <a:spcPts val="0"/>
-              </a:spcBef>
-              <a:spcAft>
-                <a:spcPts val="0"/>
-              </a:spcAft>
-              <a:buClrTx/>
-              <a:buSzTx/>
-              <a:buFontTx/>
-              <a:buNone/>
-              <a:tabLst/>
-              <a:defRPr sz="11600" b="0" i="0" u="none" strike="noStrike" cap="all" spc="-116" baseline="0">
-                <a:solidFill>
-                  <a:srgbClr val="00BFF3"/>
-                </a:solidFill>
-                <a:uFillTx/>
-                <a:latin typeface="+mn-lt"/>
-                <a:ea typeface="+mn-ea"/>
-                <a:cs typeface="+mn-cs"/>
-                <a:sym typeface="Druk Medium"/>
-              </a:defRPr>
-            </a:lvl5pPr>
-            <a:lvl6pPr marL="0" marR="0" indent="2286000" algn="l" defTabSz="825500" rtl="0" latinLnBrk="0">
-              <a:lnSpc>
-                <a:spcPct val="80000"/>
-              </a:lnSpc>
-              <a:spcBef>
-                <a:spcPts val="0"/>
-              </a:spcBef>
-              <a:spcAft>
-                <a:spcPts val="0"/>
-              </a:spcAft>
-              <a:buClrTx/>
-              <a:buSzTx/>
-              <a:buFontTx/>
-              <a:buNone/>
-              <a:tabLst/>
-              <a:defRPr sz="11600" b="0" i="0" u="none" strike="noStrike" cap="all" spc="-116" baseline="0">
-                <a:solidFill>
-                  <a:srgbClr val="00BFF3"/>
-                </a:solidFill>
-                <a:uFillTx/>
-                <a:latin typeface="+mn-lt"/>
-                <a:ea typeface="+mn-ea"/>
-                <a:cs typeface="+mn-cs"/>
-                <a:sym typeface="Druk Medium"/>
-              </a:defRPr>
-            </a:lvl6pPr>
-            <a:lvl7pPr marL="0" marR="0" indent="2743200" algn="l" defTabSz="825500" rtl="0" latinLnBrk="0">
-              <a:lnSpc>
-                <a:spcPct val="80000"/>
-              </a:lnSpc>
-              <a:spcBef>
-                <a:spcPts val="0"/>
-              </a:spcBef>
-              <a:spcAft>
-                <a:spcPts val="0"/>
-              </a:spcAft>
-              <a:buClrTx/>
-              <a:buSzTx/>
-              <a:buFontTx/>
-              <a:buNone/>
-              <a:tabLst/>
-              <a:defRPr sz="11600" b="0" i="0" u="none" strike="noStrike" cap="all" spc="-116" baseline="0">
-                <a:solidFill>
-                  <a:srgbClr val="00BFF3"/>
-                </a:solidFill>
-                <a:uFillTx/>
-                <a:latin typeface="+mn-lt"/>
-                <a:ea typeface="+mn-ea"/>
-                <a:cs typeface="+mn-cs"/>
-                <a:sym typeface="Druk Medium"/>
-              </a:defRPr>
-            </a:lvl7pPr>
-            <a:lvl8pPr marL="0" marR="0" indent="3200400" algn="l" defTabSz="825500" rtl="0" latinLnBrk="0">
-              <a:lnSpc>
-                <a:spcPct val="80000"/>
-              </a:lnSpc>
-              <a:spcBef>
-                <a:spcPts val="0"/>
-              </a:spcBef>
-              <a:spcAft>
-                <a:spcPts val="0"/>
-              </a:spcAft>
-              <a:buClrTx/>
-              <a:buSzTx/>
-              <a:buFontTx/>
-              <a:buNone/>
-              <a:tabLst/>
-              <a:defRPr sz="11600" b="0" i="0" u="none" strike="noStrike" cap="all" spc="-116" baseline="0">
-                <a:solidFill>
-                  <a:srgbClr val="00BFF3"/>
-                </a:solidFill>
-                <a:uFillTx/>
-                <a:latin typeface="+mn-lt"/>
-                <a:ea typeface="+mn-ea"/>
-                <a:cs typeface="+mn-cs"/>
-                <a:sym typeface="Druk Medium"/>
-              </a:defRPr>
-            </a:lvl8pPr>
-            <a:lvl9pPr marL="0" marR="0" indent="3657600" algn="l" defTabSz="825500" rtl="0" latinLnBrk="0">
-              <a:lnSpc>
-                <a:spcPct val="80000"/>
-              </a:lnSpc>
-              <a:spcBef>
-                <a:spcPts val="0"/>
-              </a:spcBef>
-              <a:spcAft>
-                <a:spcPts val="0"/>
-              </a:spcAft>
-              <a:buClrTx/>
-              <a:buSzTx/>
-              <a:buFontTx/>
-              <a:buNone/>
-              <a:tabLst/>
-              <a:defRPr sz="11600" b="0" i="0" u="none" strike="noStrike" cap="all" spc="-116" baseline="0">
-                <a:solidFill>
-                  <a:srgbClr val="00BFF3"/>
-                </a:solidFill>
-                <a:uFillTx/>
-                <a:latin typeface="+mn-lt"/>
-                <a:ea typeface="+mn-ea"/>
-                <a:cs typeface="+mn-cs"/>
-                <a:sym typeface="Druk Medium"/>
-              </a:defRPr>
-            </a:lvl9pPr>
-          </a:lstStyle>
-          <a:p>
-            <a:pPr algn="ctr" hangingPunct="1"/>
-            <a:r>
-              <a:rPr lang="en-GB" sz="8000" b="1" dirty="0"/>
-              <a:t>Attempt</a:t>
-            </a:r>
-          </a:p>
-          <a:p>
-            <a:pPr algn="ctr" hangingPunct="1"/>
-            <a:r>
-              <a:rPr lang="en-GB" sz="8000" b="1" dirty="0"/>
-              <a:t>limits</a:t>
-            </a:r>
-          </a:p>
-        </p:txBody>
-      </p:sp>
-      <p:sp>
-        <p:nvSpPr>
-          <p:cNvPr id="14" name="Your exam">
-            <a:extLst>
-              <a:ext uri="{FF2B5EF4-FFF2-40B4-BE49-F238E27FC236}">
-                <a16:creationId xmlns:a16="http://schemas.microsoft.com/office/drawing/2014/main" id="{AFECFA08-7903-494F-DCD0-5C7674EBB467}"/>
-              </a:ext>
-            </a:extLst>
-          </p:cNvPr>
-          <p:cNvSpPr txBox="1">
-            <a:spLocks/>
-          </p:cNvSpPr>
-          <p:nvPr/>
-        </p:nvSpPr>
-        <p:spPr>
-          <a:xfrm>
-            <a:off x="17044800" y="5532628"/>
-            <a:ext cx="6120000" cy="2765372"/>
-          </a:xfrm>
-          <a:prstGeom prst="rect">
-            <a:avLst/>
-          </a:prstGeom>
-          <a:ln w="12700">
-            <a:miter lim="400000"/>
-          </a:ln>
-          <a:extLst>
-            <a:ext uri="{C572A759-6A51-4108-AA02-DFA0A04FC94B}">
-              <ma14:wrappingTextBoxFlag xmlns="" xmlns:m="http://schemas.openxmlformats.org/officeDocument/2006/math" xmlns:a14="http://schemas.microsoft.com/office/drawing/2010/main" xmlns:ma14="http://schemas.microsoft.com/office/mac/drawingml/2011/main" val="1"/>
-            </a:ext>
-          </a:extLst>
-        </p:spPr>
-        <p:txBody>
-          <a:bodyPr lIns="50800" tIns="50800" rIns="50800" bIns="50800" anchor="ctr">
-            <a:normAutofit/>
-          </a:bodyPr>
-          <a:lstStyle>
-            <a:lvl1pPr marL="0" marR="0" indent="0" algn="l" defTabSz="825500" rtl="0" latinLnBrk="0">
-              <a:lnSpc>
-                <a:spcPct val="80000"/>
-              </a:lnSpc>
-              <a:spcBef>
-                <a:spcPts val="0"/>
-              </a:spcBef>
-              <a:spcAft>
-                <a:spcPts val="0"/>
-              </a:spcAft>
-              <a:buClrTx/>
-              <a:buSzTx/>
-              <a:buFontTx/>
-              <a:buNone/>
-              <a:tabLst/>
-              <a:defRPr sz="14000" b="0" i="0" u="none" strike="noStrike" cap="all" spc="-140" baseline="0">
-                <a:solidFill>
-                  <a:srgbClr val="FFFFFF"/>
-                </a:solidFill>
-                <a:uFillTx/>
-                <a:latin typeface="+mn-lt"/>
-                <a:ea typeface="+mn-ea"/>
-                <a:cs typeface="+mn-cs"/>
-                <a:sym typeface="Druk Medium"/>
-              </a:defRPr>
-            </a:lvl1pPr>
-            <a:lvl2pPr marL="0" marR="0" indent="457200" algn="l" defTabSz="825500" rtl="0" latinLnBrk="0">
-              <a:lnSpc>
-                <a:spcPct val="80000"/>
-              </a:lnSpc>
-              <a:spcBef>
-                <a:spcPts val="0"/>
-              </a:spcBef>
-              <a:spcAft>
-                <a:spcPts val="0"/>
-              </a:spcAft>
-              <a:buClrTx/>
-              <a:buSzTx/>
-              <a:buFontTx/>
-              <a:buNone/>
-              <a:tabLst/>
-              <a:defRPr sz="11600" b="0" i="0" u="none" strike="noStrike" cap="all" spc="-116" baseline="0">
-                <a:solidFill>
-                  <a:srgbClr val="00BFF3"/>
-                </a:solidFill>
-                <a:uFillTx/>
-                <a:latin typeface="+mn-lt"/>
-                <a:ea typeface="+mn-ea"/>
-                <a:cs typeface="+mn-cs"/>
-                <a:sym typeface="Druk Medium"/>
-              </a:defRPr>
-            </a:lvl2pPr>
-            <a:lvl3pPr marL="0" marR="0" indent="914400" algn="l" defTabSz="825500" rtl="0" latinLnBrk="0">
-              <a:lnSpc>
-                <a:spcPct val="80000"/>
-              </a:lnSpc>
-              <a:spcBef>
-                <a:spcPts val="0"/>
-              </a:spcBef>
-              <a:spcAft>
-                <a:spcPts val="0"/>
-              </a:spcAft>
-              <a:buClrTx/>
-              <a:buSzTx/>
-              <a:buFontTx/>
-              <a:buNone/>
-              <a:tabLst/>
-              <a:defRPr sz="11600" b="0" i="0" u="none" strike="noStrike" cap="all" spc="-116" baseline="0">
-                <a:solidFill>
-                  <a:srgbClr val="00BFF3"/>
-                </a:solidFill>
-                <a:uFillTx/>
-                <a:latin typeface="+mn-lt"/>
-                <a:ea typeface="+mn-ea"/>
-                <a:cs typeface="+mn-cs"/>
-                <a:sym typeface="Druk Medium"/>
-              </a:defRPr>
-            </a:lvl3pPr>
-            <a:lvl4pPr marL="0" marR="0" indent="1371600" algn="l" defTabSz="825500" rtl="0" latinLnBrk="0">
-              <a:lnSpc>
-                <a:spcPct val="80000"/>
-              </a:lnSpc>
-              <a:spcBef>
-                <a:spcPts val="0"/>
-              </a:spcBef>
-              <a:spcAft>
-                <a:spcPts val="0"/>
-              </a:spcAft>
-              <a:buClrTx/>
-              <a:buSzTx/>
-              <a:buFontTx/>
-              <a:buNone/>
-              <a:tabLst/>
-              <a:defRPr sz="11600" b="0" i="0" u="none" strike="noStrike" cap="all" spc="-116" baseline="0">
-                <a:solidFill>
-                  <a:srgbClr val="00BFF3"/>
-                </a:solidFill>
-                <a:uFillTx/>
-                <a:latin typeface="+mn-lt"/>
-                <a:ea typeface="+mn-ea"/>
-                <a:cs typeface="+mn-cs"/>
-                <a:sym typeface="Druk Medium"/>
-              </a:defRPr>
-            </a:lvl4pPr>
-            <a:lvl5pPr marL="0" marR="0" indent="1828800" algn="l" defTabSz="825500" rtl="0" latinLnBrk="0">
-              <a:lnSpc>
-                <a:spcPct val="80000"/>
-              </a:lnSpc>
-              <a:spcBef>
-                <a:spcPts val="0"/>
-              </a:spcBef>
-              <a:spcAft>
-                <a:spcPts val="0"/>
-              </a:spcAft>
-              <a:buClrTx/>
-              <a:buSzTx/>
-              <a:buFontTx/>
-              <a:buNone/>
-              <a:tabLst/>
-              <a:defRPr sz="11600" b="0" i="0" u="none" strike="noStrike" cap="all" spc="-116" baseline="0">
-                <a:solidFill>
-                  <a:srgbClr val="00BFF3"/>
-                </a:solidFill>
-                <a:uFillTx/>
-                <a:latin typeface="+mn-lt"/>
-                <a:ea typeface="+mn-ea"/>
-                <a:cs typeface="+mn-cs"/>
-                <a:sym typeface="Druk Medium"/>
-              </a:defRPr>
-            </a:lvl5pPr>
-            <a:lvl6pPr marL="0" marR="0" indent="2286000" algn="l" defTabSz="825500" rtl="0" latinLnBrk="0">
-              <a:lnSpc>
-                <a:spcPct val="80000"/>
-              </a:lnSpc>
-              <a:spcBef>
-                <a:spcPts val="0"/>
-              </a:spcBef>
-              <a:spcAft>
-                <a:spcPts val="0"/>
-              </a:spcAft>
-              <a:buClrTx/>
-              <a:buSzTx/>
-              <a:buFontTx/>
-              <a:buNone/>
-              <a:tabLst/>
-              <a:defRPr sz="11600" b="0" i="0" u="none" strike="noStrike" cap="all" spc="-116" baseline="0">
-                <a:solidFill>
-                  <a:srgbClr val="00BFF3"/>
-                </a:solidFill>
-                <a:uFillTx/>
-                <a:latin typeface="+mn-lt"/>
-                <a:ea typeface="+mn-ea"/>
-                <a:cs typeface="+mn-cs"/>
-                <a:sym typeface="Druk Medium"/>
-              </a:defRPr>
-            </a:lvl6pPr>
-            <a:lvl7pPr marL="0" marR="0" indent="2743200" algn="l" defTabSz="825500" rtl="0" latinLnBrk="0">
-              <a:lnSpc>
-                <a:spcPct val="80000"/>
-              </a:lnSpc>
-              <a:spcBef>
-                <a:spcPts val="0"/>
-              </a:spcBef>
-              <a:spcAft>
-                <a:spcPts val="0"/>
-              </a:spcAft>
-              <a:buClrTx/>
-              <a:buSzTx/>
-              <a:buFontTx/>
-              <a:buNone/>
-              <a:tabLst/>
-              <a:defRPr sz="11600" b="0" i="0" u="none" strike="noStrike" cap="all" spc="-116" baseline="0">
-                <a:solidFill>
-                  <a:srgbClr val="00BFF3"/>
-                </a:solidFill>
-                <a:uFillTx/>
-                <a:latin typeface="+mn-lt"/>
-                <a:ea typeface="+mn-ea"/>
-                <a:cs typeface="+mn-cs"/>
-                <a:sym typeface="Druk Medium"/>
-              </a:defRPr>
-            </a:lvl7pPr>
-            <a:lvl8pPr marL="0" marR="0" indent="3200400" algn="l" defTabSz="825500" rtl="0" latinLnBrk="0">
-              <a:lnSpc>
-                <a:spcPct val="80000"/>
-              </a:lnSpc>
-              <a:spcBef>
-                <a:spcPts val="0"/>
-              </a:spcBef>
-              <a:spcAft>
-                <a:spcPts val="0"/>
-              </a:spcAft>
-              <a:buClrTx/>
-              <a:buSzTx/>
-              <a:buFontTx/>
-              <a:buNone/>
-              <a:tabLst/>
-              <a:defRPr sz="11600" b="0" i="0" u="none" strike="noStrike" cap="all" spc="-116" baseline="0">
-                <a:solidFill>
-                  <a:srgbClr val="00BFF3"/>
-                </a:solidFill>
-                <a:uFillTx/>
-                <a:latin typeface="+mn-lt"/>
-                <a:ea typeface="+mn-ea"/>
-                <a:cs typeface="+mn-cs"/>
-                <a:sym typeface="Druk Medium"/>
-              </a:defRPr>
-            </a:lvl8pPr>
-            <a:lvl9pPr marL="0" marR="0" indent="3657600" algn="l" defTabSz="825500" rtl="0" latinLnBrk="0">
-              <a:lnSpc>
-                <a:spcPct val="80000"/>
-              </a:lnSpc>
-              <a:spcBef>
-                <a:spcPts val="0"/>
-              </a:spcBef>
-              <a:spcAft>
-                <a:spcPts val="0"/>
-              </a:spcAft>
-              <a:buClrTx/>
-              <a:buSzTx/>
-              <a:buFontTx/>
-              <a:buNone/>
-              <a:tabLst/>
-              <a:defRPr sz="11600" b="0" i="0" u="none" strike="noStrike" cap="all" spc="-116" baseline="0">
-                <a:solidFill>
-                  <a:srgbClr val="00BFF3"/>
-                </a:solidFill>
-                <a:uFillTx/>
-                <a:latin typeface="+mn-lt"/>
-                <a:ea typeface="+mn-ea"/>
-                <a:cs typeface="+mn-cs"/>
-                <a:sym typeface="Druk Medium"/>
-              </a:defRPr>
-            </a:lvl9pPr>
-          </a:lstStyle>
-          <a:p>
-            <a:pPr algn="ctr" hangingPunct="1"/>
-            <a:r>
-              <a:rPr lang="en-GB" sz="6600" b="1" dirty="0"/>
-              <a:t>Complexity requirements</a:t>
-            </a:r>
-          </a:p>
-        </p:txBody>
-      </p:sp>
-      <p:sp>
-        <p:nvSpPr>
-          <p:cNvPr id="15" name="Your exam">
-            <a:extLst>
-              <a:ext uri="{FF2B5EF4-FFF2-40B4-BE49-F238E27FC236}">
-                <a16:creationId xmlns:a16="http://schemas.microsoft.com/office/drawing/2014/main" id="{5EA4CC92-8564-7788-7139-4C8B4344CEDA}"/>
-              </a:ext>
-            </a:extLst>
-          </p:cNvPr>
-          <p:cNvSpPr txBox="1">
-            <a:spLocks/>
-          </p:cNvSpPr>
-          <p:nvPr/>
-        </p:nvSpPr>
-        <p:spPr>
-          <a:xfrm>
-            <a:off x="1219200" y="9731428"/>
-            <a:ext cx="6120000" cy="2765372"/>
-          </a:xfrm>
-          <a:prstGeom prst="rect">
-            <a:avLst/>
-          </a:prstGeom>
-          <a:ln w="12700">
-            <a:miter lim="400000"/>
-          </a:ln>
-          <a:extLst>
-            <a:ext uri="{C572A759-6A51-4108-AA02-DFA0A04FC94B}">
-              <ma14:wrappingTextBoxFlag xmlns="" xmlns:m="http://schemas.openxmlformats.org/officeDocument/2006/math" xmlns:a14="http://schemas.microsoft.com/office/drawing/2010/main" xmlns:ma14="http://schemas.microsoft.com/office/mac/drawingml/2011/main" val="1"/>
-            </a:ext>
-          </a:extLst>
-        </p:spPr>
-        <p:txBody>
-          <a:bodyPr lIns="50800" tIns="50800" rIns="50800" bIns="50800" anchor="ctr">
-            <a:normAutofit/>
-          </a:bodyPr>
-          <a:lstStyle>
-            <a:lvl1pPr marL="0" marR="0" indent="0" algn="l" defTabSz="825500" rtl="0" latinLnBrk="0">
-              <a:lnSpc>
-                <a:spcPct val="80000"/>
-              </a:lnSpc>
-              <a:spcBef>
-                <a:spcPts val="0"/>
-              </a:spcBef>
-              <a:spcAft>
-                <a:spcPts val="0"/>
-              </a:spcAft>
-              <a:buClrTx/>
-              <a:buSzTx/>
-              <a:buFontTx/>
-              <a:buNone/>
-              <a:tabLst/>
-              <a:defRPr sz="14000" b="0" i="0" u="none" strike="noStrike" cap="all" spc="-140" baseline="0">
-                <a:solidFill>
-                  <a:srgbClr val="FFFFFF"/>
-                </a:solidFill>
-                <a:uFillTx/>
-                <a:latin typeface="+mn-lt"/>
-                <a:ea typeface="+mn-ea"/>
-                <a:cs typeface="+mn-cs"/>
-                <a:sym typeface="Druk Medium"/>
-              </a:defRPr>
-            </a:lvl1pPr>
-            <a:lvl2pPr marL="0" marR="0" indent="457200" algn="l" defTabSz="825500" rtl="0" latinLnBrk="0">
-              <a:lnSpc>
-                <a:spcPct val="80000"/>
-              </a:lnSpc>
-              <a:spcBef>
-                <a:spcPts val="0"/>
-              </a:spcBef>
-              <a:spcAft>
-                <a:spcPts val="0"/>
-              </a:spcAft>
-              <a:buClrTx/>
-              <a:buSzTx/>
-              <a:buFontTx/>
-              <a:buNone/>
-              <a:tabLst/>
-              <a:defRPr sz="11600" b="0" i="0" u="none" strike="noStrike" cap="all" spc="-116" baseline="0">
-                <a:solidFill>
-                  <a:srgbClr val="00BFF3"/>
-                </a:solidFill>
-                <a:uFillTx/>
-                <a:latin typeface="+mn-lt"/>
-                <a:ea typeface="+mn-ea"/>
-                <a:cs typeface="+mn-cs"/>
-                <a:sym typeface="Druk Medium"/>
-              </a:defRPr>
-            </a:lvl2pPr>
-            <a:lvl3pPr marL="0" marR="0" indent="914400" algn="l" defTabSz="825500" rtl="0" latinLnBrk="0">
-              <a:lnSpc>
-                <a:spcPct val="80000"/>
-              </a:lnSpc>
-              <a:spcBef>
-                <a:spcPts val="0"/>
-              </a:spcBef>
-              <a:spcAft>
-                <a:spcPts val="0"/>
-              </a:spcAft>
-              <a:buClrTx/>
-              <a:buSzTx/>
-              <a:buFontTx/>
-              <a:buNone/>
-              <a:tabLst/>
-              <a:defRPr sz="11600" b="0" i="0" u="none" strike="noStrike" cap="all" spc="-116" baseline="0">
-                <a:solidFill>
-                  <a:srgbClr val="00BFF3"/>
-                </a:solidFill>
-                <a:uFillTx/>
-                <a:latin typeface="+mn-lt"/>
-                <a:ea typeface="+mn-ea"/>
-                <a:cs typeface="+mn-cs"/>
-                <a:sym typeface="Druk Medium"/>
-              </a:defRPr>
-            </a:lvl3pPr>
-            <a:lvl4pPr marL="0" marR="0" indent="1371600" algn="l" defTabSz="825500" rtl="0" latinLnBrk="0">
-              <a:lnSpc>
-                <a:spcPct val="80000"/>
-              </a:lnSpc>
-              <a:spcBef>
-                <a:spcPts val="0"/>
-              </a:spcBef>
-              <a:spcAft>
-                <a:spcPts val="0"/>
-              </a:spcAft>
-              <a:buClrTx/>
-              <a:buSzTx/>
-              <a:buFontTx/>
-              <a:buNone/>
-              <a:tabLst/>
-              <a:defRPr sz="11600" b="0" i="0" u="none" strike="noStrike" cap="all" spc="-116" baseline="0">
-                <a:solidFill>
-                  <a:srgbClr val="00BFF3"/>
-                </a:solidFill>
-                <a:uFillTx/>
-                <a:latin typeface="+mn-lt"/>
-                <a:ea typeface="+mn-ea"/>
-                <a:cs typeface="+mn-cs"/>
-                <a:sym typeface="Druk Medium"/>
-              </a:defRPr>
-            </a:lvl4pPr>
-            <a:lvl5pPr marL="0" marR="0" indent="1828800" algn="l" defTabSz="825500" rtl="0" latinLnBrk="0">
-              <a:lnSpc>
-                <a:spcPct val="80000"/>
-              </a:lnSpc>
-              <a:spcBef>
-                <a:spcPts val="0"/>
-              </a:spcBef>
-              <a:spcAft>
-                <a:spcPts val="0"/>
-              </a:spcAft>
-              <a:buClrTx/>
-              <a:buSzTx/>
-              <a:buFontTx/>
-              <a:buNone/>
-              <a:tabLst/>
-              <a:defRPr sz="11600" b="0" i="0" u="none" strike="noStrike" cap="all" spc="-116" baseline="0">
-                <a:solidFill>
-                  <a:srgbClr val="00BFF3"/>
-                </a:solidFill>
-                <a:uFillTx/>
-                <a:latin typeface="+mn-lt"/>
-                <a:ea typeface="+mn-ea"/>
-                <a:cs typeface="+mn-cs"/>
-                <a:sym typeface="Druk Medium"/>
-              </a:defRPr>
-            </a:lvl5pPr>
-            <a:lvl6pPr marL="0" marR="0" indent="2286000" algn="l" defTabSz="825500" rtl="0" latinLnBrk="0">
-              <a:lnSpc>
-                <a:spcPct val="80000"/>
-              </a:lnSpc>
-              <a:spcBef>
-                <a:spcPts val="0"/>
-              </a:spcBef>
-              <a:spcAft>
-                <a:spcPts val="0"/>
-              </a:spcAft>
-              <a:buClrTx/>
-              <a:buSzTx/>
-              <a:buFontTx/>
-              <a:buNone/>
-              <a:tabLst/>
-              <a:defRPr sz="11600" b="0" i="0" u="none" strike="noStrike" cap="all" spc="-116" baseline="0">
-                <a:solidFill>
-                  <a:srgbClr val="00BFF3"/>
-                </a:solidFill>
-                <a:uFillTx/>
-                <a:latin typeface="+mn-lt"/>
-                <a:ea typeface="+mn-ea"/>
-                <a:cs typeface="+mn-cs"/>
-                <a:sym typeface="Druk Medium"/>
-              </a:defRPr>
-            </a:lvl6pPr>
-            <a:lvl7pPr marL="0" marR="0" indent="2743200" algn="l" defTabSz="825500" rtl="0" latinLnBrk="0">
-              <a:lnSpc>
-                <a:spcPct val="80000"/>
-              </a:lnSpc>
-              <a:spcBef>
-                <a:spcPts val="0"/>
-              </a:spcBef>
-              <a:spcAft>
-                <a:spcPts val="0"/>
-              </a:spcAft>
-              <a:buClrTx/>
-              <a:buSzTx/>
-              <a:buFontTx/>
-              <a:buNone/>
-              <a:tabLst/>
-              <a:defRPr sz="11600" b="0" i="0" u="none" strike="noStrike" cap="all" spc="-116" baseline="0">
-                <a:solidFill>
-                  <a:srgbClr val="00BFF3"/>
-                </a:solidFill>
-                <a:uFillTx/>
-                <a:latin typeface="+mn-lt"/>
-                <a:ea typeface="+mn-ea"/>
-                <a:cs typeface="+mn-cs"/>
-                <a:sym typeface="Druk Medium"/>
-              </a:defRPr>
-            </a:lvl7pPr>
-            <a:lvl8pPr marL="0" marR="0" indent="3200400" algn="l" defTabSz="825500" rtl="0" latinLnBrk="0">
-              <a:lnSpc>
-                <a:spcPct val="80000"/>
-              </a:lnSpc>
-              <a:spcBef>
-                <a:spcPts val="0"/>
-              </a:spcBef>
-              <a:spcAft>
-                <a:spcPts val="0"/>
-              </a:spcAft>
-              <a:buClrTx/>
-              <a:buSzTx/>
-              <a:buFontTx/>
-              <a:buNone/>
-              <a:tabLst/>
-              <a:defRPr sz="11600" b="0" i="0" u="none" strike="noStrike" cap="all" spc="-116" baseline="0">
-                <a:solidFill>
-                  <a:srgbClr val="00BFF3"/>
-                </a:solidFill>
-                <a:uFillTx/>
-                <a:latin typeface="+mn-lt"/>
-                <a:ea typeface="+mn-ea"/>
-                <a:cs typeface="+mn-cs"/>
-                <a:sym typeface="Druk Medium"/>
-              </a:defRPr>
-            </a:lvl8pPr>
-            <a:lvl9pPr marL="0" marR="0" indent="3657600" algn="l" defTabSz="825500" rtl="0" latinLnBrk="0">
-              <a:lnSpc>
-                <a:spcPct val="80000"/>
-              </a:lnSpc>
-              <a:spcBef>
-                <a:spcPts val="0"/>
-              </a:spcBef>
-              <a:spcAft>
-                <a:spcPts val="0"/>
-              </a:spcAft>
-              <a:buClrTx/>
-              <a:buSzTx/>
-              <a:buFontTx/>
-              <a:buNone/>
-              <a:tabLst/>
-              <a:defRPr sz="11600" b="0" i="0" u="none" strike="noStrike" cap="all" spc="-116" baseline="0">
-                <a:solidFill>
-                  <a:srgbClr val="00BFF3"/>
-                </a:solidFill>
-                <a:uFillTx/>
-                <a:latin typeface="+mn-lt"/>
-                <a:ea typeface="+mn-ea"/>
-                <a:cs typeface="+mn-cs"/>
-                <a:sym typeface="Druk Medium"/>
-              </a:defRPr>
-            </a:lvl9pPr>
-          </a:lstStyle>
-          <a:p>
-            <a:pPr algn="ctr" hangingPunct="1"/>
-            <a:r>
-              <a:rPr lang="en-GB" sz="8000" b="1" dirty="0"/>
-              <a:t>Password</a:t>
-            </a:r>
-          </a:p>
-          <a:p>
-            <a:pPr algn="ctr" hangingPunct="1"/>
-            <a:r>
-              <a:rPr lang="en-GB" sz="8000" b="1" dirty="0"/>
-              <a:t>encryption</a:t>
-            </a:r>
-          </a:p>
-        </p:txBody>
-      </p:sp>
-      <p:sp>
-        <p:nvSpPr>
-          <p:cNvPr id="16" name="Your exam">
-            <a:extLst>
-              <a:ext uri="{FF2B5EF4-FFF2-40B4-BE49-F238E27FC236}">
-                <a16:creationId xmlns:a16="http://schemas.microsoft.com/office/drawing/2014/main" id="{CC5F0ED4-EF26-6BFB-A882-0AF793653034}"/>
-              </a:ext>
-            </a:extLst>
-          </p:cNvPr>
-          <p:cNvSpPr txBox="1">
-            <a:spLocks/>
-          </p:cNvSpPr>
-          <p:nvPr/>
-        </p:nvSpPr>
-        <p:spPr>
-          <a:xfrm>
-            <a:off x="9132000" y="9731428"/>
-            <a:ext cx="6120000" cy="2765372"/>
-          </a:xfrm>
-          <a:prstGeom prst="rect">
-            <a:avLst/>
-          </a:prstGeom>
-          <a:ln w="12700">
-            <a:miter lim="400000"/>
-          </a:ln>
-          <a:extLst>
-            <a:ext uri="{C572A759-6A51-4108-AA02-DFA0A04FC94B}">
-              <ma14:wrappingTextBoxFlag xmlns="" xmlns:m="http://schemas.openxmlformats.org/officeDocument/2006/math" xmlns:a14="http://schemas.microsoft.com/office/drawing/2010/main" xmlns:ma14="http://schemas.microsoft.com/office/mac/drawingml/2011/main" val="1"/>
-            </a:ext>
-          </a:extLst>
-        </p:spPr>
-        <p:txBody>
-          <a:bodyPr lIns="50800" tIns="50800" rIns="50800" bIns="50800" anchor="ctr">
-            <a:normAutofit/>
-          </a:bodyPr>
-          <a:lstStyle>
-            <a:lvl1pPr marL="0" marR="0" indent="0" algn="l" defTabSz="825500" rtl="0" latinLnBrk="0">
-              <a:lnSpc>
-                <a:spcPct val="80000"/>
-              </a:lnSpc>
-              <a:spcBef>
-                <a:spcPts val="0"/>
-              </a:spcBef>
-              <a:spcAft>
-                <a:spcPts val="0"/>
-              </a:spcAft>
-              <a:buClrTx/>
-              <a:buSzTx/>
-              <a:buFontTx/>
-              <a:buNone/>
-              <a:tabLst/>
-              <a:defRPr sz="14000" b="0" i="0" u="none" strike="noStrike" cap="all" spc="-140" baseline="0">
-                <a:solidFill>
-                  <a:srgbClr val="FFFFFF"/>
-                </a:solidFill>
-                <a:uFillTx/>
-                <a:latin typeface="+mn-lt"/>
-                <a:ea typeface="+mn-ea"/>
-                <a:cs typeface="+mn-cs"/>
-                <a:sym typeface="Druk Medium"/>
-              </a:defRPr>
-            </a:lvl1pPr>
-            <a:lvl2pPr marL="0" marR="0" indent="457200" algn="l" defTabSz="825500" rtl="0" latinLnBrk="0">
-              <a:lnSpc>
-                <a:spcPct val="80000"/>
-              </a:lnSpc>
-              <a:spcBef>
-                <a:spcPts val="0"/>
-              </a:spcBef>
-              <a:spcAft>
-                <a:spcPts val="0"/>
-              </a:spcAft>
-              <a:buClrTx/>
-              <a:buSzTx/>
-              <a:buFontTx/>
-              <a:buNone/>
-              <a:tabLst/>
-              <a:defRPr sz="11600" b="0" i="0" u="none" strike="noStrike" cap="all" spc="-116" baseline="0">
-                <a:solidFill>
-                  <a:srgbClr val="00BFF3"/>
-                </a:solidFill>
-                <a:uFillTx/>
-                <a:latin typeface="+mn-lt"/>
-                <a:ea typeface="+mn-ea"/>
-                <a:cs typeface="+mn-cs"/>
-                <a:sym typeface="Druk Medium"/>
-              </a:defRPr>
-            </a:lvl2pPr>
-            <a:lvl3pPr marL="0" marR="0" indent="914400" algn="l" defTabSz="825500" rtl="0" latinLnBrk="0">
-              <a:lnSpc>
-                <a:spcPct val="80000"/>
-              </a:lnSpc>
-              <a:spcBef>
-                <a:spcPts val="0"/>
-              </a:spcBef>
-              <a:spcAft>
-                <a:spcPts val="0"/>
-              </a:spcAft>
-              <a:buClrTx/>
-              <a:buSzTx/>
-              <a:buFontTx/>
-              <a:buNone/>
-              <a:tabLst/>
-              <a:defRPr sz="11600" b="0" i="0" u="none" strike="noStrike" cap="all" spc="-116" baseline="0">
-                <a:solidFill>
-                  <a:srgbClr val="00BFF3"/>
-                </a:solidFill>
-                <a:uFillTx/>
-                <a:latin typeface="+mn-lt"/>
-                <a:ea typeface="+mn-ea"/>
-                <a:cs typeface="+mn-cs"/>
-                <a:sym typeface="Druk Medium"/>
-              </a:defRPr>
-            </a:lvl3pPr>
-            <a:lvl4pPr marL="0" marR="0" indent="1371600" algn="l" defTabSz="825500" rtl="0" latinLnBrk="0">
-              <a:lnSpc>
-                <a:spcPct val="80000"/>
-              </a:lnSpc>
-              <a:spcBef>
-                <a:spcPts val="0"/>
-              </a:spcBef>
-              <a:spcAft>
-                <a:spcPts val="0"/>
-              </a:spcAft>
-              <a:buClrTx/>
-              <a:buSzTx/>
-              <a:buFontTx/>
-              <a:buNone/>
-              <a:tabLst/>
-              <a:defRPr sz="11600" b="0" i="0" u="none" strike="noStrike" cap="all" spc="-116" baseline="0">
-                <a:solidFill>
-                  <a:srgbClr val="00BFF3"/>
-                </a:solidFill>
-                <a:uFillTx/>
-                <a:latin typeface="+mn-lt"/>
-                <a:ea typeface="+mn-ea"/>
-                <a:cs typeface="+mn-cs"/>
-                <a:sym typeface="Druk Medium"/>
-              </a:defRPr>
-            </a:lvl4pPr>
-            <a:lvl5pPr marL="0" marR="0" indent="1828800" algn="l" defTabSz="825500" rtl="0" latinLnBrk="0">
-              <a:lnSpc>
-                <a:spcPct val="80000"/>
-              </a:lnSpc>
-              <a:spcBef>
-                <a:spcPts val="0"/>
-              </a:spcBef>
-              <a:spcAft>
-                <a:spcPts val="0"/>
-              </a:spcAft>
-              <a:buClrTx/>
-              <a:buSzTx/>
-              <a:buFontTx/>
-              <a:buNone/>
-              <a:tabLst/>
-              <a:defRPr sz="11600" b="0" i="0" u="none" strike="noStrike" cap="all" spc="-116" baseline="0">
-                <a:solidFill>
-                  <a:srgbClr val="00BFF3"/>
-                </a:solidFill>
-                <a:uFillTx/>
-                <a:latin typeface="+mn-lt"/>
-                <a:ea typeface="+mn-ea"/>
-                <a:cs typeface="+mn-cs"/>
-                <a:sym typeface="Druk Medium"/>
-              </a:defRPr>
-            </a:lvl5pPr>
-            <a:lvl6pPr marL="0" marR="0" indent="2286000" algn="l" defTabSz="825500" rtl="0" latinLnBrk="0">
-              <a:lnSpc>
-                <a:spcPct val="80000"/>
-              </a:lnSpc>
-              <a:spcBef>
-                <a:spcPts val="0"/>
-              </a:spcBef>
-              <a:spcAft>
-                <a:spcPts val="0"/>
-              </a:spcAft>
-              <a:buClrTx/>
-              <a:buSzTx/>
-              <a:buFontTx/>
-              <a:buNone/>
-              <a:tabLst/>
-              <a:defRPr sz="11600" b="0" i="0" u="none" strike="noStrike" cap="all" spc="-116" baseline="0">
-                <a:solidFill>
-                  <a:srgbClr val="00BFF3"/>
-                </a:solidFill>
-                <a:uFillTx/>
-                <a:latin typeface="+mn-lt"/>
-                <a:ea typeface="+mn-ea"/>
-                <a:cs typeface="+mn-cs"/>
-                <a:sym typeface="Druk Medium"/>
-              </a:defRPr>
-            </a:lvl6pPr>
-            <a:lvl7pPr marL="0" marR="0" indent="2743200" algn="l" defTabSz="825500" rtl="0" latinLnBrk="0">
-              <a:lnSpc>
-                <a:spcPct val="80000"/>
-              </a:lnSpc>
-              <a:spcBef>
-                <a:spcPts val="0"/>
-              </a:spcBef>
-              <a:spcAft>
-                <a:spcPts val="0"/>
-              </a:spcAft>
-              <a:buClrTx/>
-              <a:buSzTx/>
-              <a:buFontTx/>
-              <a:buNone/>
-              <a:tabLst/>
-              <a:defRPr sz="11600" b="0" i="0" u="none" strike="noStrike" cap="all" spc="-116" baseline="0">
-                <a:solidFill>
-                  <a:srgbClr val="00BFF3"/>
-                </a:solidFill>
-                <a:uFillTx/>
-                <a:latin typeface="+mn-lt"/>
-                <a:ea typeface="+mn-ea"/>
-                <a:cs typeface="+mn-cs"/>
-                <a:sym typeface="Druk Medium"/>
-              </a:defRPr>
-            </a:lvl7pPr>
-            <a:lvl8pPr marL="0" marR="0" indent="3200400" algn="l" defTabSz="825500" rtl="0" latinLnBrk="0">
-              <a:lnSpc>
-                <a:spcPct val="80000"/>
-              </a:lnSpc>
-              <a:spcBef>
-                <a:spcPts val="0"/>
-              </a:spcBef>
-              <a:spcAft>
-                <a:spcPts val="0"/>
-              </a:spcAft>
-              <a:buClrTx/>
-              <a:buSzTx/>
-              <a:buFontTx/>
-              <a:buNone/>
-              <a:tabLst/>
-              <a:defRPr sz="11600" b="0" i="0" u="none" strike="noStrike" cap="all" spc="-116" baseline="0">
-                <a:solidFill>
-                  <a:srgbClr val="00BFF3"/>
-                </a:solidFill>
-                <a:uFillTx/>
-                <a:latin typeface="+mn-lt"/>
-                <a:ea typeface="+mn-ea"/>
-                <a:cs typeface="+mn-cs"/>
-                <a:sym typeface="Druk Medium"/>
-              </a:defRPr>
-            </a:lvl8pPr>
-            <a:lvl9pPr marL="0" marR="0" indent="3657600" algn="l" defTabSz="825500" rtl="0" latinLnBrk="0">
-              <a:lnSpc>
-                <a:spcPct val="80000"/>
-              </a:lnSpc>
-              <a:spcBef>
-                <a:spcPts val="0"/>
-              </a:spcBef>
-              <a:spcAft>
-                <a:spcPts val="0"/>
-              </a:spcAft>
-              <a:buClrTx/>
-              <a:buSzTx/>
-              <a:buFontTx/>
-              <a:buNone/>
-              <a:tabLst/>
-              <a:defRPr sz="11600" b="0" i="0" u="none" strike="noStrike" cap="all" spc="-116" baseline="0">
-                <a:solidFill>
-                  <a:srgbClr val="00BFF3"/>
-                </a:solidFill>
-                <a:uFillTx/>
-                <a:latin typeface="+mn-lt"/>
-                <a:ea typeface="+mn-ea"/>
-                <a:cs typeface="+mn-cs"/>
-                <a:sym typeface="Druk Medium"/>
-              </a:defRPr>
-            </a:lvl9pPr>
-          </a:lstStyle>
-          <a:p>
-            <a:pPr algn="ctr" hangingPunct="1"/>
-            <a:r>
-              <a:rPr lang="en-GB" sz="8000" b="1" dirty="0"/>
-              <a:t>Reset</a:t>
-            </a:r>
-          </a:p>
-          <a:p>
-            <a:pPr algn="ctr" hangingPunct="1"/>
-            <a:r>
-              <a:rPr lang="en-GB" sz="8000" b="1" dirty="0"/>
-              <a:t>policies</a:t>
-            </a:r>
-          </a:p>
-        </p:txBody>
-      </p:sp>
-      <p:sp>
-        <p:nvSpPr>
-          <p:cNvPr id="17" name="Your exam">
-            <a:extLst>
-              <a:ext uri="{FF2B5EF4-FFF2-40B4-BE49-F238E27FC236}">
-                <a16:creationId xmlns:a16="http://schemas.microsoft.com/office/drawing/2014/main" id="{4C12338F-3B3F-6E8B-3312-0BC4C8FD5BA1}"/>
-              </a:ext>
-            </a:extLst>
-          </p:cNvPr>
-          <p:cNvSpPr txBox="1">
-            <a:spLocks/>
-          </p:cNvSpPr>
-          <p:nvPr/>
-        </p:nvSpPr>
-        <p:spPr>
-          <a:xfrm>
-            <a:off x="17044800" y="9731428"/>
-            <a:ext cx="6120000" cy="2765372"/>
-          </a:xfrm>
-          <a:prstGeom prst="rect">
-            <a:avLst/>
-          </a:prstGeom>
-          <a:ln w="12700">
-            <a:miter lim="400000"/>
-          </a:ln>
-          <a:extLst>
-            <a:ext uri="{C572A759-6A51-4108-AA02-DFA0A04FC94B}">
-              <ma14:wrappingTextBoxFlag xmlns="" xmlns:m="http://schemas.openxmlformats.org/officeDocument/2006/math" xmlns:a14="http://schemas.microsoft.com/office/drawing/2010/main" xmlns:ma14="http://schemas.microsoft.com/office/mac/drawingml/2011/main" val="1"/>
-            </a:ext>
-          </a:extLst>
-        </p:spPr>
-        <p:txBody>
-          <a:bodyPr lIns="50800" tIns="50800" rIns="50800" bIns="50800" anchor="ctr">
-            <a:normAutofit/>
-          </a:bodyPr>
-          <a:lstStyle>
-            <a:lvl1pPr marL="0" marR="0" indent="0" algn="l" defTabSz="825500" rtl="0" latinLnBrk="0">
-              <a:lnSpc>
-                <a:spcPct val="80000"/>
-              </a:lnSpc>
-              <a:spcBef>
-                <a:spcPts val="0"/>
-              </a:spcBef>
-              <a:spcAft>
-                <a:spcPts val="0"/>
-              </a:spcAft>
-              <a:buClrTx/>
-              <a:buSzTx/>
-              <a:buFontTx/>
-              <a:buNone/>
-              <a:tabLst/>
-              <a:defRPr sz="14000" b="0" i="0" u="none" strike="noStrike" cap="all" spc="-140" baseline="0">
-                <a:solidFill>
-                  <a:srgbClr val="FFFFFF"/>
-                </a:solidFill>
-                <a:uFillTx/>
-                <a:latin typeface="+mn-lt"/>
-                <a:ea typeface="+mn-ea"/>
-                <a:cs typeface="+mn-cs"/>
-                <a:sym typeface="Druk Medium"/>
-              </a:defRPr>
-            </a:lvl1pPr>
-            <a:lvl2pPr marL="0" marR="0" indent="457200" algn="l" defTabSz="825500" rtl="0" latinLnBrk="0">
-              <a:lnSpc>
-                <a:spcPct val="80000"/>
-              </a:lnSpc>
-              <a:spcBef>
-                <a:spcPts val="0"/>
-              </a:spcBef>
-              <a:spcAft>
-                <a:spcPts val="0"/>
-              </a:spcAft>
-              <a:buClrTx/>
-              <a:buSzTx/>
-              <a:buFontTx/>
-              <a:buNone/>
-              <a:tabLst/>
-              <a:defRPr sz="11600" b="0" i="0" u="none" strike="noStrike" cap="all" spc="-116" baseline="0">
-                <a:solidFill>
-                  <a:srgbClr val="00BFF3"/>
-                </a:solidFill>
-                <a:uFillTx/>
-                <a:latin typeface="+mn-lt"/>
-                <a:ea typeface="+mn-ea"/>
-                <a:cs typeface="+mn-cs"/>
-                <a:sym typeface="Druk Medium"/>
-              </a:defRPr>
-            </a:lvl2pPr>
-            <a:lvl3pPr marL="0" marR="0" indent="914400" algn="l" defTabSz="825500" rtl="0" latinLnBrk="0">
-              <a:lnSpc>
-                <a:spcPct val="80000"/>
-              </a:lnSpc>
-              <a:spcBef>
-                <a:spcPts val="0"/>
-              </a:spcBef>
-              <a:spcAft>
-                <a:spcPts val="0"/>
-              </a:spcAft>
-              <a:buClrTx/>
-              <a:buSzTx/>
-              <a:buFontTx/>
-              <a:buNone/>
-              <a:tabLst/>
-              <a:defRPr sz="11600" b="0" i="0" u="none" strike="noStrike" cap="all" spc="-116" baseline="0">
-                <a:solidFill>
-                  <a:srgbClr val="00BFF3"/>
-                </a:solidFill>
-                <a:uFillTx/>
-                <a:latin typeface="+mn-lt"/>
-                <a:ea typeface="+mn-ea"/>
-                <a:cs typeface="+mn-cs"/>
-                <a:sym typeface="Druk Medium"/>
-              </a:defRPr>
-            </a:lvl3pPr>
-            <a:lvl4pPr marL="0" marR="0" indent="1371600" algn="l" defTabSz="825500" rtl="0" latinLnBrk="0">
-              <a:lnSpc>
-                <a:spcPct val="80000"/>
-              </a:lnSpc>
-              <a:spcBef>
-                <a:spcPts val="0"/>
-              </a:spcBef>
-              <a:spcAft>
-                <a:spcPts val="0"/>
-              </a:spcAft>
-              <a:buClrTx/>
-              <a:buSzTx/>
-              <a:buFontTx/>
-              <a:buNone/>
-              <a:tabLst/>
-              <a:defRPr sz="11600" b="0" i="0" u="none" strike="noStrike" cap="all" spc="-116" baseline="0">
-                <a:solidFill>
-                  <a:srgbClr val="00BFF3"/>
-                </a:solidFill>
-                <a:uFillTx/>
-                <a:latin typeface="+mn-lt"/>
-                <a:ea typeface="+mn-ea"/>
-                <a:cs typeface="+mn-cs"/>
-                <a:sym typeface="Druk Medium"/>
-              </a:defRPr>
-            </a:lvl4pPr>
-            <a:lvl5pPr marL="0" marR="0" indent="1828800" algn="l" defTabSz="825500" rtl="0" latinLnBrk="0">
-              <a:lnSpc>
-                <a:spcPct val="80000"/>
-              </a:lnSpc>
-              <a:spcBef>
-                <a:spcPts val="0"/>
-              </a:spcBef>
-              <a:spcAft>
-                <a:spcPts val="0"/>
-              </a:spcAft>
-              <a:buClrTx/>
-              <a:buSzTx/>
-              <a:buFontTx/>
-              <a:buNone/>
-              <a:tabLst/>
-              <a:defRPr sz="11600" b="0" i="0" u="none" strike="noStrike" cap="all" spc="-116" baseline="0">
-                <a:solidFill>
-                  <a:srgbClr val="00BFF3"/>
-                </a:solidFill>
-                <a:uFillTx/>
-                <a:latin typeface="+mn-lt"/>
-                <a:ea typeface="+mn-ea"/>
-                <a:cs typeface="+mn-cs"/>
-                <a:sym typeface="Druk Medium"/>
-              </a:defRPr>
-            </a:lvl5pPr>
-            <a:lvl6pPr marL="0" marR="0" indent="2286000" algn="l" defTabSz="825500" rtl="0" latinLnBrk="0">
-              <a:lnSpc>
-                <a:spcPct val="80000"/>
-              </a:lnSpc>
-              <a:spcBef>
-                <a:spcPts val="0"/>
-              </a:spcBef>
-              <a:spcAft>
-                <a:spcPts val="0"/>
-              </a:spcAft>
-              <a:buClrTx/>
-              <a:buSzTx/>
-              <a:buFontTx/>
-              <a:buNone/>
-              <a:tabLst/>
-              <a:defRPr sz="11600" b="0" i="0" u="none" strike="noStrike" cap="all" spc="-116" baseline="0">
-                <a:solidFill>
-                  <a:srgbClr val="00BFF3"/>
-                </a:solidFill>
-                <a:uFillTx/>
-                <a:latin typeface="+mn-lt"/>
-                <a:ea typeface="+mn-ea"/>
-                <a:cs typeface="+mn-cs"/>
-                <a:sym typeface="Druk Medium"/>
-              </a:defRPr>
-            </a:lvl6pPr>
-            <a:lvl7pPr marL="0" marR="0" indent="2743200" algn="l" defTabSz="825500" rtl="0" latinLnBrk="0">
-              <a:lnSpc>
-                <a:spcPct val="80000"/>
-              </a:lnSpc>
-              <a:spcBef>
-                <a:spcPts val="0"/>
-              </a:spcBef>
-              <a:spcAft>
-                <a:spcPts val="0"/>
-              </a:spcAft>
-              <a:buClrTx/>
-              <a:buSzTx/>
-              <a:buFontTx/>
-              <a:buNone/>
-              <a:tabLst/>
-              <a:defRPr sz="11600" b="0" i="0" u="none" strike="noStrike" cap="all" spc="-116" baseline="0">
-                <a:solidFill>
-                  <a:srgbClr val="00BFF3"/>
-                </a:solidFill>
-                <a:uFillTx/>
-                <a:latin typeface="+mn-lt"/>
-                <a:ea typeface="+mn-ea"/>
-                <a:cs typeface="+mn-cs"/>
-                <a:sym typeface="Druk Medium"/>
-              </a:defRPr>
-            </a:lvl7pPr>
-            <a:lvl8pPr marL="0" marR="0" indent="3200400" algn="l" defTabSz="825500" rtl="0" latinLnBrk="0">
-              <a:lnSpc>
-                <a:spcPct val="80000"/>
-              </a:lnSpc>
-              <a:spcBef>
-                <a:spcPts val="0"/>
-              </a:spcBef>
-              <a:spcAft>
-                <a:spcPts val="0"/>
-              </a:spcAft>
-              <a:buClrTx/>
-              <a:buSzTx/>
-              <a:buFontTx/>
-              <a:buNone/>
-              <a:tabLst/>
-              <a:defRPr sz="11600" b="0" i="0" u="none" strike="noStrike" cap="all" spc="-116" baseline="0">
-                <a:solidFill>
-                  <a:srgbClr val="00BFF3"/>
-                </a:solidFill>
-                <a:uFillTx/>
-                <a:latin typeface="+mn-lt"/>
-                <a:ea typeface="+mn-ea"/>
-                <a:cs typeface="+mn-cs"/>
-                <a:sym typeface="Druk Medium"/>
-              </a:defRPr>
-            </a:lvl8pPr>
-            <a:lvl9pPr marL="0" marR="0" indent="3657600" algn="l" defTabSz="825500" rtl="0" latinLnBrk="0">
-              <a:lnSpc>
-                <a:spcPct val="80000"/>
-              </a:lnSpc>
-              <a:spcBef>
-                <a:spcPts val="0"/>
-              </a:spcBef>
-              <a:spcAft>
-                <a:spcPts val="0"/>
-              </a:spcAft>
-              <a:buClrTx/>
-              <a:buSzTx/>
-              <a:buFontTx/>
-              <a:buNone/>
-              <a:tabLst/>
-              <a:defRPr sz="11600" b="0" i="0" u="none" strike="noStrike" cap="all" spc="-116" baseline="0">
-                <a:solidFill>
-                  <a:srgbClr val="00BFF3"/>
-                </a:solidFill>
-                <a:uFillTx/>
-                <a:latin typeface="+mn-lt"/>
-                <a:ea typeface="+mn-ea"/>
-                <a:cs typeface="+mn-cs"/>
-                <a:sym typeface="Druk Medium"/>
-              </a:defRPr>
-            </a:lvl9pPr>
-          </a:lstStyle>
-          <a:p>
-            <a:pPr algn="ctr" hangingPunct="1"/>
-            <a:r>
-              <a:rPr lang="en-GB" sz="6000" b="1" dirty="0"/>
-              <a:t>Two factor</a:t>
-            </a:r>
-          </a:p>
-          <a:p>
-            <a:pPr algn="ctr" hangingPunct="1"/>
-            <a:r>
-              <a:rPr lang="en-GB" sz="6000" b="1" dirty="0"/>
-              <a:t>authentication</a:t>
-            </a:r>
-          </a:p>
-        </p:txBody>
-      </p:sp>
+          </p:spPr>
+          <p:txBody>
+            <a:bodyPr lIns="50800" tIns="50800" rIns="50800" bIns="50800" anchor="ctr">
+              <a:normAutofit/>
+            </a:bodyPr>
+            <a:lstStyle>
+              <a:lvl1pPr marL="0" marR="0" indent="0" algn="l" defTabSz="825500" rtl="0" latinLnBrk="0">
+                <a:lnSpc>
+                  <a:spcPct val="80000"/>
+                </a:lnSpc>
+                <a:spcBef>
+                  <a:spcPts val="0"/>
+                </a:spcBef>
+                <a:spcAft>
+                  <a:spcPts val="0"/>
+                </a:spcAft>
+                <a:buClrTx/>
+                <a:buSzTx/>
+                <a:buFontTx/>
+                <a:buNone/>
+                <a:tabLst/>
+                <a:defRPr sz="14000" b="0" i="0" u="none" strike="noStrike" cap="all" spc="-140" baseline="0">
+                  <a:solidFill>
+                    <a:srgbClr val="FFFFFF"/>
+                  </a:solidFill>
+                  <a:uFillTx/>
+                  <a:latin typeface="+mn-lt"/>
+                  <a:ea typeface="+mn-ea"/>
+                  <a:cs typeface="+mn-cs"/>
+                  <a:sym typeface="Druk Medium"/>
+                </a:defRPr>
+              </a:lvl1pPr>
+              <a:lvl2pPr marL="0" marR="0" indent="457200" algn="l" defTabSz="825500" rtl="0" latinLnBrk="0">
+                <a:lnSpc>
+                  <a:spcPct val="80000"/>
+                </a:lnSpc>
+                <a:spcBef>
+                  <a:spcPts val="0"/>
+                </a:spcBef>
+                <a:spcAft>
+                  <a:spcPts val="0"/>
+                </a:spcAft>
+                <a:buClrTx/>
+                <a:buSzTx/>
+                <a:buFontTx/>
+                <a:buNone/>
+                <a:tabLst/>
+                <a:defRPr sz="11600" b="0" i="0" u="none" strike="noStrike" cap="all" spc="-116" baseline="0">
+                  <a:solidFill>
+                    <a:srgbClr val="00BFF3"/>
+                  </a:solidFill>
+                  <a:uFillTx/>
+                  <a:latin typeface="+mn-lt"/>
+                  <a:ea typeface="+mn-ea"/>
+                  <a:cs typeface="+mn-cs"/>
+                  <a:sym typeface="Druk Medium"/>
+                </a:defRPr>
+              </a:lvl2pPr>
+              <a:lvl3pPr marL="0" marR="0" indent="914400" algn="l" defTabSz="825500" rtl="0" latinLnBrk="0">
+                <a:lnSpc>
+                  <a:spcPct val="80000"/>
+                </a:lnSpc>
+                <a:spcBef>
+                  <a:spcPts val="0"/>
+                </a:spcBef>
+                <a:spcAft>
+                  <a:spcPts val="0"/>
+                </a:spcAft>
+                <a:buClrTx/>
+                <a:buSzTx/>
+                <a:buFontTx/>
+                <a:buNone/>
+                <a:tabLst/>
+                <a:defRPr sz="11600" b="0" i="0" u="none" strike="noStrike" cap="all" spc="-116" baseline="0">
+                  <a:solidFill>
+                    <a:srgbClr val="00BFF3"/>
+                  </a:solidFill>
+                  <a:uFillTx/>
+                  <a:latin typeface="+mn-lt"/>
+                  <a:ea typeface="+mn-ea"/>
+                  <a:cs typeface="+mn-cs"/>
+                  <a:sym typeface="Druk Medium"/>
+                </a:defRPr>
+              </a:lvl3pPr>
+              <a:lvl4pPr marL="0" marR="0" indent="1371600" algn="l" defTabSz="825500" rtl="0" latinLnBrk="0">
+                <a:lnSpc>
+                  <a:spcPct val="80000"/>
+                </a:lnSpc>
+                <a:spcBef>
+                  <a:spcPts val="0"/>
+                </a:spcBef>
+                <a:spcAft>
+                  <a:spcPts val="0"/>
+                </a:spcAft>
+                <a:buClrTx/>
+                <a:buSzTx/>
+                <a:buFontTx/>
+                <a:buNone/>
+                <a:tabLst/>
+                <a:defRPr sz="11600" b="0" i="0" u="none" strike="noStrike" cap="all" spc="-116" baseline="0">
+                  <a:solidFill>
+                    <a:srgbClr val="00BFF3"/>
+                  </a:solidFill>
+                  <a:uFillTx/>
+                  <a:latin typeface="+mn-lt"/>
+                  <a:ea typeface="+mn-ea"/>
+                  <a:cs typeface="+mn-cs"/>
+                  <a:sym typeface="Druk Medium"/>
+                </a:defRPr>
+              </a:lvl4pPr>
+              <a:lvl5pPr marL="0" marR="0" indent="1828800" algn="l" defTabSz="825500" rtl="0" latinLnBrk="0">
+                <a:lnSpc>
+                  <a:spcPct val="80000"/>
+                </a:lnSpc>
+                <a:spcBef>
+                  <a:spcPts val="0"/>
+                </a:spcBef>
+                <a:spcAft>
+                  <a:spcPts val="0"/>
+                </a:spcAft>
+                <a:buClrTx/>
+                <a:buSzTx/>
+                <a:buFontTx/>
+                <a:buNone/>
+                <a:tabLst/>
+                <a:defRPr sz="11600" b="0" i="0" u="none" strike="noStrike" cap="all" spc="-116" baseline="0">
+                  <a:solidFill>
+                    <a:srgbClr val="00BFF3"/>
+                  </a:solidFill>
+                  <a:uFillTx/>
+                  <a:latin typeface="+mn-lt"/>
+                  <a:ea typeface="+mn-ea"/>
+                  <a:cs typeface="+mn-cs"/>
+                  <a:sym typeface="Druk Medium"/>
+                </a:defRPr>
+              </a:lvl5pPr>
+              <a:lvl6pPr marL="0" marR="0" indent="2286000" algn="l" defTabSz="825500" rtl="0" latinLnBrk="0">
+                <a:lnSpc>
+                  <a:spcPct val="80000"/>
+                </a:lnSpc>
+                <a:spcBef>
+                  <a:spcPts val="0"/>
+                </a:spcBef>
+                <a:spcAft>
+                  <a:spcPts val="0"/>
+                </a:spcAft>
+                <a:buClrTx/>
+                <a:buSzTx/>
+                <a:buFontTx/>
+                <a:buNone/>
+                <a:tabLst/>
+                <a:defRPr sz="11600" b="0" i="0" u="none" strike="noStrike" cap="all" spc="-116" baseline="0">
+                  <a:solidFill>
+                    <a:srgbClr val="00BFF3"/>
+                  </a:solidFill>
+                  <a:uFillTx/>
+                  <a:latin typeface="+mn-lt"/>
+                  <a:ea typeface="+mn-ea"/>
+                  <a:cs typeface="+mn-cs"/>
+                  <a:sym typeface="Druk Medium"/>
+                </a:defRPr>
+              </a:lvl6pPr>
+              <a:lvl7pPr marL="0" marR="0" indent="2743200" algn="l" defTabSz="825500" rtl="0" latinLnBrk="0">
+                <a:lnSpc>
+                  <a:spcPct val="80000"/>
+                </a:lnSpc>
+                <a:spcBef>
+                  <a:spcPts val="0"/>
+                </a:spcBef>
+                <a:spcAft>
+                  <a:spcPts val="0"/>
+                </a:spcAft>
+                <a:buClrTx/>
+                <a:buSzTx/>
+                <a:buFontTx/>
+                <a:buNone/>
+                <a:tabLst/>
+                <a:defRPr sz="11600" b="0" i="0" u="none" strike="noStrike" cap="all" spc="-116" baseline="0">
+                  <a:solidFill>
+                    <a:srgbClr val="00BFF3"/>
+                  </a:solidFill>
+                  <a:uFillTx/>
+                  <a:latin typeface="+mn-lt"/>
+                  <a:ea typeface="+mn-ea"/>
+                  <a:cs typeface="+mn-cs"/>
+                  <a:sym typeface="Druk Medium"/>
+                </a:defRPr>
+              </a:lvl7pPr>
+              <a:lvl8pPr marL="0" marR="0" indent="3200400" algn="l" defTabSz="825500" rtl="0" latinLnBrk="0">
+                <a:lnSpc>
+                  <a:spcPct val="80000"/>
+                </a:lnSpc>
+                <a:spcBef>
+                  <a:spcPts val="0"/>
+                </a:spcBef>
+                <a:spcAft>
+                  <a:spcPts val="0"/>
+                </a:spcAft>
+                <a:buClrTx/>
+                <a:buSzTx/>
+                <a:buFontTx/>
+                <a:buNone/>
+                <a:tabLst/>
+                <a:defRPr sz="11600" b="0" i="0" u="none" strike="noStrike" cap="all" spc="-116" baseline="0">
+                  <a:solidFill>
+                    <a:srgbClr val="00BFF3"/>
+                  </a:solidFill>
+                  <a:uFillTx/>
+                  <a:latin typeface="+mn-lt"/>
+                  <a:ea typeface="+mn-ea"/>
+                  <a:cs typeface="+mn-cs"/>
+                  <a:sym typeface="Druk Medium"/>
+                </a:defRPr>
+              </a:lvl8pPr>
+              <a:lvl9pPr marL="0" marR="0" indent="3657600" algn="l" defTabSz="825500" rtl="0" latinLnBrk="0">
+                <a:lnSpc>
+                  <a:spcPct val="80000"/>
+                </a:lnSpc>
+                <a:spcBef>
+                  <a:spcPts val="0"/>
+                </a:spcBef>
+                <a:spcAft>
+                  <a:spcPts val="0"/>
+                </a:spcAft>
+                <a:buClrTx/>
+                <a:buSzTx/>
+                <a:buFontTx/>
+                <a:buNone/>
+                <a:tabLst/>
+                <a:defRPr sz="11600" b="0" i="0" u="none" strike="noStrike" cap="all" spc="-116" baseline="0">
+                  <a:solidFill>
+                    <a:srgbClr val="00BFF3"/>
+                  </a:solidFill>
+                  <a:uFillTx/>
+                  <a:latin typeface="+mn-lt"/>
+                  <a:ea typeface="+mn-ea"/>
+                  <a:cs typeface="+mn-cs"/>
+                  <a:sym typeface="Druk Medium"/>
+                </a:defRPr>
+              </a:lvl9pPr>
+            </a:lstStyle>
+            <a:p>
+              <a:pPr algn="ctr" hangingPunct="1"/>
+              <a:r>
+                <a:rPr lang="en-GB" sz="6000" b="1" dirty="0"/>
+                <a:t>Two factor</a:t>
+              </a:r>
+            </a:p>
+            <a:p>
+              <a:pPr algn="ctr" hangingPunct="1"/>
+              <a:r>
+                <a:rPr lang="en-GB" sz="6000" b="1" dirty="0"/>
+                <a:t>authentication</a:t>
+              </a:r>
+            </a:p>
+          </p:txBody>
+        </p:sp>
+      </p:grpSp>
     </p:spTree>
     <p:extLst>
       <p:ext uri="{BB962C8B-B14F-4D97-AF65-F5344CB8AC3E}">
@@ -15353,6 +16755,276 @@
                                               <p:pRg st="0" end="0"/>
                                             </p:txEl>
                                           </p:spTgt>
+                                        </p:tgtEl>
+                                        <p:attrNameLst>
+                                          <p:attrName>style.visibility</p:attrName>
+                                        </p:attrNameLst>
+                                      </p:cBhvr>
+                                      <p:to>
+                                        <p:strVal val="visible"/>
+                                      </p:to>
+                                    </p:set>
+                                  </p:childTnLst>
+                                </p:cTn>
+                              </p:par>
+                            </p:childTnLst>
+                          </p:cTn>
+                        </p:par>
+                      </p:childTnLst>
+                    </p:cTn>
+                  </p:par>
+                  <p:par>
+                    <p:cTn id="7" fill="hold">
+                      <p:stCondLst>
+                        <p:cond delay="indefinite"/>
+                      </p:stCondLst>
+                      <p:childTnLst>
+                        <p:par>
+                          <p:cTn id="8" fill="hold">
+                            <p:stCondLst>
+                              <p:cond delay="0"/>
+                            </p:stCondLst>
+                            <p:childTnLst>
+                              <p:par>
+                                <p:cTn id="9" presetID="1" presetClass="entr" presetSubtype="0" fill="hold" nodeType="clickEffect">
+                                  <p:stCondLst>
+                                    <p:cond delay="0"/>
+                                  </p:stCondLst>
+                                  <p:childTnLst>
+                                    <p:set>
+                                      <p:cBhvr>
+                                        <p:cTn id="10" dur="1" fill="hold">
+                                          <p:stCondLst>
+                                            <p:cond delay="0"/>
+                                          </p:stCondLst>
+                                        </p:cTn>
+                                        <p:tgtEl>
+                                          <p:spTgt spid="18"/>
+                                        </p:tgtEl>
+                                        <p:attrNameLst>
+                                          <p:attrName>style.visibility</p:attrName>
+                                        </p:attrNameLst>
+                                      </p:cBhvr>
+                                      <p:to>
+                                        <p:strVal val="visible"/>
+                                      </p:to>
+                                    </p:set>
+                                  </p:childTnLst>
+                                </p:cTn>
+                              </p:par>
+                            </p:childTnLst>
+                          </p:cTn>
+                        </p:par>
+                      </p:childTnLst>
+                    </p:cTn>
+                  </p:par>
+                  <p:par>
+                    <p:cTn id="11" fill="hold">
+                      <p:stCondLst>
+                        <p:cond delay="indefinite"/>
+                      </p:stCondLst>
+                      <p:childTnLst>
+                        <p:par>
+                          <p:cTn id="12" fill="hold">
+                            <p:stCondLst>
+                              <p:cond delay="0"/>
+                            </p:stCondLst>
+                            <p:childTnLst>
+                              <p:par>
+                                <p:cTn id="13" presetID="1" presetClass="entr" presetSubtype="0" fill="hold" nodeType="clickEffect">
+                                  <p:stCondLst>
+                                    <p:cond delay="0"/>
+                                  </p:stCondLst>
+                                  <p:childTnLst>
+                                    <p:set>
+                                      <p:cBhvr>
+                                        <p:cTn id="14" dur="1" fill="hold">
+                                          <p:stCondLst>
+                                            <p:cond delay="0"/>
+                                          </p:stCondLst>
+                                        </p:cTn>
+                                        <p:tgtEl>
+                                          <p:spTgt spid="19"/>
+                                        </p:tgtEl>
+                                        <p:attrNameLst>
+                                          <p:attrName>style.visibility</p:attrName>
+                                        </p:attrNameLst>
+                                      </p:cBhvr>
+                                      <p:to>
+                                        <p:strVal val="visible"/>
+                                      </p:to>
+                                    </p:set>
+                                  </p:childTnLst>
+                                </p:cTn>
+                              </p:par>
+                            </p:childTnLst>
+                          </p:cTn>
+                        </p:par>
+                      </p:childTnLst>
+                    </p:cTn>
+                  </p:par>
+                  <p:par>
+                    <p:cTn id="15" fill="hold">
+                      <p:stCondLst>
+                        <p:cond delay="indefinite"/>
+                      </p:stCondLst>
+                      <p:childTnLst>
+                        <p:par>
+                          <p:cTn id="16" fill="hold">
+                            <p:stCondLst>
+                              <p:cond delay="0"/>
+                            </p:stCondLst>
+                            <p:childTnLst>
+                              <p:par>
+                                <p:cTn id="17" presetID="1" presetClass="entr" presetSubtype="0" fill="hold" nodeType="clickEffect">
+                                  <p:stCondLst>
+                                    <p:cond delay="0"/>
+                                  </p:stCondLst>
+                                  <p:childTnLst>
+                                    <p:set>
+                                      <p:cBhvr>
+                                        <p:cTn id="18" dur="1" fill="hold">
+                                          <p:stCondLst>
+                                            <p:cond delay="0"/>
+                                          </p:stCondLst>
+                                        </p:cTn>
+                                        <p:tgtEl>
+                                          <p:spTgt spid="20"/>
+                                        </p:tgtEl>
+                                        <p:attrNameLst>
+                                          <p:attrName>style.visibility</p:attrName>
+                                        </p:attrNameLst>
+                                      </p:cBhvr>
+                                      <p:to>
+                                        <p:strVal val="visible"/>
+                                      </p:to>
+                                    </p:set>
+                                  </p:childTnLst>
+                                </p:cTn>
+                              </p:par>
+                            </p:childTnLst>
+                          </p:cTn>
+                        </p:par>
+                      </p:childTnLst>
+                    </p:cTn>
+                  </p:par>
+                  <p:par>
+                    <p:cTn id="19" fill="hold">
+                      <p:stCondLst>
+                        <p:cond delay="indefinite"/>
+                      </p:stCondLst>
+                      <p:childTnLst>
+                        <p:par>
+                          <p:cTn id="20" fill="hold">
+                            <p:stCondLst>
+                              <p:cond delay="0"/>
+                            </p:stCondLst>
+                            <p:childTnLst>
+                              <p:par>
+                                <p:cTn id="21" presetID="1" presetClass="entr" presetSubtype="0" fill="hold" nodeType="clickEffect">
+                                  <p:stCondLst>
+                                    <p:cond delay="0"/>
+                                  </p:stCondLst>
+                                  <p:childTnLst>
+                                    <p:set>
+                                      <p:cBhvr>
+                                        <p:cTn id="22" dur="1" fill="hold">
+                                          <p:stCondLst>
+                                            <p:cond delay="0"/>
+                                          </p:stCondLst>
+                                        </p:cTn>
+                                        <p:tgtEl>
+                                          <p:spTgt spid="23"/>
+                                        </p:tgtEl>
+                                        <p:attrNameLst>
+                                          <p:attrName>style.visibility</p:attrName>
+                                        </p:attrNameLst>
+                                      </p:cBhvr>
+                                      <p:to>
+                                        <p:strVal val="visible"/>
+                                      </p:to>
+                                    </p:set>
+                                  </p:childTnLst>
+                                </p:cTn>
+                              </p:par>
+                            </p:childTnLst>
+                          </p:cTn>
+                        </p:par>
+                      </p:childTnLst>
+                    </p:cTn>
+                  </p:par>
+                  <p:par>
+                    <p:cTn id="23" fill="hold">
+                      <p:stCondLst>
+                        <p:cond delay="indefinite"/>
+                      </p:stCondLst>
+                      <p:childTnLst>
+                        <p:par>
+                          <p:cTn id="24" fill="hold">
+                            <p:stCondLst>
+                              <p:cond delay="0"/>
+                            </p:stCondLst>
+                            <p:childTnLst>
+                              <p:par>
+                                <p:cTn id="25" presetID="1" presetClass="entr" presetSubtype="0" fill="hold" nodeType="clickEffect">
+                                  <p:stCondLst>
+                                    <p:cond delay="0"/>
+                                  </p:stCondLst>
+                                  <p:childTnLst>
+                                    <p:set>
+                                      <p:cBhvr>
+                                        <p:cTn id="26" dur="1" fill="hold">
+                                          <p:stCondLst>
+                                            <p:cond delay="0"/>
+                                          </p:stCondLst>
+                                        </p:cTn>
+                                        <p:tgtEl>
+                                          <p:spTgt spid="22"/>
+                                        </p:tgtEl>
+                                        <p:attrNameLst>
+                                          <p:attrName>style.visibility</p:attrName>
+                                        </p:attrNameLst>
+                                      </p:cBhvr>
+                                      <p:to>
+                                        <p:strVal val="visible"/>
+                                      </p:to>
+                                    </p:set>
+                                  </p:childTnLst>
+                                </p:cTn>
+                              </p:par>
+                            </p:childTnLst>
+                          </p:cTn>
+                        </p:par>
+                      </p:childTnLst>
+                    </p:cTn>
+                  </p:par>
+                  <p:par>
+                    <p:cTn id="27" fill="hold">
+                      <p:stCondLst>
+                        <p:cond delay="indefinite"/>
+                      </p:stCondLst>
+                      <p:childTnLst>
+                        <p:par>
+                          <p:cTn id="28" fill="hold">
+                            <p:stCondLst>
+                              <p:cond delay="0"/>
+                            </p:stCondLst>
+                            <p:childTnLst>
+                              <p:par>
+                                <p:cTn id="29" presetID="1" presetClass="entr" presetSubtype="0" fill="hold" nodeType="clickEffect">
+                                  <p:stCondLst>
+                                    <p:cond delay="0"/>
+                                  </p:stCondLst>
+                                  <p:childTnLst>
+                                    <p:set>
+                                      <p:cBhvr>
+                                        <p:cTn id="30" dur="1" fill="hold">
+                                          <p:stCondLst>
+                                            <p:cond delay="0"/>
+                                          </p:stCondLst>
+                                        </p:cTn>
+                                        <p:tgtEl>
+                                          <p:spTgt spid="21"/>
                                         </p:tgtEl>
                                         <p:attrNameLst>
                                           <p:attrName>style.visibility</p:attrName>
@@ -16263,8 +17935,8 @@
         </p:nvSpPr>
         <p:spPr>
           <a:xfrm>
-            <a:off x="1219200" y="8365066"/>
-            <a:ext cx="21945600" cy="4131733"/>
+            <a:off x="1219200" y="8972584"/>
+            <a:ext cx="21945600" cy="3524215"/>
           </a:xfrm>
         </p:spPr>
         <p:txBody>
@@ -16298,1268 +17970,1310 @@
           </a:p>
         </p:txBody>
       </p:sp>
-      <p:pic>
-        <p:nvPicPr>
-          <p:cNvPr id="4" name="Graphic 3" descr="Full Brick Wall with solid fill">
+      <p:grpSp>
+        <p:nvGrpSpPr>
+          <p:cNvPr id="32" name="Group 31">
             <a:extLst>
               <a:ext uri="{FF2B5EF4-FFF2-40B4-BE49-F238E27FC236}">
-                <a16:creationId xmlns:a16="http://schemas.microsoft.com/office/drawing/2014/main" id="{9784331B-33C9-BA3D-2FF9-3EC1FEE47AB5}"/>
+                <a16:creationId xmlns:a16="http://schemas.microsoft.com/office/drawing/2014/main" id="{6421C700-EAD8-ACFC-BFC5-DEA8C0F98B0E}"/>
               </a:ext>
             </a:extLst>
           </p:cNvPr>
-          <p:cNvPicPr>
-            <a:picLocks noChangeAspect="1"/>
-          </p:cNvPicPr>
+          <p:cNvGrpSpPr/>
           <p:nvPr/>
-        </p:nvPicPr>
-        <p:blipFill>
-          <a:blip r:embed="rId3">
+        </p:nvGrpSpPr>
+        <p:grpSpPr>
+          <a:xfrm>
+            <a:off x="1979654" y="2946710"/>
+            <a:ext cx="21211862" cy="5592319"/>
+            <a:chOff x="1979654" y="2946710"/>
+            <a:chExt cx="21211862" cy="5592319"/>
+          </a:xfrm>
+        </p:grpSpPr>
+        <p:pic>
+          <p:nvPicPr>
+            <p:cNvPr id="6" name="Graphic 5" descr="Cloud outline">
+              <a:extLst>
+                <a:ext uri="{FF2B5EF4-FFF2-40B4-BE49-F238E27FC236}">
+                  <a16:creationId xmlns:a16="http://schemas.microsoft.com/office/drawing/2014/main" id="{AD6B0E1C-B0D8-A418-9244-9CC0C29D448D}"/>
+                </a:ext>
+              </a:extLst>
+            </p:cNvPr>
+            <p:cNvPicPr>
+              <a:picLocks noChangeAspect="1"/>
+            </p:cNvPicPr>
+            <p:nvPr/>
+          </p:nvPicPr>
+          <p:blipFill>
+            <a:blip r:embed="rId3">
+              <a:extLst>
+                <a:ext uri="{28A0092B-C50C-407E-A947-70E740481C1C}">
+                  <a14:useLocalDpi xmlns:a14="http://schemas.microsoft.com/office/drawing/2010/main" val="0"/>
+                </a:ext>
+                <a:ext uri="{96DAC541-7B7A-43D3-8B79-37D633B846F1}">
+                  <asvg:svgBlip xmlns:asvg="http://schemas.microsoft.com/office/drawing/2016/SVG/main" r:embed="rId4"/>
+                </a:ext>
+              </a:extLst>
+            </a:blip>
+            <a:stretch>
+              <a:fillRect/>
+            </a:stretch>
+          </p:blipFill>
+          <p:spPr>
+            <a:xfrm>
+              <a:off x="17599197" y="2946710"/>
+              <a:ext cx="5592319" cy="5592319"/>
+            </a:xfrm>
+            <a:prstGeom prst="rect">
+              <a:avLst/>
+            </a:prstGeom>
+          </p:spPr>
+        </p:pic>
+        <p:pic>
+          <p:nvPicPr>
+            <p:cNvPr id="8" name="Graphic 7" descr="Laptop with solid fill">
+              <a:extLst>
+                <a:ext uri="{FF2B5EF4-FFF2-40B4-BE49-F238E27FC236}">
+                  <a16:creationId xmlns:a16="http://schemas.microsoft.com/office/drawing/2014/main" id="{56235AD1-722D-6FB8-CB33-E4A5B4E0E597}"/>
+                </a:ext>
+              </a:extLst>
+            </p:cNvPr>
+            <p:cNvPicPr>
+              <a:picLocks noChangeAspect="1"/>
+            </p:cNvPicPr>
+            <p:nvPr/>
+          </p:nvPicPr>
+          <p:blipFill>
+            <a:blip r:embed="rId5">
+              <a:extLst>
+                <a:ext uri="{28A0092B-C50C-407E-A947-70E740481C1C}">
+                  <a14:useLocalDpi xmlns:a14="http://schemas.microsoft.com/office/drawing/2010/main" val="0"/>
+                </a:ext>
+                <a:ext uri="{96DAC541-7B7A-43D3-8B79-37D633B846F1}">
+                  <asvg:svgBlip xmlns:asvg="http://schemas.microsoft.com/office/drawing/2016/SVG/main" r:embed="rId6"/>
+                </a:ext>
+              </a:extLst>
+            </a:blip>
+            <a:stretch>
+              <a:fillRect/>
+            </a:stretch>
+          </p:blipFill>
+          <p:spPr>
+            <a:xfrm>
+              <a:off x="1979654" y="6817096"/>
+              <a:ext cx="1721933" cy="1721933"/>
+            </a:xfrm>
+            <a:prstGeom prst="rect">
+              <a:avLst/>
+            </a:prstGeom>
+          </p:spPr>
+        </p:pic>
+        <p:pic>
+          <p:nvPicPr>
+            <p:cNvPr id="10" name="Graphic 9" descr="Smart Phone with solid fill">
+              <a:extLst>
+                <a:ext uri="{FF2B5EF4-FFF2-40B4-BE49-F238E27FC236}">
+                  <a16:creationId xmlns:a16="http://schemas.microsoft.com/office/drawing/2014/main" id="{F84060B0-5C29-87D7-3BF2-DA600952E53F}"/>
+                </a:ext>
+              </a:extLst>
+            </p:cNvPr>
+            <p:cNvPicPr>
+              <a:picLocks noChangeAspect="1"/>
+            </p:cNvPicPr>
+            <p:nvPr/>
+          </p:nvPicPr>
+          <p:blipFill>
+            <a:blip r:embed="rId7">
+              <a:extLst>
+                <a:ext uri="{28A0092B-C50C-407E-A947-70E740481C1C}">
+                  <a14:useLocalDpi xmlns:a14="http://schemas.microsoft.com/office/drawing/2010/main" val="0"/>
+                </a:ext>
+                <a:ext uri="{96DAC541-7B7A-43D3-8B79-37D633B846F1}">
+                  <asvg:svgBlip xmlns:asvg="http://schemas.microsoft.com/office/drawing/2016/SVG/main" r:embed="rId8"/>
+                </a:ext>
+              </a:extLst>
+            </a:blip>
+            <a:stretch>
+              <a:fillRect/>
+            </a:stretch>
+          </p:blipFill>
+          <p:spPr>
+            <a:xfrm>
+              <a:off x="2033089" y="5021286"/>
+              <a:ext cx="1615065" cy="1615065"/>
+            </a:xfrm>
+            <a:prstGeom prst="rect">
+              <a:avLst/>
+            </a:prstGeom>
+          </p:spPr>
+        </p:pic>
+        <p:pic>
+          <p:nvPicPr>
+            <p:cNvPr id="12" name="Graphic 11" descr="Server with solid fill">
+              <a:extLst>
+                <a:ext uri="{FF2B5EF4-FFF2-40B4-BE49-F238E27FC236}">
+                  <a16:creationId xmlns:a16="http://schemas.microsoft.com/office/drawing/2014/main" id="{1E894DB9-942A-66E2-9B27-C82F1119DAA2}"/>
+                </a:ext>
+              </a:extLst>
+            </p:cNvPr>
+            <p:cNvPicPr>
+              <a:picLocks noChangeAspect="1"/>
+            </p:cNvPicPr>
+            <p:nvPr/>
+          </p:nvPicPr>
+          <p:blipFill>
+            <a:blip r:embed="rId9">
+              <a:extLst>
+                <a:ext uri="{28A0092B-C50C-407E-A947-70E740481C1C}">
+                  <a14:useLocalDpi xmlns:a14="http://schemas.microsoft.com/office/drawing/2010/main" val="0"/>
+                </a:ext>
+                <a:ext uri="{96DAC541-7B7A-43D3-8B79-37D633B846F1}">
+                  <asvg:svgBlip xmlns:asvg="http://schemas.microsoft.com/office/drawing/2016/SVG/main" r:embed="rId10"/>
+                </a:ext>
+              </a:extLst>
+            </a:blip>
+            <a:stretch>
+              <a:fillRect/>
+            </a:stretch>
+          </p:blipFill>
+          <p:spPr>
+            <a:xfrm>
+              <a:off x="7524751" y="4504509"/>
+              <a:ext cx="2648621" cy="2648621"/>
+            </a:xfrm>
+            <a:prstGeom prst="rect">
+              <a:avLst/>
+            </a:prstGeom>
+          </p:spPr>
+        </p:pic>
+        <p:pic>
+          <p:nvPicPr>
+            <p:cNvPr id="14" name="Graphic 13" descr="Monitor with solid fill">
+              <a:extLst>
+                <a:ext uri="{FF2B5EF4-FFF2-40B4-BE49-F238E27FC236}">
+                  <a16:creationId xmlns:a16="http://schemas.microsoft.com/office/drawing/2014/main" id="{ABF3F909-5BB3-4547-5973-928C11DF92F5}"/>
+                </a:ext>
+              </a:extLst>
+            </p:cNvPr>
+            <p:cNvPicPr>
+              <a:picLocks noChangeAspect="1"/>
+            </p:cNvPicPr>
+            <p:nvPr/>
+          </p:nvPicPr>
+          <p:blipFill>
+            <a:blip r:embed="rId11">
+              <a:extLst>
+                <a:ext uri="{28A0092B-C50C-407E-A947-70E740481C1C}">
+                  <a14:useLocalDpi xmlns:a14="http://schemas.microsoft.com/office/drawing/2010/main" val="0"/>
+                </a:ext>
+                <a:ext uri="{96DAC541-7B7A-43D3-8B79-37D633B846F1}">
+                  <asvg:svgBlip xmlns:asvg="http://schemas.microsoft.com/office/drawing/2016/SVG/main" r:embed="rId12"/>
+                </a:ext>
+              </a:extLst>
+            </a:blip>
+            <a:stretch>
+              <a:fillRect/>
+            </a:stretch>
+          </p:blipFill>
+          <p:spPr>
+            <a:xfrm>
+              <a:off x="2033089" y="3270202"/>
+              <a:ext cx="1615066" cy="1615066"/>
+            </a:xfrm>
+            <a:prstGeom prst="rect">
+              <a:avLst/>
+            </a:prstGeom>
+          </p:spPr>
+        </p:pic>
+        <p:cxnSp>
+          <p:nvCxnSpPr>
+            <p:cNvPr id="16" name="Straight Connector 15">
+              <a:extLst>
+                <a:ext uri="{FF2B5EF4-FFF2-40B4-BE49-F238E27FC236}">
+                  <a16:creationId xmlns:a16="http://schemas.microsoft.com/office/drawing/2014/main" id="{995DE5C4-24C2-BFED-F16A-3C6D7F0649D9}"/>
+                </a:ext>
+              </a:extLst>
+            </p:cNvPr>
+            <p:cNvCxnSpPr>
+              <a:stCxn id="10" idx="3"/>
+              <a:endCxn id="12" idx="1"/>
+            </p:cNvCxnSpPr>
+            <p:nvPr/>
+          </p:nvCxnSpPr>
+          <p:spPr>
+            <a:xfrm>
+              <a:off x="3648154" y="5828819"/>
+              <a:ext cx="3876597" cy="1"/>
+            </a:xfrm>
+            <a:prstGeom prst="line">
+              <a:avLst/>
+            </a:prstGeom>
+            <a:noFill/>
+            <a:ln w="57150" cap="flat">
+              <a:solidFill>
+                <a:srgbClr val="000000"/>
+              </a:solidFill>
+              <a:prstDash val="solid"/>
+              <a:miter lim="400000"/>
+            </a:ln>
+            <a:effectLst/>
+            <a:sp3d/>
+          </p:spPr>
+          <p:style>
+            <a:lnRef idx="0">
+              <a:scrgbClr r="0" g="0" b="0"/>
+            </a:lnRef>
+            <a:fillRef idx="0">
+              <a:scrgbClr r="0" g="0" b="0"/>
+            </a:fillRef>
+            <a:effectRef idx="0">
+              <a:scrgbClr r="0" g="0" b="0"/>
+            </a:effectRef>
+            <a:fontRef idx="none"/>
+          </p:style>
+        </p:cxnSp>
+        <p:cxnSp>
+          <p:nvCxnSpPr>
+            <p:cNvPr id="19" name="Straight Connector 18">
+              <a:extLst>
+                <a:ext uri="{FF2B5EF4-FFF2-40B4-BE49-F238E27FC236}">
+                  <a16:creationId xmlns:a16="http://schemas.microsoft.com/office/drawing/2014/main" id="{E6F96DAA-892F-E4B6-1ED5-523EDF61364B}"/>
+                </a:ext>
+              </a:extLst>
+            </p:cNvPr>
+            <p:cNvCxnSpPr>
+              <a:stCxn id="14" idx="3"/>
+              <a:endCxn id="12" idx="1"/>
+            </p:cNvCxnSpPr>
+            <p:nvPr/>
+          </p:nvCxnSpPr>
+          <p:spPr>
+            <a:xfrm>
+              <a:off x="3648155" y="4077735"/>
+              <a:ext cx="3876596" cy="1751085"/>
+            </a:xfrm>
+            <a:prstGeom prst="line">
+              <a:avLst/>
+            </a:prstGeom>
+            <a:noFill/>
+            <a:ln w="57150" cap="flat">
+              <a:solidFill>
+                <a:srgbClr val="000000"/>
+              </a:solidFill>
+              <a:prstDash val="solid"/>
+              <a:miter lim="400000"/>
+            </a:ln>
+            <a:effectLst/>
+            <a:sp3d/>
+          </p:spPr>
+          <p:style>
+            <a:lnRef idx="0">
+              <a:scrgbClr r="0" g="0" b="0"/>
+            </a:lnRef>
+            <a:fillRef idx="0">
+              <a:scrgbClr r="0" g="0" b="0"/>
+            </a:fillRef>
+            <a:effectRef idx="0">
+              <a:scrgbClr r="0" g="0" b="0"/>
+            </a:effectRef>
+            <a:fontRef idx="none"/>
+          </p:style>
+        </p:cxnSp>
+        <p:cxnSp>
+          <p:nvCxnSpPr>
+            <p:cNvPr id="21" name="Straight Connector 20">
+              <a:extLst>
+                <a:ext uri="{FF2B5EF4-FFF2-40B4-BE49-F238E27FC236}">
+                  <a16:creationId xmlns:a16="http://schemas.microsoft.com/office/drawing/2014/main" id="{0511ED81-1A77-9A6E-AC97-16D133EA84C5}"/>
+                </a:ext>
+              </a:extLst>
+            </p:cNvPr>
+            <p:cNvCxnSpPr>
+              <a:stCxn id="8" idx="3"/>
+              <a:endCxn id="12" idx="1"/>
+            </p:cNvCxnSpPr>
+            <p:nvPr/>
+          </p:nvCxnSpPr>
+          <p:spPr>
+            <a:xfrm flipV="1">
+              <a:off x="3701587" y="5828820"/>
+              <a:ext cx="3823164" cy="1849243"/>
+            </a:xfrm>
+            <a:prstGeom prst="line">
+              <a:avLst/>
+            </a:prstGeom>
+            <a:noFill/>
+            <a:ln w="57150" cap="flat">
+              <a:solidFill>
+                <a:srgbClr val="000000"/>
+              </a:solidFill>
+              <a:prstDash val="solid"/>
+              <a:miter lim="400000"/>
+            </a:ln>
+            <a:effectLst/>
+            <a:sp3d/>
+          </p:spPr>
+          <p:style>
+            <a:lnRef idx="0">
+              <a:scrgbClr r="0" g="0" b="0"/>
+            </a:lnRef>
+            <a:fillRef idx="0">
+              <a:scrgbClr r="0" g="0" b="0"/>
+            </a:fillRef>
+            <a:effectRef idx="0">
+              <a:scrgbClr r="0" g="0" b="0"/>
+            </a:effectRef>
+            <a:fontRef idx="none"/>
+          </p:style>
+        </p:cxnSp>
+        <p:cxnSp>
+          <p:nvCxnSpPr>
+            <p:cNvPr id="26" name="Straight Connector 25">
+              <a:extLst>
+                <a:ext uri="{FF2B5EF4-FFF2-40B4-BE49-F238E27FC236}">
+                  <a16:creationId xmlns:a16="http://schemas.microsoft.com/office/drawing/2014/main" id="{3807744F-9D1D-2F8F-77C5-708368C0A91F}"/>
+                </a:ext>
+              </a:extLst>
+            </p:cNvPr>
+            <p:cNvCxnSpPr>
+              <a:stCxn id="12" idx="3"/>
+              <a:endCxn id="6" idx="1"/>
+            </p:cNvCxnSpPr>
+            <p:nvPr/>
+          </p:nvCxnSpPr>
+          <p:spPr>
+            <a:xfrm flipV="1">
+              <a:off x="10173372" y="5742870"/>
+              <a:ext cx="7425825" cy="85950"/>
+            </a:xfrm>
+            <a:prstGeom prst="line">
+              <a:avLst/>
+            </a:prstGeom>
+            <a:noFill/>
+            <a:ln w="57150" cap="flat">
+              <a:solidFill>
+                <a:srgbClr val="000000"/>
+              </a:solidFill>
+              <a:prstDash val="solid"/>
+              <a:miter lim="400000"/>
+            </a:ln>
+            <a:effectLst/>
+            <a:sp3d/>
+          </p:spPr>
+          <p:style>
+            <a:lnRef idx="0">
+              <a:scrgbClr r="0" g="0" b="0"/>
+            </a:lnRef>
+            <a:fillRef idx="0">
+              <a:scrgbClr r="0" g="0" b="0"/>
+            </a:fillRef>
+            <a:effectRef idx="0">
+              <a:scrgbClr r="0" g="0" b="0"/>
+            </a:effectRef>
+            <a:fontRef idx="none"/>
+          </p:style>
+        </p:cxnSp>
+        <p:sp>
+          <p:nvSpPr>
+            <p:cNvPr id="28" name="Your exam">
+              <a:extLst>
+                <a:ext uri="{FF2B5EF4-FFF2-40B4-BE49-F238E27FC236}">
+                  <a16:creationId xmlns:a16="http://schemas.microsoft.com/office/drawing/2014/main" id="{E54DA51F-9093-7572-8AA4-0481F3FD2B26}"/>
+                </a:ext>
+              </a:extLst>
+            </p:cNvPr>
+            <p:cNvSpPr txBox="1">
+              <a:spLocks/>
+            </p:cNvSpPr>
+            <p:nvPr/>
+          </p:nvSpPr>
+          <p:spPr>
+            <a:xfrm>
+              <a:off x="5078738" y="6772371"/>
+              <a:ext cx="2886974" cy="1557971"/>
+            </a:xfrm>
+            <a:prstGeom prst="rect">
+              <a:avLst/>
+            </a:prstGeom>
+            <a:ln w="12700">
+              <a:miter lim="400000"/>
+            </a:ln>
             <a:extLst>
-              <a:ext uri="{28A0092B-C50C-407E-A947-70E740481C1C}">
-                <a14:useLocalDpi xmlns:a14="http://schemas.microsoft.com/office/drawing/2010/main" val="0"/>
-              </a:ext>
-              <a:ext uri="{96DAC541-7B7A-43D3-8B79-37D633B846F1}">
-                <asvg:svgBlip xmlns:asvg="http://schemas.microsoft.com/office/drawing/2016/SVG/main" r:embed="rId4"/>
+              <a:ext uri="{C572A759-6A51-4108-AA02-DFA0A04FC94B}">
+                <ma14:wrappingTextBoxFlag xmlns="" xmlns:m="http://schemas.openxmlformats.org/officeDocument/2006/math" xmlns:a14="http://schemas.microsoft.com/office/drawing/2010/main" xmlns:ma14="http://schemas.microsoft.com/office/mac/drawingml/2011/main" val="1"/>
               </a:ext>
             </a:extLst>
-          </a:blip>
-          <a:stretch>
-            <a:fillRect/>
-          </a:stretch>
-        </p:blipFill>
-        <p:spPr>
-          <a:xfrm>
-            <a:off x="11702205" y="2776777"/>
-            <a:ext cx="4147656" cy="4147656"/>
-          </a:xfrm>
-          <a:prstGeom prst="rect">
-            <a:avLst/>
-          </a:prstGeom>
-        </p:spPr>
-      </p:pic>
-      <p:pic>
-        <p:nvPicPr>
-          <p:cNvPr id="6" name="Graphic 5" descr="Cloud outline">
+          </p:spPr>
+          <p:txBody>
+            <a:bodyPr lIns="50800" tIns="50800" rIns="50800" bIns="50800" anchor="ctr">
+              <a:normAutofit/>
+            </a:bodyPr>
+            <a:lstStyle>
+              <a:lvl1pPr marL="0" marR="0" indent="0" algn="l" defTabSz="825500" rtl="0" latinLnBrk="0">
+                <a:lnSpc>
+                  <a:spcPct val="80000"/>
+                </a:lnSpc>
+                <a:spcBef>
+                  <a:spcPts val="0"/>
+                </a:spcBef>
+                <a:spcAft>
+                  <a:spcPts val="0"/>
+                </a:spcAft>
+                <a:buClrTx/>
+                <a:buSzTx/>
+                <a:buFontTx/>
+                <a:buNone/>
+                <a:tabLst/>
+                <a:defRPr sz="14000" b="0" i="0" u="none" strike="noStrike" cap="all" spc="-140" baseline="0">
+                  <a:solidFill>
+                    <a:srgbClr val="FFFFFF"/>
+                  </a:solidFill>
+                  <a:uFillTx/>
+                  <a:latin typeface="+mn-lt"/>
+                  <a:ea typeface="+mn-ea"/>
+                  <a:cs typeface="+mn-cs"/>
+                  <a:sym typeface="Druk Medium"/>
+                </a:defRPr>
+              </a:lvl1pPr>
+              <a:lvl2pPr marL="0" marR="0" indent="457200" algn="l" defTabSz="825500" rtl="0" latinLnBrk="0">
+                <a:lnSpc>
+                  <a:spcPct val="80000"/>
+                </a:lnSpc>
+                <a:spcBef>
+                  <a:spcPts val="0"/>
+                </a:spcBef>
+                <a:spcAft>
+                  <a:spcPts val="0"/>
+                </a:spcAft>
+                <a:buClrTx/>
+                <a:buSzTx/>
+                <a:buFontTx/>
+                <a:buNone/>
+                <a:tabLst/>
+                <a:defRPr sz="11600" b="0" i="0" u="none" strike="noStrike" cap="all" spc="-116" baseline="0">
+                  <a:solidFill>
+                    <a:srgbClr val="00BFF3"/>
+                  </a:solidFill>
+                  <a:uFillTx/>
+                  <a:latin typeface="+mn-lt"/>
+                  <a:ea typeface="+mn-ea"/>
+                  <a:cs typeface="+mn-cs"/>
+                  <a:sym typeface="Druk Medium"/>
+                </a:defRPr>
+              </a:lvl2pPr>
+              <a:lvl3pPr marL="0" marR="0" indent="914400" algn="l" defTabSz="825500" rtl="0" latinLnBrk="0">
+                <a:lnSpc>
+                  <a:spcPct val="80000"/>
+                </a:lnSpc>
+                <a:spcBef>
+                  <a:spcPts val="0"/>
+                </a:spcBef>
+                <a:spcAft>
+                  <a:spcPts val="0"/>
+                </a:spcAft>
+                <a:buClrTx/>
+                <a:buSzTx/>
+                <a:buFontTx/>
+                <a:buNone/>
+                <a:tabLst/>
+                <a:defRPr sz="11600" b="0" i="0" u="none" strike="noStrike" cap="all" spc="-116" baseline="0">
+                  <a:solidFill>
+                    <a:srgbClr val="00BFF3"/>
+                  </a:solidFill>
+                  <a:uFillTx/>
+                  <a:latin typeface="+mn-lt"/>
+                  <a:ea typeface="+mn-ea"/>
+                  <a:cs typeface="+mn-cs"/>
+                  <a:sym typeface="Druk Medium"/>
+                </a:defRPr>
+              </a:lvl3pPr>
+              <a:lvl4pPr marL="0" marR="0" indent="1371600" algn="l" defTabSz="825500" rtl="0" latinLnBrk="0">
+                <a:lnSpc>
+                  <a:spcPct val="80000"/>
+                </a:lnSpc>
+                <a:spcBef>
+                  <a:spcPts val="0"/>
+                </a:spcBef>
+                <a:spcAft>
+                  <a:spcPts val="0"/>
+                </a:spcAft>
+                <a:buClrTx/>
+                <a:buSzTx/>
+                <a:buFontTx/>
+                <a:buNone/>
+                <a:tabLst/>
+                <a:defRPr sz="11600" b="0" i="0" u="none" strike="noStrike" cap="all" spc="-116" baseline="0">
+                  <a:solidFill>
+                    <a:srgbClr val="00BFF3"/>
+                  </a:solidFill>
+                  <a:uFillTx/>
+                  <a:latin typeface="+mn-lt"/>
+                  <a:ea typeface="+mn-ea"/>
+                  <a:cs typeface="+mn-cs"/>
+                  <a:sym typeface="Druk Medium"/>
+                </a:defRPr>
+              </a:lvl4pPr>
+              <a:lvl5pPr marL="0" marR="0" indent="1828800" algn="l" defTabSz="825500" rtl="0" latinLnBrk="0">
+                <a:lnSpc>
+                  <a:spcPct val="80000"/>
+                </a:lnSpc>
+                <a:spcBef>
+                  <a:spcPts val="0"/>
+                </a:spcBef>
+                <a:spcAft>
+                  <a:spcPts val="0"/>
+                </a:spcAft>
+                <a:buClrTx/>
+                <a:buSzTx/>
+                <a:buFontTx/>
+                <a:buNone/>
+                <a:tabLst/>
+                <a:defRPr sz="11600" b="0" i="0" u="none" strike="noStrike" cap="all" spc="-116" baseline="0">
+                  <a:solidFill>
+                    <a:srgbClr val="00BFF3"/>
+                  </a:solidFill>
+                  <a:uFillTx/>
+                  <a:latin typeface="+mn-lt"/>
+                  <a:ea typeface="+mn-ea"/>
+                  <a:cs typeface="+mn-cs"/>
+                  <a:sym typeface="Druk Medium"/>
+                </a:defRPr>
+              </a:lvl5pPr>
+              <a:lvl6pPr marL="0" marR="0" indent="2286000" algn="l" defTabSz="825500" rtl="0" latinLnBrk="0">
+                <a:lnSpc>
+                  <a:spcPct val="80000"/>
+                </a:lnSpc>
+                <a:spcBef>
+                  <a:spcPts val="0"/>
+                </a:spcBef>
+                <a:spcAft>
+                  <a:spcPts val="0"/>
+                </a:spcAft>
+                <a:buClrTx/>
+                <a:buSzTx/>
+                <a:buFontTx/>
+                <a:buNone/>
+                <a:tabLst/>
+                <a:defRPr sz="11600" b="0" i="0" u="none" strike="noStrike" cap="all" spc="-116" baseline="0">
+                  <a:solidFill>
+                    <a:srgbClr val="00BFF3"/>
+                  </a:solidFill>
+                  <a:uFillTx/>
+                  <a:latin typeface="+mn-lt"/>
+                  <a:ea typeface="+mn-ea"/>
+                  <a:cs typeface="+mn-cs"/>
+                  <a:sym typeface="Druk Medium"/>
+                </a:defRPr>
+              </a:lvl6pPr>
+              <a:lvl7pPr marL="0" marR="0" indent="2743200" algn="l" defTabSz="825500" rtl="0" latinLnBrk="0">
+                <a:lnSpc>
+                  <a:spcPct val="80000"/>
+                </a:lnSpc>
+                <a:spcBef>
+                  <a:spcPts val="0"/>
+                </a:spcBef>
+                <a:spcAft>
+                  <a:spcPts val="0"/>
+                </a:spcAft>
+                <a:buClrTx/>
+                <a:buSzTx/>
+                <a:buFontTx/>
+                <a:buNone/>
+                <a:tabLst/>
+                <a:defRPr sz="11600" b="0" i="0" u="none" strike="noStrike" cap="all" spc="-116" baseline="0">
+                  <a:solidFill>
+                    <a:srgbClr val="00BFF3"/>
+                  </a:solidFill>
+                  <a:uFillTx/>
+                  <a:latin typeface="+mn-lt"/>
+                  <a:ea typeface="+mn-ea"/>
+                  <a:cs typeface="+mn-cs"/>
+                  <a:sym typeface="Druk Medium"/>
+                </a:defRPr>
+              </a:lvl7pPr>
+              <a:lvl8pPr marL="0" marR="0" indent="3200400" algn="l" defTabSz="825500" rtl="0" latinLnBrk="0">
+                <a:lnSpc>
+                  <a:spcPct val="80000"/>
+                </a:lnSpc>
+                <a:spcBef>
+                  <a:spcPts val="0"/>
+                </a:spcBef>
+                <a:spcAft>
+                  <a:spcPts val="0"/>
+                </a:spcAft>
+                <a:buClrTx/>
+                <a:buSzTx/>
+                <a:buFontTx/>
+                <a:buNone/>
+                <a:tabLst/>
+                <a:defRPr sz="11600" b="0" i="0" u="none" strike="noStrike" cap="all" spc="-116" baseline="0">
+                  <a:solidFill>
+                    <a:srgbClr val="00BFF3"/>
+                  </a:solidFill>
+                  <a:uFillTx/>
+                  <a:latin typeface="+mn-lt"/>
+                  <a:ea typeface="+mn-ea"/>
+                  <a:cs typeface="+mn-cs"/>
+                  <a:sym typeface="Druk Medium"/>
+                </a:defRPr>
+              </a:lvl8pPr>
+              <a:lvl9pPr marL="0" marR="0" indent="3657600" algn="l" defTabSz="825500" rtl="0" latinLnBrk="0">
+                <a:lnSpc>
+                  <a:spcPct val="80000"/>
+                </a:lnSpc>
+                <a:spcBef>
+                  <a:spcPts val="0"/>
+                </a:spcBef>
+                <a:spcAft>
+                  <a:spcPts val="0"/>
+                </a:spcAft>
+                <a:buClrTx/>
+                <a:buSzTx/>
+                <a:buFontTx/>
+                <a:buNone/>
+                <a:tabLst/>
+                <a:defRPr sz="11600" b="0" i="0" u="none" strike="noStrike" cap="all" spc="-116" baseline="0">
+                  <a:solidFill>
+                    <a:srgbClr val="00BFF3"/>
+                  </a:solidFill>
+                  <a:uFillTx/>
+                  <a:latin typeface="+mn-lt"/>
+                  <a:ea typeface="+mn-ea"/>
+                  <a:cs typeface="+mn-cs"/>
+                  <a:sym typeface="Druk Medium"/>
+                </a:defRPr>
+              </a:lvl9pPr>
+            </a:lstStyle>
+            <a:p>
+              <a:pPr algn="ctr" hangingPunct="1"/>
+              <a:r>
+                <a:rPr lang="en-GB" sz="8000" b="1" dirty="0"/>
+                <a:t>LAN</a:t>
+              </a:r>
+            </a:p>
+          </p:txBody>
+        </p:sp>
+        <p:sp>
+          <p:nvSpPr>
+            <p:cNvPr id="29" name="Your exam">
+              <a:extLst>
+                <a:ext uri="{FF2B5EF4-FFF2-40B4-BE49-F238E27FC236}">
+                  <a16:creationId xmlns:a16="http://schemas.microsoft.com/office/drawing/2014/main" id="{D6AC4D03-525D-0552-95C2-252DC82616D2}"/>
+                </a:ext>
+              </a:extLst>
+            </p:cNvPr>
+            <p:cNvSpPr txBox="1">
+              <a:spLocks/>
+            </p:cNvSpPr>
+            <p:nvPr/>
+          </p:nvSpPr>
+          <p:spPr>
+            <a:xfrm>
+              <a:off x="18804331" y="5431034"/>
+              <a:ext cx="2886974" cy="1557971"/>
+            </a:xfrm>
+            <a:prstGeom prst="rect">
+              <a:avLst/>
+            </a:prstGeom>
+            <a:ln w="12700">
+              <a:miter lim="400000"/>
+            </a:ln>
+            <a:extLst>
+              <a:ext uri="{C572A759-6A51-4108-AA02-DFA0A04FC94B}">
+                <ma14:wrappingTextBoxFlag xmlns="" xmlns:m="http://schemas.openxmlformats.org/officeDocument/2006/math" xmlns:a14="http://schemas.microsoft.com/office/drawing/2010/main" xmlns:ma14="http://schemas.microsoft.com/office/mac/drawingml/2011/main" val="1"/>
+              </a:ext>
+            </a:extLst>
+          </p:spPr>
+          <p:txBody>
+            <a:bodyPr lIns="50800" tIns="50800" rIns="50800" bIns="50800" anchor="ctr">
+              <a:normAutofit/>
+            </a:bodyPr>
+            <a:lstStyle>
+              <a:lvl1pPr marL="0" marR="0" indent="0" algn="l" defTabSz="825500" rtl="0" latinLnBrk="0">
+                <a:lnSpc>
+                  <a:spcPct val="80000"/>
+                </a:lnSpc>
+                <a:spcBef>
+                  <a:spcPts val="0"/>
+                </a:spcBef>
+                <a:spcAft>
+                  <a:spcPts val="0"/>
+                </a:spcAft>
+                <a:buClrTx/>
+                <a:buSzTx/>
+                <a:buFontTx/>
+                <a:buNone/>
+                <a:tabLst/>
+                <a:defRPr sz="14000" b="0" i="0" u="none" strike="noStrike" cap="all" spc="-140" baseline="0">
+                  <a:solidFill>
+                    <a:srgbClr val="FFFFFF"/>
+                  </a:solidFill>
+                  <a:uFillTx/>
+                  <a:latin typeface="+mn-lt"/>
+                  <a:ea typeface="+mn-ea"/>
+                  <a:cs typeface="+mn-cs"/>
+                  <a:sym typeface="Druk Medium"/>
+                </a:defRPr>
+              </a:lvl1pPr>
+              <a:lvl2pPr marL="0" marR="0" indent="457200" algn="l" defTabSz="825500" rtl="0" latinLnBrk="0">
+                <a:lnSpc>
+                  <a:spcPct val="80000"/>
+                </a:lnSpc>
+                <a:spcBef>
+                  <a:spcPts val="0"/>
+                </a:spcBef>
+                <a:spcAft>
+                  <a:spcPts val="0"/>
+                </a:spcAft>
+                <a:buClrTx/>
+                <a:buSzTx/>
+                <a:buFontTx/>
+                <a:buNone/>
+                <a:tabLst/>
+                <a:defRPr sz="11600" b="0" i="0" u="none" strike="noStrike" cap="all" spc="-116" baseline="0">
+                  <a:solidFill>
+                    <a:srgbClr val="00BFF3"/>
+                  </a:solidFill>
+                  <a:uFillTx/>
+                  <a:latin typeface="+mn-lt"/>
+                  <a:ea typeface="+mn-ea"/>
+                  <a:cs typeface="+mn-cs"/>
+                  <a:sym typeface="Druk Medium"/>
+                </a:defRPr>
+              </a:lvl2pPr>
+              <a:lvl3pPr marL="0" marR="0" indent="914400" algn="l" defTabSz="825500" rtl="0" latinLnBrk="0">
+                <a:lnSpc>
+                  <a:spcPct val="80000"/>
+                </a:lnSpc>
+                <a:spcBef>
+                  <a:spcPts val="0"/>
+                </a:spcBef>
+                <a:spcAft>
+                  <a:spcPts val="0"/>
+                </a:spcAft>
+                <a:buClrTx/>
+                <a:buSzTx/>
+                <a:buFontTx/>
+                <a:buNone/>
+                <a:tabLst/>
+                <a:defRPr sz="11600" b="0" i="0" u="none" strike="noStrike" cap="all" spc="-116" baseline="0">
+                  <a:solidFill>
+                    <a:srgbClr val="00BFF3"/>
+                  </a:solidFill>
+                  <a:uFillTx/>
+                  <a:latin typeface="+mn-lt"/>
+                  <a:ea typeface="+mn-ea"/>
+                  <a:cs typeface="+mn-cs"/>
+                  <a:sym typeface="Druk Medium"/>
+                </a:defRPr>
+              </a:lvl3pPr>
+              <a:lvl4pPr marL="0" marR="0" indent="1371600" algn="l" defTabSz="825500" rtl="0" latinLnBrk="0">
+                <a:lnSpc>
+                  <a:spcPct val="80000"/>
+                </a:lnSpc>
+                <a:spcBef>
+                  <a:spcPts val="0"/>
+                </a:spcBef>
+                <a:spcAft>
+                  <a:spcPts val="0"/>
+                </a:spcAft>
+                <a:buClrTx/>
+                <a:buSzTx/>
+                <a:buFontTx/>
+                <a:buNone/>
+                <a:tabLst/>
+                <a:defRPr sz="11600" b="0" i="0" u="none" strike="noStrike" cap="all" spc="-116" baseline="0">
+                  <a:solidFill>
+                    <a:srgbClr val="00BFF3"/>
+                  </a:solidFill>
+                  <a:uFillTx/>
+                  <a:latin typeface="+mn-lt"/>
+                  <a:ea typeface="+mn-ea"/>
+                  <a:cs typeface="+mn-cs"/>
+                  <a:sym typeface="Druk Medium"/>
+                </a:defRPr>
+              </a:lvl4pPr>
+              <a:lvl5pPr marL="0" marR="0" indent="1828800" algn="l" defTabSz="825500" rtl="0" latinLnBrk="0">
+                <a:lnSpc>
+                  <a:spcPct val="80000"/>
+                </a:lnSpc>
+                <a:spcBef>
+                  <a:spcPts val="0"/>
+                </a:spcBef>
+                <a:spcAft>
+                  <a:spcPts val="0"/>
+                </a:spcAft>
+                <a:buClrTx/>
+                <a:buSzTx/>
+                <a:buFontTx/>
+                <a:buNone/>
+                <a:tabLst/>
+                <a:defRPr sz="11600" b="0" i="0" u="none" strike="noStrike" cap="all" spc="-116" baseline="0">
+                  <a:solidFill>
+                    <a:srgbClr val="00BFF3"/>
+                  </a:solidFill>
+                  <a:uFillTx/>
+                  <a:latin typeface="+mn-lt"/>
+                  <a:ea typeface="+mn-ea"/>
+                  <a:cs typeface="+mn-cs"/>
+                  <a:sym typeface="Druk Medium"/>
+                </a:defRPr>
+              </a:lvl5pPr>
+              <a:lvl6pPr marL="0" marR="0" indent="2286000" algn="l" defTabSz="825500" rtl="0" latinLnBrk="0">
+                <a:lnSpc>
+                  <a:spcPct val="80000"/>
+                </a:lnSpc>
+                <a:spcBef>
+                  <a:spcPts val="0"/>
+                </a:spcBef>
+                <a:spcAft>
+                  <a:spcPts val="0"/>
+                </a:spcAft>
+                <a:buClrTx/>
+                <a:buSzTx/>
+                <a:buFontTx/>
+                <a:buNone/>
+                <a:tabLst/>
+                <a:defRPr sz="11600" b="0" i="0" u="none" strike="noStrike" cap="all" spc="-116" baseline="0">
+                  <a:solidFill>
+                    <a:srgbClr val="00BFF3"/>
+                  </a:solidFill>
+                  <a:uFillTx/>
+                  <a:latin typeface="+mn-lt"/>
+                  <a:ea typeface="+mn-ea"/>
+                  <a:cs typeface="+mn-cs"/>
+                  <a:sym typeface="Druk Medium"/>
+                </a:defRPr>
+              </a:lvl6pPr>
+              <a:lvl7pPr marL="0" marR="0" indent="2743200" algn="l" defTabSz="825500" rtl="0" latinLnBrk="0">
+                <a:lnSpc>
+                  <a:spcPct val="80000"/>
+                </a:lnSpc>
+                <a:spcBef>
+                  <a:spcPts val="0"/>
+                </a:spcBef>
+                <a:spcAft>
+                  <a:spcPts val="0"/>
+                </a:spcAft>
+                <a:buClrTx/>
+                <a:buSzTx/>
+                <a:buFontTx/>
+                <a:buNone/>
+                <a:tabLst/>
+                <a:defRPr sz="11600" b="0" i="0" u="none" strike="noStrike" cap="all" spc="-116" baseline="0">
+                  <a:solidFill>
+                    <a:srgbClr val="00BFF3"/>
+                  </a:solidFill>
+                  <a:uFillTx/>
+                  <a:latin typeface="+mn-lt"/>
+                  <a:ea typeface="+mn-ea"/>
+                  <a:cs typeface="+mn-cs"/>
+                  <a:sym typeface="Druk Medium"/>
+                </a:defRPr>
+              </a:lvl7pPr>
+              <a:lvl8pPr marL="0" marR="0" indent="3200400" algn="l" defTabSz="825500" rtl="0" latinLnBrk="0">
+                <a:lnSpc>
+                  <a:spcPct val="80000"/>
+                </a:lnSpc>
+                <a:spcBef>
+                  <a:spcPts val="0"/>
+                </a:spcBef>
+                <a:spcAft>
+                  <a:spcPts val="0"/>
+                </a:spcAft>
+                <a:buClrTx/>
+                <a:buSzTx/>
+                <a:buFontTx/>
+                <a:buNone/>
+                <a:tabLst/>
+                <a:defRPr sz="11600" b="0" i="0" u="none" strike="noStrike" cap="all" spc="-116" baseline="0">
+                  <a:solidFill>
+                    <a:srgbClr val="00BFF3"/>
+                  </a:solidFill>
+                  <a:uFillTx/>
+                  <a:latin typeface="+mn-lt"/>
+                  <a:ea typeface="+mn-ea"/>
+                  <a:cs typeface="+mn-cs"/>
+                  <a:sym typeface="Druk Medium"/>
+                </a:defRPr>
+              </a:lvl8pPr>
+              <a:lvl9pPr marL="0" marR="0" indent="3657600" algn="l" defTabSz="825500" rtl="0" latinLnBrk="0">
+                <a:lnSpc>
+                  <a:spcPct val="80000"/>
+                </a:lnSpc>
+                <a:spcBef>
+                  <a:spcPts val="0"/>
+                </a:spcBef>
+                <a:spcAft>
+                  <a:spcPts val="0"/>
+                </a:spcAft>
+                <a:buClrTx/>
+                <a:buSzTx/>
+                <a:buFontTx/>
+                <a:buNone/>
+                <a:tabLst/>
+                <a:defRPr sz="11600" b="0" i="0" u="none" strike="noStrike" cap="all" spc="-116" baseline="0">
+                  <a:solidFill>
+                    <a:srgbClr val="00BFF3"/>
+                  </a:solidFill>
+                  <a:uFillTx/>
+                  <a:latin typeface="+mn-lt"/>
+                  <a:ea typeface="+mn-ea"/>
+                  <a:cs typeface="+mn-cs"/>
+                  <a:sym typeface="Druk Medium"/>
+                </a:defRPr>
+              </a:lvl9pPr>
+            </a:lstStyle>
+            <a:p>
+              <a:pPr algn="ctr" hangingPunct="1"/>
+              <a:r>
+                <a:rPr lang="en-GB" sz="8000" b="1" dirty="0"/>
+                <a:t>WAN</a:t>
+              </a:r>
+            </a:p>
+          </p:txBody>
+        </p:sp>
+      </p:grpSp>
+      <p:grpSp>
+        <p:nvGrpSpPr>
+          <p:cNvPr id="31" name="Group 30">
             <a:extLst>
               <a:ext uri="{FF2B5EF4-FFF2-40B4-BE49-F238E27FC236}">
-                <a16:creationId xmlns:a16="http://schemas.microsoft.com/office/drawing/2014/main" id="{AD6B0E1C-B0D8-A418-9244-9CC0C29D448D}"/>
+                <a16:creationId xmlns:a16="http://schemas.microsoft.com/office/drawing/2014/main" id="{646C0C70-2B32-A2E9-0D06-E1CEDBA8A00E}"/>
               </a:ext>
             </a:extLst>
           </p:cNvPr>
-          <p:cNvPicPr>
-            <a:picLocks noChangeAspect="1"/>
-          </p:cNvPicPr>
+          <p:cNvGrpSpPr/>
           <p:nvPr/>
-        </p:nvPicPr>
-        <p:blipFill>
-          <a:blip r:embed="rId5">
+        </p:nvGrpSpPr>
+        <p:grpSpPr>
+          <a:xfrm>
+            <a:off x="11265821" y="2804333"/>
+            <a:ext cx="5020424" cy="4757407"/>
+            <a:chOff x="11265821" y="2804333"/>
+            <a:chExt cx="5020424" cy="4757407"/>
+          </a:xfrm>
+        </p:grpSpPr>
+        <p:pic>
+          <p:nvPicPr>
+            <p:cNvPr id="4" name="Graphic 3" descr="Full Brick Wall with solid fill">
+              <a:extLst>
+                <a:ext uri="{FF2B5EF4-FFF2-40B4-BE49-F238E27FC236}">
+                  <a16:creationId xmlns:a16="http://schemas.microsoft.com/office/drawing/2014/main" id="{9784331B-33C9-BA3D-2FF9-3EC1FEE47AB5}"/>
+                </a:ext>
+              </a:extLst>
+            </p:cNvPr>
+            <p:cNvPicPr>
+              <a:picLocks noChangeAspect="1"/>
+            </p:cNvPicPr>
+            <p:nvPr/>
+          </p:nvPicPr>
+          <p:blipFill>
+            <a:blip r:embed="rId13">
+              <a:extLst>
+                <a:ext uri="{28A0092B-C50C-407E-A947-70E740481C1C}">
+                  <a14:useLocalDpi xmlns:a14="http://schemas.microsoft.com/office/drawing/2010/main" val="0"/>
+                </a:ext>
+                <a:ext uri="{96DAC541-7B7A-43D3-8B79-37D633B846F1}">
+                  <asvg:svgBlip xmlns:asvg="http://schemas.microsoft.com/office/drawing/2016/SVG/main" r:embed="rId14"/>
+                </a:ext>
+              </a:extLst>
+            </a:blip>
+            <a:stretch>
+              <a:fillRect/>
+            </a:stretch>
+          </p:blipFill>
+          <p:spPr>
+            <a:xfrm>
+              <a:off x="11702205" y="3414084"/>
+              <a:ext cx="4147656" cy="4147656"/>
+            </a:xfrm>
+            <a:prstGeom prst="rect">
+              <a:avLst/>
+            </a:prstGeom>
+          </p:spPr>
+        </p:pic>
+        <p:sp>
+          <p:nvSpPr>
+            <p:cNvPr id="30" name="Your exam">
+              <a:extLst>
+                <a:ext uri="{FF2B5EF4-FFF2-40B4-BE49-F238E27FC236}">
+                  <a16:creationId xmlns:a16="http://schemas.microsoft.com/office/drawing/2014/main" id="{E0935C3F-E9D4-B092-CE09-2D772E56DB12}"/>
+                </a:ext>
+              </a:extLst>
+            </p:cNvPr>
+            <p:cNvSpPr txBox="1">
+              <a:spLocks/>
+            </p:cNvSpPr>
+            <p:nvPr/>
+          </p:nvSpPr>
+          <p:spPr>
+            <a:xfrm>
+              <a:off x="11265821" y="2804333"/>
+              <a:ext cx="5020424" cy="1557971"/>
+            </a:xfrm>
+            <a:prstGeom prst="rect">
+              <a:avLst/>
+            </a:prstGeom>
+            <a:ln w="12700">
+              <a:miter lim="400000"/>
+            </a:ln>
             <a:extLst>
-              <a:ext uri="{28A0092B-C50C-407E-A947-70E740481C1C}">
-                <a14:useLocalDpi xmlns:a14="http://schemas.microsoft.com/office/drawing/2010/main" val="0"/>
-              </a:ext>
-              <a:ext uri="{96DAC541-7B7A-43D3-8B79-37D633B846F1}">
-                <asvg:svgBlip xmlns:asvg="http://schemas.microsoft.com/office/drawing/2016/SVG/main" r:embed="rId6"/>
+              <a:ext uri="{C572A759-6A51-4108-AA02-DFA0A04FC94B}">
+                <ma14:wrappingTextBoxFlag xmlns="" xmlns:m="http://schemas.openxmlformats.org/officeDocument/2006/math" xmlns:a14="http://schemas.microsoft.com/office/drawing/2010/main" xmlns:ma14="http://schemas.microsoft.com/office/mac/drawingml/2011/main" val="1"/>
               </a:ext>
             </a:extLst>
-          </a:blip>
-          <a:stretch>
-            <a:fillRect/>
-          </a:stretch>
-        </p:blipFill>
-        <p:spPr>
-          <a:xfrm>
-            <a:off x="17599197" y="2309403"/>
-            <a:ext cx="5592319" cy="5592319"/>
-          </a:xfrm>
-          <a:prstGeom prst="rect">
-            <a:avLst/>
-          </a:prstGeom>
-        </p:spPr>
-      </p:pic>
-      <p:pic>
-        <p:nvPicPr>
-          <p:cNvPr id="8" name="Graphic 7" descr="Laptop with solid fill">
-            <a:extLst>
-              <a:ext uri="{FF2B5EF4-FFF2-40B4-BE49-F238E27FC236}">
-                <a16:creationId xmlns:a16="http://schemas.microsoft.com/office/drawing/2014/main" id="{56235AD1-722D-6FB8-CB33-E4A5B4E0E597}"/>
-              </a:ext>
-            </a:extLst>
-          </p:cNvPr>
-          <p:cNvPicPr>
-            <a:picLocks noChangeAspect="1"/>
-          </p:cNvPicPr>
-          <p:nvPr/>
-        </p:nvPicPr>
-        <p:blipFill>
-          <a:blip r:embed="rId7">
-            <a:extLst>
-              <a:ext uri="{28A0092B-C50C-407E-A947-70E740481C1C}">
-                <a14:useLocalDpi xmlns:a14="http://schemas.microsoft.com/office/drawing/2010/main" val="0"/>
-              </a:ext>
-              <a:ext uri="{96DAC541-7B7A-43D3-8B79-37D633B846F1}">
-                <asvg:svgBlip xmlns:asvg="http://schemas.microsoft.com/office/drawing/2016/SVG/main" r:embed="rId8"/>
-              </a:ext>
-            </a:extLst>
-          </a:blip>
-          <a:stretch>
-            <a:fillRect/>
-          </a:stretch>
-        </p:blipFill>
-        <p:spPr>
-          <a:xfrm>
-            <a:off x="1979654" y="6179789"/>
-            <a:ext cx="1721933" cy="1721933"/>
-          </a:xfrm>
-          <a:prstGeom prst="rect">
-            <a:avLst/>
-          </a:prstGeom>
-        </p:spPr>
-      </p:pic>
-      <p:pic>
-        <p:nvPicPr>
-          <p:cNvPr id="10" name="Graphic 9" descr="Smart Phone with solid fill">
-            <a:extLst>
-              <a:ext uri="{FF2B5EF4-FFF2-40B4-BE49-F238E27FC236}">
-                <a16:creationId xmlns:a16="http://schemas.microsoft.com/office/drawing/2014/main" id="{F84060B0-5C29-87D7-3BF2-DA600952E53F}"/>
-              </a:ext>
-            </a:extLst>
-          </p:cNvPr>
-          <p:cNvPicPr>
-            <a:picLocks noChangeAspect="1"/>
-          </p:cNvPicPr>
-          <p:nvPr/>
-        </p:nvPicPr>
-        <p:blipFill>
-          <a:blip r:embed="rId9">
-            <a:extLst>
-              <a:ext uri="{28A0092B-C50C-407E-A947-70E740481C1C}">
-                <a14:useLocalDpi xmlns:a14="http://schemas.microsoft.com/office/drawing/2010/main" val="0"/>
-              </a:ext>
-              <a:ext uri="{96DAC541-7B7A-43D3-8B79-37D633B846F1}">
-                <asvg:svgBlip xmlns:asvg="http://schemas.microsoft.com/office/drawing/2016/SVG/main" r:embed="rId10"/>
-              </a:ext>
-            </a:extLst>
-          </a:blip>
-          <a:stretch>
-            <a:fillRect/>
-          </a:stretch>
-        </p:blipFill>
-        <p:spPr>
-          <a:xfrm>
-            <a:off x="2033089" y="4383979"/>
-            <a:ext cx="1615065" cy="1615065"/>
-          </a:xfrm>
-          <a:prstGeom prst="rect">
-            <a:avLst/>
-          </a:prstGeom>
-        </p:spPr>
-      </p:pic>
-      <p:pic>
-        <p:nvPicPr>
-          <p:cNvPr id="12" name="Graphic 11" descr="Server with solid fill">
-            <a:extLst>
-              <a:ext uri="{FF2B5EF4-FFF2-40B4-BE49-F238E27FC236}">
-                <a16:creationId xmlns:a16="http://schemas.microsoft.com/office/drawing/2014/main" id="{1E894DB9-942A-66E2-9B27-C82F1119DAA2}"/>
-              </a:ext>
-            </a:extLst>
-          </p:cNvPr>
-          <p:cNvPicPr>
-            <a:picLocks noChangeAspect="1"/>
-          </p:cNvPicPr>
-          <p:nvPr/>
-        </p:nvPicPr>
-        <p:blipFill>
-          <a:blip r:embed="rId11">
-            <a:extLst>
-              <a:ext uri="{28A0092B-C50C-407E-A947-70E740481C1C}">
-                <a14:useLocalDpi xmlns:a14="http://schemas.microsoft.com/office/drawing/2010/main" val="0"/>
-              </a:ext>
-              <a:ext uri="{96DAC541-7B7A-43D3-8B79-37D633B846F1}">
-                <asvg:svgBlip xmlns:asvg="http://schemas.microsoft.com/office/drawing/2016/SVG/main" r:embed="rId12"/>
-              </a:ext>
-            </a:extLst>
-          </a:blip>
-          <a:stretch>
-            <a:fillRect/>
-          </a:stretch>
-        </p:blipFill>
-        <p:spPr>
-          <a:xfrm>
-            <a:off x="7524751" y="3867202"/>
-            <a:ext cx="2648621" cy="2648621"/>
-          </a:xfrm>
-          <a:prstGeom prst="rect">
-            <a:avLst/>
-          </a:prstGeom>
-        </p:spPr>
-      </p:pic>
-      <p:pic>
-        <p:nvPicPr>
-          <p:cNvPr id="14" name="Graphic 13" descr="Monitor with solid fill">
-            <a:extLst>
-              <a:ext uri="{FF2B5EF4-FFF2-40B4-BE49-F238E27FC236}">
-                <a16:creationId xmlns:a16="http://schemas.microsoft.com/office/drawing/2014/main" id="{ABF3F909-5BB3-4547-5973-928C11DF92F5}"/>
-              </a:ext>
-            </a:extLst>
-          </p:cNvPr>
-          <p:cNvPicPr>
-            <a:picLocks noChangeAspect="1"/>
-          </p:cNvPicPr>
-          <p:nvPr/>
-        </p:nvPicPr>
-        <p:blipFill>
-          <a:blip r:embed="rId13">
-            <a:extLst>
-              <a:ext uri="{28A0092B-C50C-407E-A947-70E740481C1C}">
-                <a14:useLocalDpi xmlns:a14="http://schemas.microsoft.com/office/drawing/2010/main" val="0"/>
-              </a:ext>
-              <a:ext uri="{96DAC541-7B7A-43D3-8B79-37D633B846F1}">
-                <asvg:svgBlip xmlns:asvg="http://schemas.microsoft.com/office/drawing/2016/SVG/main" r:embed="rId14"/>
-              </a:ext>
-            </a:extLst>
-          </a:blip>
-          <a:stretch>
-            <a:fillRect/>
-          </a:stretch>
-        </p:blipFill>
-        <p:spPr>
-          <a:xfrm>
-            <a:off x="2033089" y="2632895"/>
-            <a:ext cx="1615066" cy="1615066"/>
-          </a:xfrm>
-          <a:prstGeom prst="rect">
-            <a:avLst/>
-          </a:prstGeom>
-        </p:spPr>
-      </p:pic>
-      <p:cxnSp>
-        <p:nvCxnSpPr>
-          <p:cNvPr id="16" name="Straight Connector 15">
-            <a:extLst>
-              <a:ext uri="{FF2B5EF4-FFF2-40B4-BE49-F238E27FC236}">
-                <a16:creationId xmlns:a16="http://schemas.microsoft.com/office/drawing/2014/main" id="{995DE5C4-24C2-BFED-F16A-3C6D7F0649D9}"/>
-              </a:ext>
-            </a:extLst>
-          </p:cNvPr>
-          <p:cNvCxnSpPr>
-            <a:stCxn id="10" idx="3"/>
-            <a:endCxn id="12" idx="1"/>
-          </p:cNvCxnSpPr>
-          <p:nvPr/>
-        </p:nvCxnSpPr>
-        <p:spPr>
-          <a:xfrm>
-            <a:off x="3648154" y="5191512"/>
-            <a:ext cx="3876597" cy="1"/>
-          </a:xfrm>
-          <a:prstGeom prst="line">
-            <a:avLst/>
-          </a:prstGeom>
-          <a:noFill/>
-          <a:ln w="57150" cap="flat">
-            <a:solidFill>
-              <a:srgbClr val="000000"/>
-            </a:solidFill>
-            <a:prstDash val="solid"/>
-            <a:miter lim="400000"/>
-          </a:ln>
-          <a:effectLst/>
-          <a:sp3d/>
-        </p:spPr>
-        <p:style>
-          <a:lnRef idx="0">
-            <a:scrgbClr r="0" g="0" b="0"/>
-          </a:lnRef>
-          <a:fillRef idx="0">
-            <a:scrgbClr r="0" g="0" b="0"/>
-          </a:fillRef>
-          <a:effectRef idx="0">
-            <a:scrgbClr r="0" g="0" b="0"/>
-          </a:effectRef>
-          <a:fontRef idx="none"/>
-        </p:style>
-      </p:cxnSp>
-      <p:cxnSp>
-        <p:nvCxnSpPr>
-          <p:cNvPr id="19" name="Straight Connector 18">
-            <a:extLst>
-              <a:ext uri="{FF2B5EF4-FFF2-40B4-BE49-F238E27FC236}">
-                <a16:creationId xmlns:a16="http://schemas.microsoft.com/office/drawing/2014/main" id="{E6F96DAA-892F-E4B6-1ED5-523EDF61364B}"/>
-              </a:ext>
-            </a:extLst>
-          </p:cNvPr>
-          <p:cNvCxnSpPr>
-            <a:stCxn id="14" idx="3"/>
-            <a:endCxn id="12" idx="1"/>
-          </p:cNvCxnSpPr>
-          <p:nvPr/>
-        </p:nvCxnSpPr>
-        <p:spPr>
-          <a:xfrm>
-            <a:off x="3648155" y="3440428"/>
-            <a:ext cx="3876596" cy="1751085"/>
-          </a:xfrm>
-          <a:prstGeom prst="line">
-            <a:avLst/>
-          </a:prstGeom>
-          <a:noFill/>
-          <a:ln w="57150" cap="flat">
-            <a:solidFill>
-              <a:srgbClr val="000000"/>
-            </a:solidFill>
-            <a:prstDash val="solid"/>
-            <a:miter lim="400000"/>
-          </a:ln>
-          <a:effectLst/>
-          <a:sp3d/>
-        </p:spPr>
-        <p:style>
-          <a:lnRef idx="0">
-            <a:scrgbClr r="0" g="0" b="0"/>
-          </a:lnRef>
-          <a:fillRef idx="0">
-            <a:scrgbClr r="0" g="0" b="0"/>
-          </a:fillRef>
-          <a:effectRef idx="0">
-            <a:scrgbClr r="0" g="0" b="0"/>
-          </a:effectRef>
-          <a:fontRef idx="none"/>
-        </p:style>
-      </p:cxnSp>
-      <p:cxnSp>
-        <p:nvCxnSpPr>
-          <p:cNvPr id="21" name="Straight Connector 20">
-            <a:extLst>
-              <a:ext uri="{FF2B5EF4-FFF2-40B4-BE49-F238E27FC236}">
-                <a16:creationId xmlns:a16="http://schemas.microsoft.com/office/drawing/2014/main" id="{0511ED81-1A77-9A6E-AC97-16D133EA84C5}"/>
-              </a:ext>
-            </a:extLst>
-          </p:cNvPr>
-          <p:cNvCxnSpPr>
-            <a:stCxn id="8" idx="3"/>
-            <a:endCxn id="12" idx="1"/>
-          </p:cNvCxnSpPr>
-          <p:nvPr/>
-        </p:nvCxnSpPr>
-        <p:spPr>
-          <a:xfrm flipV="1">
-            <a:off x="3701587" y="5191513"/>
-            <a:ext cx="3823164" cy="1849243"/>
-          </a:xfrm>
-          <a:prstGeom prst="line">
-            <a:avLst/>
-          </a:prstGeom>
-          <a:noFill/>
-          <a:ln w="57150" cap="flat">
-            <a:solidFill>
-              <a:srgbClr val="000000"/>
-            </a:solidFill>
-            <a:prstDash val="solid"/>
-            <a:miter lim="400000"/>
-          </a:ln>
-          <a:effectLst/>
-          <a:sp3d/>
-        </p:spPr>
-        <p:style>
-          <a:lnRef idx="0">
-            <a:scrgbClr r="0" g="0" b="0"/>
-          </a:lnRef>
-          <a:fillRef idx="0">
-            <a:scrgbClr r="0" g="0" b="0"/>
-          </a:fillRef>
-          <a:effectRef idx="0">
-            <a:scrgbClr r="0" g="0" b="0"/>
-          </a:effectRef>
-          <a:fontRef idx="none"/>
-        </p:style>
-      </p:cxnSp>
-      <p:cxnSp>
-        <p:nvCxnSpPr>
-          <p:cNvPr id="26" name="Straight Connector 25">
-            <a:extLst>
-              <a:ext uri="{FF2B5EF4-FFF2-40B4-BE49-F238E27FC236}">
-                <a16:creationId xmlns:a16="http://schemas.microsoft.com/office/drawing/2014/main" id="{3807744F-9D1D-2F8F-77C5-708368C0A91F}"/>
-              </a:ext>
-            </a:extLst>
-          </p:cNvPr>
-          <p:cNvCxnSpPr>
-            <a:stCxn id="12" idx="3"/>
-            <a:endCxn id="6" idx="1"/>
-          </p:cNvCxnSpPr>
-          <p:nvPr/>
-        </p:nvCxnSpPr>
-        <p:spPr>
-          <a:xfrm flipV="1">
-            <a:off x="10173372" y="5105563"/>
-            <a:ext cx="7425825" cy="85950"/>
-          </a:xfrm>
-          <a:prstGeom prst="line">
-            <a:avLst/>
-          </a:prstGeom>
-          <a:noFill/>
-          <a:ln w="57150" cap="flat">
-            <a:solidFill>
-              <a:srgbClr val="000000"/>
-            </a:solidFill>
-            <a:prstDash val="solid"/>
-            <a:miter lim="400000"/>
-          </a:ln>
-          <a:effectLst/>
-          <a:sp3d/>
-        </p:spPr>
-        <p:style>
-          <a:lnRef idx="0">
-            <a:scrgbClr r="0" g="0" b="0"/>
-          </a:lnRef>
-          <a:fillRef idx="0">
-            <a:scrgbClr r="0" g="0" b="0"/>
-          </a:fillRef>
-          <a:effectRef idx="0">
-            <a:scrgbClr r="0" g="0" b="0"/>
-          </a:effectRef>
-          <a:fontRef idx="none"/>
-        </p:style>
-      </p:cxnSp>
-      <p:sp>
-        <p:nvSpPr>
-          <p:cNvPr id="28" name="Your exam">
-            <a:extLst>
-              <a:ext uri="{FF2B5EF4-FFF2-40B4-BE49-F238E27FC236}">
-                <a16:creationId xmlns:a16="http://schemas.microsoft.com/office/drawing/2014/main" id="{E54DA51F-9093-7572-8AA4-0481F3FD2B26}"/>
-              </a:ext>
-            </a:extLst>
-          </p:cNvPr>
-          <p:cNvSpPr txBox="1">
-            <a:spLocks/>
-          </p:cNvSpPr>
-          <p:nvPr/>
-        </p:nvSpPr>
-        <p:spPr>
-          <a:xfrm>
-            <a:off x="5078738" y="6135064"/>
-            <a:ext cx="2886974" cy="1557971"/>
-          </a:xfrm>
-          <a:prstGeom prst="rect">
-            <a:avLst/>
-          </a:prstGeom>
-          <a:ln w="12700">
-            <a:miter lim="400000"/>
-          </a:ln>
-          <a:extLst>
-            <a:ext uri="{C572A759-6A51-4108-AA02-DFA0A04FC94B}">
-              <ma14:wrappingTextBoxFlag xmlns="" xmlns:m="http://schemas.openxmlformats.org/officeDocument/2006/math" xmlns:a14="http://schemas.microsoft.com/office/drawing/2010/main" xmlns:ma14="http://schemas.microsoft.com/office/mac/drawingml/2011/main" val="1"/>
-            </a:ext>
-          </a:extLst>
-        </p:spPr>
-        <p:txBody>
-          <a:bodyPr lIns="50800" tIns="50800" rIns="50800" bIns="50800" anchor="ctr">
-            <a:normAutofit/>
-          </a:bodyPr>
-          <a:lstStyle>
-            <a:lvl1pPr marL="0" marR="0" indent="0" algn="l" defTabSz="825500" rtl="0" latinLnBrk="0">
-              <a:lnSpc>
-                <a:spcPct val="80000"/>
-              </a:lnSpc>
-              <a:spcBef>
-                <a:spcPts val="0"/>
-              </a:spcBef>
-              <a:spcAft>
-                <a:spcPts val="0"/>
-              </a:spcAft>
-              <a:buClrTx/>
-              <a:buSzTx/>
-              <a:buFontTx/>
-              <a:buNone/>
-              <a:tabLst/>
-              <a:defRPr sz="14000" b="0" i="0" u="none" strike="noStrike" cap="all" spc="-140" baseline="0">
-                <a:solidFill>
-                  <a:srgbClr val="FFFFFF"/>
-                </a:solidFill>
-                <a:uFillTx/>
-                <a:latin typeface="+mn-lt"/>
-                <a:ea typeface="+mn-ea"/>
-                <a:cs typeface="+mn-cs"/>
-                <a:sym typeface="Druk Medium"/>
-              </a:defRPr>
-            </a:lvl1pPr>
-            <a:lvl2pPr marL="0" marR="0" indent="457200" algn="l" defTabSz="825500" rtl="0" latinLnBrk="0">
-              <a:lnSpc>
-                <a:spcPct val="80000"/>
-              </a:lnSpc>
-              <a:spcBef>
-                <a:spcPts val="0"/>
-              </a:spcBef>
-              <a:spcAft>
-                <a:spcPts val="0"/>
-              </a:spcAft>
-              <a:buClrTx/>
-              <a:buSzTx/>
-              <a:buFontTx/>
-              <a:buNone/>
-              <a:tabLst/>
-              <a:defRPr sz="11600" b="0" i="0" u="none" strike="noStrike" cap="all" spc="-116" baseline="0">
-                <a:solidFill>
-                  <a:srgbClr val="00BFF3"/>
-                </a:solidFill>
-                <a:uFillTx/>
-                <a:latin typeface="+mn-lt"/>
-                <a:ea typeface="+mn-ea"/>
-                <a:cs typeface="+mn-cs"/>
-                <a:sym typeface="Druk Medium"/>
-              </a:defRPr>
-            </a:lvl2pPr>
-            <a:lvl3pPr marL="0" marR="0" indent="914400" algn="l" defTabSz="825500" rtl="0" latinLnBrk="0">
-              <a:lnSpc>
-                <a:spcPct val="80000"/>
-              </a:lnSpc>
-              <a:spcBef>
-                <a:spcPts val="0"/>
-              </a:spcBef>
-              <a:spcAft>
-                <a:spcPts val="0"/>
-              </a:spcAft>
-              <a:buClrTx/>
-              <a:buSzTx/>
-              <a:buFontTx/>
-              <a:buNone/>
-              <a:tabLst/>
-              <a:defRPr sz="11600" b="0" i="0" u="none" strike="noStrike" cap="all" spc="-116" baseline="0">
-                <a:solidFill>
-                  <a:srgbClr val="00BFF3"/>
-                </a:solidFill>
-                <a:uFillTx/>
-                <a:latin typeface="+mn-lt"/>
-                <a:ea typeface="+mn-ea"/>
-                <a:cs typeface="+mn-cs"/>
-                <a:sym typeface="Druk Medium"/>
-              </a:defRPr>
-            </a:lvl3pPr>
-            <a:lvl4pPr marL="0" marR="0" indent="1371600" algn="l" defTabSz="825500" rtl="0" latinLnBrk="0">
-              <a:lnSpc>
-                <a:spcPct val="80000"/>
-              </a:lnSpc>
-              <a:spcBef>
-                <a:spcPts val="0"/>
-              </a:spcBef>
-              <a:spcAft>
-                <a:spcPts val="0"/>
-              </a:spcAft>
-              <a:buClrTx/>
-              <a:buSzTx/>
-              <a:buFontTx/>
-              <a:buNone/>
-              <a:tabLst/>
-              <a:defRPr sz="11600" b="0" i="0" u="none" strike="noStrike" cap="all" spc="-116" baseline="0">
-                <a:solidFill>
-                  <a:srgbClr val="00BFF3"/>
-                </a:solidFill>
-                <a:uFillTx/>
-                <a:latin typeface="+mn-lt"/>
-                <a:ea typeface="+mn-ea"/>
-                <a:cs typeface="+mn-cs"/>
-                <a:sym typeface="Druk Medium"/>
-              </a:defRPr>
-            </a:lvl4pPr>
-            <a:lvl5pPr marL="0" marR="0" indent="1828800" algn="l" defTabSz="825500" rtl="0" latinLnBrk="0">
-              <a:lnSpc>
-                <a:spcPct val="80000"/>
-              </a:lnSpc>
-              <a:spcBef>
-                <a:spcPts val="0"/>
-              </a:spcBef>
-              <a:spcAft>
-                <a:spcPts val="0"/>
-              </a:spcAft>
-              <a:buClrTx/>
-              <a:buSzTx/>
-              <a:buFontTx/>
-              <a:buNone/>
-              <a:tabLst/>
-              <a:defRPr sz="11600" b="0" i="0" u="none" strike="noStrike" cap="all" spc="-116" baseline="0">
-                <a:solidFill>
-                  <a:srgbClr val="00BFF3"/>
-                </a:solidFill>
-                <a:uFillTx/>
-                <a:latin typeface="+mn-lt"/>
-                <a:ea typeface="+mn-ea"/>
-                <a:cs typeface="+mn-cs"/>
-                <a:sym typeface="Druk Medium"/>
-              </a:defRPr>
-            </a:lvl5pPr>
-            <a:lvl6pPr marL="0" marR="0" indent="2286000" algn="l" defTabSz="825500" rtl="0" latinLnBrk="0">
-              <a:lnSpc>
-                <a:spcPct val="80000"/>
-              </a:lnSpc>
-              <a:spcBef>
-                <a:spcPts val="0"/>
-              </a:spcBef>
-              <a:spcAft>
-                <a:spcPts val="0"/>
-              </a:spcAft>
-              <a:buClrTx/>
-              <a:buSzTx/>
-              <a:buFontTx/>
-              <a:buNone/>
-              <a:tabLst/>
-              <a:defRPr sz="11600" b="0" i="0" u="none" strike="noStrike" cap="all" spc="-116" baseline="0">
-                <a:solidFill>
-                  <a:srgbClr val="00BFF3"/>
-                </a:solidFill>
-                <a:uFillTx/>
-                <a:latin typeface="+mn-lt"/>
-                <a:ea typeface="+mn-ea"/>
-                <a:cs typeface="+mn-cs"/>
-                <a:sym typeface="Druk Medium"/>
-              </a:defRPr>
-            </a:lvl6pPr>
-            <a:lvl7pPr marL="0" marR="0" indent="2743200" algn="l" defTabSz="825500" rtl="0" latinLnBrk="0">
-              <a:lnSpc>
-                <a:spcPct val="80000"/>
-              </a:lnSpc>
-              <a:spcBef>
-                <a:spcPts val="0"/>
-              </a:spcBef>
-              <a:spcAft>
-                <a:spcPts val="0"/>
-              </a:spcAft>
-              <a:buClrTx/>
-              <a:buSzTx/>
-              <a:buFontTx/>
-              <a:buNone/>
-              <a:tabLst/>
-              <a:defRPr sz="11600" b="0" i="0" u="none" strike="noStrike" cap="all" spc="-116" baseline="0">
-                <a:solidFill>
-                  <a:srgbClr val="00BFF3"/>
-                </a:solidFill>
-                <a:uFillTx/>
-                <a:latin typeface="+mn-lt"/>
-                <a:ea typeface="+mn-ea"/>
-                <a:cs typeface="+mn-cs"/>
-                <a:sym typeface="Druk Medium"/>
-              </a:defRPr>
-            </a:lvl7pPr>
-            <a:lvl8pPr marL="0" marR="0" indent="3200400" algn="l" defTabSz="825500" rtl="0" latinLnBrk="0">
-              <a:lnSpc>
-                <a:spcPct val="80000"/>
-              </a:lnSpc>
-              <a:spcBef>
-                <a:spcPts val="0"/>
-              </a:spcBef>
-              <a:spcAft>
-                <a:spcPts val="0"/>
-              </a:spcAft>
-              <a:buClrTx/>
-              <a:buSzTx/>
-              <a:buFontTx/>
-              <a:buNone/>
-              <a:tabLst/>
-              <a:defRPr sz="11600" b="0" i="0" u="none" strike="noStrike" cap="all" spc="-116" baseline="0">
-                <a:solidFill>
-                  <a:srgbClr val="00BFF3"/>
-                </a:solidFill>
-                <a:uFillTx/>
-                <a:latin typeface="+mn-lt"/>
-                <a:ea typeface="+mn-ea"/>
-                <a:cs typeface="+mn-cs"/>
-                <a:sym typeface="Druk Medium"/>
-              </a:defRPr>
-            </a:lvl8pPr>
-            <a:lvl9pPr marL="0" marR="0" indent="3657600" algn="l" defTabSz="825500" rtl="0" latinLnBrk="0">
-              <a:lnSpc>
-                <a:spcPct val="80000"/>
-              </a:lnSpc>
-              <a:spcBef>
-                <a:spcPts val="0"/>
-              </a:spcBef>
-              <a:spcAft>
-                <a:spcPts val="0"/>
-              </a:spcAft>
-              <a:buClrTx/>
-              <a:buSzTx/>
-              <a:buFontTx/>
-              <a:buNone/>
-              <a:tabLst/>
-              <a:defRPr sz="11600" b="0" i="0" u="none" strike="noStrike" cap="all" spc="-116" baseline="0">
-                <a:solidFill>
-                  <a:srgbClr val="00BFF3"/>
-                </a:solidFill>
-                <a:uFillTx/>
-                <a:latin typeface="+mn-lt"/>
-                <a:ea typeface="+mn-ea"/>
-                <a:cs typeface="+mn-cs"/>
-                <a:sym typeface="Druk Medium"/>
-              </a:defRPr>
-            </a:lvl9pPr>
-          </a:lstStyle>
-          <a:p>
-            <a:pPr algn="ctr" hangingPunct="1"/>
-            <a:r>
-              <a:rPr lang="en-GB" sz="8000" b="1" dirty="0"/>
-              <a:t>LAN</a:t>
-            </a:r>
-          </a:p>
-        </p:txBody>
-      </p:sp>
-      <p:sp>
-        <p:nvSpPr>
-          <p:cNvPr id="29" name="Your exam">
-            <a:extLst>
-              <a:ext uri="{FF2B5EF4-FFF2-40B4-BE49-F238E27FC236}">
-                <a16:creationId xmlns:a16="http://schemas.microsoft.com/office/drawing/2014/main" id="{D6AC4D03-525D-0552-95C2-252DC82616D2}"/>
-              </a:ext>
-            </a:extLst>
-          </p:cNvPr>
-          <p:cNvSpPr txBox="1">
-            <a:spLocks/>
-          </p:cNvSpPr>
-          <p:nvPr/>
-        </p:nvSpPr>
-        <p:spPr>
-          <a:xfrm>
-            <a:off x="18804331" y="4793727"/>
-            <a:ext cx="2886974" cy="1557971"/>
-          </a:xfrm>
-          <a:prstGeom prst="rect">
-            <a:avLst/>
-          </a:prstGeom>
-          <a:ln w="12700">
-            <a:miter lim="400000"/>
-          </a:ln>
-          <a:extLst>
-            <a:ext uri="{C572A759-6A51-4108-AA02-DFA0A04FC94B}">
-              <ma14:wrappingTextBoxFlag xmlns="" xmlns:m="http://schemas.openxmlformats.org/officeDocument/2006/math" xmlns:a14="http://schemas.microsoft.com/office/drawing/2010/main" xmlns:ma14="http://schemas.microsoft.com/office/mac/drawingml/2011/main" val="1"/>
-            </a:ext>
-          </a:extLst>
-        </p:spPr>
-        <p:txBody>
-          <a:bodyPr lIns="50800" tIns="50800" rIns="50800" bIns="50800" anchor="ctr">
-            <a:normAutofit/>
-          </a:bodyPr>
-          <a:lstStyle>
-            <a:lvl1pPr marL="0" marR="0" indent="0" algn="l" defTabSz="825500" rtl="0" latinLnBrk="0">
-              <a:lnSpc>
-                <a:spcPct val="80000"/>
-              </a:lnSpc>
-              <a:spcBef>
-                <a:spcPts val="0"/>
-              </a:spcBef>
-              <a:spcAft>
-                <a:spcPts val="0"/>
-              </a:spcAft>
-              <a:buClrTx/>
-              <a:buSzTx/>
-              <a:buFontTx/>
-              <a:buNone/>
-              <a:tabLst/>
-              <a:defRPr sz="14000" b="0" i="0" u="none" strike="noStrike" cap="all" spc="-140" baseline="0">
-                <a:solidFill>
-                  <a:srgbClr val="FFFFFF"/>
-                </a:solidFill>
-                <a:uFillTx/>
-                <a:latin typeface="+mn-lt"/>
-                <a:ea typeface="+mn-ea"/>
-                <a:cs typeface="+mn-cs"/>
-                <a:sym typeface="Druk Medium"/>
-              </a:defRPr>
-            </a:lvl1pPr>
-            <a:lvl2pPr marL="0" marR="0" indent="457200" algn="l" defTabSz="825500" rtl="0" latinLnBrk="0">
-              <a:lnSpc>
-                <a:spcPct val="80000"/>
-              </a:lnSpc>
-              <a:spcBef>
-                <a:spcPts val="0"/>
-              </a:spcBef>
-              <a:spcAft>
-                <a:spcPts val="0"/>
-              </a:spcAft>
-              <a:buClrTx/>
-              <a:buSzTx/>
-              <a:buFontTx/>
-              <a:buNone/>
-              <a:tabLst/>
-              <a:defRPr sz="11600" b="0" i="0" u="none" strike="noStrike" cap="all" spc="-116" baseline="0">
-                <a:solidFill>
-                  <a:srgbClr val="00BFF3"/>
-                </a:solidFill>
-                <a:uFillTx/>
-                <a:latin typeface="+mn-lt"/>
-                <a:ea typeface="+mn-ea"/>
-                <a:cs typeface="+mn-cs"/>
-                <a:sym typeface="Druk Medium"/>
-              </a:defRPr>
-            </a:lvl2pPr>
-            <a:lvl3pPr marL="0" marR="0" indent="914400" algn="l" defTabSz="825500" rtl="0" latinLnBrk="0">
-              <a:lnSpc>
-                <a:spcPct val="80000"/>
-              </a:lnSpc>
-              <a:spcBef>
-                <a:spcPts val="0"/>
-              </a:spcBef>
-              <a:spcAft>
-                <a:spcPts val="0"/>
-              </a:spcAft>
-              <a:buClrTx/>
-              <a:buSzTx/>
-              <a:buFontTx/>
-              <a:buNone/>
-              <a:tabLst/>
-              <a:defRPr sz="11600" b="0" i="0" u="none" strike="noStrike" cap="all" spc="-116" baseline="0">
-                <a:solidFill>
-                  <a:srgbClr val="00BFF3"/>
-                </a:solidFill>
-                <a:uFillTx/>
-                <a:latin typeface="+mn-lt"/>
-                <a:ea typeface="+mn-ea"/>
-                <a:cs typeface="+mn-cs"/>
-                <a:sym typeface="Druk Medium"/>
-              </a:defRPr>
-            </a:lvl3pPr>
-            <a:lvl4pPr marL="0" marR="0" indent="1371600" algn="l" defTabSz="825500" rtl="0" latinLnBrk="0">
-              <a:lnSpc>
-                <a:spcPct val="80000"/>
-              </a:lnSpc>
-              <a:spcBef>
-                <a:spcPts val="0"/>
-              </a:spcBef>
-              <a:spcAft>
-                <a:spcPts val="0"/>
-              </a:spcAft>
-              <a:buClrTx/>
-              <a:buSzTx/>
-              <a:buFontTx/>
-              <a:buNone/>
-              <a:tabLst/>
-              <a:defRPr sz="11600" b="0" i="0" u="none" strike="noStrike" cap="all" spc="-116" baseline="0">
-                <a:solidFill>
-                  <a:srgbClr val="00BFF3"/>
-                </a:solidFill>
-                <a:uFillTx/>
-                <a:latin typeface="+mn-lt"/>
-                <a:ea typeface="+mn-ea"/>
-                <a:cs typeface="+mn-cs"/>
-                <a:sym typeface="Druk Medium"/>
-              </a:defRPr>
-            </a:lvl4pPr>
-            <a:lvl5pPr marL="0" marR="0" indent="1828800" algn="l" defTabSz="825500" rtl="0" latinLnBrk="0">
-              <a:lnSpc>
-                <a:spcPct val="80000"/>
-              </a:lnSpc>
-              <a:spcBef>
-                <a:spcPts val="0"/>
-              </a:spcBef>
-              <a:spcAft>
-                <a:spcPts val="0"/>
-              </a:spcAft>
-              <a:buClrTx/>
-              <a:buSzTx/>
-              <a:buFontTx/>
-              <a:buNone/>
-              <a:tabLst/>
-              <a:defRPr sz="11600" b="0" i="0" u="none" strike="noStrike" cap="all" spc="-116" baseline="0">
-                <a:solidFill>
-                  <a:srgbClr val="00BFF3"/>
-                </a:solidFill>
-                <a:uFillTx/>
-                <a:latin typeface="+mn-lt"/>
-                <a:ea typeface="+mn-ea"/>
-                <a:cs typeface="+mn-cs"/>
-                <a:sym typeface="Druk Medium"/>
-              </a:defRPr>
-            </a:lvl5pPr>
-            <a:lvl6pPr marL="0" marR="0" indent="2286000" algn="l" defTabSz="825500" rtl="0" latinLnBrk="0">
-              <a:lnSpc>
-                <a:spcPct val="80000"/>
-              </a:lnSpc>
-              <a:spcBef>
-                <a:spcPts val="0"/>
-              </a:spcBef>
-              <a:spcAft>
-                <a:spcPts val="0"/>
-              </a:spcAft>
-              <a:buClrTx/>
-              <a:buSzTx/>
-              <a:buFontTx/>
-              <a:buNone/>
-              <a:tabLst/>
-              <a:defRPr sz="11600" b="0" i="0" u="none" strike="noStrike" cap="all" spc="-116" baseline="0">
-                <a:solidFill>
-                  <a:srgbClr val="00BFF3"/>
-                </a:solidFill>
-                <a:uFillTx/>
-                <a:latin typeface="+mn-lt"/>
-                <a:ea typeface="+mn-ea"/>
-                <a:cs typeface="+mn-cs"/>
-                <a:sym typeface="Druk Medium"/>
-              </a:defRPr>
-            </a:lvl6pPr>
-            <a:lvl7pPr marL="0" marR="0" indent="2743200" algn="l" defTabSz="825500" rtl="0" latinLnBrk="0">
-              <a:lnSpc>
-                <a:spcPct val="80000"/>
-              </a:lnSpc>
-              <a:spcBef>
-                <a:spcPts val="0"/>
-              </a:spcBef>
-              <a:spcAft>
-                <a:spcPts val="0"/>
-              </a:spcAft>
-              <a:buClrTx/>
-              <a:buSzTx/>
-              <a:buFontTx/>
-              <a:buNone/>
-              <a:tabLst/>
-              <a:defRPr sz="11600" b="0" i="0" u="none" strike="noStrike" cap="all" spc="-116" baseline="0">
-                <a:solidFill>
-                  <a:srgbClr val="00BFF3"/>
-                </a:solidFill>
-                <a:uFillTx/>
-                <a:latin typeface="+mn-lt"/>
-                <a:ea typeface="+mn-ea"/>
-                <a:cs typeface="+mn-cs"/>
-                <a:sym typeface="Druk Medium"/>
-              </a:defRPr>
-            </a:lvl7pPr>
-            <a:lvl8pPr marL="0" marR="0" indent="3200400" algn="l" defTabSz="825500" rtl="0" latinLnBrk="0">
-              <a:lnSpc>
-                <a:spcPct val="80000"/>
-              </a:lnSpc>
-              <a:spcBef>
-                <a:spcPts val="0"/>
-              </a:spcBef>
-              <a:spcAft>
-                <a:spcPts val="0"/>
-              </a:spcAft>
-              <a:buClrTx/>
-              <a:buSzTx/>
-              <a:buFontTx/>
-              <a:buNone/>
-              <a:tabLst/>
-              <a:defRPr sz="11600" b="0" i="0" u="none" strike="noStrike" cap="all" spc="-116" baseline="0">
-                <a:solidFill>
-                  <a:srgbClr val="00BFF3"/>
-                </a:solidFill>
-                <a:uFillTx/>
-                <a:latin typeface="+mn-lt"/>
-                <a:ea typeface="+mn-ea"/>
-                <a:cs typeface="+mn-cs"/>
-                <a:sym typeface="Druk Medium"/>
-              </a:defRPr>
-            </a:lvl8pPr>
-            <a:lvl9pPr marL="0" marR="0" indent="3657600" algn="l" defTabSz="825500" rtl="0" latinLnBrk="0">
-              <a:lnSpc>
-                <a:spcPct val="80000"/>
-              </a:lnSpc>
-              <a:spcBef>
-                <a:spcPts val="0"/>
-              </a:spcBef>
-              <a:spcAft>
-                <a:spcPts val="0"/>
-              </a:spcAft>
-              <a:buClrTx/>
-              <a:buSzTx/>
-              <a:buFontTx/>
-              <a:buNone/>
-              <a:tabLst/>
-              <a:defRPr sz="11600" b="0" i="0" u="none" strike="noStrike" cap="all" spc="-116" baseline="0">
-                <a:solidFill>
-                  <a:srgbClr val="00BFF3"/>
-                </a:solidFill>
-                <a:uFillTx/>
-                <a:latin typeface="+mn-lt"/>
-                <a:ea typeface="+mn-ea"/>
-                <a:cs typeface="+mn-cs"/>
-                <a:sym typeface="Druk Medium"/>
-              </a:defRPr>
-            </a:lvl9pPr>
-          </a:lstStyle>
-          <a:p>
-            <a:pPr algn="ctr" hangingPunct="1"/>
-            <a:r>
-              <a:rPr lang="en-GB" sz="8000" b="1" dirty="0"/>
-              <a:t>WAN</a:t>
-            </a:r>
-          </a:p>
-        </p:txBody>
-      </p:sp>
-      <p:sp>
-        <p:nvSpPr>
-          <p:cNvPr id="30" name="Your exam">
-            <a:extLst>
-              <a:ext uri="{FF2B5EF4-FFF2-40B4-BE49-F238E27FC236}">
-                <a16:creationId xmlns:a16="http://schemas.microsoft.com/office/drawing/2014/main" id="{E0935C3F-E9D4-B092-CE09-2D772E56DB12}"/>
-              </a:ext>
-            </a:extLst>
-          </p:cNvPr>
-          <p:cNvSpPr txBox="1">
-            <a:spLocks/>
-          </p:cNvSpPr>
-          <p:nvPr/>
-        </p:nvSpPr>
-        <p:spPr>
-          <a:xfrm>
-            <a:off x="11265821" y="2167026"/>
-            <a:ext cx="5020424" cy="1557971"/>
-          </a:xfrm>
-          <a:prstGeom prst="rect">
-            <a:avLst/>
-          </a:prstGeom>
-          <a:ln w="12700">
-            <a:miter lim="400000"/>
-          </a:ln>
-          <a:extLst>
-            <a:ext uri="{C572A759-6A51-4108-AA02-DFA0A04FC94B}">
-              <ma14:wrappingTextBoxFlag xmlns="" xmlns:m="http://schemas.openxmlformats.org/officeDocument/2006/math" xmlns:a14="http://schemas.microsoft.com/office/drawing/2010/main" xmlns:ma14="http://schemas.microsoft.com/office/mac/drawingml/2011/main" val="1"/>
-            </a:ext>
-          </a:extLst>
-        </p:spPr>
-        <p:txBody>
-          <a:bodyPr lIns="50800" tIns="50800" rIns="50800" bIns="50800" anchor="ctr">
-            <a:normAutofit/>
-          </a:bodyPr>
-          <a:lstStyle>
-            <a:lvl1pPr marL="0" marR="0" indent="0" algn="l" defTabSz="825500" rtl="0" latinLnBrk="0">
-              <a:lnSpc>
-                <a:spcPct val="80000"/>
-              </a:lnSpc>
-              <a:spcBef>
-                <a:spcPts val="0"/>
-              </a:spcBef>
-              <a:spcAft>
-                <a:spcPts val="0"/>
-              </a:spcAft>
-              <a:buClrTx/>
-              <a:buSzTx/>
-              <a:buFontTx/>
-              <a:buNone/>
-              <a:tabLst/>
-              <a:defRPr sz="14000" b="0" i="0" u="none" strike="noStrike" cap="all" spc="-140" baseline="0">
-                <a:solidFill>
-                  <a:srgbClr val="FFFFFF"/>
-                </a:solidFill>
-                <a:uFillTx/>
-                <a:latin typeface="+mn-lt"/>
-                <a:ea typeface="+mn-ea"/>
-                <a:cs typeface="+mn-cs"/>
-                <a:sym typeface="Druk Medium"/>
-              </a:defRPr>
-            </a:lvl1pPr>
-            <a:lvl2pPr marL="0" marR="0" indent="457200" algn="l" defTabSz="825500" rtl="0" latinLnBrk="0">
-              <a:lnSpc>
-                <a:spcPct val="80000"/>
-              </a:lnSpc>
-              <a:spcBef>
-                <a:spcPts val="0"/>
-              </a:spcBef>
-              <a:spcAft>
-                <a:spcPts val="0"/>
-              </a:spcAft>
-              <a:buClrTx/>
-              <a:buSzTx/>
-              <a:buFontTx/>
-              <a:buNone/>
-              <a:tabLst/>
-              <a:defRPr sz="11600" b="0" i="0" u="none" strike="noStrike" cap="all" spc="-116" baseline="0">
-                <a:solidFill>
-                  <a:srgbClr val="00BFF3"/>
-                </a:solidFill>
-                <a:uFillTx/>
-                <a:latin typeface="+mn-lt"/>
-                <a:ea typeface="+mn-ea"/>
-                <a:cs typeface="+mn-cs"/>
-                <a:sym typeface="Druk Medium"/>
-              </a:defRPr>
-            </a:lvl2pPr>
-            <a:lvl3pPr marL="0" marR="0" indent="914400" algn="l" defTabSz="825500" rtl="0" latinLnBrk="0">
-              <a:lnSpc>
-                <a:spcPct val="80000"/>
-              </a:lnSpc>
-              <a:spcBef>
-                <a:spcPts val="0"/>
-              </a:spcBef>
-              <a:spcAft>
-                <a:spcPts val="0"/>
-              </a:spcAft>
-              <a:buClrTx/>
-              <a:buSzTx/>
-              <a:buFontTx/>
-              <a:buNone/>
-              <a:tabLst/>
-              <a:defRPr sz="11600" b="0" i="0" u="none" strike="noStrike" cap="all" spc="-116" baseline="0">
-                <a:solidFill>
-                  <a:srgbClr val="00BFF3"/>
-                </a:solidFill>
-                <a:uFillTx/>
-                <a:latin typeface="+mn-lt"/>
-                <a:ea typeface="+mn-ea"/>
-                <a:cs typeface="+mn-cs"/>
-                <a:sym typeface="Druk Medium"/>
-              </a:defRPr>
-            </a:lvl3pPr>
-            <a:lvl4pPr marL="0" marR="0" indent="1371600" algn="l" defTabSz="825500" rtl="0" latinLnBrk="0">
-              <a:lnSpc>
-                <a:spcPct val="80000"/>
-              </a:lnSpc>
-              <a:spcBef>
-                <a:spcPts val="0"/>
-              </a:spcBef>
-              <a:spcAft>
-                <a:spcPts val="0"/>
-              </a:spcAft>
-              <a:buClrTx/>
-              <a:buSzTx/>
-              <a:buFontTx/>
-              <a:buNone/>
-              <a:tabLst/>
-              <a:defRPr sz="11600" b="0" i="0" u="none" strike="noStrike" cap="all" spc="-116" baseline="0">
-                <a:solidFill>
-                  <a:srgbClr val="00BFF3"/>
-                </a:solidFill>
-                <a:uFillTx/>
-                <a:latin typeface="+mn-lt"/>
-                <a:ea typeface="+mn-ea"/>
-                <a:cs typeface="+mn-cs"/>
-                <a:sym typeface="Druk Medium"/>
-              </a:defRPr>
-            </a:lvl4pPr>
-            <a:lvl5pPr marL="0" marR="0" indent="1828800" algn="l" defTabSz="825500" rtl="0" latinLnBrk="0">
-              <a:lnSpc>
-                <a:spcPct val="80000"/>
-              </a:lnSpc>
-              <a:spcBef>
-                <a:spcPts val="0"/>
-              </a:spcBef>
-              <a:spcAft>
-                <a:spcPts val="0"/>
-              </a:spcAft>
-              <a:buClrTx/>
-              <a:buSzTx/>
-              <a:buFontTx/>
-              <a:buNone/>
-              <a:tabLst/>
-              <a:defRPr sz="11600" b="0" i="0" u="none" strike="noStrike" cap="all" spc="-116" baseline="0">
-                <a:solidFill>
-                  <a:srgbClr val="00BFF3"/>
-                </a:solidFill>
-                <a:uFillTx/>
-                <a:latin typeface="+mn-lt"/>
-                <a:ea typeface="+mn-ea"/>
-                <a:cs typeface="+mn-cs"/>
-                <a:sym typeface="Druk Medium"/>
-              </a:defRPr>
-            </a:lvl5pPr>
-            <a:lvl6pPr marL="0" marR="0" indent="2286000" algn="l" defTabSz="825500" rtl="0" latinLnBrk="0">
-              <a:lnSpc>
-                <a:spcPct val="80000"/>
-              </a:lnSpc>
-              <a:spcBef>
-                <a:spcPts val="0"/>
-              </a:spcBef>
-              <a:spcAft>
-                <a:spcPts val="0"/>
-              </a:spcAft>
-              <a:buClrTx/>
-              <a:buSzTx/>
-              <a:buFontTx/>
-              <a:buNone/>
-              <a:tabLst/>
-              <a:defRPr sz="11600" b="0" i="0" u="none" strike="noStrike" cap="all" spc="-116" baseline="0">
-                <a:solidFill>
-                  <a:srgbClr val="00BFF3"/>
-                </a:solidFill>
-                <a:uFillTx/>
-                <a:latin typeface="+mn-lt"/>
-                <a:ea typeface="+mn-ea"/>
-                <a:cs typeface="+mn-cs"/>
-                <a:sym typeface="Druk Medium"/>
-              </a:defRPr>
-            </a:lvl6pPr>
-            <a:lvl7pPr marL="0" marR="0" indent="2743200" algn="l" defTabSz="825500" rtl="0" latinLnBrk="0">
-              <a:lnSpc>
-                <a:spcPct val="80000"/>
-              </a:lnSpc>
-              <a:spcBef>
-                <a:spcPts val="0"/>
-              </a:spcBef>
-              <a:spcAft>
-                <a:spcPts val="0"/>
-              </a:spcAft>
-              <a:buClrTx/>
-              <a:buSzTx/>
-              <a:buFontTx/>
-              <a:buNone/>
-              <a:tabLst/>
-              <a:defRPr sz="11600" b="0" i="0" u="none" strike="noStrike" cap="all" spc="-116" baseline="0">
-                <a:solidFill>
-                  <a:srgbClr val="00BFF3"/>
-                </a:solidFill>
-                <a:uFillTx/>
-                <a:latin typeface="+mn-lt"/>
-                <a:ea typeface="+mn-ea"/>
-                <a:cs typeface="+mn-cs"/>
-                <a:sym typeface="Druk Medium"/>
-              </a:defRPr>
-            </a:lvl7pPr>
-            <a:lvl8pPr marL="0" marR="0" indent="3200400" algn="l" defTabSz="825500" rtl="0" latinLnBrk="0">
-              <a:lnSpc>
-                <a:spcPct val="80000"/>
-              </a:lnSpc>
-              <a:spcBef>
-                <a:spcPts val="0"/>
-              </a:spcBef>
-              <a:spcAft>
-                <a:spcPts val="0"/>
-              </a:spcAft>
-              <a:buClrTx/>
-              <a:buSzTx/>
-              <a:buFontTx/>
-              <a:buNone/>
-              <a:tabLst/>
-              <a:defRPr sz="11600" b="0" i="0" u="none" strike="noStrike" cap="all" spc="-116" baseline="0">
-                <a:solidFill>
-                  <a:srgbClr val="00BFF3"/>
-                </a:solidFill>
-                <a:uFillTx/>
-                <a:latin typeface="+mn-lt"/>
-                <a:ea typeface="+mn-ea"/>
-                <a:cs typeface="+mn-cs"/>
-                <a:sym typeface="Druk Medium"/>
-              </a:defRPr>
-            </a:lvl8pPr>
-            <a:lvl9pPr marL="0" marR="0" indent="3657600" algn="l" defTabSz="825500" rtl="0" latinLnBrk="0">
-              <a:lnSpc>
-                <a:spcPct val="80000"/>
-              </a:lnSpc>
-              <a:spcBef>
-                <a:spcPts val="0"/>
-              </a:spcBef>
-              <a:spcAft>
-                <a:spcPts val="0"/>
-              </a:spcAft>
-              <a:buClrTx/>
-              <a:buSzTx/>
-              <a:buFontTx/>
-              <a:buNone/>
-              <a:tabLst/>
-              <a:defRPr sz="11600" b="0" i="0" u="none" strike="noStrike" cap="all" spc="-116" baseline="0">
-                <a:solidFill>
-                  <a:srgbClr val="00BFF3"/>
-                </a:solidFill>
-                <a:uFillTx/>
-                <a:latin typeface="+mn-lt"/>
-                <a:ea typeface="+mn-ea"/>
-                <a:cs typeface="+mn-cs"/>
-                <a:sym typeface="Druk Medium"/>
-              </a:defRPr>
-            </a:lvl9pPr>
-          </a:lstStyle>
-          <a:p>
-            <a:pPr algn="ctr" hangingPunct="1"/>
-            <a:r>
-              <a:rPr lang="en-GB" sz="8000" b="1" dirty="0"/>
-              <a:t>Firewall</a:t>
-            </a:r>
-          </a:p>
-        </p:txBody>
-      </p:sp>
+          </p:spPr>
+          <p:txBody>
+            <a:bodyPr lIns="50800" tIns="50800" rIns="50800" bIns="50800" anchor="ctr">
+              <a:normAutofit/>
+            </a:bodyPr>
+            <a:lstStyle>
+              <a:lvl1pPr marL="0" marR="0" indent="0" algn="l" defTabSz="825500" rtl="0" latinLnBrk="0">
+                <a:lnSpc>
+                  <a:spcPct val="80000"/>
+                </a:lnSpc>
+                <a:spcBef>
+                  <a:spcPts val="0"/>
+                </a:spcBef>
+                <a:spcAft>
+                  <a:spcPts val="0"/>
+                </a:spcAft>
+                <a:buClrTx/>
+                <a:buSzTx/>
+                <a:buFontTx/>
+                <a:buNone/>
+                <a:tabLst/>
+                <a:defRPr sz="14000" b="0" i="0" u="none" strike="noStrike" cap="all" spc="-140" baseline="0">
+                  <a:solidFill>
+                    <a:srgbClr val="FFFFFF"/>
+                  </a:solidFill>
+                  <a:uFillTx/>
+                  <a:latin typeface="+mn-lt"/>
+                  <a:ea typeface="+mn-ea"/>
+                  <a:cs typeface="+mn-cs"/>
+                  <a:sym typeface="Druk Medium"/>
+                </a:defRPr>
+              </a:lvl1pPr>
+              <a:lvl2pPr marL="0" marR="0" indent="457200" algn="l" defTabSz="825500" rtl="0" latinLnBrk="0">
+                <a:lnSpc>
+                  <a:spcPct val="80000"/>
+                </a:lnSpc>
+                <a:spcBef>
+                  <a:spcPts val="0"/>
+                </a:spcBef>
+                <a:spcAft>
+                  <a:spcPts val="0"/>
+                </a:spcAft>
+                <a:buClrTx/>
+                <a:buSzTx/>
+                <a:buFontTx/>
+                <a:buNone/>
+                <a:tabLst/>
+                <a:defRPr sz="11600" b="0" i="0" u="none" strike="noStrike" cap="all" spc="-116" baseline="0">
+                  <a:solidFill>
+                    <a:srgbClr val="00BFF3"/>
+                  </a:solidFill>
+                  <a:uFillTx/>
+                  <a:latin typeface="+mn-lt"/>
+                  <a:ea typeface="+mn-ea"/>
+                  <a:cs typeface="+mn-cs"/>
+                  <a:sym typeface="Druk Medium"/>
+                </a:defRPr>
+              </a:lvl2pPr>
+              <a:lvl3pPr marL="0" marR="0" indent="914400" algn="l" defTabSz="825500" rtl="0" latinLnBrk="0">
+                <a:lnSpc>
+                  <a:spcPct val="80000"/>
+                </a:lnSpc>
+                <a:spcBef>
+                  <a:spcPts val="0"/>
+                </a:spcBef>
+                <a:spcAft>
+                  <a:spcPts val="0"/>
+                </a:spcAft>
+                <a:buClrTx/>
+                <a:buSzTx/>
+                <a:buFontTx/>
+                <a:buNone/>
+                <a:tabLst/>
+                <a:defRPr sz="11600" b="0" i="0" u="none" strike="noStrike" cap="all" spc="-116" baseline="0">
+                  <a:solidFill>
+                    <a:srgbClr val="00BFF3"/>
+                  </a:solidFill>
+                  <a:uFillTx/>
+                  <a:latin typeface="+mn-lt"/>
+                  <a:ea typeface="+mn-ea"/>
+                  <a:cs typeface="+mn-cs"/>
+                  <a:sym typeface="Druk Medium"/>
+                </a:defRPr>
+              </a:lvl3pPr>
+              <a:lvl4pPr marL="0" marR="0" indent="1371600" algn="l" defTabSz="825500" rtl="0" latinLnBrk="0">
+                <a:lnSpc>
+                  <a:spcPct val="80000"/>
+                </a:lnSpc>
+                <a:spcBef>
+                  <a:spcPts val="0"/>
+                </a:spcBef>
+                <a:spcAft>
+                  <a:spcPts val="0"/>
+                </a:spcAft>
+                <a:buClrTx/>
+                <a:buSzTx/>
+                <a:buFontTx/>
+                <a:buNone/>
+                <a:tabLst/>
+                <a:defRPr sz="11600" b="0" i="0" u="none" strike="noStrike" cap="all" spc="-116" baseline="0">
+                  <a:solidFill>
+                    <a:srgbClr val="00BFF3"/>
+                  </a:solidFill>
+                  <a:uFillTx/>
+                  <a:latin typeface="+mn-lt"/>
+                  <a:ea typeface="+mn-ea"/>
+                  <a:cs typeface="+mn-cs"/>
+                  <a:sym typeface="Druk Medium"/>
+                </a:defRPr>
+              </a:lvl4pPr>
+              <a:lvl5pPr marL="0" marR="0" indent="1828800" algn="l" defTabSz="825500" rtl="0" latinLnBrk="0">
+                <a:lnSpc>
+                  <a:spcPct val="80000"/>
+                </a:lnSpc>
+                <a:spcBef>
+                  <a:spcPts val="0"/>
+                </a:spcBef>
+                <a:spcAft>
+                  <a:spcPts val="0"/>
+                </a:spcAft>
+                <a:buClrTx/>
+                <a:buSzTx/>
+                <a:buFontTx/>
+                <a:buNone/>
+                <a:tabLst/>
+                <a:defRPr sz="11600" b="0" i="0" u="none" strike="noStrike" cap="all" spc="-116" baseline="0">
+                  <a:solidFill>
+                    <a:srgbClr val="00BFF3"/>
+                  </a:solidFill>
+                  <a:uFillTx/>
+                  <a:latin typeface="+mn-lt"/>
+                  <a:ea typeface="+mn-ea"/>
+                  <a:cs typeface="+mn-cs"/>
+                  <a:sym typeface="Druk Medium"/>
+                </a:defRPr>
+              </a:lvl5pPr>
+              <a:lvl6pPr marL="0" marR="0" indent="2286000" algn="l" defTabSz="825500" rtl="0" latinLnBrk="0">
+                <a:lnSpc>
+                  <a:spcPct val="80000"/>
+                </a:lnSpc>
+                <a:spcBef>
+                  <a:spcPts val="0"/>
+                </a:spcBef>
+                <a:spcAft>
+                  <a:spcPts val="0"/>
+                </a:spcAft>
+                <a:buClrTx/>
+                <a:buSzTx/>
+                <a:buFontTx/>
+                <a:buNone/>
+                <a:tabLst/>
+                <a:defRPr sz="11600" b="0" i="0" u="none" strike="noStrike" cap="all" spc="-116" baseline="0">
+                  <a:solidFill>
+                    <a:srgbClr val="00BFF3"/>
+                  </a:solidFill>
+                  <a:uFillTx/>
+                  <a:latin typeface="+mn-lt"/>
+                  <a:ea typeface="+mn-ea"/>
+                  <a:cs typeface="+mn-cs"/>
+                  <a:sym typeface="Druk Medium"/>
+                </a:defRPr>
+              </a:lvl6pPr>
+              <a:lvl7pPr marL="0" marR="0" indent="2743200" algn="l" defTabSz="825500" rtl="0" latinLnBrk="0">
+                <a:lnSpc>
+                  <a:spcPct val="80000"/>
+                </a:lnSpc>
+                <a:spcBef>
+                  <a:spcPts val="0"/>
+                </a:spcBef>
+                <a:spcAft>
+                  <a:spcPts val="0"/>
+                </a:spcAft>
+                <a:buClrTx/>
+                <a:buSzTx/>
+                <a:buFontTx/>
+                <a:buNone/>
+                <a:tabLst/>
+                <a:defRPr sz="11600" b="0" i="0" u="none" strike="noStrike" cap="all" spc="-116" baseline="0">
+                  <a:solidFill>
+                    <a:srgbClr val="00BFF3"/>
+                  </a:solidFill>
+                  <a:uFillTx/>
+                  <a:latin typeface="+mn-lt"/>
+                  <a:ea typeface="+mn-ea"/>
+                  <a:cs typeface="+mn-cs"/>
+                  <a:sym typeface="Druk Medium"/>
+                </a:defRPr>
+              </a:lvl7pPr>
+              <a:lvl8pPr marL="0" marR="0" indent="3200400" algn="l" defTabSz="825500" rtl="0" latinLnBrk="0">
+                <a:lnSpc>
+                  <a:spcPct val="80000"/>
+                </a:lnSpc>
+                <a:spcBef>
+                  <a:spcPts val="0"/>
+                </a:spcBef>
+                <a:spcAft>
+                  <a:spcPts val="0"/>
+                </a:spcAft>
+                <a:buClrTx/>
+                <a:buSzTx/>
+                <a:buFontTx/>
+                <a:buNone/>
+                <a:tabLst/>
+                <a:defRPr sz="11600" b="0" i="0" u="none" strike="noStrike" cap="all" spc="-116" baseline="0">
+                  <a:solidFill>
+                    <a:srgbClr val="00BFF3"/>
+                  </a:solidFill>
+                  <a:uFillTx/>
+                  <a:latin typeface="+mn-lt"/>
+                  <a:ea typeface="+mn-ea"/>
+                  <a:cs typeface="+mn-cs"/>
+                  <a:sym typeface="Druk Medium"/>
+                </a:defRPr>
+              </a:lvl8pPr>
+              <a:lvl9pPr marL="0" marR="0" indent="3657600" algn="l" defTabSz="825500" rtl="0" latinLnBrk="0">
+                <a:lnSpc>
+                  <a:spcPct val="80000"/>
+                </a:lnSpc>
+                <a:spcBef>
+                  <a:spcPts val="0"/>
+                </a:spcBef>
+                <a:spcAft>
+                  <a:spcPts val="0"/>
+                </a:spcAft>
+                <a:buClrTx/>
+                <a:buSzTx/>
+                <a:buFontTx/>
+                <a:buNone/>
+                <a:tabLst/>
+                <a:defRPr sz="11600" b="0" i="0" u="none" strike="noStrike" cap="all" spc="-116" baseline="0">
+                  <a:solidFill>
+                    <a:srgbClr val="00BFF3"/>
+                  </a:solidFill>
+                  <a:uFillTx/>
+                  <a:latin typeface="+mn-lt"/>
+                  <a:ea typeface="+mn-ea"/>
+                  <a:cs typeface="+mn-cs"/>
+                  <a:sym typeface="Druk Medium"/>
+                </a:defRPr>
+              </a:lvl9pPr>
+            </a:lstStyle>
+            <a:p>
+              <a:pPr algn="ctr" hangingPunct="1"/>
+              <a:r>
+                <a:rPr lang="en-GB" sz="8000" b="1" dirty="0"/>
+                <a:t>Firewall</a:t>
+              </a:r>
+            </a:p>
+          </p:txBody>
+        </p:sp>
+      </p:grpSp>
     </p:spTree>
     <p:extLst>
       <p:ext uri="{BB962C8B-B14F-4D97-AF65-F5344CB8AC3E}">
@@ -17592,7 +19306,7 @@
                             </p:stCondLst>
                             <p:childTnLst>
                               <p:par>
-                                <p:cTn id="5" presetID="1" presetClass="entr" presetSubtype="0" fill="hold" grpId="0" nodeType="clickEffect">
+                                <p:cTn id="5" presetID="1" presetClass="entr" presetSubtype="0" fill="hold" nodeType="clickEffect">
                                   <p:stCondLst>
                                     <p:cond delay="0"/>
                                   </p:stCondLst>
@@ -17605,11 +19319,101 @@
                                           </p:stCondLst>
                                         </p:cTn>
                                         <p:tgtEl>
+                                          <p:spTgt spid="32"/>
+                                        </p:tgtEl>
+                                        <p:attrNameLst>
+                                          <p:attrName>style.visibility</p:attrName>
+                                        </p:attrNameLst>
+                                      </p:cBhvr>
+                                      <p:to>
+                                        <p:strVal val="visible"/>
+                                      </p:to>
+                                    </p:set>
+                                  </p:childTnLst>
+                                </p:cTn>
+                              </p:par>
+                            </p:childTnLst>
+                          </p:cTn>
+                        </p:par>
+                      </p:childTnLst>
+                    </p:cTn>
+                  </p:par>
+                  <p:par>
+                    <p:cTn id="7" fill="hold">
+                      <p:stCondLst>
+                        <p:cond delay="indefinite"/>
+                      </p:stCondLst>
+                      <p:childTnLst>
+                        <p:par>
+                          <p:cTn id="8" fill="hold">
+                            <p:stCondLst>
+                              <p:cond delay="0"/>
+                            </p:stCondLst>
+                            <p:childTnLst>
+                              <p:par>
+                                <p:cTn id="9" presetID="1" presetClass="entr" presetSubtype="0" fill="hold" grpId="0" nodeType="clickEffect">
+                                  <p:stCondLst>
+                                    <p:cond delay="0"/>
+                                  </p:stCondLst>
+                                  <p:childTnLst>
+                                    <p:set>
+                                      <p:cBhvr>
+                                        <p:cTn id="10" dur="1" fill="hold">
+                                          <p:stCondLst>
+                                            <p:cond delay="0"/>
+                                          </p:stCondLst>
+                                        </p:cTn>
+                                        <p:tgtEl>
                                           <p:spTgt spid="3">
                                             <p:txEl>
                                               <p:pRg st="0" end="0"/>
                                             </p:txEl>
                                           </p:spTgt>
+                                        </p:tgtEl>
+                                        <p:attrNameLst>
+                                          <p:attrName>style.visibility</p:attrName>
+                                        </p:attrNameLst>
+                                      </p:cBhvr>
+                                      <p:to>
+                                        <p:strVal val="visible"/>
+                                      </p:to>
+                                    </p:set>
+                                  </p:childTnLst>
+                                </p:cTn>
+                              </p:par>
+                            </p:childTnLst>
+                          </p:cTn>
+                        </p:par>
+                      </p:childTnLst>
+                    </p:cTn>
+                  </p:par>
+                  <p:par>
+                    <p:cTn id="11" fill="hold">
+                      <p:stCondLst>
+                        <p:cond delay="indefinite"/>
+                      </p:stCondLst>
+                      <p:childTnLst>
+                        <p:par>
+                          <p:cTn id="12" fill="hold">
+                            <p:stCondLst>
+                              <p:cond delay="0"/>
+                            </p:stCondLst>
+                            <p:childTnLst>
+                              <p:par>
+                                <p:cTn id="13" presetID="1" presetClass="entr" presetSubtype="0" fill="hold" nodeType="clickEffect">
+                                  <p:stCondLst>
+                                    <p:cond delay="0"/>
+                                  </p:stCondLst>
+                                  <p:childTnLst>
+                                    <p:set>
+                                      <p:cBhvr>
+                                        <p:cTn id="14" dur="1" fill="hold">
+                                          <p:stCondLst>
+                                            <p:cond delay="0"/>
+                                          </p:stCondLst>
+                                        </p:cTn>
+                                        <p:tgtEl>
+                                          <p:spTgt spid="31"/>
                                         </p:tgtEl>
                                         <p:attrNameLst>
                                           <p:attrName>style.visibility</p:attrName>

--- a/Y10/L2/L2.pptx
+++ b/Y10/L2/L2.pptx
@@ -5,7 +5,7 @@
     <p:sldMasterId id="2147483648" r:id="rId1"/>
   </p:sldMasterIdLst>
   <p:notesMasterIdLst>
-    <p:notesMasterId r:id="rId15"/>
+    <p:notesMasterId r:id="rId14"/>
   </p:notesMasterIdLst>
   <p:sldIdLst>
     <p:sldId id="256" r:id="rId2"/>
@@ -14,13 +14,12 @@
     <p:sldId id="276" r:id="rId5"/>
     <p:sldId id="277" r:id="rId6"/>
     <p:sldId id="278" r:id="rId7"/>
-    <p:sldId id="279" r:id="rId8"/>
-    <p:sldId id="280" r:id="rId9"/>
-    <p:sldId id="281" r:id="rId10"/>
-    <p:sldId id="282" r:id="rId11"/>
-    <p:sldId id="283" r:id="rId12"/>
-    <p:sldId id="284" r:id="rId13"/>
-    <p:sldId id="285" r:id="rId14"/>
+    <p:sldId id="280" r:id="rId8"/>
+    <p:sldId id="281" r:id="rId9"/>
+    <p:sldId id="286" r:id="rId10"/>
+    <p:sldId id="283" r:id="rId11"/>
+    <p:sldId id="284" r:id="rId12"/>
+    <p:sldId id="285" r:id="rId13"/>
   </p:sldIdLst>
   <p:sldSz cx="24384000" cy="13716000"/>
   <p:notesSz cx="9144000" cy="6858000"/>
@@ -635,7 +634,7 @@
     </p:spTree>
     <p:extLst>
       <p:ext uri="{BB962C8B-B14F-4D97-AF65-F5344CB8AC3E}">
-        <p14:creationId xmlns:p14="http://schemas.microsoft.com/office/powerpoint/2010/main" val="3262775589"/>
+        <p14:creationId xmlns:p14="http://schemas.microsoft.com/office/powerpoint/2010/main" val="3239623835"/>
       </p:ext>
     </p:extLst>
   </p:cSld>
@@ -701,7 +700,7 @@
     </p:spTree>
     <p:extLst>
       <p:ext uri="{BB962C8B-B14F-4D97-AF65-F5344CB8AC3E}">
-        <p14:creationId xmlns:p14="http://schemas.microsoft.com/office/powerpoint/2010/main" val="3239623835"/>
+        <p14:creationId xmlns:p14="http://schemas.microsoft.com/office/powerpoint/2010/main" val="3191326208"/>
       </p:ext>
     </p:extLst>
   </p:cSld>
@@ -712,72 +711,6 @@
 </file>
 
 <file path=ppt/notesSlides/notesSlide12.xml><?xml version="1.0" encoding="utf-8"?>
-<p:notes xmlns:a="http://schemas.openxmlformats.org/drawingml/2006/main" xmlns:r="http://schemas.openxmlformats.org/officeDocument/2006/relationships" xmlns:p="http://schemas.openxmlformats.org/presentationml/2006/main">
-  <p:cSld>
-    <p:spTree>
-      <p:nvGrpSpPr>
-        <p:cNvPr id="1" name=""/>
-        <p:cNvGrpSpPr/>
-        <p:nvPr/>
-      </p:nvGrpSpPr>
-      <p:grpSpPr>
-        <a:xfrm>
-          <a:off x="0" y="0"/>
-          <a:ext cx="0" cy="0"/>
-          <a:chOff x="0" y="0"/>
-          <a:chExt cx="0" cy="0"/>
-        </a:xfrm>
-      </p:grpSpPr>
-      <p:sp>
-        <p:nvSpPr>
-          <p:cNvPr id="2" name="Slide Image Placeholder 1"/>
-          <p:cNvSpPr>
-            <a:spLocks noGrp="1" noRot="1" noChangeAspect="1"/>
-          </p:cNvSpPr>
-          <p:nvPr>
-            <p:ph type="sldImg"/>
-          </p:nvPr>
-        </p:nvSpPr>
-        <p:spPr>
-          <a:xfrm>
-            <a:off x="2286000" y="514350"/>
-            <a:ext cx="4572000" cy="2571750"/>
-          </a:xfrm>
-        </p:spPr>
-      </p:sp>
-      <p:sp>
-        <p:nvSpPr>
-          <p:cNvPr id="3" name="Notes Placeholder 2"/>
-          <p:cNvSpPr>
-            <a:spLocks noGrp="1"/>
-          </p:cNvSpPr>
-          <p:nvPr>
-            <p:ph type="body" idx="1"/>
-          </p:nvPr>
-        </p:nvSpPr>
-        <p:spPr/>
-        <p:txBody>
-          <a:bodyPr/>
-          <a:lstStyle/>
-          <a:p>
-            <a:endParaRPr lang="en-US"/>
-          </a:p>
-        </p:txBody>
-      </p:sp>
-    </p:spTree>
-    <p:extLst>
-      <p:ext uri="{BB962C8B-B14F-4D97-AF65-F5344CB8AC3E}">
-        <p14:creationId xmlns:p14="http://schemas.microsoft.com/office/powerpoint/2010/main" val="3191326208"/>
-      </p:ext>
-    </p:extLst>
-  </p:cSld>
-  <p:clrMapOvr>
-    <a:masterClrMapping/>
-  </p:clrMapOvr>
-</p:notes>
-</file>
-
-<file path=ppt/notesSlides/notesSlide13.xml><?xml version="1.0" encoding="utf-8"?>
 <p:notes xmlns:a="http://schemas.openxmlformats.org/drawingml/2006/main" xmlns:r="http://schemas.openxmlformats.org/officeDocument/2006/relationships" xmlns:p="http://schemas.openxmlformats.org/presentationml/2006/main">
   <p:cSld>
     <p:spTree>
@@ -1229,7 +1162,7 @@
     </p:spTree>
     <p:extLst>
       <p:ext uri="{BB962C8B-B14F-4D97-AF65-F5344CB8AC3E}">
-        <p14:creationId xmlns:p14="http://schemas.microsoft.com/office/powerpoint/2010/main" val="3558089255"/>
+        <p14:creationId xmlns:p14="http://schemas.microsoft.com/office/powerpoint/2010/main" val="1627007874"/>
       </p:ext>
     </p:extLst>
   </p:cSld>
@@ -1295,7 +1228,7 @@
     </p:spTree>
     <p:extLst>
       <p:ext uri="{BB962C8B-B14F-4D97-AF65-F5344CB8AC3E}">
-        <p14:creationId xmlns:p14="http://schemas.microsoft.com/office/powerpoint/2010/main" val="1627007874"/>
+        <p14:creationId xmlns:p14="http://schemas.microsoft.com/office/powerpoint/2010/main" val="3566070710"/>
       </p:ext>
     </p:extLst>
   </p:cSld>
@@ -1361,7 +1294,7 @@
     </p:spTree>
     <p:extLst>
       <p:ext uri="{BB962C8B-B14F-4D97-AF65-F5344CB8AC3E}">
-        <p14:creationId xmlns:p14="http://schemas.microsoft.com/office/powerpoint/2010/main" val="3566070710"/>
+        <p14:creationId xmlns:p14="http://schemas.microsoft.com/office/powerpoint/2010/main" val="204485989"/>
       </p:ext>
     </p:extLst>
   </p:cSld>
@@ -4751,64 +4684,6 @@
           <a:p>
             <a:r>
               <a:rPr lang="en-GB" b="1" dirty="0"/>
-              <a:t>Your turn</a:t>
-            </a:r>
-            <a:endParaRPr b="1" dirty="0"/>
-          </a:p>
-        </p:txBody>
-      </p:sp>
-    </p:spTree>
-    <p:extLst>
-      <p:ext uri="{BB962C8B-B14F-4D97-AF65-F5344CB8AC3E}">
-        <p14:creationId xmlns:p14="http://schemas.microsoft.com/office/powerpoint/2010/main" val="4146202654"/>
-      </p:ext>
-    </p:extLst>
-  </p:cSld>
-  <p:clrMapOvr>
-    <a:masterClrMapping/>
-  </p:clrMapOvr>
-  <p:transition spd="med"/>
-</p:sld>
-</file>
-
-<file path=ppt/slides/slide11.xml><?xml version="1.0" encoding="utf-8"?>
-<p:sld xmlns:a="http://schemas.openxmlformats.org/drawingml/2006/main" xmlns:r="http://schemas.openxmlformats.org/officeDocument/2006/relationships" xmlns:p="http://schemas.openxmlformats.org/presentationml/2006/main">
-  <p:cSld>
-    <p:spTree>
-      <p:nvGrpSpPr>
-        <p:cNvPr id="1" name=""/>
-        <p:cNvGrpSpPr/>
-        <p:nvPr/>
-      </p:nvGrpSpPr>
-      <p:grpSpPr>
-        <a:xfrm>
-          <a:off x="0" y="0"/>
-          <a:ext cx="0" cy="0"/>
-          <a:chOff x="0" y="0"/>
-          <a:chExt cx="0" cy="0"/>
-        </a:xfrm>
-      </p:grpSpPr>
-      <p:sp>
-        <p:nvSpPr>
-          <p:cNvPr id="213" name="Your exam"/>
-          <p:cNvSpPr txBox="1">
-            <a:spLocks noGrp="1"/>
-          </p:cNvSpPr>
-          <p:nvPr>
-            <p:ph type="title"/>
-          </p:nvPr>
-        </p:nvSpPr>
-        <p:spPr>
-          <a:prstGeom prst="rect">
-            <a:avLst/>
-          </a:prstGeom>
-        </p:spPr>
-        <p:txBody>
-          <a:bodyPr/>
-          <a:lstStyle/>
-          <a:p>
-            <a:r>
-              <a:rPr lang="en-GB" b="1" dirty="0"/>
               <a:t>Data interception</a:t>
             </a:r>
             <a:endParaRPr b="1" dirty="0"/>
@@ -6171,7 +6046,7 @@
 </p:sld>
 </file>
 
-<file path=ppt/slides/slide12.xml><?xml version="1.0" encoding="utf-8"?>
+<file path=ppt/slides/slide11.xml><?xml version="1.0" encoding="utf-8"?>
 <p:sld xmlns:a="http://schemas.openxmlformats.org/drawingml/2006/main" xmlns:r="http://schemas.openxmlformats.org/officeDocument/2006/relationships" xmlns:p="http://schemas.openxmlformats.org/presentationml/2006/main">
   <p:cSld>
     <p:spTree>
@@ -7373,7 +7248,7 @@
 </p:sld>
 </file>
 
-<file path=ppt/slides/slide13.xml><?xml version="1.0" encoding="utf-8"?>
+<file path=ppt/slides/slide12.xml><?xml version="1.0" encoding="utf-8"?>
 <p:sld xmlns:a="http://schemas.openxmlformats.org/drawingml/2006/main" xmlns:r="http://schemas.openxmlformats.org/officeDocument/2006/relationships" xmlns:p="http://schemas.openxmlformats.org/presentationml/2006/main">
   <p:cSld>
     <p:spTree>
@@ -17515,17 +17390,31 @@
           </p:nvPr>
         </p:nvSpPr>
         <p:spPr>
+          <a:xfrm>
+            <a:off x="1219200" y="3906982"/>
+            <a:ext cx="21945600" cy="5902036"/>
+          </a:xfrm>
           <a:prstGeom prst="rect">
             <a:avLst/>
           </a:prstGeom>
         </p:spPr>
         <p:txBody>
-          <a:bodyPr/>
+          <a:bodyPr anchor="ctr">
+            <a:normAutofit/>
+          </a:bodyPr>
           <a:lstStyle/>
           <a:p>
+            <a:pPr algn="ctr"/>
             <a:r>
               <a:rPr lang="en-GB" b="1" dirty="0"/>
-              <a:t>Your turn</a:t>
+              <a:t>Your turn:</a:t>
+            </a:r>
+            <a:br>
+              <a:rPr lang="en-GB" b="1" dirty="0"/>
+            </a:br>
+            <a:r>
+              <a:rPr lang="en-GB" sz="9600" b="1" dirty="0"/>
+              <a:t>User Access levels &amp; Passwords</a:t>
             </a:r>
             <a:endParaRPr b="1" dirty="0"/>
           </a:p>
@@ -17816,64 +17705,6 @@
 </file>
 
 <file path=ppt/slides/slide7.xml><?xml version="1.0" encoding="utf-8"?>
-<p:sld xmlns:a="http://schemas.openxmlformats.org/drawingml/2006/main" xmlns:r="http://schemas.openxmlformats.org/officeDocument/2006/relationships" xmlns:p="http://schemas.openxmlformats.org/presentationml/2006/main">
-  <p:cSld>
-    <p:spTree>
-      <p:nvGrpSpPr>
-        <p:cNvPr id="1" name=""/>
-        <p:cNvGrpSpPr/>
-        <p:nvPr/>
-      </p:nvGrpSpPr>
-      <p:grpSpPr>
-        <a:xfrm>
-          <a:off x="0" y="0"/>
-          <a:ext cx="0" cy="0"/>
-          <a:chOff x="0" y="0"/>
-          <a:chExt cx="0" cy="0"/>
-        </a:xfrm>
-      </p:grpSpPr>
-      <p:sp>
-        <p:nvSpPr>
-          <p:cNvPr id="213" name="Your exam"/>
-          <p:cNvSpPr txBox="1">
-            <a:spLocks noGrp="1"/>
-          </p:cNvSpPr>
-          <p:nvPr>
-            <p:ph type="title"/>
-          </p:nvPr>
-        </p:nvSpPr>
-        <p:spPr>
-          <a:prstGeom prst="rect">
-            <a:avLst/>
-          </a:prstGeom>
-        </p:spPr>
-        <p:txBody>
-          <a:bodyPr/>
-          <a:lstStyle/>
-          <a:p>
-            <a:r>
-              <a:rPr lang="en-GB" b="1" dirty="0"/>
-              <a:t>Your turn</a:t>
-            </a:r>
-            <a:endParaRPr b="1" dirty="0"/>
-          </a:p>
-        </p:txBody>
-      </p:sp>
-    </p:spTree>
-    <p:extLst>
-      <p:ext uri="{BB962C8B-B14F-4D97-AF65-F5344CB8AC3E}">
-        <p14:creationId xmlns:p14="http://schemas.microsoft.com/office/powerpoint/2010/main" val="821530120"/>
-      </p:ext>
-    </p:extLst>
-  </p:cSld>
-  <p:clrMapOvr>
-    <a:masterClrMapping/>
-  </p:clrMapOvr>
-  <p:transition spd="med"/>
-</p:sld>
-</file>
-
-<file path=ppt/slides/slide8.xml><?xml version="1.0" encoding="utf-8"?>
 <p:sld xmlns:a="http://schemas.openxmlformats.org/drawingml/2006/main" xmlns:r="http://schemas.openxmlformats.org/officeDocument/2006/relationships" xmlns:p="http://schemas.openxmlformats.org/presentationml/2006/main">
   <p:cSld>
     <p:spTree>
@@ -19460,7 +19291,7 @@
 </p:sld>
 </file>
 
-<file path=ppt/slides/slide9.xml><?xml version="1.0" encoding="utf-8"?>
+<file path=ppt/slides/slide8.xml><?xml version="1.0" encoding="utf-8"?>
 <p:sld xmlns:a="http://schemas.openxmlformats.org/drawingml/2006/main" xmlns:r="http://schemas.openxmlformats.org/officeDocument/2006/relationships" xmlns:p="http://schemas.openxmlformats.org/presentationml/2006/main">
   <p:cSld>
     <p:spTree>
@@ -19905,6 +19736,78 @@
       <p:bldP spid="3" grpId="0" uiExpand="1" build="p"/>
     </p:bldLst>
   </p:timing>
+</p:sld>
+</file>
+
+<file path=ppt/slides/slide9.xml><?xml version="1.0" encoding="utf-8"?>
+<p:sld xmlns:a="http://schemas.openxmlformats.org/drawingml/2006/main" xmlns:r="http://schemas.openxmlformats.org/officeDocument/2006/relationships" xmlns:p="http://schemas.openxmlformats.org/presentationml/2006/main">
+  <p:cSld>
+    <p:spTree>
+      <p:nvGrpSpPr>
+        <p:cNvPr id="1" name=""/>
+        <p:cNvGrpSpPr/>
+        <p:nvPr/>
+      </p:nvGrpSpPr>
+      <p:grpSpPr>
+        <a:xfrm>
+          <a:off x="0" y="0"/>
+          <a:ext cx="0" cy="0"/>
+          <a:chOff x="0" y="0"/>
+          <a:chExt cx="0" cy="0"/>
+        </a:xfrm>
+      </p:grpSpPr>
+      <p:sp>
+        <p:nvSpPr>
+          <p:cNvPr id="213" name="Your exam"/>
+          <p:cNvSpPr txBox="1">
+            <a:spLocks noGrp="1"/>
+          </p:cNvSpPr>
+          <p:nvPr>
+            <p:ph type="title"/>
+          </p:nvPr>
+        </p:nvSpPr>
+        <p:spPr>
+          <a:xfrm>
+            <a:off x="1219200" y="3906982"/>
+            <a:ext cx="21945600" cy="5902036"/>
+          </a:xfrm>
+          <a:prstGeom prst="rect">
+            <a:avLst/>
+          </a:prstGeom>
+        </p:spPr>
+        <p:txBody>
+          <a:bodyPr anchor="ctr">
+            <a:normAutofit/>
+          </a:bodyPr>
+          <a:lstStyle/>
+          <a:p>
+            <a:pPr algn="ctr"/>
+            <a:r>
+              <a:rPr lang="en-GB" b="1" dirty="0"/>
+              <a:t>Your turn:</a:t>
+            </a:r>
+            <a:br>
+              <a:rPr lang="en-GB" b="1" dirty="0"/>
+            </a:br>
+            <a:r>
+              <a:rPr lang="en-GB" sz="9600" b="1" dirty="0"/>
+              <a:t>Anti-malware &amp; firewalls</a:t>
+            </a:r>
+            <a:endParaRPr b="1" dirty="0"/>
+          </a:p>
+        </p:txBody>
+      </p:sp>
+    </p:spTree>
+    <p:extLst>
+      <p:ext uri="{BB962C8B-B14F-4D97-AF65-F5344CB8AC3E}">
+        <p14:creationId xmlns:p14="http://schemas.microsoft.com/office/powerpoint/2010/main" val="3168974271"/>
+      </p:ext>
+    </p:extLst>
+  </p:cSld>
+  <p:clrMapOvr>
+    <a:masterClrMapping/>
+  </p:clrMapOvr>
+  <p:transition spd="med"/>
 </p:sld>
 </file>
 

--- a/Y10/L2/L2.pptx
+++ b/Y10/L2/L2.pptx
@@ -5,7 +5,7 @@
     <p:sldMasterId id="2147483648" r:id="rId1"/>
   </p:sldMasterIdLst>
   <p:notesMasterIdLst>
-    <p:notesMasterId r:id="rId22"/>
+    <p:notesMasterId r:id="rId21"/>
   </p:notesMasterIdLst>
   <p:sldIdLst>
     <p:sldId id="256" r:id="rId2"/>
@@ -26,8 +26,7 @@
     <p:sldId id="292" r:id="rId17"/>
     <p:sldId id="293" r:id="rId18"/>
     <p:sldId id="296" r:id="rId19"/>
-    <p:sldId id="295" r:id="rId20"/>
-    <p:sldId id="294" r:id="rId21"/>
+    <p:sldId id="294" r:id="rId20"/>
   </p:sldIdLst>
   <p:sldSz cx="24384000" cy="13716000"/>
   <p:notesSz cx="9144000" cy="6858000"/>
@@ -24519,7 +24518,7 @@
                   <a:srgbClr val="FFFFFF"/>
                 </a:solidFill>
               </a:rPr>
-              <a:t>Caesar cypher</a:t>
+              <a:t>Caesar cypher questions</a:t>
             </a:r>
             <a:endParaRPr lang="en-GB" sz="13900" b="1" dirty="0">
               <a:solidFill>
@@ -24532,7 +24531,7 @@
     </p:spTree>
     <p:extLst>
       <p:ext uri="{BB962C8B-B14F-4D97-AF65-F5344CB8AC3E}">
-        <p14:creationId xmlns:p14="http://schemas.microsoft.com/office/powerpoint/2010/main" val="1976341005"/>
+        <p14:creationId xmlns:p14="http://schemas.microsoft.com/office/powerpoint/2010/main" val="3565036686"/>
       </p:ext>
     </p:extLst>
   </p:cSld>
@@ -25002,333 +25001,6 @@
       <p:bldP spid="3" grpId="0" uiExpand="1" build="p"/>
     </p:bldLst>
   </p:timing>
-</p:sld>
-</file>
-
-<file path=ppt/slides/slide20.xml><?xml version="1.0" encoding="utf-8"?>
-<p:sld xmlns:a="http://schemas.openxmlformats.org/drawingml/2006/main" xmlns:r="http://schemas.openxmlformats.org/officeDocument/2006/relationships" xmlns:p="http://schemas.openxmlformats.org/presentationml/2006/main">
-  <p:cSld>
-    <p:spTree>
-      <p:nvGrpSpPr>
-        <p:cNvPr id="1" name=""/>
-        <p:cNvGrpSpPr/>
-        <p:nvPr/>
-      </p:nvGrpSpPr>
-      <p:grpSpPr>
-        <a:xfrm>
-          <a:off x="0" y="0"/>
-          <a:ext cx="0" cy="0"/>
-          <a:chOff x="0" y="0"/>
-          <a:chExt cx="0" cy="0"/>
-        </a:xfrm>
-      </p:grpSpPr>
-      <p:sp>
-        <p:nvSpPr>
-          <p:cNvPr id="3" name="Your exam">
-            <a:extLst>
-              <a:ext uri="{FF2B5EF4-FFF2-40B4-BE49-F238E27FC236}">
-                <a16:creationId xmlns:a16="http://schemas.microsoft.com/office/drawing/2014/main" id="{556BF657-BA6F-71E8-4CB3-C2538BB11BF2}"/>
-              </a:ext>
-            </a:extLst>
-          </p:cNvPr>
-          <p:cNvSpPr txBox="1">
-            <a:spLocks/>
-          </p:cNvSpPr>
-          <p:nvPr/>
-        </p:nvSpPr>
-        <p:spPr>
-          <a:xfrm>
-            <a:off x="1219200" y="3906982"/>
-            <a:ext cx="21945600" cy="5902036"/>
-          </a:xfrm>
-          <a:prstGeom prst="rect">
-            <a:avLst/>
-          </a:prstGeom>
-        </p:spPr>
-        <p:txBody>
-          <a:bodyPr anchor="ctr">
-            <a:normAutofit/>
-          </a:bodyPr>
-          <a:lstStyle>
-            <a:lvl1pPr marL="0" marR="0" indent="0" algn="l" defTabSz="825500" rtl="0" latinLnBrk="0">
-              <a:lnSpc>
-                <a:spcPct val="80000"/>
-              </a:lnSpc>
-              <a:spcBef>
-                <a:spcPts val="0"/>
-              </a:spcBef>
-              <a:spcAft>
-                <a:spcPts val="0"/>
-              </a:spcAft>
-              <a:buClrTx/>
-              <a:buSzTx/>
-              <a:buFontTx/>
-              <a:buNone/>
-              <a:tabLst/>
-              <a:defRPr sz="11600" b="0" i="0" u="none" strike="noStrike" cap="all" spc="-116" baseline="0">
-                <a:solidFill>
-                  <a:srgbClr val="00BFF3"/>
-                </a:solidFill>
-                <a:uFillTx/>
-                <a:latin typeface="+mn-lt"/>
-                <a:ea typeface="+mn-ea"/>
-                <a:cs typeface="+mn-cs"/>
-                <a:sym typeface="Druk Medium"/>
-              </a:defRPr>
-            </a:lvl1pPr>
-            <a:lvl2pPr marL="0" marR="0" indent="457200" algn="l" defTabSz="825500" rtl="0" latinLnBrk="0">
-              <a:lnSpc>
-                <a:spcPct val="80000"/>
-              </a:lnSpc>
-              <a:spcBef>
-                <a:spcPts val="0"/>
-              </a:spcBef>
-              <a:spcAft>
-                <a:spcPts val="0"/>
-              </a:spcAft>
-              <a:buClrTx/>
-              <a:buSzTx/>
-              <a:buFontTx/>
-              <a:buNone/>
-              <a:tabLst/>
-              <a:defRPr sz="11600" b="0" i="0" u="none" strike="noStrike" cap="all" spc="-116" baseline="0">
-                <a:solidFill>
-                  <a:srgbClr val="00BFF3"/>
-                </a:solidFill>
-                <a:uFillTx/>
-                <a:latin typeface="+mn-lt"/>
-                <a:ea typeface="+mn-ea"/>
-                <a:cs typeface="+mn-cs"/>
-                <a:sym typeface="Druk Medium"/>
-              </a:defRPr>
-            </a:lvl2pPr>
-            <a:lvl3pPr marL="0" marR="0" indent="914400" algn="l" defTabSz="825500" rtl="0" latinLnBrk="0">
-              <a:lnSpc>
-                <a:spcPct val="80000"/>
-              </a:lnSpc>
-              <a:spcBef>
-                <a:spcPts val="0"/>
-              </a:spcBef>
-              <a:spcAft>
-                <a:spcPts val="0"/>
-              </a:spcAft>
-              <a:buClrTx/>
-              <a:buSzTx/>
-              <a:buFontTx/>
-              <a:buNone/>
-              <a:tabLst/>
-              <a:defRPr sz="11600" b="0" i="0" u="none" strike="noStrike" cap="all" spc="-116" baseline="0">
-                <a:solidFill>
-                  <a:srgbClr val="00BFF3"/>
-                </a:solidFill>
-                <a:uFillTx/>
-                <a:latin typeface="+mn-lt"/>
-                <a:ea typeface="+mn-ea"/>
-                <a:cs typeface="+mn-cs"/>
-                <a:sym typeface="Druk Medium"/>
-              </a:defRPr>
-            </a:lvl3pPr>
-            <a:lvl4pPr marL="0" marR="0" indent="1371600" algn="l" defTabSz="825500" rtl="0" latinLnBrk="0">
-              <a:lnSpc>
-                <a:spcPct val="80000"/>
-              </a:lnSpc>
-              <a:spcBef>
-                <a:spcPts val="0"/>
-              </a:spcBef>
-              <a:spcAft>
-                <a:spcPts val="0"/>
-              </a:spcAft>
-              <a:buClrTx/>
-              <a:buSzTx/>
-              <a:buFontTx/>
-              <a:buNone/>
-              <a:tabLst/>
-              <a:defRPr sz="11600" b="0" i="0" u="none" strike="noStrike" cap="all" spc="-116" baseline="0">
-                <a:solidFill>
-                  <a:srgbClr val="00BFF3"/>
-                </a:solidFill>
-                <a:uFillTx/>
-                <a:latin typeface="+mn-lt"/>
-                <a:ea typeface="+mn-ea"/>
-                <a:cs typeface="+mn-cs"/>
-                <a:sym typeface="Druk Medium"/>
-              </a:defRPr>
-            </a:lvl4pPr>
-            <a:lvl5pPr marL="0" marR="0" indent="1828800" algn="l" defTabSz="825500" rtl="0" latinLnBrk="0">
-              <a:lnSpc>
-                <a:spcPct val="80000"/>
-              </a:lnSpc>
-              <a:spcBef>
-                <a:spcPts val="0"/>
-              </a:spcBef>
-              <a:spcAft>
-                <a:spcPts val="0"/>
-              </a:spcAft>
-              <a:buClrTx/>
-              <a:buSzTx/>
-              <a:buFontTx/>
-              <a:buNone/>
-              <a:tabLst/>
-              <a:defRPr sz="11600" b="0" i="0" u="none" strike="noStrike" cap="all" spc="-116" baseline="0">
-                <a:solidFill>
-                  <a:srgbClr val="00BFF3"/>
-                </a:solidFill>
-                <a:uFillTx/>
-                <a:latin typeface="+mn-lt"/>
-                <a:ea typeface="+mn-ea"/>
-                <a:cs typeface="+mn-cs"/>
-                <a:sym typeface="Druk Medium"/>
-              </a:defRPr>
-            </a:lvl5pPr>
-            <a:lvl6pPr marL="0" marR="0" indent="2286000" algn="l" defTabSz="825500" rtl="0" latinLnBrk="0">
-              <a:lnSpc>
-                <a:spcPct val="80000"/>
-              </a:lnSpc>
-              <a:spcBef>
-                <a:spcPts val="0"/>
-              </a:spcBef>
-              <a:spcAft>
-                <a:spcPts val="0"/>
-              </a:spcAft>
-              <a:buClrTx/>
-              <a:buSzTx/>
-              <a:buFontTx/>
-              <a:buNone/>
-              <a:tabLst/>
-              <a:defRPr sz="11600" b="0" i="0" u="none" strike="noStrike" cap="all" spc="-116" baseline="0">
-                <a:solidFill>
-                  <a:srgbClr val="00BFF3"/>
-                </a:solidFill>
-                <a:uFillTx/>
-                <a:latin typeface="+mn-lt"/>
-                <a:ea typeface="+mn-ea"/>
-                <a:cs typeface="+mn-cs"/>
-                <a:sym typeface="Druk Medium"/>
-              </a:defRPr>
-            </a:lvl6pPr>
-            <a:lvl7pPr marL="0" marR="0" indent="2743200" algn="l" defTabSz="825500" rtl="0" latinLnBrk="0">
-              <a:lnSpc>
-                <a:spcPct val="80000"/>
-              </a:lnSpc>
-              <a:spcBef>
-                <a:spcPts val="0"/>
-              </a:spcBef>
-              <a:spcAft>
-                <a:spcPts val="0"/>
-              </a:spcAft>
-              <a:buClrTx/>
-              <a:buSzTx/>
-              <a:buFontTx/>
-              <a:buNone/>
-              <a:tabLst/>
-              <a:defRPr sz="11600" b="0" i="0" u="none" strike="noStrike" cap="all" spc="-116" baseline="0">
-                <a:solidFill>
-                  <a:srgbClr val="00BFF3"/>
-                </a:solidFill>
-                <a:uFillTx/>
-                <a:latin typeface="+mn-lt"/>
-                <a:ea typeface="+mn-ea"/>
-                <a:cs typeface="+mn-cs"/>
-                <a:sym typeface="Druk Medium"/>
-              </a:defRPr>
-            </a:lvl7pPr>
-            <a:lvl8pPr marL="0" marR="0" indent="3200400" algn="l" defTabSz="825500" rtl="0" latinLnBrk="0">
-              <a:lnSpc>
-                <a:spcPct val="80000"/>
-              </a:lnSpc>
-              <a:spcBef>
-                <a:spcPts val="0"/>
-              </a:spcBef>
-              <a:spcAft>
-                <a:spcPts val="0"/>
-              </a:spcAft>
-              <a:buClrTx/>
-              <a:buSzTx/>
-              <a:buFontTx/>
-              <a:buNone/>
-              <a:tabLst/>
-              <a:defRPr sz="11600" b="0" i="0" u="none" strike="noStrike" cap="all" spc="-116" baseline="0">
-                <a:solidFill>
-                  <a:srgbClr val="00BFF3"/>
-                </a:solidFill>
-                <a:uFillTx/>
-                <a:latin typeface="+mn-lt"/>
-                <a:ea typeface="+mn-ea"/>
-                <a:cs typeface="+mn-cs"/>
-                <a:sym typeface="Druk Medium"/>
-              </a:defRPr>
-            </a:lvl8pPr>
-            <a:lvl9pPr marL="0" marR="0" indent="3657600" algn="l" defTabSz="825500" rtl="0" latinLnBrk="0">
-              <a:lnSpc>
-                <a:spcPct val="80000"/>
-              </a:lnSpc>
-              <a:spcBef>
-                <a:spcPts val="0"/>
-              </a:spcBef>
-              <a:spcAft>
-                <a:spcPts val="0"/>
-              </a:spcAft>
-              <a:buClrTx/>
-              <a:buSzTx/>
-              <a:buFontTx/>
-              <a:buNone/>
-              <a:tabLst/>
-              <a:defRPr sz="11600" b="0" i="0" u="none" strike="noStrike" cap="all" spc="-116" baseline="0">
-                <a:solidFill>
-                  <a:srgbClr val="00BFF3"/>
-                </a:solidFill>
-                <a:uFillTx/>
-                <a:latin typeface="+mn-lt"/>
-                <a:ea typeface="+mn-ea"/>
-                <a:cs typeface="+mn-cs"/>
-                <a:sym typeface="Druk Medium"/>
-              </a:defRPr>
-            </a:lvl9pPr>
-          </a:lstStyle>
-          <a:p>
-            <a:pPr algn="ctr" hangingPunct="1"/>
-            <a:r>
-              <a:rPr lang="en-GB" sz="13900" b="1" dirty="0">
-                <a:solidFill>
-                  <a:srgbClr val="FFFFFF"/>
-                </a:solidFill>
-              </a:rPr>
-              <a:t>homework:</a:t>
-            </a:r>
-            <a:br>
-              <a:rPr lang="en-GB" sz="13900" b="1" dirty="0">
-                <a:solidFill>
-                  <a:srgbClr val="FFFFFF"/>
-                </a:solidFill>
-              </a:rPr>
-            </a:br>
-            <a:r>
-              <a:rPr lang="en-GB" sz="11500" b="1" dirty="0">
-                <a:solidFill>
-                  <a:srgbClr val="FFFFFF"/>
-                </a:solidFill>
-              </a:rPr>
-              <a:t>Caesar cypher questions</a:t>
-            </a:r>
-            <a:endParaRPr lang="en-GB" sz="13900" b="1" dirty="0">
-              <a:solidFill>
-                <a:srgbClr val="FFFFFF"/>
-              </a:solidFill>
-            </a:endParaRPr>
-          </a:p>
-        </p:txBody>
-      </p:sp>
-    </p:spTree>
-    <p:extLst>
-      <p:ext uri="{BB962C8B-B14F-4D97-AF65-F5344CB8AC3E}">
-        <p14:creationId xmlns:p14="http://schemas.microsoft.com/office/powerpoint/2010/main" val="3565036686"/>
-      </p:ext>
-    </p:extLst>
-  </p:cSld>
-  <p:clrMapOvr>
-    <a:masterClrMapping/>
-  </p:clrMapOvr>
-  <p:transition spd="med"/>
 </p:sld>
 </file>
 
